--- a/A Day of JavaScript Slides.pptx
+++ b/A Day of JavaScript Slides.pptx
@@ -5,7 +5,7 @@
     <p:sldMasterId id="2147483648" r:id="rId1"/>
   </p:sldMasterIdLst>
   <p:notesMasterIdLst>
-    <p:notesMasterId r:id="rId89"/>
+    <p:notesMasterId r:id="rId91"/>
   </p:notesMasterIdLst>
   <p:sldIdLst>
     <p:sldId id="460" r:id="rId2"/>
@@ -75,26 +75,28 @@
     <p:sldId id="424" r:id="rId66"/>
     <p:sldId id="448" r:id="rId67"/>
     <p:sldId id="449" r:id="rId68"/>
-    <p:sldId id="450" r:id="rId69"/>
-    <p:sldId id="434" r:id="rId70"/>
-    <p:sldId id="420" r:id="rId71"/>
-    <p:sldId id="430" r:id="rId72"/>
-    <p:sldId id="422" r:id="rId73"/>
-    <p:sldId id="415" r:id="rId74"/>
-    <p:sldId id="416" r:id="rId75"/>
-    <p:sldId id="451" r:id="rId76"/>
-    <p:sldId id="452" r:id="rId77"/>
-    <p:sldId id="455" r:id="rId78"/>
-    <p:sldId id="453" r:id="rId79"/>
-    <p:sldId id="454" r:id="rId80"/>
-    <p:sldId id="456" r:id="rId81"/>
-    <p:sldId id="457" r:id="rId82"/>
-    <p:sldId id="458" r:id="rId83"/>
-    <p:sldId id="459" r:id="rId84"/>
-    <p:sldId id="435" r:id="rId85"/>
-    <p:sldId id="425" r:id="rId86"/>
-    <p:sldId id="428" r:id="rId87"/>
-    <p:sldId id="429" r:id="rId88"/>
+    <p:sldId id="462" r:id="rId69"/>
+    <p:sldId id="450" r:id="rId70"/>
+    <p:sldId id="461" r:id="rId71"/>
+    <p:sldId id="434" r:id="rId72"/>
+    <p:sldId id="420" r:id="rId73"/>
+    <p:sldId id="430" r:id="rId74"/>
+    <p:sldId id="422" r:id="rId75"/>
+    <p:sldId id="415" r:id="rId76"/>
+    <p:sldId id="416" r:id="rId77"/>
+    <p:sldId id="451" r:id="rId78"/>
+    <p:sldId id="452" r:id="rId79"/>
+    <p:sldId id="455" r:id="rId80"/>
+    <p:sldId id="453" r:id="rId81"/>
+    <p:sldId id="454" r:id="rId82"/>
+    <p:sldId id="456" r:id="rId83"/>
+    <p:sldId id="457" r:id="rId84"/>
+    <p:sldId id="458" r:id="rId85"/>
+    <p:sldId id="459" r:id="rId86"/>
+    <p:sldId id="435" r:id="rId87"/>
+    <p:sldId id="425" r:id="rId88"/>
+    <p:sldId id="428" r:id="rId89"/>
+    <p:sldId id="429" r:id="rId90"/>
   </p:sldIdLst>
   <p:sldSz cx="9144000" cy="5143500" type="screen16x9"/>
   <p:notesSz cx="6858000" cy="9144000"/>
@@ -3472,7 +3474,7 @@
           <a:p>
             <a:fld id="{0FF14FD4-8482-CC41-A2CF-24894EA3C62A}" type="slidenum">
               <a:rPr lang="en-US" smtClean="0"/>
-              <a:t>68</a:t>
+              <a:t>69</a:t>
             </a:fld>
             <a:endParaRPr lang="en-US"/>
           </a:p>
@@ -3564,7 +3566,7 @@
           <a:p>
             <a:fld id="{0FF14FD4-8482-CC41-A2CF-24894EA3C62A}" type="slidenum">
               <a:rPr lang="en-US" smtClean="0"/>
-              <a:t>73</a:t>
+              <a:t>75</a:t>
             </a:fld>
             <a:endParaRPr lang="en-US"/>
           </a:p>
@@ -3650,7 +3652,7 @@
           <a:p>
             <a:fld id="{0FF14FD4-8482-CC41-A2CF-24894EA3C62A}" type="slidenum">
               <a:rPr lang="en-US" smtClean="0"/>
-              <a:t>74</a:t>
+              <a:t>76</a:t>
             </a:fld>
             <a:endParaRPr lang="en-US"/>
           </a:p>
@@ -3734,7 +3736,7 @@
           <a:p>
             <a:fld id="{0FF14FD4-8482-CC41-A2CF-24894EA3C62A}" type="slidenum">
               <a:rPr lang="en-US" smtClean="0"/>
-              <a:t>75</a:t>
+              <a:t>77</a:t>
             </a:fld>
             <a:endParaRPr lang="en-US"/>
           </a:p>
@@ -3818,7 +3820,7 @@
           <a:p>
             <a:fld id="{0FF14FD4-8482-CC41-A2CF-24894EA3C62A}" type="slidenum">
               <a:rPr lang="en-US" smtClean="0"/>
-              <a:t>76</a:t>
+              <a:t>78</a:t>
             </a:fld>
             <a:endParaRPr lang="en-US"/>
           </a:p>
@@ -3994,7 +3996,7 @@
           <a:p>
             <a:fld id="{0FF14FD4-8482-CC41-A2CF-24894EA3C62A}" type="slidenum">
               <a:rPr lang="en-US" smtClean="0"/>
-              <a:t>77</a:t>
+              <a:t>79</a:t>
             </a:fld>
             <a:endParaRPr lang="en-US"/>
           </a:p>
@@ -4078,7 +4080,7 @@
           <a:p>
             <a:fld id="{0FF14FD4-8482-CC41-A2CF-24894EA3C62A}" type="slidenum">
               <a:rPr lang="en-US" smtClean="0"/>
-              <a:t>78</a:t>
+              <a:t>80</a:t>
             </a:fld>
             <a:endParaRPr lang="en-US"/>
           </a:p>
@@ -4162,7 +4164,7 @@
           <a:p>
             <a:fld id="{0FF14FD4-8482-CC41-A2CF-24894EA3C62A}" type="slidenum">
               <a:rPr lang="en-US" smtClean="0"/>
-              <a:t>79</a:t>
+              <a:t>81</a:t>
             </a:fld>
             <a:endParaRPr lang="en-US"/>
           </a:p>
@@ -4250,7 +4252,7 @@
           <a:p>
             <a:fld id="{0FF14FD4-8482-CC41-A2CF-24894EA3C62A}" type="slidenum">
               <a:rPr lang="en-US" smtClean="0"/>
-              <a:t>80</a:t>
+              <a:t>82</a:t>
             </a:fld>
             <a:endParaRPr lang="en-US"/>
           </a:p>
@@ -4334,7 +4336,7 @@
           <a:p>
             <a:fld id="{0FF14FD4-8482-CC41-A2CF-24894EA3C62A}" type="slidenum">
               <a:rPr lang="en-US" smtClean="0"/>
-              <a:t>81</a:t>
+              <a:t>83</a:t>
             </a:fld>
             <a:endParaRPr lang="en-US"/>
           </a:p>
@@ -4418,7 +4420,7 @@
           <a:p>
             <a:fld id="{0FF14FD4-8482-CC41-A2CF-24894EA3C62A}" type="slidenum">
               <a:rPr lang="en-US" smtClean="0"/>
-              <a:t>82</a:t>
+              <a:t>84</a:t>
             </a:fld>
             <a:endParaRPr lang="en-US"/>
           </a:p>
@@ -4506,7 +4508,7 @@
           <a:p>
             <a:fld id="{0FF14FD4-8482-CC41-A2CF-24894EA3C62A}" type="slidenum">
               <a:rPr lang="en-US" smtClean="0"/>
-              <a:t>83</a:t>
+              <a:t>85</a:t>
             </a:fld>
             <a:endParaRPr lang="en-US"/>
           </a:p>
@@ -4590,7 +4592,7 @@
           <a:p>
             <a:fld id="{0FF14FD4-8482-CC41-A2CF-24894EA3C62A}" type="slidenum">
               <a:rPr lang="en-US" smtClean="0"/>
-              <a:t>84</a:t>
+              <a:t>86</a:t>
             </a:fld>
             <a:endParaRPr lang="en-US"/>
           </a:p>
@@ -33810,6 +33812,93 @@
       </p:grpSpPr>
       <p:sp>
         <p:nvSpPr>
+          <p:cNvPr id="2" name="Title 1"/>
+          <p:cNvSpPr>
+            <a:spLocks noGrp="1"/>
+          </p:cNvSpPr>
+          <p:nvPr>
+            <p:ph type="ctrTitle"/>
+          </p:nvPr>
+        </p:nvSpPr>
+        <p:spPr/>
+        <p:txBody>
+          <a:bodyPr/>
+          <a:lstStyle/>
+          <a:p>
+            <a:r>
+              <a:rPr lang="en-US" dirty="0" smtClean="0"/>
+              <a:t>DEMO</a:t>
+            </a:r>
+            <a:endParaRPr lang="en-US" dirty="0"/>
+          </a:p>
+        </p:txBody>
+      </p:sp>
+      <p:sp>
+        <p:nvSpPr>
+          <p:cNvPr id="3" name="Content Placeholder 2"/>
+          <p:cNvSpPr>
+            <a:spLocks noGrp="1"/>
+          </p:cNvSpPr>
+          <p:nvPr>
+            <p:ph sz="quarter" idx="11"/>
+          </p:nvPr>
+        </p:nvSpPr>
+        <p:spPr/>
+        <p:txBody>
+          <a:bodyPr/>
+          <a:lstStyle/>
+          <a:p>
+            <a:r>
+              <a:rPr lang="en-US" dirty="0"/>
+              <a:t>Events with </a:t>
+            </a:r>
+            <a:r>
+              <a:rPr lang="en-US" dirty="0" smtClean="0"/>
+              <a:t>JavaScript</a:t>
+            </a:r>
+            <a:endParaRPr lang="en-US" dirty="0"/>
+          </a:p>
+        </p:txBody>
+      </p:sp>
+    </p:spTree>
+    <p:extLst>
+      <p:ext uri="{BB962C8B-B14F-4D97-AF65-F5344CB8AC3E}">
+        <p14:creationId xmlns:p14="http://schemas.microsoft.com/office/powerpoint/2010/main" val="204627006"/>
+      </p:ext>
+    </p:extLst>
+  </p:cSld>
+  <p:clrMapOvr>
+    <a:masterClrMapping/>
+  </p:clrMapOvr>
+  <p:timing>
+    <p:tnLst>
+      <p:par>
+        <p:cTn id="1" dur="indefinite" restart="never" nodeType="tmRoot"/>
+      </p:par>
+    </p:tnLst>
+  </p:timing>
+</p:sld>
+</file>
+
+<file path=ppt/slides/slide69.xml><?xml version="1.0" encoding="utf-8"?>
+<p:sld xmlns:a="http://schemas.openxmlformats.org/drawingml/2006/main" xmlns:r="http://schemas.openxmlformats.org/officeDocument/2006/relationships" xmlns:p="http://schemas.openxmlformats.org/presentationml/2006/main">
+  <p:cSld>
+    <p:spTree>
+      <p:nvGrpSpPr>
+        <p:cNvPr id="1" name=""/>
+        <p:cNvGrpSpPr/>
+        <p:nvPr/>
+      </p:nvGrpSpPr>
+      <p:grpSpPr>
+        <a:xfrm>
+          <a:off x="0" y="0"/>
+          <a:ext cx="0" cy="0"/>
+          <a:chOff x="0" y="0"/>
+          <a:chExt cx="0" cy="0"/>
+        </a:xfrm>
+      </p:grpSpPr>
+      <p:sp>
+        <p:nvSpPr>
           <p:cNvPr id="4" name="Content Placeholder 3"/>
           <p:cNvSpPr>
             <a:spLocks noGrp="1"/>
@@ -34888,931 +34977,6 @@
 </p:sld>
 </file>
 
-<file path=ppt/slides/slide69.xml><?xml version="1.0" encoding="utf-8"?>
-<p:sld xmlns:a="http://schemas.openxmlformats.org/drawingml/2006/main" xmlns:r="http://schemas.openxmlformats.org/officeDocument/2006/relationships" xmlns:p="http://schemas.openxmlformats.org/presentationml/2006/main">
-  <p:cSld>
-    <p:spTree>
-      <p:nvGrpSpPr>
-        <p:cNvPr id="1" name=""/>
-        <p:cNvGrpSpPr/>
-        <p:nvPr/>
-      </p:nvGrpSpPr>
-      <p:grpSpPr>
-        <a:xfrm>
-          <a:off x="0" y="0"/>
-          <a:ext cx="0" cy="0"/>
-          <a:chOff x="0" y="0"/>
-          <a:chExt cx="0" cy="0"/>
-        </a:xfrm>
-      </p:grpSpPr>
-      <p:sp>
-        <p:nvSpPr>
-          <p:cNvPr id="3" name="Content Placeholder 2"/>
-          <p:cNvSpPr>
-            <a:spLocks noGrp="1"/>
-          </p:cNvSpPr>
-          <p:nvPr>
-            <p:ph sz="quarter" idx="11"/>
-          </p:nvPr>
-        </p:nvSpPr>
-        <p:spPr/>
-        <p:txBody>
-          <a:bodyPr/>
-          <a:lstStyle/>
-          <a:p>
-            <a:r>
-              <a:rPr lang="en-US" dirty="0"/>
-              <a:t>Events with JavaScript</a:t>
-            </a:r>
-          </a:p>
-        </p:txBody>
-      </p:sp>
-      <p:sp>
-        <p:nvSpPr>
-          <p:cNvPr id="4" name="Content Placeholder 2"/>
-          <p:cNvSpPr txBox="1">
-            <a:spLocks/>
-          </p:cNvSpPr>
-          <p:nvPr/>
-        </p:nvSpPr>
-        <p:spPr>
-          <a:xfrm>
-            <a:off x="493058" y="968990"/>
-            <a:ext cx="4283658" cy="3397319"/>
-          </a:xfrm>
-          <a:prstGeom prst="rect">
-            <a:avLst/>
-          </a:prstGeom>
-        </p:spPr>
-        <p:txBody>
-          <a:bodyPr/>
-          <a:lstStyle>
-            <a:lvl1pPr marL="251460" indent="-251460" algn="l" defTabSz="914400" rtl="0" eaLnBrk="1" latinLnBrk="0" hangingPunct="1">
-              <a:lnSpc>
-                <a:spcPct val="110000"/>
-              </a:lnSpc>
-              <a:spcBef>
-                <a:spcPts val="800"/>
-              </a:spcBef>
-              <a:buFont typeface="Arial" panose="020B0604020202020204" pitchFamily="34" charset="0"/>
-              <a:buChar char="•"/>
-              <a:defRPr sz="2400" kern="1200">
-                <a:solidFill>
-                  <a:schemeClr val="tx1"/>
-                </a:solidFill>
-                <a:latin typeface="+mn-lt"/>
-                <a:ea typeface="+mn-ea"/>
-                <a:cs typeface="+mn-cs"/>
-              </a:defRPr>
-            </a:lvl1pPr>
-            <a:lvl2pPr marL="742950" indent="-285750" algn="l" defTabSz="914400" rtl="0" eaLnBrk="1" latinLnBrk="0" hangingPunct="1">
-              <a:lnSpc>
-                <a:spcPct val="110000"/>
-              </a:lnSpc>
-              <a:spcBef>
-                <a:spcPts val="800"/>
-              </a:spcBef>
-              <a:buFont typeface="Arial" panose="020B0604020202020204" pitchFamily="34" charset="0"/>
-              <a:buChar char="–"/>
-              <a:defRPr sz="2000" kern="1200">
-                <a:solidFill>
-                  <a:schemeClr val="tx1"/>
-                </a:solidFill>
-                <a:latin typeface="+mn-lt"/>
-                <a:ea typeface="+mn-ea"/>
-                <a:cs typeface="+mn-cs"/>
-              </a:defRPr>
-            </a:lvl2pPr>
-            <a:lvl3pPr marL="1143000" indent="-228600" algn="l" defTabSz="914400" rtl="0" eaLnBrk="1" latinLnBrk="0" hangingPunct="1">
-              <a:lnSpc>
-                <a:spcPct val="110000"/>
-              </a:lnSpc>
-              <a:spcBef>
-                <a:spcPts val="800"/>
-              </a:spcBef>
-              <a:buFont typeface="Arial" panose="020B0604020202020204" pitchFamily="34" charset="0"/>
-              <a:buChar char="•"/>
-              <a:defRPr sz="1800" kern="1200">
-                <a:solidFill>
-                  <a:schemeClr val="tx1"/>
-                </a:solidFill>
-                <a:latin typeface="+mn-lt"/>
-                <a:ea typeface="+mn-ea"/>
-                <a:cs typeface="+mn-cs"/>
-              </a:defRPr>
-            </a:lvl3pPr>
-            <a:lvl4pPr marL="1600200" indent="-228600" algn="l" defTabSz="914400" rtl="0" eaLnBrk="1" latinLnBrk="0" hangingPunct="1">
-              <a:lnSpc>
-                <a:spcPct val="110000"/>
-              </a:lnSpc>
-              <a:spcBef>
-                <a:spcPts val="800"/>
-              </a:spcBef>
-              <a:buFont typeface="Arial" panose="020B0604020202020204" pitchFamily="34" charset="0"/>
-              <a:buChar char="–"/>
-              <a:defRPr sz="1600" kern="1200">
-                <a:solidFill>
-                  <a:schemeClr val="tx1"/>
-                </a:solidFill>
-                <a:latin typeface="+mn-lt"/>
-                <a:ea typeface="+mn-ea"/>
-                <a:cs typeface="+mn-cs"/>
-              </a:defRPr>
-            </a:lvl4pPr>
-            <a:lvl5pPr marL="2057400" indent="-228600" algn="l" defTabSz="914400" rtl="0" eaLnBrk="1" latinLnBrk="0" hangingPunct="1">
-              <a:lnSpc>
-                <a:spcPct val="110000"/>
-              </a:lnSpc>
-              <a:spcBef>
-                <a:spcPts val="800"/>
-              </a:spcBef>
-              <a:buFont typeface="Arial" panose="020B0604020202020204" pitchFamily="34" charset="0"/>
-              <a:buChar char="»"/>
-              <a:defRPr sz="1600" kern="1200">
-                <a:solidFill>
-                  <a:schemeClr val="tx1"/>
-                </a:solidFill>
-                <a:latin typeface="+mn-lt"/>
-                <a:ea typeface="+mn-ea"/>
-                <a:cs typeface="+mn-cs"/>
-              </a:defRPr>
-            </a:lvl5pPr>
-            <a:lvl6pPr marL="2514600" indent="-228600" algn="l" defTabSz="914400" rtl="0" eaLnBrk="1" latinLnBrk="0" hangingPunct="1">
-              <a:spcBef>
-                <a:spcPct val="20000"/>
-              </a:spcBef>
-              <a:buFont typeface="Arial" panose="020B0604020202020204" pitchFamily="34" charset="0"/>
-              <a:buChar char="•"/>
-              <a:defRPr sz="2000" kern="1200">
-                <a:solidFill>
-                  <a:schemeClr val="tx1"/>
-                </a:solidFill>
-                <a:latin typeface="+mn-lt"/>
-                <a:ea typeface="+mn-ea"/>
-                <a:cs typeface="+mn-cs"/>
-              </a:defRPr>
-            </a:lvl6pPr>
-            <a:lvl7pPr marL="2971800" indent="-228600" algn="l" defTabSz="914400" rtl="0" eaLnBrk="1" latinLnBrk="0" hangingPunct="1">
-              <a:spcBef>
-                <a:spcPct val="20000"/>
-              </a:spcBef>
-              <a:buFont typeface="Arial" panose="020B0604020202020204" pitchFamily="34" charset="0"/>
-              <a:buChar char="•"/>
-              <a:defRPr sz="2000" kern="1200">
-                <a:solidFill>
-                  <a:schemeClr val="tx1"/>
-                </a:solidFill>
-                <a:latin typeface="+mn-lt"/>
-                <a:ea typeface="+mn-ea"/>
-                <a:cs typeface="+mn-cs"/>
-              </a:defRPr>
-            </a:lvl7pPr>
-            <a:lvl8pPr marL="3429000" indent="-228600" algn="l" defTabSz="914400" rtl="0" eaLnBrk="1" latinLnBrk="0" hangingPunct="1">
-              <a:spcBef>
-                <a:spcPct val="20000"/>
-              </a:spcBef>
-              <a:buFont typeface="Arial" panose="020B0604020202020204" pitchFamily="34" charset="0"/>
-              <a:buChar char="•"/>
-              <a:defRPr sz="2000" kern="1200">
-                <a:solidFill>
-                  <a:schemeClr val="tx1"/>
-                </a:solidFill>
-                <a:latin typeface="+mn-lt"/>
-                <a:ea typeface="+mn-ea"/>
-                <a:cs typeface="+mn-cs"/>
-              </a:defRPr>
-            </a:lvl8pPr>
-            <a:lvl9pPr marL="3886200" indent="-228600" algn="l" defTabSz="914400" rtl="0" eaLnBrk="1" latinLnBrk="0" hangingPunct="1">
-              <a:spcBef>
-                <a:spcPct val="20000"/>
-              </a:spcBef>
-              <a:buFont typeface="Arial" panose="020B0604020202020204" pitchFamily="34" charset="0"/>
-              <a:buChar char="•"/>
-              <a:defRPr sz="2000" kern="1200">
-                <a:solidFill>
-                  <a:schemeClr val="tx1"/>
-                </a:solidFill>
-                <a:latin typeface="+mn-lt"/>
-                <a:ea typeface="+mn-ea"/>
-                <a:cs typeface="+mn-cs"/>
-              </a:defRPr>
-            </a:lvl9pPr>
-          </a:lstStyle>
-          <a:p>
-            <a:pPr marL="0" indent="0">
-              <a:buFont typeface="Arial" panose="020B0604020202020204" pitchFamily="34" charset="0"/>
-              <a:buNone/>
-            </a:pPr>
-            <a:r>
-              <a:rPr lang="en-US" sz="1500" b="1" dirty="0" smtClean="0">
-                <a:latin typeface="Open Sans Extrabold" charset="0"/>
-                <a:ea typeface="Open Sans Extrabold" charset="0"/>
-                <a:cs typeface="Open Sans Extrabold" charset="0"/>
-              </a:rPr>
-              <a:t>Inline Event Handler</a:t>
-            </a:r>
-          </a:p>
-          <a:p>
-            <a:pPr marL="0" indent="0">
-              <a:buNone/>
-            </a:pPr>
-            <a:r>
-              <a:rPr lang="en-US" sz="1600" dirty="0"/>
-              <a:t>&lt;a </a:t>
-            </a:r>
-            <a:r>
-              <a:rPr lang="en-US" sz="1600" dirty="0" err="1"/>
-              <a:t>href</a:t>
-            </a:r>
-            <a:r>
-              <a:rPr lang="en-US" sz="1600" dirty="0"/>
-              <a:t>="#” </a:t>
-            </a:r>
-            <a:r>
-              <a:rPr lang="en-US" sz="1600" dirty="0" err="1"/>
-              <a:t>onclick</a:t>
-            </a:r>
-            <a:r>
-              <a:rPr lang="en-US" sz="1600" dirty="0"/>
-              <a:t>=”//JS here;"&gt;Link&lt;/a&gt;</a:t>
-            </a:r>
-          </a:p>
-          <a:p>
-            <a:pPr marL="0" indent="0">
-              <a:buNone/>
-            </a:pPr>
-            <a:endParaRPr lang="en-US" sz="1000" b="1" dirty="0">
-              <a:latin typeface="Open Sans Extrabold" charset="0"/>
-              <a:ea typeface="Open Sans Extrabold" charset="0"/>
-              <a:cs typeface="Open Sans Extrabold" charset="0"/>
-            </a:endParaRPr>
-          </a:p>
-          <a:p>
-            <a:pPr marL="0" indent="0">
-              <a:buNone/>
-            </a:pPr>
-            <a:r>
-              <a:rPr lang="en-US" sz="1500" b="1" dirty="0" smtClean="0">
-                <a:latin typeface="Open Sans Extrabold" charset="0"/>
-                <a:ea typeface="Open Sans Extrabold" charset="0"/>
-                <a:cs typeface="Open Sans Extrabold" charset="0"/>
-              </a:rPr>
-              <a:t>Event Listener</a:t>
-            </a:r>
-            <a:endParaRPr lang="en-US" sz="1500" dirty="0" smtClean="0"/>
-          </a:p>
-          <a:p>
-            <a:pPr marL="0" indent="0">
-              <a:buFont typeface="Arial" panose="020B0604020202020204" pitchFamily="34" charset="0"/>
-              <a:buNone/>
-            </a:pPr>
-            <a:r>
-              <a:rPr lang="en-US" sz="1500" dirty="0" err="1" smtClean="0"/>
-              <a:t>el.addEventListener</a:t>
-            </a:r>
-            <a:r>
-              <a:rPr lang="en-US" sz="1500" dirty="0" smtClean="0"/>
-              <a:t>( ‘event’, function, false) </a:t>
-            </a:r>
-          </a:p>
-          <a:p>
-            <a:pPr marL="0" indent="0">
-              <a:buNone/>
-            </a:pPr>
-            <a:r>
-              <a:rPr lang="en-US" sz="1500" dirty="0" err="1" smtClean="0"/>
-              <a:t>el.removeEventListener</a:t>
-            </a:r>
-            <a:r>
-              <a:rPr lang="en-US" sz="1500" dirty="0"/>
-              <a:t>( ‘event’, function, false) </a:t>
-            </a:r>
-          </a:p>
-          <a:p>
-            <a:pPr marL="0" indent="0">
-              <a:buFont typeface="Arial" panose="020B0604020202020204" pitchFamily="34" charset="0"/>
-              <a:buNone/>
-            </a:pPr>
-            <a:endParaRPr lang="en-US" sz="1500" dirty="0" smtClean="0"/>
-          </a:p>
-        </p:txBody>
-      </p:sp>
-      <p:sp>
-        <p:nvSpPr>
-          <p:cNvPr id="5" name="Content Placeholder 2"/>
-          <p:cNvSpPr txBox="1">
-            <a:spLocks/>
-          </p:cNvSpPr>
-          <p:nvPr/>
-        </p:nvSpPr>
-        <p:spPr>
-          <a:xfrm>
-            <a:off x="5245290" y="968990"/>
-            <a:ext cx="3898710" cy="1787858"/>
-          </a:xfrm>
-          <a:prstGeom prst="rect">
-            <a:avLst/>
-          </a:prstGeom>
-        </p:spPr>
-        <p:txBody>
-          <a:bodyPr vert="horz" lIns="0" tIns="0" rIns="0" bIns="0" rtlCol="0">
-            <a:noAutofit/>
-          </a:bodyPr>
-          <a:lstStyle>
-            <a:lvl1pPr marL="251460" indent="-251460" algn="l" defTabSz="914400" rtl="0" eaLnBrk="1" latinLnBrk="0" hangingPunct="1">
-              <a:lnSpc>
-                <a:spcPct val="110000"/>
-              </a:lnSpc>
-              <a:spcBef>
-                <a:spcPts val="800"/>
-              </a:spcBef>
-              <a:buFont typeface="Arial" panose="020B0604020202020204" pitchFamily="34" charset="0"/>
-              <a:buChar char="•"/>
-              <a:defRPr sz="2400" kern="1200">
-                <a:solidFill>
-                  <a:schemeClr val="tx1"/>
-                </a:solidFill>
-                <a:latin typeface="+mn-lt"/>
-                <a:ea typeface="+mn-ea"/>
-                <a:cs typeface="+mn-cs"/>
-              </a:defRPr>
-            </a:lvl1pPr>
-            <a:lvl2pPr marL="742950" indent="-285750" algn="l" defTabSz="914400" rtl="0" eaLnBrk="1" latinLnBrk="0" hangingPunct="1">
-              <a:lnSpc>
-                <a:spcPct val="110000"/>
-              </a:lnSpc>
-              <a:spcBef>
-                <a:spcPts val="800"/>
-              </a:spcBef>
-              <a:buFont typeface="Arial" panose="020B0604020202020204" pitchFamily="34" charset="0"/>
-              <a:buChar char="–"/>
-              <a:defRPr sz="2000" kern="1200">
-                <a:solidFill>
-                  <a:schemeClr val="tx1"/>
-                </a:solidFill>
-                <a:latin typeface="+mn-lt"/>
-                <a:ea typeface="+mn-ea"/>
-                <a:cs typeface="+mn-cs"/>
-              </a:defRPr>
-            </a:lvl2pPr>
-            <a:lvl3pPr marL="1143000" indent="-228600" algn="l" defTabSz="914400" rtl="0" eaLnBrk="1" latinLnBrk="0" hangingPunct="1">
-              <a:lnSpc>
-                <a:spcPct val="110000"/>
-              </a:lnSpc>
-              <a:spcBef>
-                <a:spcPts val="800"/>
-              </a:spcBef>
-              <a:buFont typeface="Arial" panose="020B0604020202020204" pitchFamily="34" charset="0"/>
-              <a:buChar char="•"/>
-              <a:defRPr sz="1800" kern="1200">
-                <a:solidFill>
-                  <a:schemeClr val="tx1"/>
-                </a:solidFill>
-                <a:latin typeface="+mn-lt"/>
-                <a:ea typeface="+mn-ea"/>
-                <a:cs typeface="+mn-cs"/>
-              </a:defRPr>
-            </a:lvl3pPr>
-            <a:lvl4pPr marL="1600200" indent="-228600" algn="l" defTabSz="914400" rtl="0" eaLnBrk="1" latinLnBrk="0" hangingPunct="1">
-              <a:lnSpc>
-                <a:spcPct val="110000"/>
-              </a:lnSpc>
-              <a:spcBef>
-                <a:spcPts val="800"/>
-              </a:spcBef>
-              <a:buFont typeface="Arial" panose="020B0604020202020204" pitchFamily="34" charset="0"/>
-              <a:buChar char="–"/>
-              <a:defRPr sz="1600" kern="1200">
-                <a:solidFill>
-                  <a:schemeClr val="tx1"/>
-                </a:solidFill>
-                <a:latin typeface="+mn-lt"/>
-                <a:ea typeface="+mn-ea"/>
-                <a:cs typeface="+mn-cs"/>
-              </a:defRPr>
-            </a:lvl4pPr>
-            <a:lvl5pPr marL="2057400" indent="-228600" algn="l" defTabSz="914400" rtl="0" eaLnBrk="1" latinLnBrk="0" hangingPunct="1">
-              <a:lnSpc>
-                <a:spcPct val="110000"/>
-              </a:lnSpc>
-              <a:spcBef>
-                <a:spcPts val="800"/>
-              </a:spcBef>
-              <a:buFont typeface="Arial" panose="020B0604020202020204" pitchFamily="34" charset="0"/>
-              <a:buChar char="»"/>
-              <a:defRPr sz="1600" kern="1200">
-                <a:solidFill>
-                  <a:schemeClr val="tx1"/>
-                </a:solidFill>
-                <a:latin typeface="+mn-lt"/>
-                <a:ea typeface="+mn-ea"/>
-                <a:cs typeface="+mn-cs"/>
-              </a:defRPr>
-            </a:lvl5pPr>
-            <a:lvl6pPr marL="2514600" indent="-228600" algn="l" defTabSz="914400" rtl="0" eaLnBrk="1" latinLnBrk="0" hangingPunct="1">
-              <a:spcBef>
-                <a:spcPct val="20000"/>
-              </a:spcBef>
-              <a:buFont typeface="Arial" panose="020B0604020202020204" pitchFamily="34" charset="0"/>
-              <a:buChar char="•"/>
-              <a:defRPr sz="2000" kern="1200">
-                <a:solidFill>
-                  <a:schemeClr val="tx1"/>
-                </a:solidFill>
-                <a:latin typeface="+mn-lt"/>
-                <a:ea typeface="+mn-ea"/>
-                <a:cs typeface="+mn-cs"/>
-              </a:defRPr>
-            </a:lvl6pPr>
-            <a:lvl7pPr marL="2971800" indent="-228600" algn="l" defTabSz="914400" rtl="0" eaLnBrk="1" latinLnBrk="0" hangingPunct="1">
-              <a:spcBef>
-                <a:spcPct val="20000"/>
-              </a:spcBef>
-              <a:buFont typeface="Arial" panose="020B0604020202020204" pitchFamily="34" charset="0"/>
-              <a:buChar char="•"/>
-              <a:defRPr sz="2000" kern="1200">
-                <a:solidFill>
-                  <a:schemeClr val="tx1"/>
-                </a:solidFill>
-                <a:latin typeface="+mn-lt"/>
-                <a:ea typeface="+mn-ea"/>
-                <a:cs typeface="+mn-cs"/>
-              </a:defRPr>
-            </a:lvl7pPr>
-            <a:lvl8pPr marL="3429000" indent="-228600" algn="l" defTabSz="914400" rtl="0" eaLnBrk="1" latinLnBrk="0" hangingPunct="1">
-              <a:spcBef>
-                <a:spcPct val="20000"/>
-              </a:spcBef>
-              <a:buFont typeface="Arial" panose="020B0604020202020204" pitchFamily="34" charset="0"/>
-              <a:buChar char="•"/>
-              <a:defRPr sz="2000" kern="1200">
-                <a:solidFill>
-                  <a:schemeClr val="tx1"/>
-                </a:solidFill>
-                <a:latin typeface="+mn-lt"/>
-                <a:ea typeface="+mn-ea"/>
-                <a:cs typeface="+mn-cs"/>
-              </a:defRPr>
-            </a:lvl8pPr>
-            <a:lvl9pPr marL="3886200" indent="-228600" algn="l" defTabSz="914400" rtl="0" eaLnBrk="1" latinLnBrk="0" hangingPunct="1">
-              <a:spcBef>
-                <a:spcPct val="20000"/>
-              </a:spcBef>
-              <a:buFont typeface="Arial" panose="020B0604020202020204" pitchFamily="34" charset="0"/>
-              <a:buChar char="•"/>
-              <a:defRPr sz="2000" kern="1200">
-                <a:solidFill>
-                  <a:schemeClr val="tx1"/>
-                </a:solidFill>
-                <a:latin typeface="+mn-lt"/>
-                <a:ea typeface="+mn-ea"/>
-                <a:cs typeface="+mn-cs"/>
-              </a:defRPr>
-            </a:lvl9pPr>
-          </a:lstStyle>
-          <a:p>
-            <a:pPr marL="0" indent="0">
-              <a:buNone/>
-            </a:pPr>
-            <a:r>
-              <a:rPr lang="en-US" sz="1500" b="1" dirty="0">
-                <a:latin typeface="Open Sans Extrabold" charset="0"/>
-                <a:ea typeface="Open Sans Extrabold" charset="0"/>
-                <a:cs typeface="Open Sans Extrabold" charset="0"/>
-              </a:rPr>
-              <a:t>Event Object</a:t>
-            </a:r>
-          </a:p>
-          <a:p>
-            <a:pPr marL="0" indent="0">
-              <a:buNone/>
-            </a:pPr>
-            <a:r>
-              <a:rPr lang="en-US" sz="1500" dirty="0"/>
-              <a:t>e = arguments[0] || events</a:t>
-            </a:r>
-          </a:p>
-          <a:p>
-            <a:pPr marL="0" indent="0">
-              <a:buNone/>
-            </a:pPr>
-            <a:r>
-              <a:rPr lang="en-US" sz="1500" dirty="0" err="1"/>
-              <a:t>e.target</a:t>
-            </a:r>
-            <a:endParaRPr lang="en-US" sz="1500" dirty="0"/>
-          </a:p>
-          <a:p>
-            <a:pPr marL="0" indent="0">
-              <a:buNone/>
-            </a:pPr>
-            <a:r>
-              <a:rPr lang="en-US" sz="1500" dirty="0" err="1"/>
-              <a:t>e.type</a:t>
-            </a:r>
-            <a:endParaRPr lang="en-US" sz="1500" dirty="0"/>
-          </a:p>
-          <a:p>
-            <a:pPr marL="0" indent="0">
-              <a:buNone/>
-            </a:pPr>
-            <a:endParaRPr lang="en-US" sz="1500" b="1" dirty="0" smtClean="0">
-              <a:latin typeface="Open Sans Extrabold" charset="0"/>
-              <a:ea typeface="Open Sans Extrabold" charset="0"/>
-              <a:cs typeface="Open Sans Extrabold" charset="0"/>
-            </a:endParaRPr>
-          </a:p>
-        </p:txBody>
-      </p:sp>
-      <p:sp>
-        <p:nvSpPr>
-          <p:cNvPr id="6" name="Rectangle 5"/>
-          <p:cNvSpPr/>
-          <p:nvPr/>
-        </p:nvSpPr>
-        <p:spPr>
-          <a:xfrm>
-            <a:off x="493059" y="289343"/>
-            <a:ext cx="8346141" cy="461665"/>
-          </a:xfrm>
-          <a:prstGeom prst="rect">
-            <a:avLst/>
-          </a:prstGeom>
-        </p:spPr>
-        <p:txBody>
-          <a:bodyPr wrap="square">
-            <a:spAutoFit/>
-          </a:bodyPr>
-          <a:lstStyle/>
-          <a:p>
-            <a:r>
-              <a:rPr lang="en-US" sz="2400" b="1" dirty="0" smtClean="0">
-                <a:latin typeface="Open Sans Extrabold" charset="0"/>
-                <a:ea typeface="Open Sans Extrabold" charset="0"/>
-                <a:cs typeface="Open Sans Extrabold" charset="0"/>
-              </a:rPr>
-              <a:t>Events Cheat </a:t>
-            </a:r>
-            <a:r>
-              <a:rPr lang="en-US" sz="2400" b="1" dirty="0">
-                <a:latin typeface="Open Sans Extrabold" charset="0"/>
-                <a:ea typeface="Open Sans Extrabold" charset="0"/>
-                <a:cs typeface="Open Sans Extrabold" charset="0"/>
-              </a:rPr>
-              <a:t>Sheet</a:t>
-            </a:r>
-          </a:p>
-        </p:txBody>
-      </p:sp>
-      <p:sp>
-        <p:nvSpPr>
-          <p:cNvPr id="7" name="Content Placeholder 2"/>
-          <p:cNvSpPr txBox="1">
-            <a:spLocks/>
-          </p:cNvSpPr>
-          <p:nvPr/>
-        </p:nvSpPr>
-        <p:spPr>
-          <a:xfrm>
-            <a:off x="591404" y="3302758"/>
-            <a:ext cx="8247796" cy="1957480"/>
-          </a:xfrm>
-          <a:prstGeom prst="rect">
-            <a:avLst/>
-          </a:prstGeom>
-        </p:spPr>
-        <p:txBody>
-          <a:bodyPr vert="horz" lIns="0" tIns="0" rIns="0" bIns="0" rtlCol="0">
-            <a:noAutofit/>
-          </a:bodyPr>
-          <a:lstStyle>
-            <a:lvl1pPr marL="251460" indent="-251460" algn="l" defTabSz="914400" rtl="0" eaLnBrk="1" latinLnBrk="0" hangingPunct="1">
-              <a:lnSpc>
-                <a:spcPct val="110000"/>
-              </a:lnSpc>
-              <a:spcBef>
-                <a:spcPts val="800"/>
-              </a:spcBef>
-              <a:buFont typeface="Arial" panose="020B0604020202020204" pitchFamily="34" charset="0"/>
-              <a:buChar char="•"/>
-              <a:defRPr sz="2400" kern="1200">
-                <a:solidFill>
-                  <a:schemeClr val="tx1"/>
-                </a:solidFill>
-                <a:latin typeface="+mn-lt"/>
-                <a:ea typeface="+mn-ea"/>
-                <a:cs typeface="+mn-cs"/>
-              </a:defRPr>
-            </a:lvl1pPr>
-            <a:lvl2pPr marL="742950" indent="-285750" algn="l" defTabSz="914400" rtl="0" eaLnBrk="1" latinLnBrk="0" hangingPunct="1">
-              <a:lnSpc>
-                <a:spcPct val="110000"/>
-              </a:lnSpc>
-              <a:spcBef>
-                <a:spcPts val="800"/>
-              </a:spcBef>
-              <a:buFont typeface="Arial" panose="020B0604020202020204" pitchFamily="34" charset="0"/>
-              <a:buChar char="–"/>
-              <a:defRPr sz="2000" kern="1200">
-                <a:solidFill>
-                  <a:schemeClr val="tx1"/>
-                </a:solidFill>
-                <a:latin typeface="+mn-lt"/>
-                <a:ea typeface="+mn-ea"/>
-                <a:cs typeface="+mn-cs"/>
-              </a:defRPr>
-            </a:lvl2pPr>
-            <a:lvl3pPr marL="1143000" indent="-228600" algn="l" defTabSz="914400" rtl="0" eaLnBrk="1" latinLnBrk="0" hangingPunct="1">
-              <a:lnSpc>
-                <a:spcPct val="110000"/>
-              </a:lnSpc>
-              <a:spcBef>
-                <a:spcPts val="800"/>
-              </a:spcBef>
-              <a:buFont typeface="Arial" panose="020B0604020202020204" pitchFamily="34" charset="0"/>
-              <a:buChar char="•"/>
-              <a:defRPr sz="1800" kern="1200">
-                <a:solidFill>
-                  <a:schemeClr val="tx1"/>
-                </a:solidFill>
-                <a:latin typeface="+mn-lt"/>
-                <a:ea typeface="+mn-ea"/>
-                <a:cs typeface="+mn-cs"/>
-              </a:defRPr>
-            </a:lvl3pPr>
-            <a:lvl4pPr marL="1600200" indent="-228600" algn="l" defTabSz="914400" rtl="0" eaLnBrk="1" latinLnBrk="0" hangingPunct="1">
-              <a:lnSpc>
-                <a:spcPct val="110000"/>
-              </a:lnSpc>
-              <a:spcBef>
-                <a:spcPts val="800"/>
-              </a:spcBef>
-              <a:buFont typeface="Arial" panose="020B0604020202020204" pitchFamily="34" charset="0"/>
-              <a:buChar char="–"/>
-              <a:defRPr sz="1600" kern="1200">
-                <a:solidFill>
-                  <a:schemeClr val="tx1"/>
-                </a:solidFill>
-                <a:latin typeface="+mn-lt"/>
-                <a:ea typeface="+mn-ea"/>
-                <a:cs typeface="+mn-cs"/>
-              </a:defRPr>
-            </a:lvl4pPr>
-            <a:lvl5pPr marL="2057400" indent="-228600" algn="l" defTabSz="914400" rtl="0" eaLnBrk="1" latinLnBrk="0" hangingPunct="1">
-              <a:lnSpc>
-                <a:spcPct val="110000"/>
-              </a:lnSpc>
-              <a:spcBef>
-                <a:spcPts val="800"/>
-              </a:spcBef>
-              <a:buFont typeface="Arial" panose="020B0604020202020204" pitchFamily="34" charset="0"/>
-              <a:buChar char="»"/>
-              <a:defRPr sz="1600" kern="1200">
-                <a:solidFill>
-                  <a:schemeClr val="tx1"/>
-                </a:solidFill>
-                <a:latin typeface="+mn-lt"/>
-                <a:ea typeface="+mn-ea"/>
-                <a:cs typeface="+mn-cs"/>
-              </a:defRPr>
-            </a:lvl5pPr>
-            <a:lvl6pPr marL="2514600" indent="-228600" algn="l" defTabSz="914400" rtl="0" eaLnBrk="1" latinLnBrk="0" hangingPunct="1">
-              <a:spcBef>
-                <a:spcPct val="20000"/>
-              </a:spcBef>
-              <a:buFont typeface="Arial" panose="020B0604020202020204" pitchFamily="34" charset="0"/>
-              <a:buChar char="•"/>
-              <a:defRPr sz="2000" kern="1200">
-                <a:solidFill>
-                  <a:schemeClr val="tx1"/>
-                </a:solidFill>
-                <a:latin typeface="+mn-lt"/>
-                <a:ea typeface="+mn-ea"/>
-                <a:cs typeface="+mn-cs"/>
-              </a:defRPr>
-            </a:lvl6pPr>
-            <a:lvl7pPr marL="2971800" indent="-228600" algn="l" defTabSz="914400" rtl="0" eaLnBrk="1" latinLnBrk="0" hangingPunct="1">
-              <a:spcBef>
-                <a:spcPct val="20000"/>
-              </a:spcBef>
-              <a:buFont typeface="Arial" panose="020B0604020202020204" pitchFamily="34" charset="0"/>
-              <a:buChar char="•"/>
-              <a:defRPr sz="2000" kern="1200">
-                <a:solidFill>
-                  <a:schemeClr val="tx1"/>
-                </a:solidFill>
-                <a:latin typeface="+mn-lt"/>
-                <a:ea typeface="+mn-ea"/>
-                <a:cs typeface="+mn-cs"/>
-              </a:defRPr>
-            </a:lvl7pPr>
-            <a:lvl8pPr marL="3429000" indent="-228600" algn="l" defTabSz="914400" rtl="0" eaLnBrk="1" latinLnBrk="0" hangingPunct="1">
-              <a:spcBef>
-                <a:spcPct val="20000"/>
-              </a:spcBef>
-              <a:buFont typeface="Arial" panose="020B0604020202020204" pitchFamily="34" charset="0"/>
-              <a:buChar char="•"/>
-              <a:defRPr sz="2000" kern="1200">
-                <a:solidFill>
-                  <a:schemeClr val="tx1"/>
-                </a:solidFill>
-                <a:latin typeface="+mn-lt"/>
-                <a:ea typeface="+mn-ea"/>
-                <a:cs typeface="+mn-cs"/>
-              </a:defRPr>
-            </a:lvl8pPr>
-            <a:lvl9pPr marL="3886200" indent="-228600" algn="l" defTabSz="914400" rtl="0" eaLnBrk="1" latinLnBrk="0" hangingPunct="1">
-              <a:spcBef>
-                <a:spcPct val="20000"/>
-              </a:spcBef>
-              <a:buFont typeface="Arial" panose="020B0604020202020204" pitchFamily="34" charset="0"/>
-              <a:buChar char="•"/>
-              <a:defRPr sz="2000" kern="1200">
-                <a:solidFill>
-                  <a:schemeClr val="tx1"/>
-                </a:solidFill>
-                <a:latin typeface="+mn-lt"/>
-                <a:ea typeface="+mn-ea"/>
-                <a:cs typeface="+mn-cs"/>
-              </a:defRPr>
-            </a:lvl9pPr>
-          </a:lstStyle>
-          <a:p>
-            <a:pPr marL="0" indent="0">
-              <a:lnSpc>
-                <a:spcPct val="100000"/>
-              </a:lnSpc>
-              <a:buNone/>
-            </a:pPr>
-            <a:r>
-              <a:rPr lang="en-US" sz="1500" b="1" dirty="0">
-                <a:latin typeface="Open Sans Extrabold" charset="0"/>
-                <a:ea typeface="Open Sans Extrabold" charset="0"/>
-                <a:cs typeface="Open Sans Extrabold" charset="0"/>
-              </a:rPr>
-              <a:t>Event </a:t>
-            </a:r>
-            <a:r>
-              <a:rPr lang="en-US" sz="1500" b="1" dirty="0" smtClean="0">
-                <a:latin typeface="Open Sans Extrabold" charset="0"/>
-                <a:ea typeface="Open Sans Extrabold" charset="0"/>
-                <a:cs typeface="Open Sans Extrabold" charset="0"/>
-              </a:rPr>
-              <a:t>Types</a:t>
-            </a:r>
-            <a:endParaRPr lang="en-US" sz="1500" b="1" dirty="0">
-              <a:latin typeface="Open Sans Extrabold" charset="0"/>
-              <a:ea typeface="Open Sans Extrabold" charset="0"/>
-              <a:cs typeface="Open Sans Extrabold" charset="0"/>
-            </a:endParaRPr>
-          </a:p>
-          <a:p>
-            <a:pPr marL="0" indent="0">
-              <a:lnSpc>
-                <a:spcPct val="150000"/>
-              </a:lnSpc>
-              <a:buNone/>
-            </a:pPr>
-            <a:r>
-              <a:rPr lang="en-US" sz="1600" dirty="0" smtClean="0"/>
-              <a:t>load</a:t>
-            </a:r>
-            <a:r>
-              <a:rPr lang="en-US" sz="1600" dirty="0"/>
-              <a:t>, offline, online, focus, blur, </a:t>
-            </a:r>
-            <a:r>
-              <a:rPr lang="en-US" sz="1600" dirty="0" err="1"/>
-              <a:t>animationstart</a:t>
-            </a:r>
-            <a:r>
-              <a:rPr lang="en-US" sz="1600" dirty="0"/>
-              <a:t>, </a:t>
-            </a:r>
-            <a:r>
-              <a:rPr lang="en-US" sz="1600" dirty="0" err="1"/>
-              <a:t>animationend</a:t>
-            </a:r>
-            <a:r>
-              <a:rPr lang="en-US" sz="1600" dirty="0"/>
-              <a:t>, </a:t>
-            </a:r>
-            <a:r>
-              <a:rPr lang="en-US" sz="1600" dirty="0" err="1"/>
-              <a:t>transitionstart</a:t>
-            </a:r>
-            <a:r>
-              <a:rPr lang="en-US" sz="1600" dirty="0"/>
-              <a:t>, </a:t>
-            </a:r>
-            <a:r>
-              <a:rPr lang="en-US" sz="1600" dirty="0" err="1"/>
-              <a:t>transitionend</a:t>
-            </a:r>
-            <a:r>
-              <a:rPr lang="en-US" sz="1600" dirty="0"/>
-              <a:t>, submit, resize, scroll, keypress, </a:t>
-            </a:r>
-            <a:r>
-              <a:rPr lang="en-US" sz="1600" dirty="0" err="1"/>
-              <a:t>mousemove</a:t>
-            </a:r>
-            <a:r>
-              <a:rPr lang="en-US" sz="1600" dirty="0"/>
-              <a:t>, </a:t>
-            </a:r>
-            <a:r>
-              <a:rPr lang="en-US" sz="1600" dirty="0" err="1"/>
-              <a:t>mouseenter</a:t>
-            </a:r>
-            <a:r>
-              <a:rPr lang="en-US" sz="1600" dirty="0"/>
-              <a:t>, </a:t>
-            </a:r>
-            <a:r>
-              <a:rPr lang="en-US" sz="1600" dirty="0" err="1"/>
-              <a:t>mouseleave</a:t>
-            </a:r>
-            <a:r>
-              <a:rPr lang="en-US" sz="1600" dirty="0"/>
-              <a:t>, click, </a:t>
-            </a:r>
-            <a:r>
-              <a:rPr lang="en-US" sz="1600" dirty="0" err="1"/>
-              <a:t>dragstart</a:t>
-            </a:r>
-            <a:r>
-              <a:rPr lang="en-US" sz="1600" dirty="0"/>
-              <a:t>, </a:t>
-            </a:r>
-            <a:r>
-              <a:rPr lang="en-US" sz="1600" dirty="0" err="1"/>
-              <a:t>dragenter</a:t>
-            </a:r>
-            <a:r>
-              <a:rPr lang="en-US" sz="1600" dirty="0"/>
-              <a:t>, </a:t>
-            </a:r>
-            <a:r>
-              <a:rPr lang="en-US" sz="1600" dirty="0" err="1"/>
-              <a:t>dragend</a:t>
-            </a:r>
-            <a:r>
-              <a:rPr lang="en-US" sz="1600" dirty="0"/>
-              <a:t>, </a:t>
-            </a:r>
-            <a:r>
-              <a:rPr lang="en-US" sz="1600" dirty="0" err="1"/>
-              <a:t>dragover</a:t>
-            </a:r>
-            <a:r>
-              <a:rPr lang="en-US" sz="1600" dirty="0"/>
-              <a:t>, drop, </a:t>
-            </a:r>
-            <a:r>
-              <a:rPr lang="en-US" sz="1600" dirty="0" err="1"/>
-              <a:t>timeupdate</a:t>
-            </a:r>
-            <a:r>
-              <a:rPr lang="en-US" sz="1600" dirty="0"/>
-              <a:t>, </a:t>
-            </a:r>
-            <a:r>
-              <a:rPr lang="en-US" sz="1600" dirty="0" err="1"/>
-              <a:t>hashchange</a:t>
-            </a:r>
-            <a:r>
-              <a:rPr lang="en-US" sz="1600" dirty="0"/>
-              <a:t>, </a:t>
-            </a:r>
-            <a:r>
-              <a:rPr lang="en-US" sz="1600" dirty="0" smtClean="0"/>
-              <a:t>more!</a:t>
-            </a:r>
-            <a:endParaRPr lang="en-US" sz="1600" dirty="0"/>
-          </a:p>
-        </p:txBody>
-      </p:sp>
-    </p:spTree>
-    <p:extLst>
-      <p:ext uri="{BB962C8B-B14F-4D97-AF65-F5344CB8AC3E}">
-        <p14:creationId xmlns:p14="http://schemas.microsoft.com/office/powerpoint/2010/main" val="730223918"/>
-      </p:ext>
-    </p:extLst>
-  </p:cSld>
-  <p:clrMapOvr>
-    <a:masterClrMapping/>
-  </p:clrMapOvr>
-  <p:timing>
-    <p:tnLst>
-      <p:par>
-        <p:cTn id="1" dur="indefinite" restart="never" nodeType="tmRoot"/>
-      </p:par>
-    </p:tnLst>
-  </p:timing>
-</p:sld>
-</file>
-
 <file path=ppt/slides/slide7.xml><?xml version="1.0" encoding="utf-8"?>
 <p:sld xmlns:a="http://schemas.openxmlformats.org/drawingml/2006/main" xmlns:r="http://schemas.openxmlformats.org/officeDocument/2006/relationships" xmlns:p="http://schemas.openxmlformats.org/presentationml/2006/main">
   <p:cSld>
@@ -35961,7 +35125,7 @@
             <a:spLocks noGrp="1"/>
           </p:cNvSpPr>
           <p:nvPr>
-            <p:ph type="title"/>
+            <p:ph type="ctrTitle"/>
           </p:nvPr>
         </p:nvSpPr>
         <p:spPr/>
@@ -35971,7 +35135,7 @@
           <a:p>
             <a:r>
               <a:rPr lang="en-US" dirty="0" smtClean="0"/>
-              <a:t>Events Practice #1</a:t>
+              <a:t>DEMO</a:t>
             </a:r>
             <a:endParaRPr lang="en-US" dirty="0"/>
           </a:p>
@@ -35980,42 +35144,6 @@
       <p:sp>
         <p:nvSpPr>
           <p:cNvPr id="3" name="Content Placeholder 2"/>
-          <p:cNvSpPr>
-            <a:spLocks noGrp="1"/>
-          </p:cNvSpPr>
-          <p:nvPr>
-            <p:ph idx="1"/>
-          </p:nvPr>
-        </p:nvSpPr>
-        <p:spPr/>
-        <p:txBody>
-          <a:bodyPr/>
-          <a:lstStyle/>
-          <a:p>
-            <a:endParaRPr lang="en-US" dirty="0" smtClean="0"/>
-          </a:p>
-          <a:p>
-            <a:r>
-              <a:rPr lang="en-US" dirty="0" smtClean="0"/>
-              <a:t>Write an inline click event on a link that logs out a message when clicked</a:t>
-            </a:r>
-          </a:p>
-          <a:p>
-            <a:r>
-              <a:rPr lang="en-US" dirty="0" smtClean="0"/>
-              <a:t>Add an event listener to a </a:t>
-            </a:r>
-            <a:r>
-              <a:rPr lang="en-US" dirty="0"/>
-              <a:t>link that logs out a message when clicked</a:t>
-            </a:r>
-            <a:endParaRPr lang="en-US" dirty="0" smtClean="0"/>
-          </a:p>
-        </p:txBody>
-      </p:sp>
-      <p:sp>
-        <p:nvSpPr>
-          <p:cNvPr id="4" name="Content Placeholder 3"/>
           <p:cNvSpPr>
             <a:spLocks noGrp="1"/>
           </p:cNvSpPr>
@@ -36028,14 +35156,22 @@
           <a:bodyPr/>
           <a:lstStyle/>
           <a:p>
-            <a:endParaRPr lang="en-US"/>
+            <a:r>
+              <a:rPr lang="en-US" dirty="0"/>
+              <a:t>Events with </a:t>
+            </a:r>
+            <a:r>
+              <a:rPr lang="en-US" dirty="0" smtClean="0"/>
+              <a:t>JavaScript</a:t>
+            </a:r>
+            <a:endParaRPr lang="en-US" dirty="0"/>
           </a:p>
         </p:txBody>
       </p:sp>
     </p:spTree>
     <p:extLst>
       <p:ext uri="{BB962C8B-B14F-4D97-AF65-F5344CB8AC3E}">
-        <p14:creationId xmlns:p14="http://schemas.microsoft.com/office/powerpoint/2010/main" val="1409103936"/>
+        <p14:creationId xmlns:p14="http://schemas.microsoft.com/office/powerpoint/2010/main" val="1504323534"/>
       </p:ext>
     </p:extLst>
   </p:cSld>
@@ -36071,61 +35207,7 @@
       </p:grpSpPr>
       <p:sp>
         <p:nvSpPr>
-          <p:cNvPr id="2" name="Title 1"/>
-          <p:cNvSpPr>
-            <a:spLocks noGrp="1"/>
-          </p:cNvSpPr>
-          <p:nvPr>
-            <p:ph type="title"/>
-          </p:nvPr>
-        </p:nvSpPr>
-        <p:spPr/>
-        <p:txBody>
-          <a:bodyPr/>
-          <a:lstStyle/>
-          <a:p>
-            <a:r>
-              <a:rPr lang="en-US" dirty="0" smtClean="0"/>
-              <a:t>Events Practice #2</a:t>
-            </a:r>
-            <a:endParaRPr lang="en-US" dirty="0"/>
-          </a:p>
-        </p:txBody>
-      </p:sp>
-      <p:sp>
-        <p:nvSpPr>
           <p:cNvPr id="3" name="Content Placeholder 2"/>
-          <p:cNvSpPr>
-            <a:spLocks noGrp="1"/>
-          </p:cNvSpPr>
-          <p:nvPr>
-            <p:ph idx="1"/>
-          </p:nvPr>
-        </p:nvSpPr>
-        <p:spPr/>
-        <p:txBody>
-          <a:bodyPr/>
-          <a:lstStyle/>
-          <a:p>
-            <a:endParaRPr lang="en-US" dirty="0" smtClean="0"/>
-          </a:p>
-          <a:p>
-            <a:r>
-              <a:rPr lang="en-US" dirty="0" smtClean="0"/>
-              <a:t>Select all post title links on the page</a:t>
-            </a:r>
-          </a:p>
-          <a:p>
-            <a:r>
-              <a:rPr lang="en-US" dirty="0" smtClean="0"/>
-              <a:t>Add an event listener to each link that logs the title of that post when clicked</a:t>
-            </a:r>
-          </a:p>
-        </p:txBody>
-      </p:sp>
-      <p:sp>
-        <p:nvSpPr>
-          <p:cNvPr id="4" name="Content Placeholder 3"/>
           <p:cNvSpPr>
             <a:spLocks noGrp="1"/>
           </p:cNvSpPr>
@@ -36138,14 +35220,883 @@
           <a:bodyPr/>
           <a:lstStyle/>
           <a:p>
-            <a:endParaRPr lang="en-US"/>
+            <a:r>
+              <a:rPr lang="en-US" dirty="0"/>
+              <a:t>Events with JavaScript</a:t>
+            </a:r>
+          </a:p>
+        </p:txBody>
+      </p:sp>
+      <p:sp>
+        <p:nvSpPr>
+          <p:cNvPr id="4" name="Content Placeholder 2"/>
+          <p:cNvSpPr txBox="1">
+            <a:spLocks/>
+          </p:cNvSpPr>
+          <p:nvPr/>
+        </p:nvSpPr>
+        <p:spPr>
+          <a:xfrm>
+            <a:off x="493058" y="968990"/>
+            <a:ext cx="4283658" cy="3397319"/>
+          </a:xfrm>
+          <a:prstGeom prst="rect">
+            <a:avLst/>
+          </a:prstGeom>
+        </p:spPr>
+        <p:txBody>
+          <a:bodyPr/>
+          <a:lstStyle>
+            <a:lvl1pPr marL="251460" indent="-251460" algn="l" defTabSz="914400" rtl="0" eaLnBrk="1" latinLnBrk="0" hangingPunct="1">
+              <a:lnSpc>
+                <a:spcPct val="110000"/>
+              </a:lnSpc>
+              <a:spcBef>
+                <a:spcPts val="800"/>
+              </a:spcBef>
+              <a:buFont typeface="Arial" panose="020B0604020202020204" pitchFamily="34" charset="0"/>
+              <a:buChar char="•"/>
+              <a:defRPr sz="2400" kern="1200">
+                <a:solidFill>
+                  <a:schemeClr val="tx1"/>
+                </a:solidFill>
+                <a:latin typeface="+mn-lt"/>
+                <a:ea typeface="+mn-ea"/>
+                <a:cs typeface="+mn-cs"/>
+              </a:defRPr>
+            </a:lvl1pPr>
+            <a:lvl2pPr marL="742950" indent="-285750" algn="l" defTabSz="914400" rtl="0" eaLnBrk="1" latinLnBrk="0" hangingPunct="1">
+              <a:lnSpc>
+                <a:spcPct val="110000"/>
+              </a:lnSpc>
+              <a:spcBef>
+                <a:spcPts val="800"/>
+              </a:spcBef>
+              <a:buFont typeface="Arial" panose="020B0604020202020204" pitchFamily="34" charset="0"/>
+              <a:buChar char="–"/>
+              <a:defRPr sz="2000" kern="1200">
+                <a:solidFill>
+                  <a:schemeClr val="tx1"/>
+                </a:solidFill>
+                <a:latin typeface="+mn-lt"/>
+                <a:ea typeface="+mn-ea"/>
+                <a:cs typeface="+mn-cs"/>
+              </a:defRPr>
+            </a:lvl2pPr>
+            <a:lvl3pPr marL="1143000" indent="-228600" algn="l" defTabSz="914400" rtl="0" eaLnBrk="1" latinLnBrk="0" hangingPunct="1">
+              <a:lnSpc>
+                <a:spcPct val="110000"/>
+              </a:lnSpc>
+              <a:spcBef>
+                <a:spcPts val="800"/>
+              </a:spcBef>
+              <a:buFont typeface="Arial" panose="020B0604020202020204" pitchFamily="34" charset="0"/>
+              <a:buChar char="•"/>
+              <a:defRPr sz="1800" kern="1200">
+                <a:solidFill>
+                  <a:schemeClr val="tx1"/>
+                </a:solidFill>
+                <a:latin typeface="+mn-lt"/>
+                <a:ea typeface="+mn-ea"/>
+                <a:cs typeface="+mn-cs"/>
+              </a:defRPr>
+            </a:lvl3pPr>
+            <a:lvl4pPr marL="1600200" indent="-228600" algn="l" defTabSz="914400" rtl="0" eaLnBrk="1" latinLnBrk="0" hangingPunct="1">
+              <a:lnSpc>
+                <a:spcPct val="110000"/>
+              </a:lnSpc>
+              <a:spcBef>
+                <a:spcPts val="800"/>
+              </a:spcBef>
+              <a:buFont typeface="Arial" panose="020B0604020202020204" pitchFamily="34" charset="0"/>
+              <a:buChar char="–"/>
+              <a:defRPr sz="1600" kern="1200">
+                <a:solidFill>
+                  <a:schemeClr val="tx1"/>
+                </a:solidFill>
+                <a:latin typeface="+mn-lt"/>
+                <a:ea typeface="+mn-ea"/>
+                <a:cs typeface="+mn-cs"/>
+              </a:defRPr>
+            </a:lvl4pPr>
+            <a:lvl5pPr marL="2057400" indent="-228600" algn="l" defTabSz="914400" rtl="0" eaLnBrk="1" latinLnBrk="0" hangingPunct="1">
+              <a:lnSpc>
+                <a:spcPct val="110000"/>
+              </a:lnSpc>
+              <a:spcBef>
+                <a:spcPts val="800"/>
+              </a:spcBef>
+              <a:buFont typeface="Arial" panose="020B0604020202020204" pitchFamily="34" charset="0"/>
+              <a:buChar char="»"/>
+              <a:defRPr sz="1600" kern="1200">
+                <a:solidFill>
+                  <a:schemeClr val="tx1"/>
+                </a:solidFill>
+                <a:latin typeface="+mn-lt"/>
+                <a:ea typeface="+mn-ea"/>
+                <a:cs typeface="+mn-cs"/>
+              </a:defRPr>
+            </a:lvl5pPr>
+            <a:lvl6pPr marL="2514600" indent="-228600" algn="l" defTabSz="914400" rtl="0" eaLnBrk="1" latinLnBrk="0" hangingPunct="1">
+              <a:spcBef>
+                <a:spcPct val="20000"/>
+              </a:spcBef>
+              <a:buFont typeface="Arial" panose="020B0604020202020204" pitchFamily="34" charset="0"/>
+              <a:buChar char="•"/>
+              <a:defRPr sz="2000" kern="1200">
+                <a:solidFill>
+                  <a:schemeClr val="tx1"/>
+                </a:solidFill>
+                <a:latin typeface="+mn-lt"/>
+                <a:ea typeface="+mn-ea"/>
+                <a:cs typeface="+mn-cs"/>
+              </a:defRPr>
+            </a:lvl6pPr>
+            <a:lvl7pPr marL="2971800" indent="-228600" algn="l" defTabSz="914400" rtl="0" eaLnBrk="1" latinLnBrk="0" hangingPunct="1">
+              <a:spcBef>
+                <a:spcPct val="20000"/>
+              </a:spcBef>
+              <a:buFont typeface="Arial" panose="020B0604020202020204" pitchFamily="34" charset="0"/>
+              <a:buChar char="•"/>
+              <a:defRPr sz="2000" kern="1200">
+                <a:solidFill>
+                  <a:schemeClr val="tx1"/>
+                </a:solidFill>
+                <a:latin typeface="+mn-lt"/>
+                <a:ea typeface="+mn-ea"/>
+                <a:cs typeface="+mn-cs"/>
+              </a:defRPr>
+            </a:lvl7pPr>
+            <a:lvl8pPr marL="3429000" indent="-228600" algn="l" defTabSz="914400" rtl="0" eaLnBrk="1" latinLnBrk="0" hangingPunct="1">
+              <a:spcBef>
+                <a:spcPct val="20000"/>
+              </a:spcBef>
+              <a:buFont typeface="Arial" panose="020B0604020202020204" pitchFamily="34" charset="0"/>
+              <a:buChar char="•"/>
+              <a:defRPr sz="2000" kern="1200">
+                <a:solidFill>
+                  <a:schemeClr val="tx1"/>
+                </a:solidFill>
+                <a:latin typeface="+mn-lt"/>
+                <a:ea typeface="+mn-ea"/>
+                <a:cs typeface="+mn-cs"/>
+              </a:defRPr>
+            </a:lvl8pPr>
+            <a:lvl9pPr marL="3886200" indent="-228600" algn="l" defTabSz="914400" rtl="0" eaLnBrk="1" latinLnBrk="0" hangingPunct="1">
+              <a:spcBef>
+                <a:spcPct val="20000"/>
+              </a:spcBef>
+              <a:buFont typeface="Arial" panose="020B0604020202020204" pitchFamily="34" charset="0"/>
+              <a:buChar char="•"/>
+              <a:defRPr sz="2000" kern="1200">
+                <a:solidFill>
+                  <a:schemeClr val="tx1"/>
+                </a:solidFill>
+                <a:latin typeface="+mn-lt"/>
+                <a:ea typeface="+mn-ea"/>
+                <a:cs typeface="+mn-cs"/>
+              </a:defRPr>
+            </a:lvl9pPr>
+          </a:lstStyle>
+          <a:p>
+            <a:pPr marL="0" indent="0">
+              <a:buFont typeface="Arial" panose="020B0604020202020204" pitchFamily="34" charset="0"/>
+              <a:buNone/>
+            </a:pPr>
+            <a:r>
+              <a:rPr lang="en-US" sz="1500" b="1" dirty="0" smtClean="0">
+                <a:latin typeface="Open Sans Extrabold" charset="0"/>
+                <a:ea typeface="Open Sans Extrabold" charset="0"/>
+                <a:cs typeface="Open Sans Extrabold" charset="0"/>
+              </a:rPr>
+              <a:t>Inline Event Handler</a:t>
+            </a:r>
+          </a:p>
+          <a:p>
+            <a:pPr marL="0" indent="0">
+              <a:buNone/>
+            </a:pPr>
+            <a:r>
+              <a:rPr lang="en-US" sz="1600" dirty="0"/>
+              <a:t>&lt;a </a:t>
+            </a:r>
+            <a:r>
+              <a:rPr lang="en-US" sz="1600" dirty="0" err="1"/>
+              <a:t>href</a:t>
+            </a:r>
+            <a:r>
+              <a:rPr lang="en-US" sz="1600" dirty="0"/>
+              <a:t>="#” </a:t>
+            </a:r>
+            <a:r>
+              <a:rPr lang="en-US" sz="1600" dirty="0" err="1"/>
+              <a:t>onclick</a:t>
+            </a:r>
+            <a:r>
+              <a:rPr lang="en-US" sz="1600" dirty="0"/>
+              <a:t>=”//JS here;"&gt;Link&lt;/a&gt;</a:t>
+            </a:r>
+          </a:p>
+          <a:p>
+            <a:pPr marL="0" indent="0">
+              <a:buNone/>
+            </a:pPr>
+            <a:endParaRPr lang="en-US" sz="1000" b="1" dirty="0">
+              <a:latin typeface="Open Sans Extrabold" charset="0"/>
+              <a:ea typeface="Open Sans Extrabold" charset="0"/>
+              <a:cs typeface="Open Sans Extrabold" charset="0"/>
+            </a:endParaRPr>
+          </a:p>
+          <a:p>
+            <a:pPr marL="0" indent="0">
+              <a:buNone/>
+            </a:pPr>
+            <a:r>
+              <a:rPr lang="en-US" sz="1500" b="1" dirty="0" smtClean="0">
+                <a:latin typeface="Open Sans Extrabold" charset="0"/>
+                <a:ea typeface="Open Sans Extrabold" charset="0"/>
+                <a:cs typeface="Open Sans Extrabold" charset="0"/>
+              </a:rPr>
+              <a:t>Event Listener</a:t>
+            </a:r>
+            <a:endParaRPr lang="en-US" sz="1500" dirty="0" smtClean="0"/>
+          </a:p>
+          <a:p>
+            <a:pPr marL="0" indent="0">
+              <a:buFont typeface="Arial" panose="020B0604020202020204" pitchFamily="34" charset="0"/>
+              <a:buNone/>
+            </a:pPr>
+            <a:r>
+              <a:rPr lang="en-US" sz="1500" dirty="0" err="1" smtClean="0"/>
+              <a:t>el.addEventListener</a:t>
+            </a:r>
+            <a:r>
+              <a:rPr lang="en-US" sz="1500" dirty="0" smtClean="0"/>
+              <a:t>( ‘event’, function, false) </a:t>
+            </a:r>
+          </a:p>
+          <a:p>
+            <a:pPr marL="0" indent="0">
+              <a:buNone/>
+            </a:pPr>
+            <a:r>
+              <a:rPr lang="en-US" sz="1500" dirty="0" err="1" smtClean="0"/>
+              <a:t>el.removeEventListener</a:t>
+            </a:r>
+            <a:r>
+              <a:rPr lang="en-US" sz="1500" dirty="0"/>
+              <a:t>( ‘event’, function, false) </a:t>
+            </a:r>
+          </a:p>
+          <a:p>
+            <a:pPr marL="0" indent="0">
+              <a:buFont typeface="Arial" panose="020B0604020202020204" pitchFamily="34" charset="0"/>
+              <a:buNone/>
+            </a:pPr>
+            <a:endParaRPr lang="en-US" sz="1500" dirty="0" smtClean="0"/>
+          </a:p>
+        </p:txBody>
+      </p:sp>
+      <p:sp>
+        <p:nvSpPr>
+          <p:cNvPr id="5" name="Content Placeholder 2"/>
+          <p:cNvSpPr txBox="1">
+            <a:spLocks/>
+          </p:cNvSpPr>
+          <p:nvPr/>
+        </p:nvSpPr>
+        <p:spPr>
+          <a:xfrm>
+            <a:off x="5245290" y="968990"/>
+            <a:ext cx="3898710" cy="1787858"/>
+          </a:xfrm>
+          <a:prstGeom prst="rect">
+            <a:avLst/>
+          </a:prstGeom>
+        </p:spPr>
+        <p:txBody>
+          <a:bodyPr vert="horz" lIns="0" tIns="0" rIns="0" bIns="0" rtlCol="0">
+            <a:noAutofit/>
+          </a:bodyPr>
+          <a:lstStyle>
+            <a:lvl1pPr marL="251460" indent="-251460" algn="l" defTabSz="914400" rtl="0" eaLnBrk="1" latinLnBrk="0" hangingPunct="1">
+              <a:lnSpc>
+                <a:spcPct val="110000"/>
+              </a:lnSpc>
+              <a:spcBef>
+                <a:spcPts val="800"/>
+              </a:spcBef>
+              <a:buFont typeface="Arial" panose="020B0604020202020204" pitchFamily="34" charset="0"/>
+              <a:buChar char="•"/>
+              <a:defRPr sz="2400" kern="1200">
+                <a:solidFill>
+                  <a:schemeClr val="tx1"/>
+                </a:solidFill>
+                <a:latin typeface="+mn-lt"/>
+                <a:ea typeface="+mn-ea"/>
+                <a:cs typeface="+mn-cs"/>
+              </a:defRPr>
+            </a:lvl1pPr>
+            <a:lvl2pPr marL="742950" indent="-285750" algn="l" defTabSz="914400" rtl="0" eaLnBrk="1" latinLnBrk="0" hangingPunct="1">
+              <a:lnSpc>
+                <a:spcPct val="110000"/>
+              </a:lnSpc>
+              <a:spcBef>
+                <a:spcPts val="800"/>
+              </a:spcBef>
+              <a:buFont typeface="Arial" panose="020B0604020202020204" pitchFamily="34" charset="0"/>
+              <a:buChar char="–"/>
+              <a:defRPr sz="2000" kern="1200">
+                <a:solidFill>
+                  <a:schemeClr val="tx1"/>
+                </a:solidFill>
+                <a:latin typeface="+mn-lt"/>
+                <a:ea typeface="+mn-ea"/>
+                <a:cs typeface="+mn-cs"/>
+              </a:defRPr>
+            </a:lvl2pPr>
+            <a:lvl3pPr marL="1143000" indent="-228600" algn="l" defTabSz="914400" rtl="0" eaLnBrk="1" latinLnBrk="0" hangingPunct="1">
+              <a:lnSpc>
+                <a:spcPct val="110000"/>
+              </a:lnSpc>
+              <a:spcBef>
+                <a:spcPts val="800"/>
+              </a:spcBef>
+              <a:buFont typeface="Arial" panose="020B0604020202020204" pitchFamily="34" charset="0"/>
+              <a:buChar char="•"/>
+              <a:defRPr sz="1800" kern="1200">
+                <a:solidFill>
+                  <a:schemeClr val="tx1"/>
+                </a:solidFill>
+                <a:latin typeface="+mn-lt"/>
+                <a:ea typeface="+mn-ea"/>
+                <a:cs typeface="+mn-cs"/>
+              </a:defRPr>
+            </a:lvl3pPr>
+            <a:lvl4pPr marL="1600200" indent="-228600" algn="l" defTabSz="914400" rtl="0" eaLnBrk="1" latinLnBrk="0" hangingPunct="1">
+              <a:lnSpc>
+                <a:spcPct val="110000"/>
+              </a:lnSpc>
+              <a:spcBef>
+                <a:spcPts val="800"/>
+              </a:spcBef>
+              <a:buFont typeface="Arial" panose="020B0604020202020204" pitchFamily="34" charset="0"/>
+              <a:buChar char="–"/>
+              <a:defRPr sz="1600" kern="1200">
+                <a:solidFill>
+                  <a:schemeClr val="tx1"/>
+                </a:solidFill>
+                <a:latin typeface="+mn-lt"/>
+                <a:ea typeface="+mn-ea"/>
+                <a:cs typeface="+mn-cs"/>
+              </a:defRPr>
+            </a:lvl4pPr>
+            <a:lvl5pPr marL="2057400" indent="-228600" algn="l" defTabSz="914400" rtl="0" eaLnBrk="1" latinLnBrk="0" hangingPunct="1">
+              <a:lnSpc>
+                <a:spcPct val="110000"/>
+              </a:lnSpc>
+              <a:spcBef>
+                <a:spcPts val="800"/>
+              </a:spcBef>
+              <a:buFont typeface="Arial" panose="020B0604020202020204" pitchFamily="34" charset="0"/>
+              <a:buChar char="»"/>
+              <a:defRPr sz="1600" kern="1200">
+                <a:solidFill>
+                  <a:schemeClr val="tx1"/>
+                </a:solidFill>
+                <a:latin typeface="+mn-lt"/>
+                <a:ea typeface="+mn-ea"/>
+                <a:cs typeface="+mn-cs"/>
+              </a:defRPr>
+            </a:lvl5pPr>
+            <a:lvl6pPr marL="2514600" indent="-228600" algn="l" defTabSz="914400" rtl="0" eaLnBrk="1" latinLnBrk="0" hangingPunct="1">
+              <a:spcBef>
+                <a:spcPct val="20000"/>
+              </a:spcBef>
+              <a:buFont typeface="Arial" panose="020B0604020202020204" pitchFamily="34" charset="0"/>
+              <a:buChar char="•"/>
+              <a:defRPr sz="2000" kern="1200">
+                <a:solidFill>
+                  <a:schemeClr val="tx1"/>
+                </a:solidFill>
+                <a:latin typeface="+mn-lt"/>
+                <a:ea typeface="+mn-ea"/>
+                <a:cs typeface="+mn-cs"/>
+              </a:defRPr>
+            </a:lvl6pPr>
+            <a:lvl7pPr marL="2971800" indent="-228600" algn="l" defTabSz="914400" rtl="0" eaLnBrk="1" latinLnBrk="0" hangingPunct="1">
+              <a:spcBef>
+                <a:spcPct val="20000"/>
+              </a:spcBef>
+              <a:buFont typeface="Arial" panose="020B0604020202020204" pitchFamily="34" charset="0"/>
+              <a:buChar char="•"/>
+              <a:defRPr sz="2000" kern="1200">
+                <a:solidFill>
+                  <a:schemeClr val="tx1"/>
+                </a:solidFill>
+                <a:latin typeface="+mn-lt"/>
+                <a:ea typeface="+mn-ea"/>
+                <a:cs typeface="+mn-cs"/>
+              </a:defRPr>
+            </a:lvl7pPr>
+            <a:lvl8pPr marL="3429000" indent="-228600" algn="l" defTabSz="914400" rtl="0" eaLnBrk="1" latinLnBrk="0" hangingPunct="1">
+              <a:spcBef>
+                <a:spcPct val="20000"/>
+              </a:spcBef>
+              <a:buFont typeface="Arial" panose="020B0604020202020204" pitchFamily="34" charset="0"/>
+              <a:buChar char="•"/>
+              <a:defRPr sz="2000" kern="1200">
+                <a:solidFill>
+                  <a:schemeClr val="tx1"/>
+                </a:solidFill>
+                <a:latin typeface="+mn-lt"/>
+                <a:ea typeface="+mn-ea"/>
+                <a:cs typeface="+mn-cs"/>
+              </a:defRPr>
+            </a:lvl8pPr>
+            <a:lvl9pPr marL="3886200" indent="-228600" algn="l" defTabSz="914400" rtl="0" eaLnBrk="1" latinLnBrk="0" hangingPunct="1">
+              <a:spcBef>
+                <a:spcPct val="20000"/>
+              </a:spcBef>
+              <a:buFont typeface="Arial" panose="020B0604020202020204" pitchFamily="34" charset="0"/>
+              <a:buChar char="•"/>
+              <a:defRPr sz="2000" kern="1200">
+                <a:solidFill>
+                  <a:schemeClr val="tx1"/>
+                </a:solidFill>
+                <a:latin typeface="+mn-lt"/>
+                <a:ea typeface="+mn-ea"/>
+                <a:cs typeface="+mn-cs"/>
+              </a:defRPr>
+            </a:lvl9pPr>
+          </a:lstStyle>
+          <a:p>
+            <a:pPr marL="0" indent="0">
+              <a:buNone/>
+            </a:pPr>
+            <a:r>
+              <a:rPr lang="en-US" sz="1500" b="1" dirty="0">
+                <a:latin typeface="Open Sans Extrabold" charset="0"/>
+                <a:ea typeface="Open Sans Extrabold" charset="0"/>
+                <a:cs typeface="Open Sans Extrabold" charset="0"/>
+              </a:rPr>
+              <a:t>Event Object</a:t>
+            </a:r>
+          </a:p>
+          <a:p>
+            <a:pPr marL="0" indent="0">
+              <a:buNone/>
+            </a:pPr>
+            <a:r>
+              <a:rPr lang="en-US" sz="1500" dirty="0"/>
+              <a:t>e = arguments[0] || events</a:t>
+            </a:r>
+          </a:p>
+          <a:p>
+            <a:pPr marL="0" indent="0">
+              <a:buNone/>
+            </a:pPr>
+            <a:r>
+              <a:rPr lang="en-US" sz="1500" dirty="0" err="1"/>
+              <a:t>e.target</a:t>
+            </a:r>
+            <a:endParaRPr lang="en-US" sz="1500" dirty="0"/>
+          </a:p>
+          <a:p>
+            <a:pPr marL="0" indent="0">
+              <a:buNone/>
+            </a:pPr>
+            <a:r>
+              <a:rPr lang="en-US" sz="1500" dirty="0" err="1"/>
+              <a:t>e.type</a:t>
+            </a:r>
+            <a:endParaRPr lang="en-US" sz="1500" dirty="0"/>
+          </a:p>
+          <a:p>
+            <a:pPr marL="0" indent="0">
+              <a:buNone/>
+            </a:pPr>
+            <a:endParaRPr lang="en-US" sz="1500" b="1" dirty="0" smtClean="0">
+              <a:latin typeface="Open Sans Extrabold" charset="0"/>
+              <a:ea typeface="Open Sans Extrabold" charset="0"/>
+              <a:cs typeface="Open Sans Extrabold" charset="0"/>
+            </a:endParaRPr>
+          </a:p>
+        </p:txBody>
+      </p:sp>
+      <p:sp>
+        <p:nvSpPr>
+          <p:cNvPr id="6" name="Rectangle 5"/>
+          <p:cNvSpPr/>
+          <p:nvPr/>
+        </p:nvSpPr>
+        <p:spPr>
+          <a:xfrm>
+            <a:off x="493059" y="289343"/>
+            <a:ext cx="8346141" cy="461665"/>
+          </a:xfrm>
+          <a:prstGeom prst="rect">
+            <a:avLst/>
+          </a:prstGeom>
+        </p:spPr>
+        <p:txBody>
+          <a:bodyPr wrap="square">
+            <a:spAutoFit/>
+          </a:bodyPr>
+          <a:lstStyle/>
+          <a:p>
+            <a:r>
+              <a:rPr lang="en-US" sz="2400" b="1" dirty="0" smtClean="0">
+                <a:latin typeface="Open Sans Extrabold" charset="0"/>
+                <a:ea typeface="Open Sans Extrabold" charset="0"/>
+                <a:cs typeface="Open Sans Extrabold" charset="0"/>
+              </a:rPr>
+              <a:t>Events Cheat </a:t>
+            </a:r>
+            <a:r>
+              <a:rPr lang="en-US" sz="2400" b="1" dirty="0">
+                <a:latin typeface="Open Sans Extrabold" charset="0"/>
+                <a:ea typeface="Open Sans Extrabold" charset="0"/>
+                <a:cs typeface="Open Sans Extrabold" charset="0"/>
+              </a:rPr>
+              <a:t>Sheet</a:t>
+            </a:r>
+          </a:p>
+        </p:txBody>
+      </p:sp>
+      <p:sp>
+        <p:nvSpPr>
+          <p:cNvPr id="7" name="Content Placeholder 2"/>
+          <p:cNvSpPr txBox="1">
+            <a:spLocks/>
+          </p:cNvSpPr>
+          <p:nvPr/>
+        </p:nvSpPr>
+        <p:spPr>
+          <a:xfrm>
+            <a:off x="591404" y="3302758"/>
+            <a:ext cx="8247796" cy="1957480"/>
+          </a:xfrm>
+          <a:prstGeom prst="rect">
+            <a:avLst/>
+          </a:prstGeom>
+        </p:spPr>
+        <p:txBody>
+          <a:bodyPr vert="horz" lIns="0" tIns="0" rIns="0" bIns="0" rtlCol="0">
+            <a:noAutofit/>
+          </a:bodyPr>
+          <a:lstStyle>
+            <a:lvl1pPr marL="251460" indent="-251460" algn="l" defTabSz="914400" rtl="0" eaLnBrk="1" latinLnBrk="0" hangingPunct="1">
+              <a:lnSpc>
+                <a:spcPct val="110000"/>
+              </a:lnSpc>
+              <a:spcBef>
+                <a:spcPts val="800"/>
+              </a:spcBef>
+              <a:buFont typeface="Arial" panose="020B0604020202020204" pitchFamily="34" charset="0"/>
+              <a:buChar char="•"/>
+              <a:defRPr sz="2400" kern="1200">
+                <a:solidFill>
+                  <a:schemeClr val="tx1"/>
+                </a:solidFill>
+                <a:latin typeface="+mn-lt"/>
+                <a:ea typeface="+mn-ea"/>
+                <a:cs typeface="+mn-cs"/>
+              </a:defRPr>
+            </a:lvl1pPr>
+            <a:lvl2pPr marL="742950" indent="-285750" algn="l" defTabSz="914400" rtl="0" eaLnBrk="1" latinLnBrk="0" hangingPunct="1">
+              <a:lnSpc>
+                <a:spcPct val="110000"/>
+              </a:lnSpc>
+              <a:spcBef>
+                <a:spcPts val="800"/>
+              </a:spcBef>
+              <a:buFont typeface="Arial" panose="020B0604020202020204" pitchFamily="34" charset="0"/>
+              <a:buChar char="–"/>
+              <a:defRPr sz="2000" kern="1200">
+                <a:solidFill>
+                  <a:schemeClr val="tx1"/>
+                </a:solidFill>
+                <a:latin typeface="+mn-lt"/>
+                <a:ea typeface="+mn-ea"/>
+                <a:cs typeface="+mn-cs"/>
+              </a:defRPr>
+            </a:lvl2pPr>
+            <a:lvl3pPr marL="1143000" indent="-228600" algn="l" defTabSz="914400" rtl="0" eaLnBrk="1" latinLnBrk="0" hangingPunct="1">
+              <a:lnSpc>
+                <a:spcPct val="110000"/>
+              </a:lnSpc>
+              <a:spcBef>
+                <a:spcPts val="800"/>
+              </a:spcBef>
+              <a:buFont typeface="Arial" panose="020B0604020202020204" pitchFamily="34" charset="0"/>
+              <a:buChar char="•"/>
+              <a:defRPr sz="1800" kern="1200">
+                <a:solidFill>
+                  <a:schemeClr val="tx1"/>
+                </a:solidFill>
+                <a:latin typeface="+mn-lt"/>
+                <a:ea typeface="+mn-ea"/>
+                <a:cs typeface="+mn-cs"/>
+              </a:defRPr>
+            </a:lvl3pPr>
+            <a:lvl4pPr marL="1600200" indent="-228600" algn="l" defTabSz="914400" rtl="0" eaLnBrk="1" latinLnBrk="0" hangingPunct="1">
+              <a:lnSpc>
+                <a:spcPct val="110000"/>
+              </a:lnSpc>
+              <a:spcBef>
+                <a:spcPts val="800"/>
+              </a:spcBef>
+              <a:buFont typeface="Arial" panose="020B0604020202020204" pitchFamily="34" charset="0"/>
+              <a:buChar char="–"/>
+              <a:defRPr sz="1600" kern="1200">
+                <a:solidFill>
+                  <a:schemeClr val="tx1"/>
+                </a:solidFill>
+                <a:latin typeface="+mn-lt"/>
+                <a:ea typeface="+mn-ea"/>
+                <a:cs typeface="+mn-cs"/>
+              </a:defRPr>
+            </a:lvl4pPr>
+            <a:lvl5pPr marL="2057400" indent="-228600" algn="l" defTabSz="914400" rtl="0" eaLnBrk="1" latinLnBrk="0" hangingPunct="1">
+              <a:lnSpc>
+                <a:spcPct val="110000"/>
+              </a:lnSpc>
+              <a:spcBef>
+                <a:spcPts val="800"/>
+              </a:spcBef>
+              <a:buFont typeface="Arial" panose="020B0604020202020204" pitchFamily="34" charset="0"/>
+              <a:buChar char="»"/>
+              <a:defRPr sz="1600" kern="1200">
+                <a:solidFill>
+                  <a:schemeClr val="tx1"/>
+                </a:solidFill>
+                <a:latin typeface="+mn-lt"/>
+                <a:ea typeface="+mn-ea"/>
+                <a:cs typeface="+mn-cs"/>
+              </a:defRPr>
+            </a:lvl5pPr>
+            <a:lvl6pPr marL="2514600" indent="-228600" algn="l" defTabSz="914400" rtl="0" eaLnBrk="1" latinLnBrk="0" hangingPunct="1">
+              <a:spcBef>
+                <a:spcPct val="20000"/>
+              </a:spcBef>
+              <a:buFont typeface="Arial" panose="020B0604020202020204" pitchFamily="34" charset="0"/>
+              <a:buChar char="•"/>
+              <a:defRPr sz="2000" kern="1200">
+                <a:solidFill>
+                  <a:schemeClr val="tx1"/>
+                </a:solidFill>
+                <a:latin typeface="+mn-lt"/>
+                <a:ea typeface="+mn-ea"/>
+                <a:cs typeface="+mn-cs"/>
+              </a:defRPr>
+            </a:lvl6pPr>
+            <a:lvl7pPr marL="2971800" indent="-228600" algn="l" defTabSz="914400" rtl="0" eaLnBrk="1" latinLnBrk="0" hangingPunct="1">
+              <a:spcBef>
+                <a:spcPct val="20000"/>
+              </a:spcBef>
+              <a:buFont typeface="Arial" panose="020B0604020202020204" pitchFamily="34" charset="0"/>
+              <a:buChar char="•"/>
+              <a:defRPr sz="2000" kern="1200">
+                <a:solidFill>
+                  <a:schemeClr val="tx1"/>
+                </a:solidFill>
+                <a:latin typeface="+mn-lt"/>
+                <a:ea typeface="+mn-ea"/>
+                <a:cs typeface="+mn-cs"/>
+              </a:defRPr>
+            </a:lvl7pPr>
+            <a:lvl8pPr marL="3429000" indent="-228600" algn="l" defTabSz="914400" rtl="0" eaLnBrk="1" latinLnBrk="0" hangingPunct="1">
+              <a:spcBef>
+                <a:spcPct val="20000"/>
+              </a:spcBef>
+              <a:buFont typeface="Arial" panose="020B0604020202020204" pitchFamily="34" charset="0"/>
+              <a:buChar char="•"/>
+              <a:defRPr sz="2000" kern="1200">
+                <a:solidFill>
+                  <a:schemeClr val="tx1"/>
+                </a:solidFill>
+                <a:latin typeface="+mn-lt"/>
+                <a:ea typeface="+mn-ea"/>
+                <a:cs typeface="+mn-cs"/>
+              </a:defRPr>
+            </a:lvl8pPr>
+            <a:lvl9pPr marL="3886200" indent="-228600" algn="l" defTabSz="914400" rtl="0" eaLnBrk="1" latinLnBrk="0" hangingPunct="1">
+              <a:spcBef>
+                <a:spcPct val="20000"/>
+              </a:spcBef>
+              <a:buFont typeface="Arial" panose="020B0604020202020204" pitchFamily="34" charset="0"/>
+              <a:buChar char="•"/>
+              <a:defRPr sz="2000" kern="1200">
+                <a:solidFill>
+                  <a:schemeClr val="tx1"/>
+                </a:solidFill>
+                <a:latin typeface="+mn-lt"/>
+                <a:ea typeface="+mn-ea"/>
+                <a:cs typeface="+mn-cs"/>
+              </a:defRPr>
+            </a:lvl9pPr>
+          </a:lstStyle>
+          <a:p>
+            <a:pPr marL="0" indent="0">
+              <a:lnSpc>
+                <a:spcPct val="100000"/>
+              </a:lnSpc>
+              <a:buNone/>
+            </a:pPr>
+            <a:r>
+              <a:rPr lang="en-US" sz="1500" b="1" dirty="0">
+                <a:latin typeface="Open Sans Extrabold" charset="0"/>
+                <a:ea typeface="Open Sans Extrabold" charset="0"/>
+                <a:cs typeface="Open Sans Extrabold" charset="0"/>
+              </a:rPr>
+              <a:t>Event </a:t>
+            </a:r>
+            <a:r>
+              <a:rPr lang="en-US" sz="1500" b="1" dirty="0" smtClean="0">
+                <a:latin typeface="Open Sans Extrabold" charset="0"/>
+                <a:ea typeface="Open Sans Extrabold" charset="0"/>
+                <a:cs typeface="Open Sans Extrabold" charset="0"/>
+              </a:rPr>
+              <a:t>Types</a:t>
+            </a:r>
+            <a:endParaRPr lang="en-US" sz="1500" b="1" dirty="0">
+              <a:latin typeface="Open Sans Extrabold" charset="0"/>
+              <a:ea typeface="Open Sans Extrabold" charset="0"/>
+              <a:cs typeface="Open Sans Extrabold" charset="0"/>
+            </a:endParaRPr>
+          </a:p>
+          <a:p>
+            <a:pPr marL="0" indent="0">
+              <a:lnSpc>
+                <a:spcPct val="150000"/>
+              </a:lnSpc>
+              <a:buNone/>
+            </a:pPr>
+            <a:r>
+              <a:rPr lang="en-US" sz="1600" dirty="0" smtClean="0"/>
+              <a:t>load</a:t>
+            </a:r>
+            <a:r>
+              <a:rPr lang="en-US" sz="1600" dirty="0"/>
+              <a:t>, offline, online, focus, blur, </a:t>
+            </a:r>
+            <a:r>
+              <a:rPr lang="en-US" sz="1600" dirty="0" err="1"/>
+              <a:t>animationstart</a:t>
+            </a:r>
+            <a:r>
+              <a:rPr lang="en-US" sz="1600" dirty="0"/>
+              <a:t>, </a:t>
+            </a:r>
+            <a:r>
+              <a:rPr lang="en-US" sz="1600" dirty="0" err="1"/>
+              <a:t>animationend</a:t>
+            </a:r>
+            <a:r>
+              <a:rPr lang="en-US" sz="1600" dirty="0"/>
+              <a:t>, </a:t>
+            </a:r>
+            <a:r>
+              <a:rPr lang="en-US" sz="1600" dirty="0" err="1"/>
+              <a:t>transitionstart</a:t>
+            </a:r>
+            <a:r>
+              <a:rPr lang="en-US" sz="1600" dirty="0"/>
+              <a:t>, </a:t>
+            </a:r>
+            <a:r>
+              <a:rPr lang="en-US" sz="1600" dirty="0" err="1"/>
+              <a:t>transitionend</a:t>
+            </a:r>
+            <a:r>
+              <a:rPr lang="en-US" sz="1600" dirty="0"/>
+              <a:t>, submit, resize, scroll, keypress, </a:t>
+            </a:r>
+            <a:r>
+              <a:rPr lang="en-US" sz="1600" dirty="0" err="1"/>
+              <a:t>mousemove</a:t>
+            </a:r>
+            <a:r>
+              <a:rPr lang="en-US" sz="1600" dirty="0"/>
+              <a:t>, </a:t>
+            </a:r>
+            <a:r>
+              <a:rPr lang="en-US" sz="1600" dirty="0" err="1"/>
+              <a:t>mouseenter</a:t>
+            </a:r>
+            <a:r>
+              <a:rPr lang="en-US" sz="1600" dirty="0"/>
+              <a:t>, </a:t>
+            </a:r>
+            <a:r>
+              <a:rPr lang="en-US" sz="1600" dirty="0" err="1"/>
+              <a:t>mouseleave</a:t>
+            </a:r>
+            <a:r>
+              <a:rPr lang="en-US" sz="1600" dirty="0"/>
+              <a:t>, click, </a:t>
+            </a:r>
+            <a:r>
+              <a:rPr lang="en-US" sz="1600" dirty="0" err="1"/>
+              <a:t>dragstart</a:t>
+            </a:r>
+            <a:r>
+              <a:rPr lang="en-US" sz="1600" dirty="0"/>
+              <a:t>, </a:t>
+            </a:r>
+            <a:r>
+              <a:rPr lang="en-US" sz="1600" dirty="0" err="1"/>
+              <a:t>dragenter</a:t>
+            </a:r>
+            <a:r>
+              <a:rPr lang="en-US" sz="1600" dirty="0"/>
+              <a:t>, </a:t>
+            </a:r>
+            <a:r>
+              <a:rPr lang="en-US" sz="1600" dirty="0" err="1"/>
+              <a:t>dragend</a:t>
+            </a:r>
+            <a:r>
+              <a:rPr lang="en-US" sz="1600" dirty="0"/>
+              <a:t>, </a:t>
+            </a:r>
+            <a:r>
+              <a:rPr lang="en-US" sz="1600" dirty="0" err="1"/>
+              <a:t>dragover</a:t>
+            </a:r>
+            <a:r>
+              <a:rPr lang="en-US" sz="1600" dirty="0"/>
+              <a:t>, drop, </a:t>
+            </a:r>
+            <a:r>
+              <a:rPr lang="en-US" sz="1600" dirty="0" err="1"/>
+              <a:t>timeupdate</a:t>
+            </a:r>
+            <a:r>
+              <a:rPr lang="en-US" sz="1600" dirty="0"/>
+              <a:t>, </a:t>
+            </a:r>
+            <a:r>
+              <a:rPr lang="en-US" sz="1600" dirty="0" err="1"/>
+              <a:t>hashchange</a:t>
+            </a:r>
+            <a:r>
+              <a:rPr lang="en-US" sz="1600" dirty="0"/>
+              <a:t>, </a:t>
+            </a:r>
+            <a:r>
+              <a:rPr lang="en-US" sz="1600" dirty="0" smtClean="0"/>
+              <a:t>more!</a:t>
+            </a:r>
+            <a:endParaRPr lang="en-US" sz="1600" dirty="0"/>
           </a:p>
         </p:txBody>
       </p:sp>
     </p:spTree>
     <p:extLst>
       <p:ext uri="{BB962C8B-B14F-4D97-AF65-F5344CB8AC3E}">
-        <p14:creationId xmlns:p14="http://schemas.microsoft.com/office/powerpoint/2010/main" val="612686322"/>
+        <p14:creationId xmlns:p14="http://schemas.microsoft.com/office/powerpoint/2010/main" val="730223918"/>
       </p:ext>
     </p:extLst>
   </p:cSld>
@@ -36196,7 +36147,7 @@
           <a:p>
             <a:r>
               <a:rPr lang="en-US" dirty="0" smtClean="0"/>
-              <a:t>Events Practice #3</a:t>
+              <a:t>Events Practice #1</a:t>
             </a:r>
             <a:endParaRPr lang="en-US" dirty="0"/>
           </a:p>
@@ -36217,25 +36168,24 @@
           <a:bodyPr/>
           <a:lstStyle/>
           <a:p>
-            <a:endParaRPr lang="en-US" dirty="0"/>
+            <a:endParaRPr lang="en-US" dirty="0" smtClean="0"/>
           </a:p>
           <a:p>
             <a:r>
               <a:rPr lang="en-US" dirty="0" smtClean="0"/>
-              <a:t>Get the values from the form when submitted</a:t>
+              <a:t>Write an inline click event on a link that logs out a message when clicked</a:t>
             </a:r>
           </a:p>
           <a:p>
             <a:r>
               <a:rPr lang="en-US" dirty="0" smtClean="0"/>
-              <a:t>Append the new post values as a new post on the page</a:t>
-            </a:r>
-          </a:p>
-          <a:p>
-            <a:r>
-              <a:rPr lang="en-US" dirty="0" smtClean="0"/>
-              <a:t>Clear form values once post is loaded</a:t>
-            </a:r>
+              <a:t>Add an event listener to a </a:t>
+            </a:r>
+            <a:r>
+              <a:rPr lang="en-US" dirty="0"/>
+              <a:t>link that logs out a message when clicked</a:t>
+            </a:r>
+            <a:endParaRPr lang="en-US" dirty="0" smtClean="0"/>
           </a:p>
         </p:txBody>
       </p:sp>
@@ -36261,7 +36211,7 @@
     </p:spTree>
     <p:extLst>
       <p:ext uri="{BB962C8B-B14F-4D97-AF65-F5344CB8AC3E}">
-        <p14:creationId xmlns:p14="http://schemas.microsoft.com/office/powerpoint/2010/main" val="1103877576"/>
+        <p14:creationId xmlns:p14="http://schemas.microsoft.com/office/powerpoint/2010/main" val="1409103936"/>
       </p:ext>
     </p:extLst>
   </p:cSld>
@@ -36302,7 +36252,7 @@
             <a:spLocks noGrp="1"/>
           </p:cNvSpPr>
           <p:nvPr>
-            <p:ph type="ctrTitle"/>
+            <p:ph type="title"/>
           </p:nvPr>
         </p:nvSpPr>
         <p:spPr/>
@@ -36311,23 +36261,47 @@
           <a:lstStyle/>
           <a:p>
             <a:r>
-              <a:rPr lang="en-US" sz="4200" dirty="0" smtClean="0"/>
-              <a:t>Events in Different </a:t>
-            </a:r>
-            <a:br>
-              <a:rPr lang="en-US" sz="4200" dirty="0" smtClean="0"/>
-            </a:br>
-            <a:r>
-              <a:rPr lang="en-US" sz="4200" dirty="0" smtClean="0"/>
-              <a:t>Libraries &amp; Frameworks</a:t>
-            </a:r>
-            <a:endParaRPr lang="en-US" sz="4200" dirty="0"/>
+              <a:rPr lang="en-US" dirty="0" smtClean="0"/>
+              <a:t>Events Practice #2</a:t>
+            </a:r>
+            <a:endParaRPr lang="en-US" dirty="0"/>
           </a:p>
         </p:txBody>
       </p:sp>
       <p:sp>
         <p:nvSpPr>
           <p:cNvPr id="3" name="Content Placeholder 2"/>
+          <p:cNvSpPr>
+            <a:spLocks noGrp="1"/>
+          </p:cNvSpPr>
+          <p:nvPr>
+            <p:ph idx="1"/>
+          </p:nvPr>
+        </p:nvSpPr>
+        <p:spPr/>
+        <p:txBody>
+          <a:bodyPr/>
+          <a:lstStyle/>
+          <a:p>
+            <a:endParaRPr lang="en-US" dirty="0" smtClean="0"/>
+          </a:p>
+          <a:p>
+            <a:r>
+              <a:rPr lang="en-US" dirty="0" smtClean="0"/>
+              <a:t>Select all post title links on the page</a:t>
+            </a:r>
+          </a:p>
+          <a:p>
+            <a:r>
+              <a:rPr lang="en-US" dirty="0" smtClean="0"/>
+              <a:t>Add an event listener to each link that logs the title of that post when clicked</a:t>
+            </a:r>
+          </a:p>
+        </p:txBody>
+      </p:sp>
+      <p:sp>
+        <p:nvSpPr>
+          <p:cNvPr id="4" name="Content Placeholder 3"/>
           <p:cNvSpPr>
             <a:spLocks noGrp="1"/>
           </p:cNvSpPr>
@@ -36340,17 +36314,14 @@
           <a:bodyPr/>
           <a:lstStyle/>
           <a:p>
-            <a:r>
-              <a:rPr lang="en-US" dirty="0"/>
-              <a:t>Events with JavaScript</a:t>
-            </a:r>
+            <a:endParaRPr lang="en-US"/>
           </a:p>
         </p:txBody>
       </p:sp>
     </p:spTree>
     <p:extLst>
       <p:ext uri="{BB962C8B-B14F-4D97-AF65-F5344CB8AC3E}">
-        <p14:creationId xmlns:p14="http://schemas.microsoft.com/office/powerpoint/2010/main" val="1402133328"/>
+        <p14:creationId xmlns:p14="http://schemas.microsoft.com/office/powerpoint/2010/main" val="612686322"/>
       </p:ext>
     </p:extLst>
   </p:cSld>
@@ -36401,6 +36372,211 @@
           <a:p>
             <a:r>
               <a:rPr lang="en-US" dirty="0" smtClean="0"/>
+              <a:t>Events Practice #3</a:t>
+            </a:r>
+            <a:endParaRPr lang="en-US" dirty="0"/>
+          </a:p>
+        </p:txBody>
+      </p:sp>
+      <p:sp>
+        <p:nvSpPr>
+          <p:cNvPr id="3" name="Content Placeholder 2"/>
+          <p:cNvSpPr>
+            <a:spLocks noGrp="1"/>
+          </p:cNvSpPr>
+          <p:nvPr>
+            <p:ph idx="1"/>
+          </p:nvPr>
+        </p:nvSpPr>
+        <p:spPr/>
+        <p:txBody>
+          <a:bodyPr/>
+          <a:lstStyle/>
+          <a:p>
+            <a:endParaRPr lang="en-US" dirty="0"/>
+          </a:p>
+          <a:p>
+            <a:r>
+              <a:rPr lang="en-US" dirty="0" smtClean="0"/>
+              <a:t>Get the values from the form when submitted</a:t>
+            </a:r>
+          </a:p>
+          <a:p>
+            <a:r>
+              <a:rPr lang="en-US" dirty="0" smtClean="0"/>
+              <a:t>Append the new post values as a new post on the page</a:t>
+            </a:r>
+          </a:p>
+          <a:p>
+            <a:r>
+              <a:rPr lang="en-US" dirty="0" smtClean="0"/>
+              <a:t>Clear form values once post is loaded</a:t>
+            </a:r>
+          </a:p>
+        </p:txBody>
+      </p:sp>
+      <p:sp>
+        <p:nvSpPr>
+          <p:cNvPr id="4" name="Content Placeholder 3"/>
+          <p:cNvSpPr>
+            <a:spLocks noGrp="1"/>
+          </p:cNvSpPr>
+          <p:nvPr>
+            <p:ph sz="quarter" idx="11"/>
+          </p:nvPr>
+        </p:nvSpPr>
+        <p:spPr/>
+        <p:txBody>
+          <a:bodyPr/>
+          <a:lstStyle/>
+          <a:p>
+            <a:endParaRPr lang="en-US"/>
+          </a:p>
+        </p:txBody>
+      </p:sp>
+    </p:spTree>
+    <p:extLst>
+      <p:ext uri="{BB962C8B-B14F-4D97-AF65-F5344CB8AC3E}">
+        <p14:creationId xmlns:p14="http://schemas.microsoft.com/office/powerpoint/2010/main" val="1103877576"/>
+      </p:ext>
+    </p:extLst>
+  </p:cSld>
+  <p:clrMapOvr>
+    <a:masterClrMapping/>
+  </p:clrMapOvr>
+  <p:timing>
+    <p:tnLst>
+      <p:par>
+        <p:cTn id="1" dur="indefinite" restart="never" nodeType="tmRoot"/>
+      </p:par>
+    </p:tnLst>
+  </p:timing>
+</p:sld>
+</file>
+
+<file path=ppt/slides/slide75.xml><?xml version="1.0" encoding="utf-8"?>
+<p:sld xmlns:a="http://schemas.openxmlformats.org/drawingml/2006/main" xmlns:r="http://schemas.openxmlformats.org/officeDocument/2006/relationships" xmlns:p="http://schemas.openxmlformats.org/presentationml/2006/main">
+  <p:cSld>
+    <p:spTree>
+      <p:nvGrpSpPr>
+        <p:cNvPr id="1" name=""/>
+        <p:cNvGrpSpPr/>
+        <p:nvPr/>
+      </p:nvGrpSpPr>
+      <p:grpSpPr>
+        <a:xfrm>
+          <a:off x="0" y="0"/>
+          <a:ext cx="0" cy="0"/>
+          <a:chOff x="0" y="0"/>
+          <a:chExt cx="0" cy="0"/>
+        </a:xfrm>
+      </p:grpSpPr>
+      <p:sp>
+        <p:nvSpPr>
+          <p:cNvPr id="2" name="Title 1"/>
+          <p:cNvSpPr>
+            <a:spLocks noGrp="1"/>
+          </p:cNvSpPr>
+          <p:nvPr>
+            <p:ph type="ctrTitle"/>
+          </p:nvPr>
+        </p:nvSpPr>
+        <p:spPr/>
+        <p:txBody>
+          <a:bodyPr/>
+          <a:lstStyle/>
+          <a:p>
+            <a:r>
+              <a:rPr lang="en-US" sz="4200" dirty="0" smtClean="0"/>
+              <a:t>Events in Different </a:t>
+            </a:r>
+            <a:br>
+              <a:rPr lang="en-US" sz="4200" dirty="0" smtClean="0"/>
+            </a:br>
+            <a:r>
+              <a:rPr lang="en-US" sz="4200" dirty="0" smtClean="0"/>
+              <a:t>Libraries &amp; Frameworks</a:t>
+            </a:r>
+            <a:endParaRPr lang="en-US" sz="4200" dirty="0"/>
+          </a:p>
+        </p:txBody>
+      </p:sp>
+      <p:sp>
+        <p:nvSpPr>
+          <p:cNvPr id="3" name="Content Placeholder 2"/>
+          <p:cNvSpPr>
+            <a:spLocks noGrp="1"/>
+          </p:cNvSpPr>
+          <p:nvPr>
+            <p:ph sz="quarter" idx="11"/>
+          </p:nvPr>
+        </p:nvSpPr>
+        <p:spPr/>
+        <p:txBody>
+          <a:bodyPr/>
+          <a:lstStyle/>
+          <a:p>
+            <a:r>
+              <a:rPr lang="en-US" dirty="0"/>
+              <a:t>Events with JavaScript</a:t>
+            </a:r>
+          </a:p>
+        </p:txBody>
+      </p:sp>
+    </p:spTree>
+    <p:extLst>
+      <p:ext uri="{BB962C8B-B14F-4D97-AF65-F5344CB8AC3E}">
+        <p14:creationId xmlns:p14="http://schemas.microsoft.com/office/powerpoint/2010/main" val="1402133328"/>
+      </p:ext>
+    </p:extLst>
+  </p:cSld>
+  <p:clrMapOvr>
+    <a:masterClrMapping/>
+  </p:clrMapOvr>
+  <p:timing>
+    <p:tnLst>
+      <p:par>
+        <p:cTn id="1" dur="indefinite" restart="never" nodeType="tmRoot"/>
+      </p:par>
+    </p:tnLst>
+  </p:timing>
+</p:sld>
+</file>
+
+<file path=ppt/slides/slide76.xml><?xml version="1.0" encoding="utf-8"?>
+<p:sld xmlns:a="http://schemas.openxmlformats.org/drawingml/2006/main" xmlns:r="http://schemas.openxmlformats.org/officeDocument/2006/relationships" xmlns:p="http://schemas.openxmlformats.org/presentationml/2006/main">
+  <p:cSld>
+    <p:spTree>
+      <p:nvGrpSpPr>
+        <p:cNvPr id="1" name=""/>
+        <p:cNvGrpSpPr/>
+        <p:nvPr/>
+      </p:nvGrpSpPr>
+      <p:grpSpPr>
+        <a:xfrm>
+          <a:off x="0" y="0"/>
+          <a:ext cx="0" cy="0"/>
+          <a:chOff x="0" y="0"/>
+          <a:chExt cx="0" cy="0"/>
+        </a:xfrm>
+      </p:grpSpPr>
+      <p:sp>
+        <p:nvSpPr>
+          <p:cNvPr id="2" name="Title 1"/>
+          <p:cNvSpPr>
+            <a:spLocks noGrp="1"/>
+          </p:cNvSpPr>
+          <p:nvPr>
+            <p:ph type="title"/>
+          </p:nvPr>
+        </p:nvSpPr>
+        <p:spPr/>
+        <p:txBody>
+          <a:bodyPr/>
+          <a:lstStyle/>
+          <a:p>
+            <a:r>
+              <a:rPr lang="en-US" dirty="0" smtClean="0"/>
               <a:t>JSON &amp; HTTP</a:t>
             </a:r>
             <a:endParaRPr lang="en-US" dirty="0"/>
@@ -36523,7 +36699,7 @@
 </p:sld>
 </file>
 
-<file path=ppt/slides/slide75.xml><?xml version="1.0" encoding="utf-8"?>
+<file path=ppt/slides/slide77.xml><?xml version="1.0" encoding="utf-8"?>
 <p:sld xmlns:a="http://schemas.openxmlformats.org/drawingml/2006/main" xmlns:r="http://schemas.openxmlformats.org/officeDocument/2006/relationships" xmlns:p="http://schemas.openxmlformats.org/presentationml/2006/main">
   <p:cSld>
     <p:spTree>
@@ -36986,625 +37162,6 @@
 </p:sld>
 </file>
 
-<file path=ppt/slides/slide76.xml><?xml version="1.0" encoding="utf-8"?>
-<p:sld xmlns:a="http://schemas.openxmlformats.org/drawingml/2006/main" xmlns:r="http://schemas.openxmlformats.org/officeDocument/2006/relationships" xmlns:p="http://schemas.openxmlformats.org/presentationml/2006/main">
-  <p:cSld>
-    <p:spTree>
-      <p:nvGrpSpPr>
-        <p:cNvPr id="1" name=""/>
-        <p:cNvGrpSpPr/>
-        <p:nvPr/>
-      </p:nvGrpSpPr>
-      <p:grpSpPr>
-        <a:xfrm>
-          <a:off x="0" y="0"/>
-          <a:ext cx="0" cy="0"/>
-          <a:chOff x="0" y="0"/>
-          <a:chExt cx="0" cy="0"/>
-        </a:xfrm>
-      </p:grpSpPr>
-      <p:sp>
-        <p:nvSpPr>
-          <p:cNvPr id="4" name="Content Placeholder 3"/>
-          <p:cNvSpPr>
-            <a:spLocks noGrp="1"/>
-          </p:cNvSpPr>
-          <p:nvPr>
-            <p:ph sz="quarter" idx="11"/>
-          </p:nvPr>
-        </p:nvSpPr>
-        <p:spPr/>
-        <p:txBody>
-          <a:bodyPr/>
-          <a:lstStyle/>
-          <a:p>
-            <a:r>
-              <a:rPr lang="en-US" dirty="0"/>
-              <a:t>JSON &amp; HTTP</a:t>
-            </a:r>
-          </a:p>
-        </p:txBody>
-      </p:sp>
-      <p:sp>
-        <p:nvSpPr>
-          <p:cNvPr id="5" name="Rectangle 4"/>
-          <p:cNvSpPr/>
-          <p:nvPr/>
-        </p:nvSpPr>
-        <p:spPr>
-          <a:xfrm>
-            <a:off x="493059" y="289343"/>
-            <a:ext cx="8346141" cy="461665"/>
-          </a:xfrm>
-          <a:prstGeom prst="rect">
-            <a:avLst/>
-          </a:prstGeom>
-        </p:spPr>
-        <p:txBody>
-          <a:bodyPr wrap="square">
-            <a:spAutoFit/>
-          </a:bodyPr>
-          <a:lstStyle/>
-          <a:p>
-            <a:r>
-              <a:rPr lang="en-US" sz="2400" b="1" dirty="0" smtClean="0">
-                <a:solidFill>
-                  <a:schemeClr val="bg1">
-                    <a:lumMod val="95000"/>
-                  </a:schemeClr>
-                </a:solidFill>
-                <a:latin typeface="Open Sans Extrabold" charset="0"/>
-                <a:ea typeface="Open Sans Extrabold" charset="0"/>
-                <a:cs typeface="Open Sans Extrabold" charset="0"/>
-              </a:rPr>
-              <a:t>JSON</a:t>
-            </a:r>
-            <a:endParaRPr lang="en-US" sz="2400" b="1" dirty="0">
-              <a:solidFill>
-                <a:schemeClr val="bg1">
-                  <a:lumMod val="95000"/>
-                </a:schemeClr>
-              </a:solidFill>
-              <a:latin typeface="Open Sans Extrabold" charset="0"/>
-              <a:ea typeface="Open Sans Extrabold" charset="0"/>
-              <a:cs typeface="Open Sans Extrabold" charset="0"/>
-            </a:endParaRPr>
-          </a:p>
-        </p:txBody>
-      </p:sp>
-      <p:sp>
-        <p:nvSpPr>
-          <p:cNvPr id="2" name="Content Placeholder 1"/>
-          <p:cNvSpPr>
-            <a:spLocks noGrp="1"/>
-          </p:cNvSpPr>
-          <p:nvPr>
-            <p:ph idx="1"/>
-          </p:nvPr>
-        </p:nvSpPr>
-        <p:spPr>
-          <a:xfrm>
-            <a:off x="609600" y="928049"/>
-            <a:ext cx="8229600" cy="3753132"/>
-          </a:xfrm>
-        </p:spPr>
-        <p:txBody>
-          <a:bodyPr>
-            <a:normAutofit fontScale="92500" lnSpcReduction="20000"/>
-          </a:bodyPr>
-          <a:lstStyle/>
-          <a:p>
-            <a:r>
-              <a:rPr lang="en-US" sz="2000" dirty="0" smtClean="0">
-                <a:solidFill>
-                  <a:srgbClr val="F8F8F2"/>
-                </a:solidFill>
-                <a:latin typeface="Monaco" charset="0"/>
-              </a:rPr>
-              <a:t>[</a:t>
-            </a:r>
-          </a:p>
-          <a:p>
-            <a:r>
-              <a:rPr lang="en-US" sz="2000" dirty="0">
-                <a:solidFill>
-                  <a:srgbClr val="F8F8F2"/>
-                </a:solidFill>
-                <a:latin typeface="Monaco" charset="0"/>
-              </a:rPr>
-              <a:t> </a:t>
-            </a:r>
-            <a:r>
-              <a:rPr lang="mr-IN" sz="2000" dirty="0" smtClean="0">
-                <a:solidFill>
-                  <a:srgbClr val="F8F8F2"/>
-                </a:solidFill>
-                <a:latin typeface="Monaco" charset="0"/>
-              </a:rPr>
-              <a:t>{</a:t>
-            </a:r>
-            <a:endParaRPr lang="mr-IN" sz="2000" dirty="0">
-              <a:solidFill>
-                <a:srgbClr val="F8F8F2"/>
-              </a:solidFill>
-              <a:latin typeface="Monaco" charset="0"/>
-            </a:endParaRPr>
-          </a:p>
-          <a:p>
-            <a:r>
-              <a:rPr lang="en-US" sz="2000" dirty="0" smtClean="0">
-                <a:solidFill>
-                  <a:srgbClr val="F92672"/>
-                </a:solidFill>
-                <a:latin typeface="Monaco" charset="0"/>
-              </a:rPr>
-              <a:t>  "</a:t>
-            </a:r>
-            <a:r>
-              <a:rPr lang="en-US" sz="2000" dirty="0">
-                <a:solidFill>
-                  <a:srgbClr val="F92672"/>
-                </a:solidFill>
-                <a:latin typeface="Monaco" charset="0"/>
-              </a:rPr>
-              <a:t>title"</a:t>
-            </a:r>
-            <a:r>
-              <a:rPr lang="en-US" sz="2000" dirty="0">
-                <a:solidFill>
-                  <a:srgbClr val="F8F8F2"/>
-                </a:solidFill>
-                <a:latin typeface="Monaco" charset="0"/>
-              </a:rPr>
-              <a:t>: </a:t>
-            </a:r>
-            <a:r>
-              <a:rPr lang="en-US" sz="2000" dirty="0">
-                <a:solidFill>
-                  <a:srgbClr val="E6DB74"/>
-                </a:solidFill>
-                <a:latin typeface="Monaco" charset="0"/>
-              </a:rPr>
-              <a:t>"Hello JSON!"</a:t>
-            </a:r>
-            <a:r>
-              <a:rPr lang="en-US" sz="2000" dirty="0">
-                <a:solidFill>
-                  <a:srgbClr val="F8F8F2"/>
-                </a:solidFill>
-                <a:latin typeface="Monaco" charset="0"/>
-              </a:rPr>
-              <a:t>,</a:t>
-            </a:r>
-          </a:p>
-          <a:p>
-            <a:r>
-              <a:rPr lang="en-US" sz="2000" dirty="0" smtClean="0">
-                <a:solidFill>
-                  <a:srgbClr val="F92672"/>
-                </a:solidFill>
-                <a:latin typeface="Monaco" charset="0"/>
-              </a:rPr>
-              <a:t>  "</a:t>
-            </a:r>
-            <a:r>
-              <a:rPr lang="en-US" sz="2000" dirty="0">
-                <a:solidFill>
-                  <a:srgbClr val="F92672"/>
-                </a:solidFill>
-                <a:latin typeface="Monaco" charset="0"/>
-              </a:rPr>
-              <a:t>content"</a:t>
-            </a:r>
-            <a:r>
-              <a:rPr lang="en-US" sz="2000" dirty="0">
-                <a:solidFill>
-                  <a:srgbClr val="F8F8F2"/>
-                </a:solidFill>
-                <a:latin typeface="Monaco" charset="0"/>
-              </a:rPr>
-              <a:t>: </a:t>
-            </a:r>
-            <a:r>
-              <a:rPr lang="en-US" sz="2000" dirty="0">
-                <a:solidFill>
-                  <a:srgbClr val="E6DB74"/>
-                </a:solidFill>
-                <a:latin typeface="Monaco" charset="0"/>
-              </a:rPr>
-              <a:t>"Some post content goes here."</a:t>
-            </a:r>
-            <a:endParaRPr lang="en-US" sz="2000" dirty="0">
-              <a:solidFill>
-                <a:srgbClr val="F8F8F2"/>
-              </a:solidFill>
-              <a:latin typeface="Monaco" charset="0"/>
-            </a:endParaRPr>
-          </a:p>
-          <a:p>
-            <a:r>
-              <a:rPr lang="en-US" sz="2000" dirty="0" smtClean="0">
-                <a:solidFill>
-                  <a:srgbClr val="F8F8F2"/>
-                </a:solidFill>
-                <a:latin typeface="Monaco" charset="0"/>
-              </a:rPr>
-              <a:t> </a:t>
-            </a:r>
-            <a:r>
-              <a:rPr lang="mr-IN" sz="2000" dirty="0" smtClean="0">
-                <a:solidFill>
-                  <a:srgbClr val="F8F8F2"/>
-                </a:solidFill>
-                <a:latin typeface="Monaco" charset="0"/>
-              </a:rPr>
-              <a:t>}</a:t>
-            </a:r>
-            <a:r>
-              <a:rPr lang="en-US" sz="2000" dirty="0" smtClean="0">
-                <a:solidFill>
-                  <a:srgbClr val="F8F8F2"/>
-                </a:solidFill>
-                <a:latin typeface="Monaco" charset="0"/>
-              </a:rPr>
-              <a:t>,</a:t>
-            </a:r>
-          </a:p>
-          <a:p>
-            <a:r>
-              <a:rPr lang="en-US" sz="2000" dirty="0">
-                <a:solidFill>
-                  <a:srgbClr val="F8F8F2"/>
-                </a:solidFill>
-                <a:latin typeface="Monaco" charset="0"/>
-              </a:rPr>
-              <a:t> </a:t>
-            </a:r>
-            <a:r>
-              <a:rPr lang="mr-IN" sz="2000" dirty="0">
-                <a:solidFill>
-                  <a:srgbClr val="F8F8F2"/>
-                </a:solidFill>
-                <a:latin typeface="Monaco" charset="0"/>
-              </a:rPr>
-              <a:t>{</a:t>
-            </a:r>
-          </a:p>
-          <a:p>
-            <a:r>
-              <a:rPr lang="en-US" sz="2000" dirty="0">
-                <a:solidFill>
-                  <a:srgbClr val="F92672"/>
-                </a:solidFill>
-                <a:latin typeface="Monaco" charset="0"/>
-              </a:rPr>
-              <a:t>  "title"</a:t>
-            </a:r>
-            <a:r>
-              <a:rPr lang="en-US" sz="2000" dirty="0">
-                <a:solidFill>
-                  <a:srgbClr val="F8F8F2"/>
-                </a:solidFill>
-                <a:latin typeface="Monaco" charset="0"/>
-              </a:rPr>
-              <a:t>: </a:t>
-            </a:r>
-            <a:r>
-              <a:rPr lang="en-US" sz="2000" dirty="0">
-                <a:solidFill>
-                  <a:srgbClr val="E6DB74"/>
-                </a:solidFill>
-                <a:latin typeface="Monaco" charset="0"/>
-              </a:rPr>
-              <a:t>"Hello </a:t>
-            </a:r>
-            <a:r>
-              <a:rPr lang="en-US" sz="2000" dirty="0" smtClean="0">
-                <a:solidFill>
-                  <a:srgbClr val="E6DB74"/>
-                </a:solidFill>
-                <a:latin typeface="Monaco" charset="0"/>
-              </a:rPr>
-              <a:t>API!"</a:t>
-            </a:r>
-            <a:r>
-              <a:rPr lang="en-US" sz="2000" dirty="0" smtClean="0">
-                <a:solidFill>
-                  <a:srgbClr val="F8F8F2"/>
-                </a:solidFill>
-                <a:latin typeface="Monaco" charset="0"/>
-              </a:rPr>
-              <a:t>,</a:t>
-            </a:r>
-            <a:endParaRPr lang="en-US" sz="2000" dirty="0">
-              <a:solidFill>
-                <a:srgbClr val="F8F8F2"/>
-              </a:solidFill>
-              <a:latin typeface="Monaco" charset="0"/>
-            </a:endParaRPr>
-          </a:p>
-          <a:p>
-            <a:r>
-              <a:rPr lang="en-US" sz="2000" dirty="0">
-                <a:solidFill>
-                  <a:srgbClr val="F92672"/>
-                </a:solidFill>
-                <a:latin typeface="Monaco" charset="0"/>
-              </a:rPr>
-              <a:t>  "content"</a:t>
-            </a:r>
-            <a:r>
-              <a:rPr lang="en-US" sz="2000" dirty="0">
-                <a:solidFill>
-                  <a:srgbClr val="F8F8F2"/>
-                </a:solidFill>
-                <a:latin typeface="Monaco" charset="0"/>
-              </a:rPr>
-              <a:t>: </a:t>
-            </a:r>
-            <a:r>
-              <a:rPr lang="en-US" sz="2000" dirty="0" smtClean="0">
-                <a:solidFill>
-                  <a:srgbClr val="E6DB74"/>
-                </a:solidFill>
-                <a:latin typeface="Monaco" charset="0"/>
-              </a:rPr>
-              <a:t>"More </a:t>
-            </a:r>
-            <a:r>
-              <a:rPr lang="en-US" sz="2000" dirty="0">
-                <a:solidFill>
-                  <a:srgbClr val="E6DB74"/>
-                </a:solidFill>
-                <a:latin typeface="Monaco" charset="0"/>
-              </a:rPr>
-              <a:t>post </a:t>
-            </a:r>
-            <a:r>
-              <a:rPr lang="en-US" sz="2000" dirty="0" smtClean="0">
-                <a:solidFill>
-                  <a:srgbClr val="E6DB74"/>
-                </a:solidFill>
-                <a:latin typeface="Monaco" charset="0"/>
-              </a:rPr>
-              <a:t>content."</a:t>
-            </a:r>
-            <a:endParaRPr lang="en-US" sz="2000" dirty="0">
-              <a:solidFill>
-                <a:srgbClr val="F8F8F2"/>
-              </a:solidFill>
-              <a:latin typeface="Monaco" charset="0"/>
-            </a:endParaRPr>
-          </a:p>
-          <a:p>
-            <a:r>
-              <a:rPr lang="en-US" sz="2000" dirty="0">
-                <a:solidFill>
-                  <a:srgbClr val="F8F8F2"/>
-                </a:solidFill>
-                <a:latin typeface="Monaco" charset="0"/>
-              </a:rPr>
-              <a:t> </a:t>
-            </a:r>
-            <a:r>
-              <a:rPr lang="mr-IN" sz="2000" dirty="0">
-                <a:solidFill>
-                  <a:srgbClr val="F8F8F2"/>
-                </a:solidFill>
-                <a:latin typeface="Monaco" charset="0"/>
-              </a:rPr>
-              <a:t>}</a:t>
-            </a:r>
-            <a:r>
-              <a:rPr lang="en-US" sz="2000" dirty="0" smtClean="0">
-                <a:solidFill>
-                  <a:srgbClr val="F8F8F2"/>
-                </a:solidFill>
-                <a:latin typeface="Monaco" charset="0"/>
-              </a:rPr>
-              <a:t>,</a:t>
-            </a:r>
-          </a:p>
-          <a:p>
-            <a:r>
-              <a:rPr lang="en-US" sz="2000" dirty="0" smtClean="0">
-                <a:solidFill>
-                  <a:srgbClr val="F8F8F2"/>
-                </a:solidFill>
-                <a:latin typeface="Monaco" charset="0"/>
-              </a:rPr>
-              <a:t>]</a:t>
-            </a:r>
-            <a:endParaRPr lang="mr-IN" sz="2000" dirty="0">
-              <a:solidFill>
-                <a:srgbClr val="F8F8F2"/>
-              </a:solidFill>
-              <a:latin typeface="Monaco" charset="0"/>
-            </a:endParaRPr>
-          </a:p>
-        </p:txBody>
-      </p:sp>
-    </p:spTree>
-    <p:extLst>
-      <p:ext uri="{BB962C8B-B14F-4D97-AF65-F5344CB8AC3E}">
-        <p14:creationId xmlns:p14="http://schemas.microsoft.com/office/powerpoint/2010/main" val="364578940"/>
-      </p:ext>
-    </p:extLst>
-  </p:cSld>
-  <p:clrMapOvr>
-    <a:masterClrMapping/>
-  </p:clrMapOvr>
-  <p:timing>
-    <p:tnLst>
-      <p:par>
-        <p:cTn id="1" dur="indefinite" restart="never" nodeType="tmRoot">
-          <p:childTnLst>
-            <p:seq concurrent="1" nextAc="seek">
-              <p:cTn id="2" dur="indefinite" nodeType="mainSeq">
-                <p:childTnLst>
-                  <p:par>
-                    <p:cTn id="3" fill="hold">
-                      <p:stCondLst>
-                        <p:cond delay="indefinite"/>
-                      </p:stCondLst>
-                      <p:childTnLst>
-                        <p:par>
-                          <p:cTn id="4" fill="hold">
-                            <p:stCondLst>
-                              <p:cond delay="0"/>
-                            </p:stCondLst>
-                            <p:childTnLst>
-                              <p:par>
-                                <p:cTn id="5" presetID="10" presetClass="entr" presetSubtype="0" fill="hold" grpId="0" nodeType="clickEffect">
-                                  <p:stCondLst>
-                                    <p:cond delay="0"/>
-                                  </p:stCondLst>
-                                  <p:childTnLst>
-                                    <p:set>
-                                      <p:cBhvr>
-                                        <p:cTn id="6" dur="1" fill="hold">
-                                          <p:stCondLst>
-                                            <p:cond delay="0"/>
-                                          </p:stCondLst>
-                                        </p:cTn>
-                                        <p:tgtEl>
-                                          <p:spTgt spid="2"/>
-                                        </p:tgtEl>
-                                        <p:attrNameLst>
-                                          <p:attrName>style.visibility</p:attrName>
-                                        </p:attrNameLst>
-                                      </p:cBhvr>
-                                      <p:to>
-                                        <p:strVal val="visible"/>
-                                      </p:to>
-                                    </p:set>
-                                    <p:animEffect transition="in" filter="fade">
-                                      <p:cBhvr>
-                                        <p:cTn id="7" dur="500"/>
-                                        <p:tgtEl>
-                                          <p:spTgt spid="2"/>
-                                        </p:tgtEl>
-                                      </p:cBhvr>
-                                    </p:animEffect>
-                                  </p:childTnLst>
-                                </p:cTn>
-                              </p:par>
-                            </p:childTnLst>
-                          </p:cTn>
-                        </p:par>
-                      </p:childTnLst>
-                    </p:cTn>
-                  </p:par>
-                </p:childTnLst>
-              </p:cTn>
-              <p:prevCondLst>
-                <p:cond evt="onPrev" delay="0">
-                  <p:tgtEl>
-                    <p:sldTgt/>
-                  </p:tgtEl>
-                </p:cond>
-              </p:prevCondLst>
-              <p:nextCondLst>
-                <p:cond evt="onNext" delay="0">
-                  <p:tgtEl>
-                    <p:sldTgt/>
-                  </p:tgtEl>
-                </p:cond>
-              </p:nextCondLst>
-            </p:seq>
-          </p:childTnLst>
-        </p:cTn>
-      </p:par>
-    </p:tnLst>
-    <p:bldLst>
-      <p:bldP spid="2" grpId="0"/>
-    </p:bldLst>
-  </p:timing>
-</p:sld>
-</file>
-
-<file path=ppt/slides/slide77.xml><?xml version="1.0" encoding="utf-8"?>
-<p:sld xmlns:a="http://schemas.openxmlformats.org/drawingml/2006/main" xmlns:r="http://schemas.openxmlformats.org/officeDocument/2006/relationships" xmlns:p="http://schemas.openxmlformats.org/presentationml/2006/main">
-  <p:cSld>
-    <p:spTree>
-      <p:nvGrpSpPr>
-        <p:cNvPr id="1" name=""/>
-        <p:cNvGrpSpPr/>
-        <p:nvPr/>
-      </p:nvGrpSpPr>
-      <p:grpSpPr>
-        <a:xfrm>
-          <a:off x="0" y="0"/>
-          <a:ext cx="0" cy="0"/>
-          <a:chOff x="0" y="0"/>
-          <a:chExt cx="0" cy="0"/>
-        </a:xfrm>
-      </p:grpSpPr>
-      <p:sp>
-        <p:nvSpPr>
-          <p:cNvPr id="2" name="Title 1"/>
-          <p:cNvSpPr>
-            <a:spLocks noGrp="1"/>
-          </p:cNvSpPr>
-          <p:nvPr>
-            <p:ph type="ctrTitle"/>
-          </p:nvPr>
-        </p:nvSpPr>
-        <p:spPr/>
-        <p:txBody>
-          <a:bodyPr/>
-          <a:lstStyle/>
-          <a:p>
-            <a:r>
-              <a:rPr lang="en-US" dirty="0" smtClean="0"/>
-              <a:t>DEMO</a:t>
-            </a:r>
-            <a:endParaRPr lang="en-US" dirty="0"/>
-          </a:p>
-        </p:txBody>
-      </p:sp>
-      <p:sp>
-        <p:nvSpPr>
-          <p:cNvPr id="3" name="Content Placeholder 2"/>
-          <p:cNvSpPr>
-            <a:spLocks noGrp="1"/>
-          </p:cNvSpPr>
-          <p:nvPr>
-            <p:ph sz="quarter" idx="11"/>
-          </p:nvPr>
-        </p:nvSpPr>
-        <p:spPr/>
-        <p:txBody>
-          <a:bodyPr/>
-          <a:lstStyle/>
-          <a:p>
-            <a:r>
-              <a:rPr lang="en-US" dirty="0"/>
-              <a:t>JSON &amp; HTTP</a:t>
-            </a:r>
-          </a:p>
-        </p:txBody>
-      </p:sp>
-    </p:spTree>
-    <p:extLst>
-      <p:ext uri="{BB962C8B-B14F-4D97-AF65-F5344CB8AC3E}">
-        <p14:creationId xmlns:p14="http://schemas.microsoft.com/office/powerpoint/2010/main" val="784677663"/>
-      </p:ext>
-    </p:extLst>
-  </p:cSld>
-  <p:clrMapOvr>
-    <a:masterClrMapping/>
-  </p:clrMapOvr>
-  <p:timing>
-    <p:tnLst>
-      <p:par>
-        <p:cTn id="1" dur="indefinite" restart="never" nodeType="tmRoot"/>
-      </p:par>
-    </p:tnLst>
-  </p:timing>
-</p:sld>
-</file>
-
 <file path=ppt/slides/slide78.xml><?xml version="1.0" encoding="utf-8"?>
 <p:sld xmlns:a="http://schemas.openxmlformats.org/drawingml/2006/main" xmlns:r="http://schemas.openxmlformats.org/officeDocument/2006/relationships" xmlns:p="http://schemas.openxmlformats.org/presentationml/2006/main">
   <p:cSld>
@@ -37666,7 +37223,7 @@
           <a:lstStyle/>
           <a:p>
             <a:r>
-              <a:rPr lang="en-US" sz="2400" b="1" dirty="0">
+              <a:rPr lang="en-US" sz="2400" b="1" dirty="0" smtClean="0">
                 <a:solidFill>
                   <a:schemeClr val="bg1">
                     <a:lumMod val="95000"/>
@@ -37676,8 +37233,18 @@
                 <a:ea typeface="Open Sans Extrabold" charset="0"/>
                 <a:cs typeface="Open Sans Extrabold" charset="0"/>
               </a:rPr>
-              <a:t>JSON Into JavaScript</a:t>
-            </a:r>
+              <a:t>JSON</a:t>
+            </a:r>
+            <a:endParaRPr lang="en-US" sz="2400" b="1" dirty="0">
+              <a:solidFill>
+                <a:schemeClr val="bg1">
+                  <a:lumMod val="95000"/>
+                </a:schemeClr>
+              </a:solidFill>
+              <a:latin typeface="Open Sans Extrabold" charset="0"/>
+              <a:ea typeface="Open Sans Extrabold" charset="0"/>
+              <a:cs typeface="Open Sans Extrabold" charset="0"/>
+            </a:endParaRPr>
           </a:p>
         </p:txBody>
       </p:sp>
@@ -37693,51 +37260,108 @@
         </p:nvSpPr>
         <p:spPr>
           <a:xfrm>
-            <a:off x="609600" y="1310185"/>
-            <a:ext cx="8534400" cy="3370996"/>
+            <a:off x="609600" y="928049"/>
+            <a:ext cx="8229600" cy="3753132"/>
           </a:xfrm>
         </p:spPr>
         <p:txBody>
           <a:bodyPr>
-            <a:normAutofit/>
+            <a:normAutofit fontScale="92500" lnSpcReduction="20000"/>
           </a:bodyPr>
           <a:lstStyle/>
           <a:p>
             <a:r>
               <a:rPr lang="en-US" sz="2000" dirty="0" smtClean="0">
                 <a:solidFill>
-                  <a:srgbClr val="66D9EF"/>
-                </a:solidFill>
-                <a:latin typeface="Monaco" charset="0"/>
-              </a:rPr>
-              <a:t>let</a:t>
-            </a:r>
+                  <a:srgbClr val="F8F8F2"/>
+                </a:solidFill>
+                <a:latin typeface="Monaco" charset="0"/>
+              </a:rPr>
+              <a:t>[</a:t>
+            </a:r>
+          </a:p>
+          <a:p>
+            <a:r>
+              <a:rPr lang="en-US" sz="2000" dirty="0">
+                <a:solidFill>
+                  <a:srgbClr val="F8F8F2"/>
+                </a:solidFill>
+                <a:latin typeface="Monaco" charset="0"/>
+              </a:rPr>
+              <a:t> </a:t>
+            </a:r>
+            <a:r>
+              <a:rPr lang="mr-IN" sz="2000" dirty="0" smtClean="0">
+                <a:solidFill>
+                  <a:srgbClr val="F8F8F2"/>
+                </a:solidFill>
+                <a:latin typeface="Monaco" charset="0"/>
+              </a:rPr>
+              <a:t>{</a:t>
+            </a:r>
+            <a:endParaRPr lang="mr-IN" sz="2000" dirty="0">
+              <a:solidFill>
+                <a:srgbClr val="F8F8F2"/>
+              </a:solidFill>
+              <a:latin typeface="Monaco" charset="0"/>
+            </a:endParaRPr>
+          </a:p>
+          <a:p>
             <a:r>
               <a:rPr lang="en-US" sz="2000" dirty="0" smtClean="0">
                 <a:solidFill>
+                  <a:srgbClr val="F92672"/>
+                </a:solidFill>
+                <a:latin typeface="Monaco" charset="0"/>
+              </a:rPr>
+              <a:t>  "</a:t>
+            </a:r>
+            <a:r>
+              <a:rPr lang="en-US" sz="2000" dirty="0">
+                <a:solidFill>
+                  <a:srgbClr val="F92672"/>
+                </a:solidFill>
+                <a:latin typeface="Monaco" charset="0"/>
+              </a:rPr>
+              <a:t>title"</a:t>
+            </a:r>
+            <a:r>
+              <a:rPr lang="en-US" sz="2000" dirty="0">
+                <a:solidFill>
                   <a:srgbClr val="F8F8F2"/>
                 </a:solidFill>
                 <a:latin typeface="Monaco" charset="0"/>
               </a:rPr>
-              <a:t> </a:t>
-            </a:r>
-            <a:r>
-              <a:rPr lang="en-US" sz="2000" dirty="0" err="1">
-                <a:solidFill>
-                  <a:srgbClr val="A6E22E"/>
-                </a:solidFill>
-                <a:latin typeface="Monaco" charset="0"/>
-              </a:rPr>
-              <a:t>JSONString</a:t>
+              <a:t>: </a:t>
             </a:r>
             <a:r>
               <a:rPr lang="en-US" sz="2000" dirty="0">
                 <a:solidFill>
+                  <a:srgbClr val="E6DB74"/>
+                </a:solidFill>
+                <a:latin typeface="Monaco" charset="0"/>
+              </a:rPr>
+              <a:t>"Hello JSON!"</a:t>
+            </a:r>
+            <a:r>
+              <a:rPr lang="en-US" sz="2000" dirty="0">
+                <a:solidFill>
                   <a:srgbClr val="F8F8F2"/>
                 </a:solidFill>
                 <a:latin typeface="Monaco" charset="0"/>
               </a:rPr>
-              <a:t> </a:t>
+              <a:t>,</a:t>
+            </a:r>
+          </a:p>
+          <a:p>
+            <a:r>
+              <a:rPr lang="en-US" sz="2000" dirty="0" smtClean="0">
+                <a:solidFill>
+                  <a:srgbClr val="F92672"/>
+                </a:solidFill>
+                <a:latin typeface="Monaco" charset="0"/>
+              </a:rPr>
+              <a:t>  "</a:t>
             </a:r>
             <a:r>
               <a:rPr lang="en-US" sz="2000" dirty="0">
@@ -37746,7 +37370,7 @@
                 </a:solidFill>
                 <a:latin typeface="Monaco" charset="0"/>
               </a:rPr>
-              <a:t>=</a:t>
+              <a:t>content"</a:t>
             </a:r>
             <a:r>
               <a:rPr lang="en-US" sz="2000" dirty="0">
@@ -37755,7 +37379,7 @@
                 </a:solidFill>
                 <a:latin typeface="Monaco" charset="0"/>
               </a:rPr>
-              <a:t> </a:t>
+              <a:t>: </a:t>
             </a:r>
             <a:r>
               <a:rPr lang="en-US" sz="2000" dirty="0">
@@ -37764,120 +37388,8 @@
                 </a:solidFill>
                 <a:latin typeface="Monaco" charset="0"/>
               </a:rPr>
-              <a:t>'{ "id": 1, "title": "Hello JSON!" }'</a:t>
-            </a:r>
-            <a:r>
-              <a:rPr lang="en-US" sz="2000" dirty="0">
-                <a:solidFill>
-                  <a:srgbClr val="F8F8F2"/>
-                </a:solidFill>
-                <a:latin typeface="Monaco" charset="0"/>
-              </a:rPr>
-              <a:t>,</a:t>
-            </a:r>
-          </a:p>
-          <a:p>
-            <a:r>
-              <a:rPr lang="en-US" sz="2000" dirty="0" smtClean="0">
-                <a:solidFill>
-                  <a:srgbClr val="F8F8F2"/>
-                </a:solidFill>
-                <a:latin typeface="Monaco" charset="0"/>
-              </a:rPr>
-              <a:t>    </a:t>
-            </a:r>
-            <a:r>
-              <a:rPr lang="en-US" sz="2000" dirty="0" smtClean="0">
-                <a:solidFill>
-                  <a:srgbClr val="A6E22E"/>
-                </a:solidFill>
-                <a:latin typeface="Monaco" charset="0"/>
-              </a:rPr>
-              <a:t>post</a:t>
-            </a:r>
-            <a:r>
-              <a:rPr lang="en-US" sz="2000" dirty="0" smtClean="0">
-                <a:solidFill>
-                  <a:srgbClr val="F8F8F2"/>
-                </a:solidFill>
-                <a:latin typeface="Monaco" charset="0"/>
-              </a:rPr>
-              <a:t> </a:t>
-            </a:r>
-            <a:r>
-              <a:rPr lang="en-US" sz="2000" dirty="0">
-                <a:solidFill>
-                  <a:srgbClr val="F92672"/>
-                </a:solidFill>
-                <a:latin typeface="Monaco" charset="0"/>
-              </a:rPr>
-              <a:t>=</a:t>
-            </a:r>
-            <a:r>
-              <a:rPr lang="en-US" sz="2000" dirty="0">
-                <a:solidFill>
-                  <a:srgbClr val="F8F8F2"/>
-                </a:solidFill>
-                <a:latin typeface="Monaco" charset="0"/>
-              </a:rPr>
-              <a:t> </a:t>
-            </a:r>
-            <a:r>
-              <a:rPr lang="en-US" sz="2000" dirty="0" err="1">
-                <a:solidFill>
-                  <a:srgbClr val="A6E22E"/>
-                </a:solidFill>
-                <a:latin typeface="Monaco" charset="0"/>
-              </a:rPr>
-              <a:t>JSON</a:t>
-            </a:r>
-            <a:r>
-              <a:rPr lang="en-US" sz="2000" dirty="0" err="1">
-                <a:solidFill>
-                  <a:srgbClr val="F8F8F2"/>
-                </a:solidFill>
-                <a:latin typeface="Monaco" charset="0"/>
-              </a:rPr>
-              <a:t>.</a:t>
-            </a:r>
-            <a:r>
-              <a:rPr lang="en-US" sz="2000" dirty="0" err="1">
-                <a:solidFill>
-                  <a:srgbClr val="A6E22E"/>
-                </a:solidFill>
-                <a:latin typeface="Monaco" charset="0"/>
-              </a:rPr>
-              <a:t>parse</a:t>
-            </a:r>
-            <a:r>
-              <a:rPr lang="en-US" sz="2000" dirty="0">
-                <a:solidFill>
-                  <a:srgbClr val="F8F8F2"/>
-                </a:solidFill>
-                <a:latin typeface="Monaco" charset="0"/>
-              </a:rPr>
-              <a:t>( </a:t>
-            </a:r>
-            <a:r>
-              <a:rPr lang="en-US" sz="2000" dirty="0" err="1">
-                <a:solidFill>
-                  <a:srgbClr val="A6E22E"/>
-                </a:solidFill>
-                <a:latin typeface="Monaco" charset="0"/>
-              </a:rPr>
-              <a:t>JSONString</a:t>
-            </a:r>
-            <a:r>
-              <a:rPr lang="en-US" sz="2000" dirty="0">
-                <a:solidFill>
-                  <a:srgbClr val="F8F8F2"/>
-                </a:solidFill>
-                <a:latin typeface="Monaco" charset="0"/>
-              </a:rPr>
-              <a:t> );</a:t>
-            </a:r>
-          </a:p>
-          <a:p>
+              <a:t>"Some post content goes here."</a:t>
+            </a:r>
             <a:endParaRPr lang="en-US" sz="2000" dirty="0">
               <a:solidFill>
                 <a:srgbClr val="F8F8F2"/>
@@ -37887,31 +37399,22 @@
           </a:p>
           <a:p>
             <a:r>
-              <a:rPr lang="en-US" sz="2000" dirty="0" err="1" smtClean="0">
-                <a:solidFill>
-                  <a:srgbClr val="A6E22E"/>
-                </a:solidFill>
-                <a:latin typeface="Monaco" charset="0"/>
-              </a:rPr>
-              <a:t>console</a:t>
-            </a:r>
-            <a:r>
-              <a:rPr lang="en-US" sz="2000" dirty="0" err="1" smtClean="0">
+              <a:rPr lang="en-US" sz="2000" dirty="0" smtClean="0">
                 <a:solidFill>
                   <a:srgbClr val="F8F8F2"/>
                 </a:solidFill>
                 <a:latin typeface="Monaco" charset="0"/>
               </a:rPr>
-              <a:t>.</a:t>
-            </a:r>
-            <a:r>
-              <a:rPr lang="en-US" sz="2000" dirty="0" err="1" smtClean="0">
-                <a:solidFill>
-                  <a:srgbClr val="A6E22E"/>
-                </a:solidFill>
-                <a:latin typeface="Monaco" charset="0"/>
-              </a:rPr>
-              <a:t>log</a:t>
+              <a:t> </a:t>
+            </a:r>
+            <a:r>
+              <a:rPr lang="mr-IN" sz="2000" dirty="0" smtClean="0">
+                <a:solidFill>
+                  <a:srgbClr val="F8F8F2"/>
+                </a:solidFill>
+                <a:latin typeface="Monaco" charset="0"/>
+              </a:rPr>
+              <a:t>}</a:t>
             </a:r>
             <a:r>
               <a:rPr lang="en-US" sz="2000" dirty="0" smtClean="0">
@@ -37920,37 +37423,174 @@
                 </a:solidFill>
                 <a:latin typeface="Monaco" charset="0"/>
               </a:rPr>
-              <a:t>( </a:t>
-            </a:r>
-            <a:r>
-              <a:rPr lang="en-US" sz="2000" dirty="0" err="1" smtClean="0">
-                <a:solidFill>
-                  <a:srgbClr val="A6E22E"/>
-                </a:solidFill>
-                <a:latin typeface="Monaco" charset="0"/>
-              </a:rPr>
-              <a:t>post.title</a:t>
+              <a:t>,</a:t>
+            </a:r>
+          </a:p>
+          <a:p>
+            <a:r>
+              <a:rPr lang="en-US" sz="2000" dirty="0">
+                <a:solidFill>
+                  <a:srgbClr val="F8F8F2"/>
+                </a:solidFill>
+                <a:latin typeface="Monaco" charset="0"/>
+              </a:rPr>
+              <a:t> </a:t>
+            </a:r>
+            <a:r>
+              <a:rPr lang="mr-IN" sz="2000" dirty="0">
+                <a:solidFill>
+                  <a:srgbClr val="F8F8F2"/>
+                </a:solidFill>
+                <a:latin typeface="Monaco" charset="0"/>
+              </a:rPr>
+              <a:t>{</a:t>
+            </a:r>
+          </a:p>
+          <a:p>
+            <a:r>
+              <a:rPr lang="en-US" sz="2000" dirty="0">
+                <a:solidFill>
+                  <a:srgbClr val="F92672"/>
+                </a:solidFill>
+                <a:latin typeface="Monaco" charset="0"/>
+              </a:rPr>
+              <a:t>  "title"</a:t>
+            </a:r>
+            <a:r>
+              <a:rPr lang="en-US" sz="2000" dirty="0">
+                <a:solidFill>
+                  <a:srgbClr val="F8F8F2"/>
+                </a:solidFill>
+                <a:latin typeface="Monaco" charset="0"/>
+              </a:rPr>
+              <a:t>: </a:t>
+            </a:r>
+            <a:r>
+              <a:rPr lang="en-US" sz="2000" dirty="0">
+                <a:solidFill>
+                  <a:srgbClr val="E6DB74"/>
+                </a:solidFill>
+                <a:latin typeface="Monaco" charset="0"/>
+              </a:rPr>
+              <a:t>"Hello </a:t>
             </a:r>
             <a:r>
               <a:rPr lang="en-US" sz="2000" dirty="0" smtClean="0">
                 <a:solidFill>
+                  <a:srgbClr val="E6DB74"/>
+                </a:solidFill>
+                <a:latin typeface="Monaco" charset="0"/>
+              </a:rPr>
+              <a:t>API!"</a:t>
+            </a:r>
+            <a:r>
+              <a:rPr lang="en-US" sz="2000" dirty="0" smtClean="0">
+                <a:solidFill>
                   <a:srgbClr val="F8F8F2"/>
                 </a:solidFill>
                 <a:latin typeface="Monaco" charset="0"/>
               </a:rPr>
+              <a:t>,</a:t>
+            </a:r>
+            <a:endParaRPr lang="en-US" sz="2000" dirty="0">
+              <a:solidFill>
+                <a:srgbClr val="F8F8F2"/>
+              </a:solidFill>
+              <a:latin typeface="Monaco" charset="0"/>
+            </a:endParaRPr>
+          </a:p>
+          <a:p>
+            <a:r>
+              <a:rPr lang="en-US" sz="2000" dirty="0">
+                <a:solidFill>
+                  <a:srgbClr val="F92672"/>
+                </a:solidFill>
+                <a:latin typeface="Monaco" charset="0"/>
+              </a:rPr>
+              <a:t>  "content"</a:t>
+            </a:r>
+            <a:r>
+              <a:rPr lang="en-US" sz="2000" dirty="0">
+                <a:solidFill>
+                  <a:srgbClr val="F8F8F2"/>
+                </a:solidFill>
+                <a:latin typeface="Monaco" charset="0"/>
+              </a:rPr>
+              <a:t>: </a:t>
+            </a:r>
+            <a:r>
+              <a:rPr lang="en-US" sz="2000" dirty="0" smtClean="0">
+                <a:solidFill>
+                  <a:srgbClr val="E6DB74"/>
+                </a:solidFill>
+                <a:latin typeface="Monaco" charset="0"/>
+              </a:rPr>
+              <a:t>"More </a:t>
+            </a:r>
+            <a:r>
+              <a:rPr lang="en-US" sz="2000" dirty="0">
+                <a:solidFill>
+                  <a:srgbClr val="E6DB74"/>
+                </a:solidFill>
+                <a:latin typeface="Monaco" charset="0"/>
+              </a:rPr>
+              <a:t>post </a:t>
+            </a:r>
+            <a:r>
+              <a:rPr lang="en-US" sz="2000" dirty="0" smtClean="0">
+                <a:solidFill>
+                  <a:srgbClr val="E6DB74"/>
+                </a:solidFill>
+                <a:latin typeface="Monaco" charset="0"/>
+              </a:rPr>
+              <a:t>content."</a:t>
+            </a:r>
+            <a:endParaRPr lang="en-US" sz="2000" dirty="0">
+              <a:solidFill>
+                <a:srgbClr val="F8F8F2"/>
+              </a:solidFill>
+              <a:latin typeface="Monaco" charset="0"/>
+            </a:endParaRPr>
+          </a:p>
+          <a:p>
+            <a:r>
+              <a:rPr lang="en-US" sz="2000" dirty="0">
+                <a:solidFill>
+                  <a:srgbClr val="F8F8F2"/>
+                </a:solidFill>
+                <a:latin typeface="Monaco" charset="0"/>
+              </a:rPr>
               <a:t> </a:t>
             </a:r>
             <a:r>
-              <a:rPr lang="en-US" sz="2000" dirty="0">
+              <a:rPr lang="mr-IN" sz="2000" dirty="0">
                 <a:solidFill>
                   <a:srgbClr val="F8F8F2"/>
                 </a:solidFill>
                 <a:latin typeface="Monaco" charset="0"/>
               </a:rPr>
-              <a:t>);</a:t>
-            </a:r>
-          </a:p>
-          <a:p>
+              <a:t>}</a:t>
+            </a:r>
+            <a:r>
+              <a:rPr lang="en-US" sz="2000" dirty="0" smtClean="0">
+                <a:solidFill>
+                  <a:srgbClr val="F8F8F2"/>
+                </a:solidFill>
+                <a:latin typeface="Monaco" charset="0"/>
+              </a:rPr>
+              <a:t>,</a:t>
+            </a:r>
+          </a:p>
+          <a:p>
+            <a:r>
+              <a:rPr lang="en-US" sz="2000" dirty="0" smtClean="0">
+                <a:solidFill>
+                  <a:srgbClr val="F8F8F2"/>
+                </a:solidFill>
+                <a:latin typeface="Monaco" charset="0"/>
+              </a:rPr>
+              <a:t>]</a:t>
+            </a:r>
             <a:endParaRPr lang="mr-IN" sz="2000" dirty="0">
               <a:solidFill>
                 <a:srgbClr val="F8F8F2"/>
@@ -37963,7 +37603,7 @@
     </p:spTree>
     <p:extLst>
       <p:ext uri="{BB962C8B-B14F-4D97-AF65-F5344CB8AC3E}">
-        <p14:creationId xmlns:p14="http://schemas.microsoft.com/office/powerpoint/2010/main" val="2065026305"/>
+        <p14:creationId xmlns:p14="http://schemas.microsoft.com/office/powerpoint/2010/main" val="364578940"/>
       </p:ext>
     </p:extLst>
   </p:cSld>
@@ -38078,6 +37718,225 @@
       </p:grpSpPr>
       <p:sp>
         <p:nvSpPr>
+          <p:cNvPr id="2" name="Title 1"/>
+          <p:cNvSpPr>
+            <a:spLocks noGrp="1"/>
+          </p:cNvSpPr>
+          <p:nvPr>
+            <p:ph type="ctrTitle"/>
+          </p:nvPr>
+        </p:nvSpPr>
+        <p:spPr/>
+        <p:txBody>
+          <a:bodyPr/>
+          <a:lstStyle/>
+          <a:p>
+            <a:r>
+              <a:rPr lang="en-US" dirty="0" smtClean="0"/>
+              <a:t>DEMO</a:t>
+            </a:r>
+            <a:endParaRPr lang="en-US" dirty="0"/>
+          </a:p>
+        </p:txBody>
+      </p:sp>
+      <p:sp>
+        <p:nvSpPr>
+          <p:cNvPr id="3" name="Content Placeholder 2"/>
+          <p:cNvSpPr>
+            <a:spLocks noGrp="1"/>
+          </p:cNvSpPr>
+          <p:nvPr>
+            <p:ph sz="quarter" idx="11"/>
+          </p:nvPr>
+        </p:nvSpPr>
+        <p:spPr/>
+        <p:txBody>
+          <a:bodyPr/>
+          <a:lstStyle/>
+          <a:p>
+            <a:r>
+              <a:rPr lang="en-US" dirty="0"/>
+              <a:t>JSON &amp; HTTP</a:t>
+            </a:r>
+          </a:p>
+        </p:txBody>
+      </p:sp>
+    </p:spTree>
+    <p:extLst>
+      <p:ext uri="{BB962C8B-B14F-4D97-AF65-F5344CB8AC3E}">
+        <p14:creationId xmlns:p14="http://schemas.microsoft.com/office/powerpoint/2010/main" val="784677663"/>
+      </p:ext>
+    </p:extLst>
+  </p:cSld>
+  <p:clrMapOvr>
+    <a:masterClrMapping/>
+  </p:clrMapOvr>
+  <p:timing>
+    <p:tnLst>
+      <p:par>
+        <p:cTn id="1" dur="indefinite" restart="never" nodeType="tmRoot"/>
+      </p:par>
+    </p:tnLst>
+  </p:timing>
+</p:sld>
+</file>
+
+<file path=ppt/slides/slide8.xml><?xml version="1.0" encoding="utf-8"?>
+<p:sld xmlns:a="http://schemas.openxmlformats.org/drawingml/2006/main" xmlns:r="http://schemas.openxmlformats.org/officeDocument/2006/relationships" xmlns:p="http://schemas.openxmlformats.org/presentationml/2006/main">
+  <p:cSld>
+    <p:spTree>
+      <p:nvGrpSpPr>
+        <p:cNvPr id="1" name=""/>
+        <p:cNvGrpSpPr/>
+        <p:nvPr/>
+      </p:nvGrpSpPr>
+      <p:grpSpPr>
+        <a:xfrm>
+          <a:off x="0" y="0"/>
+          <a:ext cx="0" cy="0"/>
+          <a:chOff x="0" y="0"/>
+          <a:chExt cx="0" cy="0"/>
+        </a:xfrm>
+      </p:grpSpPr>
+      <p:sp>
+        <p:nvSpPr>
+          <p:cNvPr id="2" name="Title 1"/>
+          <p:cNvSpPr>
+            <a:spLocks noGrp="1"/>
+          </p:cNvSpPr>
+          <p:nvPr>
+            <p:ph type="ctrTitle"/>
+          </p:nvPr>
+        </p:nvSpPr>
+        <p:spPr/>
+        <p:txBody>
+          <a:bodyPr/>
+          <a:lstStyle/>
+          <a:p>
+            <a:r>
+              <a:rPr lang="en-US" sz="4800" dirty="0" smtClean="0">
+                <a:solidFill>
+                  <a:schemeClr val="bg1">
+                    <a:lumMod val="95000"/>
+                  </a:schemeClr>
+                </a:solidFill>
+                <a:latin typeface="Pacifico" charset="0"/>
+                <a:ea typeface="Pacifico" charset="0"/>
+                <a:cs typeface="Pacifico" charset="0"/>
+              </a:rPr>
+              <a:t>Most</a:t>
+            </a:r>
+            <a:r>
+              <a:rPr lang="en-US" sz="4800" dirty="0" smtClean="0">
+                <a:solidFill>
+                  <a:schemeClr val="bg1">
+                    <a:lumMod val="95000"/>
+                  </a:schemeClr>
+                </a:solidFill>
+              </a:rPr>
+              <a:t> Developers</a:t>
+            </a:r>
+            <a:r>
+              <a:rPr lang="en-US" dirty="0" smtClean="0">
+                <a:solidFill>
+                  <a:schemeClr val="bg1">
+                    <a:lumMod val="95000"/>
+                  </a:schemeClr>
+                </a:solidFill>
+              </a:rPr>
+              <a:t/>
+            </a:r>
+            <a:br>
+              <a:rPr lang="en-US" dirty="0" smtClean="0">
+                <a:solidFill>
+                  <a:schemeClr val="bg1">
+                    <a:lumMod val="95000"/>
+                  </a:schemeClr>
+                </a:solidFill>
+              </a:rPr>
+            </a:br>
+            <a:r>
+              <a:rPr lang="en-US" dirty="0" smtClean="0">
+                <a:solidFill>
+                  <a:schemeClr val="bg1">
+                    <a:lumMod val="95000"/>
+                  </a:schemeClr>
+                </a:solidFill>
+              </a:rPr>
+              <a:t>Live in a Bubble</a:t>
+            </a:r>
+            <a:endParaRPr lang="en-US" dirty="0">
+              <a:solidFill>
+                <a:schemeClr val="bg1">
+                  <a:lumMod val="95000"/>
+                </a:schemeClr>
+              </a:solidFill>
+            </a:endParaRPr>
+          </a:p>
+        </p:txBody>
+      </p:sp>
+      <p:sp>
+        <p:nvSpPr>
+          <p:cNvPr id="3" name="Content Placeholder 2"/>
+          <p:cNvSpPr>
+            <a:spLocks noGrp="1"/>
+          </p:cNvSpPr>
+          <p:nvPr>
+            <p:ph sz="quarter" idx="11"/>
+          </p:nvPr>
+        </p:nvSpPr>
+        <p:spPr/>
+        <p:txBody>
+          <a:bodyPr/>
+          <a:lstStyle/>
+          <a:p>
+            <a:r>
+              <a:rPr lang="en-US" dirty="0" smtClean="0"/>
+              <a:t>Getting Started</a:t>
+            </a:r>
+            <a:endParaRPr lang="en-US" dirty="0"/>
+          </a:p>
+        </p:txBody>
+      </p:sp>
+    </p:spTree>
+    <p:extLst>
+      <p:ext uri="{BB962C8B-B14F-4D97-AF65-F5344CB8AC3E}">
+        <p14:creationId xmlns:p14="http://schemas.microsoft.com/office/powerpoint/2010/main" val="411248211"/>
+      </p:ext>
+    </p:extLst>
+  </p:cSld>
+  <p:clrMapOvr>
+    <a:masterClrMapping/>
+  </p:clrMapOvr>
+  <p:timing>
+    <p:tnLst>
+      <p:par>
+        <p:cTn id="1" dur="indefinite" restart="never" nodeType="tmRoot"/>
+      </p:par>
+    </p:tnLst>
+  </p:timing>
+</p:sld>
+</file>
+
+<file path=ppt/slides/slide80.xml><?xml version="1.0" encoding="utf-8"?>
+<p:sld xmlns:a="http://schemas.openxmlformats.org/drawingml/2006/main" xmlns:r="http://schemas.openxmlformats.org/officeDocument/2006/relationships" xmlns:p="http://schemas.openxmlformats.org/presentationml/2006/main">
+  <p:cSld>
+    <p:spTree>
+      <p:nvGrpSpPr>
+        <p:cNvPr id="1" name=""/>
+        <p:cNvGrpSpPr/>
+        <p:nvPr/>
+      </p:nvGrpSpPr>
+      <p:grpSpPr>
+        <a:xfrm>
+          <a:off x="0" y="0"/>
+          <a:ext cx="0" cy="0"/>
+          <a:chOff x="0" y="0"/>
+          <a:chExt cx="0" cy="0"/>
+        </a:xfrm>
+      </p:grpSpPr>
+      <p:sp>
+        <p:nvSpPr>
           <p:cNvPr id="4" name="Content Placeholder 3"/>
           <p:cNvSpPr>
             <a:spLocks noGrp="1"/>
@@ -38120,7 +37979,7 @@
           <a:lstStyle/>
           <a:p>
             <a:r>
-              <a:rPr lang="en-US" sz="2400" b="1" dirty="0" smtClean="0">
+              <a:rPr lang="en-US" sz="2400" b="1" dirty="0">
                 <a:solidFill>
                   <a:schemeClr val="bg1">
                     <a:lumMod val="95000"/>
@@ -38130,18 +37989,8 @@
                 <a:ea typeface="Open Sans Extrabold" charset="0"/>
                 <a:cs typeface="Open Sans Extrabold" charset="0"/>
               </a:rPr>
-              <a:t>JavaScript Into JSON</a:t>
-            </a:r>
-            <a:endParaRPr lang="en-US" sz="2400" b="1" dirty="0">
-              <a:solidFill>
-                <a:schemeClr val="bg1">
-                  <a:lumMod val="95000"/>
-                </a:schemeClr>
-              </a:solidFill>
-              <a:latin typeface="Open Sans Extrabold" charset="0"/>
-              <a:ea typeface="Open Sans Extrabold" charset="0"/>
-              <a:cs typeface="Open Sans Extrabold" charset="0"/>
-            </a:endParaRPr>
+              <a:t>JSON Into JavaScript</a:t>
+            </a:r>
           </a:p>
         </p:txBody>
       </p:sp>
@@ -38168,17 +38017,53 @@
           <a:lstStyle/>
           <a:p>
             <a:r>
+              <a:rPr lang="en-US" sz="2000" dirty="0" smtClean="0">
+                <a:solidFill>
+                  <a:srgbClr val="66D9EF"/>
+                </a:solidFill>
+                <a:latin typeface="Monaco" charset="0"/>
+              </a:rPr>
+              <a:t>let</a:t>
+            </a:r>
+            <a:r>
+              <a:rPr lang="en-US" sz="2000" dirty="0" smtClean="0">
+                <a:solidFill>
+                  <a:srgbClr val="F8F8F2"/>
+                </a:solidFill>
+                <a:latin typeface="Monaco" charset="0"/>
+              </a:rPr>
+              <a:t> </a:t>
+            </a:r>
+            <a:r>
+              <a:rPr lang="en-US" sz="2000" dirty="0" err="1">
+                <a:solidFill>
+                  <a:srgbClr val="A6E22E"/>
+                </a:solidFill>
+                <a:latin typeface="Monaco" charset="0"/>
+              </a:rPr>
+              <a:t>JSONString</a:t>
+            </a:r>
+            <a:r>
               <a:rPr lang="en-US" sz="2000" dirty="0">
                 <a:solidFill>
-                  <a:srgbClr val="66D9EF"/>
-                </a:solidFill>
-                <a:latin typeface="Monaco" charset="0"/>
-              </a:rPr>
-              <a:t>let</a:t>
+                  <a:srgbClr val="F8F8F2"/>
+                </a:solidFill>
+                <a:latin typeface="Monaco" charset="0"/>
+              </a:rPr>
+              <a:t> </a:t>
             </a:r>
             <a:r>
               <a:rPr lang="en-US" sz="2000" dirty="0">
                 <a:solidFill>
+                  <a:srgbClr val="F92672"/>
+                </a:solidFill>
+                <a:latin typeface="Monaco" charset="0"/>
+              </a:rPr>
+              <a:t>=</a:t>
+            </a:r>
+            <a:r>
+              <a:rPr lang="en-US" sz="2000" dirty="0">
+                <a:solidFill>
                   <a:srgbClr val="F8F8F2"/>
                 </a:solidFill>
                 <a:latin typeface="Monaco" charset="0"/>
@@ -38188,6 +38073,35 @@
             <a:r>
               <a:rPr lang="en-US" sz="2000" dirty="0">
                 <a:solidFill>
+                  <a:srgbClr val="E6DB74"/>
+                </a:solidFill>
+                <a:latin typeface="Monaco" charset="0"/>
+              </a:rPr>
+              <a:t>'{ "id": 1, "title": "Hello JSON!" }'</a:t>
+            </a:r>
+            <a:r>
+              <a:rPr lang="en-US" sz="2000" dirty="0">
+                <a:solidFill>
+                  <a:srgbClr val="F8F8F2"/>
+                </a:solidFill>
+                <a:latin typeface="Monaco" charset="0"/>
+              </a:rPr>
+              <a:t>,</a:t>
+            </a:r>
+          </a:p>
+          <a:p>
+            <a:r>
+              <a:rPr lang="en-US" sz="2000" dirty="0" smtClean="0">
+                <a:solidFill>
+                  <a:srgbClr val="F8F8F2"/>
+                </a:solidFill>
+                <a:latin typeface="Monaco" charset="0"/>
+              </a:rPr>
+              <a:t>    </a:t>
+            </a:r>
+            <a:r>
+              <a:rPr lang="en-US" sz="2000" dirty="0" smtClean="0">
+                <a:solidFill>
                   <a:srgbClr val="A6E22E"/>
                 </a:solidFill>
                 <a:latin typeface="Monaco" charset="0"/>
@@ -38195,8 +38109,26 @@
               <a:t>post</a:t>
             </a:r>
             <a:r>
+              <a:rPr lang="en-US" sz="2000" dirty="0" smtClean="0">
+                <a:solidFill>
+                  <a:srgbClr val="F8F8F2"/>
+                </a:solidFill>
+                <a:latin typeface="Monaco" charset="0"/>
+              </a:rPr>
+              <a:t> </a:t>
+            </a:r>
+            <a:r>
               <a:rPr lang="en-US" sz="2000" dirty="0">
                 <a:solidFill>
+                  <a:srgbClr val="F92672"/>
+                </a:solidFill>
+                <a:latin typeface="Monaco" charset="0"/>
+              </a:rPr>
+              <a:t>=</a:t>
+            </a:r>
+            <a:r>
+              <a:rPr lang="en-US" sz="2000" dirty="0">
+                <a:solidFill>
                   <a:srgbClr val="F8F8F2"/>
                 </a:solidFill>
                 <a:latin typeface="Monaco" charset="0"/>
@@ -38204,13 +38136,49 @@
               <a:t> </a:t>
             </a:r>
             <a:r>
+              <a:rPr lang="en-US" sz="2000" dirty="0" err="1">
+                <a:solidFill>
+                  <a:srgbClr val="A6E22E"/>
+                </a:solidFill>
+                <a:latin typeface="Monaco" charset="0"/>
+              </a:rPr>
+              <a:t>JSON</a:t>
+            </a:r>
+            <a:r>
+              <a:rPr lang="en-US" sz="2000" dirty="0" err="1">
+                <a:solidFill>
+                  <a:srgbClr val="F8F8F2"/>
+                </a:solidFill>
+                <a:latin typeface="Monaco" charset="0"/>
+              </a:rPr>
+              <a:t>.</a:t>
+            </a:r>
+            <a:r>
+              <a:rPr lang="en-US" sz="2000" dirty="0" err="1">
+                <a:solidFill>
+                  <a:srgbClr val="A6E22E"/>
+                </a:solidFill>
+                <a:latin typeface="Monaco" charset="0"/>
+              </a:rPr>
+              <a:t>parse</a:t>
+            </a:r>
+            <a:r>
               <a:rPr lang="en-US" sz="2000" dirty="0">
                 <a:solidFill>
-                  <a:srgbClr val="F92672"/>
-                </a:solidFill>
-                <a:latin typeface="Monaco" charset="0"/>
-              </a:rPr>
-              <a:t>=</a:t>
+                  <a:srgbClr val="F8F8F2"/>
+                </a:solidFill>
+                <a:latin typeface="Monaco" charset="0"/>
+              </a:rPr>
+              <a:t>( </a:t>
+            </a:r>
+            <a:r>
+              <a:rPr lang="en-US" sz="2000" dirty="0" err="1">
+                <a:solidFill>
+                  <a:srgbClr val="A6E22E"/>
+                </a:solidFill>
+                <a:latin typeface="Monaco" charset="0"/>
+              </a:rPr>
+              <a:t>JSONString</a:t>
             </a:r>
             <a:r>
               <a:rPr lang="en-US" sz="2000" dirty="0">
@@ -38219,112 +38187,11 @@
                 </a:solidFill>
                 <a:latin typeface="Monaco" charset="0"/>
               </a:rPr>
-              <a:t> {</a:t>
-            </a:r>
-          </a:p>
-          <a:p>
-            <a:r>
-              <a:rPr lang="cs-CZ" sz="2000" dirty="0">
-                <a:solidFill>
-                  <a:srgbClr val="F8F8F2"/>
-                </a:solidFill>
-                <a:latin typeface="Monaco" charset="0"/>
-              </a:rPr>
-              <a:t>	</a:t>
-            </a:r>
-            <a:r>
-              <a:rPr lang="cs-CZ" sz="2000" dirty="0" smtClean="0">
-                <a:solidFill>
-                  <a:srgbClr val="A6E22E"/>
-                </a:solidFill>
-                <a:latin typeface="Monaco" charset="0"/>
-              </a:rPr>
-              <a:t>id</a:t>
-            </a:r>
-            <a:r>
-              <a:rPr lang="cs-CZ" sz="2000" dirty="0">
-                <a:solidFill>
-                  <a:srgbClr val="F92672"/>
-                </a:solidFill>
-                <a:latin typeface="Monaco" charset="0"/>
-              </a:rPr>
-              <a:t>:</a:t>
-            </a:r>
-            <a:r>
-              <a:rPr lang="cs-CZ" sz="2000" dirty="0">
-                <a:solidFill>
-                  <a:srgbClr val="F8F8F2"/>
-                </a:solidFill>
-                <a:latin typeface="Monaco" charset="0"/>
-              </a:rPr>
-              <a:t> </a:t>
-            </a:r>
-            <a:r>
-              <a:rPr lang="cs-CZ" sz="2000" dirty="0">
-                <a:solidFill>
-                  <a:srgbClr val="AE81FF"/>
-                </a:solidFill>
-                <a:latin typeface="Monaco" charset="0"/>
-              </a:rPr>
-              <a:t>2</a:t>
-            </a:r>
-            <a:r>
-              <a:rPr lang="cs-CZ" sz="2000" dirty="0">
-                <a:solidFill>
-                  <a:srgbClr val="F8F8F2"/>
-                </a:solidFill>
-                <a:latin typeface="Monaco" charset="0"/>
-              </a:rPr>
-              <a:t>,</a:t>
-            </a:r>
-          </a:p>
-          <a:p>
-            <a:r>
-              <a:rPr lang="cs-CZ" sz="2000" dirty="0">
-                <a:solidFill>
-                  <a:srgbClr val="F8F8F2"/>
-                </a:solidFill>
-                <a:latin typeface="Monaco" charset="0"/>
-              </a:rPr>
-              <a:t>	</a:t>
-            </a:r>
-            <a:r>
-              <a:rPr lang="cs-CZ" sz="2000" dirty="0" err="1" smtClean="0">
-                <a:solidFill>
-                  <a:srgbClr val="A6E22E"/>
-                </a:solidFill>
-                <a:latin typeface="Monaco" charset="0"/>
-              </a:rPr>
-              <a:t>title</a:t>
-            </a:r>
-            <a:r>
-              <a:rPr lang="cs-CZ" sz="2000" dirty="0">
-                <a:solidFill>
-                  <a:srgbClr val="F92672"/>
-                </a:solidFill>
-                <a:latin typeface="Monaco" charset="0"/>
-              </a:rPr>
-              <a:t>:</a:t>
-            </a:r>
-            <a:r>
-              <a:rPr lang="cs-CZ" sz="2000" dirty="0">
-                <a:solidFill>
-                  <a:srgbClr val="F8F8F2"/>
-                </a:solidFill>
-                <a:latin typeface="Monaco" charset="0"/>
-              </a:rPr>
-              <a:t> </a:t>
-            </a:r>
-            <a:r>
-              <a:rPr lang="cs-CZ" sz="2000" dirty="0">
-                <a:solidFill>
-                  <a:srgbClr val="E6DB74"/>
-                </a:solidFill>
-                <a:latin typeface="Monaco" charset="0"/>
-              </a:rPr>
-              <a:t>"Hello JSON!"</a:t>
-            </a:r>
-            <a:endParaRPr lang="cs-CZ" sz="2000" dirty="0">
+              <a:t> );</a:t>
+            </a:r>
+          </a:p>
+          <a:p>
+            <a:endParaRPr lang="en-US" sz="2000" dirty="0">
               <a:solidFill>
                 <a:srgbClr val="F8F8F2"/>
               </a:solidFill>
@@ -38333,42 +38200,52 @@
           </a:p>
           <a:p>
             <a:r>
-              <a:rPr lang="cs-CZ" sz="2000" dirty="0" smtClean="0">
+              <a:rPr lang="en-US" sz="2000" dirty="0" err="1" smtClean="0">
+                <a:solidFill>
+                  <a:srgbClr val="A6E22E"/>
+                </a:solidFill>
+                <a:latin typeface="Monaco" charset="0"/>
+              </a:rPr>
+              <a:t>console</a:t>
+            </a:r>
+            <a:r>
+              <a:rPr lang="en-US" sz="2000" dirty="0" err="1" smtClean="0">
                 <a:solidFill>
                   <a:srgbClr val="F8F8F2"/>
                 </a:solidFill>
                 <a:latin typeface="Monaco" charset="0"/>
               </a:rPr>
-              <a:t>    },</a:t>
-            </a:r>
-            <a:endParaRPr lang="cs-CZ" sz="2000" dirty="0">
-              <a:solidFill>
-                <a:srgbClr val="F8F8F2"/>
-              </a:solidFill>
-              <a:latin typeface="Monaco" charset="0"/>
-            </a:endParaRPr>
-          </a:p>
-          <a:p>
-            <a:r>
-              <a:rPr lang="cs-CZ" sz="2000" dirty="0" smtClean="0">
+              <a:t>.</a:t>
+            </a:r>
+            <a:r>
+              <a:rPr lang="en-US" sz="2000" dirty="0" err="1" smtClean="0">
                 <a:solidFill>
                   <a:srgbClr val="A6E22E"/>
                 </a:solidFill>
                 <a:latin typeface="Monaco" charset="0"/>
               </a:rPr>
-              <a:t>    </a:t>
-            </a:r>
-            <a:r>
-              <a:rPr lang="cs-CZ" sz="2000" dirty="0" err="1" smtClean="0">
+              <a:t>log</a:t>
+            </a:r>
+            <a:r>
+              <a:rPr lang="en-US" sz="2000" dirty="0" smtClean="0">
+                <a:solidFill>
+                  <a:srgbClr val="F8F8F2"/>
+                </a:solidFill>
+                <a:latin typeface="Monaco" charset="0"/>
+              </a:rPr>
+              <a:t>( </a:t>
+            </a:r>
+            <a:r>
+              <a:rPr lang="en-US" sz="2000" dirty="0" err="1" smtClean="0">
                 <a:solidFill>
                   <a:srgbClr val="A6E22E"/>
                 </a:solidFill>
                 <a:latin typeface="Monaco" charset="0"/>
               </a:rPr>
-              <a:t>postJSON</a:t>
-            </a:r>
-            <a:r>
-              <a:rPr lang="cs-CZ" sz="2000" dirty="0" smtClean="0">
+              <a:t>post.title</a:t>
+            </a:r>
+            <a:r>
+              <a:rPr lang="en-US" sz="2000" dirty="0" smtClean="0">
                 <a:solidFill>
                   <a:srgbClr val="F8F8F2"/>
                 </a:solidFill>
@@ -38377,140 +38254,13 @@
               <a:t> </a:t>
             </a:r>
             <a:r>
-              <a:rPr lang="cs-CZ" sz="2000" dirty="0">
-                <a:solidFill>
-                  <a:srgbClr val="F92672"/>
-                </a:solidFill>
-                <a:latin typeface="Monaco" charset="0"/>
-              </a:rPr>
-              <a:t>=</a:t>
-            </a:r>
-            <a:r>
-              <a:rPr lang="cs-CZ" sz="2000" dirty="0">
+              <a:rPr lang="en-US" sz="2000" dirty="0">
                 <a:solidFill>
                   <a:srgbClr val="F8F8F2"/>
                 </a:solidFill>
                 <a:latin typeface="Monaco" charset="0"/>
               </a:rPr>
-              <a:t> </a:t>
-            </a:r>
-            <a:r>
-              <a:rPr lang="cs-CZ" sz="2000" dirty="0" err="1">
-                <a:solidFill>
-                  <a:srgbClr val="A6E22E"/>
-                </a:solidFill>
-                <a:latin typeface="Monaco" charset="0"/>
-              </a:rPr>
-              <a:t>JSON</a:t>
-            </a:r>
-            <a:r>
-              <a:rPr lang="cs-CZ" sz="2000" dirty="0" err="1">
-                <a:solidFill>
-                  <a:srgbClr val="F8F8F2"/>
-                </a:solidFill>
-                <a:latin typeface="Monaco" charset="0"/>
-              </a:rPr>
-              <a:t>.</a:t>
-            </a:r>
-            <a:r>
-              <a:rPr lang="cs-CZ" sz="2000" dirty="0" err="1">
-                <a:solidFill>
-                  <a:srgbClr val="A6E22E"/>
-                </a:solidFill>
-                <a:latin typeface="Monaco" charset="0"/>
-              </a:rPr>
-              <a:t>stringify</a:t>
-            </a:r>
-            <a:r>
-              <a:rPr lang="cs-CZ" sz="2000" dirty="0">
-                <a:solidFill>
-                  <a:srgbClr val="F8F8F2"/>
-                </a:solidFill>
-                <a:latin typeface="Monaco" charset="0"/>
-              </a:rPr>
-              <a:t>( </a:t>
-            </a:r>
-            <a:r>
-              <a:rPr lang="cs-CZ" sz="2000" dirty="0">
-                <a:solidFill>
-                  <a:srgbClr val="A6E22E"/>
-                </a:solidFill>
-                <a:latin typeface="Monaco" charset="0"/>
-              </a:rPr>
-              <a:t>post</a:t>
-            </a:r>
-            <a:r>
-              <a:rPr lang="cs-CZ" sz="2000" dirty="0">
-                <a:solidFill>
-                  <a:srgbClr val="F8F8F2"/>
-                </a:solidFill>
-                <a:latin typeface="Monaco" charset="0"/>
-              </a:rPr>
-              <a:t> );</a:t>
-            </a:r>
-          </a:p>
-          <a:p>
-            <a:endParaRPr lang="cs-CZ" sz="2000" dirty="0">
-              <a:solidFill>
-                <a:srgbClr val="F8F8F2"/>
-              </a:solidFill>
-              <a:latin typeface="Monaco" charset="0"/>
-            </a:endParaRPr>
-          </a:p>
-          <a:p>
-            <a:r>
-              <a:rPr lang="cs-CZ" sz="2000" dirty="0" err="1">
-                <a:solidFill>
-                  <a:srgbClr val="A6E22E"/>
-                </a:solidFill>
-                <a:latin typeface="Monaco" charset="0"/>
-              </a:rPr>
-              <a:t>console</a:t>
-            </a:r>
-            <a:r>
-              <a:rPr lang="cs-CZ" sz="2000" dirty="0" err="1">
-                <a:solidFill>
-                  <a:srgbClr val="F8F8F2"/>
-                </a:solidFill>
-                <a:latin typeface="Monaco" charset="0"/>
-              </a:rPr>
-              <a:t>.</a:t>
-            </a:r>
-            <a:r>
-              <a:rPr lang="cs-CZ" sz="2000" dirty="0" err="1">
-                <a:solidFill>
-                  <a:srgbClr val="A6E22E"/>
-                </a:solidFill>
-                <a:latin typeface="Monaco" charset="0"/>
-              </a:rPr>
-              <a:t>log</a:t>
-            </a:r>
-            <a:r>
-              <a:rPr lang="cs-CZ" sz="2000" dirty="0">
-                <a:solidFill>
-                  <a:srgbClr val="F8F8F2"/>
-                </a:solidFill>
-                <a:latin typeface="Monaco" charset="0"/>
-              </a:rPr>
-              <a:t>( </a:t>
-            </a:r>
-            <a:r>
-              <a:rPr lang="cs-CZ" sz="2000" dirty="0" err="1">
-                <a:solidFill>
-                  <a:srgbClr val="A6E22E"/>
-                </a:solidFill>
-                <a:latin typeface="Monaco" charset="0"/>
-              </a:rPr>
-              <a:t>postJSON</a:t>
-            </a:r>
-            <a:r>
-              <a:rPr lang="cs-CZ" sz="2000" dirty="0">
-                <a:solidFill>
-                  <a:srgbClr val="F8F8F2"/>
-                </a:solidFill>
-                <a:latin typeface="Monaco" charset="0"/>
-              </a:rPr>
-              <a:t> );</a:t>
+              <a:t>);</a:t>
             </a:r>
           </a:p>
           <a:p>
@@ -38526,7 +38276,7 @@
     </p:spTree>
     <p:extLst>
       <p:ext uri="{BB962C8B-B14F-4D97-AF65-F5344CB8AC3E}">
-        <p14:creationId xmlns:p14="http://schemas.microsoft.com/office/powerpoint/2010/main" val="1171842334"/>
+        <p14:creationId xmlns:p14="http://schemas.microsoft.com/office/powerpoint/2010/main" val="2065026305"/>
       </p:ext>
     </p:extLst>
   </p:cSld>
@@ -38622,225 +38372,6 @@
 </p:sld>
 </file>
 
-<file path=ppt/slides/slide8.xml><?xml version="1.0" encoding="utf-8"?>
-<p:sld xmlns:a="http://schemas.openxmlformats.org/drawingml/2006/main" xmlns:r="http://schemas.openxmlformats.org/officeDocument/2006/relationships" xmlns:p="http://schemas.openxmlformats.org/presentationml/2006/main">
-  <p:cSld>
-    <p:spTree>
-      <p:nvGrpSpPr>
-        <p:cNvPr id="1" name=""/>
-        <p:cNvGrpSpPr/>
-        <p:nvPr/>
-      </p:nvGrpSpPr>
-      <p:grpSpPr>
-        <a:xfrm>
-          <a:off x="0" y="0"/>
-          <a:ext cx="0" cy="0"/>
-          <a:chOff x="0" y="0"/>
-          <a:chExt cx="0" cy="0"/>
-        </a:xfrm>
-      </p:grpSpPr>
-      <p:sp>
-        <p:nvSpPr>
-          <p:cNvPr id="2" name="Title 1"/>
-          <p:cNvSpPr>
-            <a:spLocks noGrp="1"/>
-          </p:cNvSpPr>
-          <p:nvPr>
-            <p:ph type="ctrTitle"/>
-          </p:nvPr>
-        </p:nvSpPr>
-        <p:spPr/>
-        <p:txBody>
-          <a:bodyPr/>
-          <a:lstStyle/>
-          <a:p>
-            <a:r>
-              <a:rPr lang="en-US" sz="4800" dirty="0" smtClean="0">
-                <a:solidFill>
-                  <a:schemeClr val="bg1">
-                    <a:lumMod val="95000"/>
-                  </a:schemeClr>
-                </a:solidFill>
-                <a:latin typeface="Pacifico" charset="0"/>
-                <a:ea typeface="Pacifico" charset="0"/>
-                <a:cs typeface="Pacifico" charset="0"/>
-              </a:rPr>
-              <a:t>Most</a:t>
-            </a:r>
-            <a:r>
-              <a:rPr lang="en-US" sz="4800" dirty="0" smtClean="0">
-                <a:solidFill>
-                  <a:schemeClr val="bg1">
-                    <a:lumMod val="95000"/>
-                  </a:schemeClr>
-                </a:solidFill>
-              </a:rPr>
-              <a:t> Developers</a:t>
-            </a:r>
-            <a:r>
-              <a:rPr lang="en-US" dirty="0" smtClean="0">
-                <a:solidFill>
-                  <a:schemeClr val="bg1">
-                    <a:lumMod val="95000"/>
-                  </a:schemeClr>
-                </a:solidFill>
-              </a:rPr>
-              <a:t/>
-            </a:r>
-            <a:br>
-              <a:rPr lang="en-US" dirty="0" smtClean="0">
-                <a:solidFill>
-                  <a:schemeClr val="bg1">
-                    <a:lumMod val="95000"/>
-                  </a:schemeClr>
-                </a:solidFill>
-              </a:rPr>
-            </a:br>
-            <a:r>
-              <a:rPr lang="en-US" dirty="0" smtClean="0">
-                <a:solidFill>
-                  <a:schemeClr val="bg1">
-                    <a:lumMod val="95000"/>
-                  </a:schemeClr>
-                </a:solidFill>
-              </a:rPr>
-              <a:t>Live in a Bubble</a:t>
-            </a:r>
-            <a:endParaRPr lang="en-US" dirty="0">
-              <a:solidFill>
-                <a:schemeClr val="bg1">
-                  <a:lumMod val="95000"/>
-                </a:schemeClr>
-              </a:solidFill>
-            </a:endParaRPr>
-          </a:p>
-        </p:txBody>
-      </p:sp>
-      <p:sp>
-        <p:nvSpPr>
-          <p:cNvPr id="3" name="Content Placeholder 2"/>
-          <p:cNvSpPr>
-            <a:spLocks noGrp="1"/>
-          </p:cNvSpPr>
-          <p:nvPr>
-            <p:ph sz="quarter" idx="11"/>
-          </p:nvPr>
-        </p:nvSpPr>
-        <p:spPr/>
-        <p:txBody>
-          <a:bodyPr/>
-          <a:lstStyle/>
-          <a:p>
-            <a:r>
-              <a:rPr lang="en-US" dirty="0" smtClean="0"/>
-              <a:t>Getting Started</a:t>
-            </a:r>
-            <a:endParaRPr lang="en-US" dirty="0"/>
-          </a:p>
-        </p:txBody>
-      </p:sp>
-    </p:spTree>
-    <p:extLst>
-      <p:ext uri="{BB962C8B-B14F-4D97-AF65-F5344CB8AC3E}">
-        <p14:creationId xmlns:p14="http://schemas.microsoft.com/office/powerpoint/2010/main" val="411248211"/>
-      </p:ext>
-    </p:extLst>
-  </p:cSld>
-  <p:clrMapOvr>
-    <a:masterClrMapping/>
-  </p:clrMapOvr>
-  <p:timing>
-    <p:tnLst>
-      <p:par>
-        <p:cTn id="1" dur="indefinite" restart="never" nodeType="tmRoot"/>
-      </p:par>
-    </p:tnLst>
-  </p:timing>
-</p:sld>
-</file>
-
-<file path=ppt/slides/slide80.xml><?xml version="1.0" encoding="utf-8"?>
-<p:sld xmlns:a="http://schemas.openxmlformats.org/drawingml/2006/main" xmlns:r="http://schemas.openxmlformats.org/officeDocument/2006/relationships" xmlns:p="http://schemas.openxmlformats.org/presentationml/2006/main">
-  <p:cSld>
-    <p:spTree>
-      <p:nvGrpSpPr>
-        <p:cNvPr id="1" name=""/>
-        <p:cNvGrpSpPr/>
-        <p:nvPr/>
-      </p:nvGrpSpPr>
-      <p:grpSpPr>
-        <a:xfrm>
-          <a:off x="0" y="0"/>
-          <a:ext cx="0" cy="0"/>
-          <a:chOff x="0" y="0"/>
-          <a:chExt cx="0" cy="0"/>
-        </a:xfrm>
-      </p:grpSpPr>
-      <p:sp>
-        <p:nvSpPr>
-          <p:cNvPr id="2" name="Title 1"/>
-          <p:cNvSpPr>
-            <a:spLocks noGrp="1"/>
-          </p:cNvSpPr>
-          <p:nvPr>
-            <p:ph type="ctrTitle"/>
-          </p:nvPr>
-        </p:nvSpPr>
-        <p:spPr/>
-        <p:txBody>
-          <a:bodyPr/>
-          <a:lstStyle/>
-          <a:p>
-            <a:r>
-              <a:rPr lang="en-US" dirty="0" smtClean="0"/>
-              <a:t>DEMO</a:t>
-            </a:r>
-            <a:endParaRPr lang="en-US" dirty="0"/>
-          </a:p>
-        </p:txBody>
-      </p:sp>
-      <p:sp>
-        <p:nvSpPr>
-          <p:cNvPr id="3" name="Content Placeholder 2"/>
-          <p:cNvSpPr>
-            <a:spLocks noGrp="1"/>
-          </p:cNvSpPr>
-          <p:nvPr>
-            <p:ph sz="quarter" idx="11"/>
-          </p:nvPr>
-        </p:nvSpPr>
-        <p:spPr/>
-        <p:txBody>
-          <a:bodyPr/>
-          <a:lstStyle/>
-          <a:p>
-            <a:r>
-              <a:rPr lang="en-US" dirty="0"/>
-              <a:t>JSON &amp; HTTP</a:t>
-            </a:r>
-          </a:p>
-        </p:txBody>
-      </p:sp>
-    </p:spTree>
-    <p:extLst>
-      <p:ext uri="{BB962C8B-B14F-4D97-AF65-F5344CB8AC3E}">
-        <p14:creationId xmlns:p14="http://schemas.microsoft.com/office/powerpoint/2010/main" val="826900223"/>
-      </p:ext>
-    </p:extLst>
-  </p:cSld>
-  <p:clrMapOvr>
-    <a:masterClrMapping/>
-  </p:clrMapOvr>
-  <p:timing>
-    <p:tnLst>
-      <p:par>
-        <p:cTn id="1" dur="indefinite" restart="never" nodeType="tmRoot"/>
-      </p:par>
-    </p:tnLst>
-  </p:timing>
-</p:sld>
-</file>
-
 <file path=ppt/slides/slide81.xml><?xml version="1.0" encoding="utf-8"?>
 <p:sld xmlns:a="http://schemas.openxmlformats.org/drawingml/2006/main" xmlns:r="http://schemas.openxmlformats.org/officeDocument/2006/relationships" xmlns:p="http://schemas.openxmlformats.org/presentationml/2006/main">
   <p:cSld>
@@ -38912,7 +38443,7 @@
                 <a:ea typeface="Open Sans Extrabold" charset="0"/>
                 <a:cs typeface="Open Sans Extrabold" charset="0"/>
               </a:rPr>
-              <a:t>Making HTTP Get Requests with Fetch</a:t>
+              <a:t>JavaScript Into JSON</a:t>
             </a:r>
             <a:endParaRPr lang="en-US" sz="2400" b="1" dirty="0">
               <a:solidFill>
@@ -38939,24 +38470,24 @@
         </p:nvSpPr>
         <p:spPr>
           <a:xfrm>
-            <a:off x="609600" y="1064526"/>
-            <a:ext cx="8534400" cy="3616656"/>
+            <a:off x="609600" y="1310185"/>
+            <a:ext cx="8534400" cy="3370996"/>
           </a:xfrm>
         </p:spPr>
         <p:txBody>
           <a:bodyPr>
-            <a:normAutofit fontScale="92500" lnSpcReduction="10000"/>
+            <a:normAutofit/>
           </a:bodyPr>
           <a:lstStyle/>
           <a:p>
             <a:r>
               <a:rPr lang="en-US" sz="2000" dirty="0">
                 <a:solidFill>
-                  <a:srgbClr val="00B0F0"/>
-                </a:solidFill>
-                <a:latin typeface="Monaco" charset="0"/>
-              </a:rPr>
-              <a:t>fetch</a:t>
+                  <a:srgbClr val="66D9EF"/>
+                </a:solidFill>
+                <a:latin typeface="Monaco" charset="0"/>
+              </a:rPr>
+              <a:t>let</a:t>
             </a:r>
             <a:r>
               <a:rPr lang="en-US" sz="2000" dirty="0">
@@ -38965,492 +38496,337 @@
                 </a:solidFill>
                 <a:latin typeface="Monaco" charset="0"/>
               </a:rPr>
+              <a:t> </a:t>
+            </a:r>
+            <a:r>
+              <a:rPr lang="en-US" sz="2000" dirty="0">
+                <a:solidFill>
+                  <a:srgbClr val="A6E22E"/>
+                </a:solidFill>
+                <a:latin typeface="Monaco" charset="0"/>
+              </a:rPr>
+              <a:t>post</a:t>
+            </a:r>
+            <a:r>
+              <a:rPr lang="en-US" sz="2000" dirty="0">
+                <a:solidFill>
+                  <a:srgbClr val="F8F8F2"/>
+                </a:solidFill>
+                <a:latin typeface="Monaco" charset="0"/>
+              </a:rPr>
+              <a:t> </a:t>
+            </a:r>
+            <a:r>
+              <a:rPr lang="en-US" sz="2000" dirty="0">
+                <a:solidFill>
+                  <a:srgbClr val="F92672"/>
+                </a:solidFill>
+                <a:latin typeface="Monaco" charset="0"/>
+              </a:rPr>
+              <a:t>=</a:t>
+            </a:r>
+            <a:r>
+              <a:rPr lang="en-US" sz="2000" dirty="0">
+                <a:solidFill>
+                  <a:srgbClr val="F8F8F2"/>
+                </a:solidFill>
+                <a:latin typeface="Monaco" charset="0"/>
+              </a:rPr>
+              <a:t> {</a:t>
+            </a:r>
+          </a:p>
+          <a:p>
+            <a:r>
+              <a:rPr lang="cs-CZ" sz="2000" dirty="0">
+                <a:solidFill>
+                  <a:srgbClr val="F8F8F2"/>
+                </a:solidFill>
+                <a:latin typeface="Monaco" charset="0"/>
+              </a:rPr>
+              <a:t>	</a:t>
+            </a:r>
+            <a:r>
+              <a:rPr lang="cs-CZ" sz="2000" dirty="0" smtClean="0">
+                <a:solidFill>
+                  <a:srgbClr val="A6E22E"/>
+                </a:solidFill>
+                <a:latin typeface="Monaco" charset="0"/>
+              </a:rPr>
+              <a:t>id</a:t>
+            </a:r>
+            <a:r>
+              <a:rPr lang="cs-CZ" sz="2000" dirty="0">
+                <a:solidFill>
+                  <a:srgbClr val="F92672"/>
+                </a:solidFill>
+                <a:latin typeface="Monaco" charset="0"/>
+              </a:rPr>
+              <a:t>:</a:t>
+            </a:r>
+            <a:r>
+              <a:rPr lang="cs-CZ" sz="2000" dirty="0">
+                <a:solidFill>
+                  <a:srgbClr val="F8F8F2"/>
+                </a:solidFill>
+                <a:latin typeface="Monaco" charset="0"/>
+              </a:rPr>
+              <a:t> </a:t>
+            </a:r>
+            <a:r>
+              <a:rPr lang="cs-CZ" sz="2000" dirty="0">
+                <a:solidFill>
+                  <a:srgbClr val="AE81FF"/>
+                </a:solidFill>
+                <a:latin typeface="Monaco" charset="0"/>
+              </a:rPr>
+              <a:t>2</a:t>
+            </a:r>
+            <a:r>
+              <a:rPr lang="cs-CZ" sz="2000" dirty="0">
+                <a:solidFill>
+                  <a:srgbClr val="F8F8F2"/>
+                </a:solidFill>
+                <a:latin typeface="Monaco" charset="0"/>
+              </a:rPr>
+              <a:t>,</a:t>
+            </a:r>
+          </a:p>
+          <a:p>
+            <a:r>
+              <a:rPr lang="cs-CZ" sz="2000" dirty="0">
+                <a:solidFill>
+                  <a:srgbClr val="F8F8F2"/>
+                </a:solidFill>
+                <a:latin typeface="Monaco" charset="0"/>
+              </a:rPr>
+              <a:t>	</a:t>
+            </a:r>
+            <a:r>
+              <a:rPr lang="cs-CZ" sz="2000" dirty="0" err="1" smtClean="0">
+                <a:solidFill>
+                  <a:srgbClr val="A6E22E"/>
+                </a:solidFill>
+                <a:latin typeface="Monaco" charset="0"/>
+              </a:rPr>
+              <a:t>title</a:t>
+            </a:r>
+            <a:r>
+              <a:rPr lang="cs-CZ" sz="2000" dirty="0">
+                <a:solidFill>
+                  <a:srgbClr val="F92672"/>
+                </a:solidFill>
+                <a:latin typeface="Monaco" charset="0"/>
+              </a:rPr>
+              <a:t>:</a:t>
+            </a:r>
+            <a:r>
+              <a:rPr lang="cs-CZ" sz="2000" dirty="0">
+                <a:solidFill>
+                  <a:srgbClr val="F8F8F2"/>
+                </a:solidFill>
+                <a:latin typeface="Monaco" charset="0"/>
+              </a:rPr>
+              <a:t> </a:t>
+            </a:r>
+            <a:r>
+              <a:rPr lang="cs-CZ" sz="2000" dirty="0">
+                <a:solidFill>
+                  <a:srgbClr val="E6DB74"/>
+                </a:solidFill>
+                <a:latin typeface="Monaco" charset="0"/>
+              </a:rPr>
+              <a:t>"Hello JSON!"</a:t>
+            </a:r>
+            <a:endParaRPr lang="cs-CZ" sz="2000" dirty="0">
+              <a:solidFill>
+                <a:srgbClr val="F8F8F2"/>
+              </a:solidFill>
+              <a:latin typeface="Monaco" charset="0"/>
+            </a:endParaRPr>
+          </a:p>
+          <a:p>
+            <a:r>
+              <a:rPr lang="cs-CZ" sz="2000" dirty="0" smtClean="0">
+                <a:solidFill>
+                  <a:srgbClr val="F8F8F2"/>
+                </a:solidFill>
+                <a:latin typeface="Monaco" charset="0"/>
+              </a:rPr>
+              <a:t>    },</a:t>
+            </a:r>
+            <a:endParaRPr lang="cs-CZ" sz="2000" dirty="0">
+              <a:solidFill>
+                <a:srgbClr val="F8F8F2"/>
+              </a:solidFill>
+              <a:latin typeface="Monaco" charset="0"/>
+            </a:endParaRPr>
+          </a:p>
+          <a:p>
+            <a:r>
+              <a:rPr lang="cs-CZ" sz="2000" dirty="0" smtClean="0">
+                <a:solidFill>
+                  <a:srgbClr val="A6E22E"/>
+                </a:solidFill>
+                <a:latin typeface="Monaco" charset="0"/>
+              </a:rPr>
+              <a:t>    </a:t>
+            </a:r>
+            <a:r>
+              <a:rPr lang="cs-CZ" sz="2000" dirty="0" err="1" smtClean="0">
+                <a:solidFill>
+                  <a:srgbClr val="A6E22E"/>
+                </a:solidFill>
+                <a:latin typeface="Monaco" charset="0"/>
+              </a:rPr>
+              <a:t>postJSON</a:t>
+            </a:r>
+            <a:r>
+              <a:rPr lang="cs-CZ" sz="2000" dirty="0" smtClean="0">
+                <a:solidFill>
+                  <a:srgbClr val="F8F8F2"/>
+                </a:solidFill>
+                <a:latin typeface="Monaco" charset="0"/>
+              </a:rPr>
+              <a:t> </a:t>
+            </a:r>
+            <a:r>
+              <a:rPr lang="cs-CZ" sz="2000" dirty="0">
+                <a:solidFill>
+                  <a:srgbClr val="F92672"/>
+                </a:solidFill>
+                <a:latin typeface="Monaco" charset="0"/>
+              </a:rPr>
+              <a:t>=</a:t>
+            </a:r>
+            <a:r>
+              <a:rPr lang="cs-CZ" sz="2000" dirty="0">
+                <a:solidFill>
+                  <a:srgbClr val="F8F8F2"/>
+                </a:solidFill>
+                <a:latin typeface="Monaco" charset="0"/>
+              </a:rPr>
+              <a:t> </a:t>
+            </a:r>
+            <a:r>
+              <a:rPr lang="cs-CZ" sz="2000" dirty="0" err="1">
+                <a:solidFill>
+                  <a:srgbClr val="A6E22E"/>
+                </a:solidFill>
+                <a:latin typeface="Monaco" charset="0"/>
+              </a:rPr>
+              <a:t>JSON</a:t>
+            </a:r>
+            <a:r>
+              <a:rPr lang="cs-CZ" sz="2000" dirty="0" err="1">
+                <a:solidFill>
+                  <a:srgbClr val="F8F8F2"/>
+                </a:solidFill>
+                <a:latin typeface="Monaco" charset="0"/>
+              </a:rPr>
+              <a:t>.</a:t>
+            </a:r>
+            <a:r>
+              <a:rPr lang="cs-CZ" sz="2000" dirty="0" err="1">
+                <a:solidFill>
+                  <a:srgbClr val="A6E22E"/>
+                </a:solidFill>
+                <a:latin typeface="Monaco" charset="0"/>
+              </a:rPr>
+              <a:t>stringify</a:t>
+            </a:r>
+            <a:r>
+              <a:rPr lang="cs-CZ" sz="2000" dirty="0">
+                <a:solidFill>
+                  <a:srgbClr val="F8F8F2"/>
+                </a:solidFill>
+                <a:latin typeface="Monaco" charset="0"/>
+              </a:rPr>
               <a:t>( </a:t>
             </a:r>
             <a:r>
-              <a:rPr lang="en-US" sz="2000" dirty="0">
-                <a:solidFill>
-                  <a:srgbClr val="960050"/>
-                </a:solidFill>
-                <a:latin typeface="Monaco" charset="0"/>
-              </a:rPr>
-              <a:t>‘</a:t>
-            </a:r>
-            <a:r>
-              <a:rPr lang="en-US" sz="2000" dirty="0">
+              <a:rPr lang="cs-CZ" sz="2000" dirty="0">
                 <a:solidFill>
                   <a:srgbClr val="A6E22E"/>
                 </a:solidFill>
                 <a:latin typeface="Monaco" charset="0"/>
               </a:rPr>
-              <a:t>https://</a:t>
-            </a:r>
-            <a:r>
-              <a:rPr lang="en-US" sz="2000" dirty="0" err="1">
+              <a:t>post</a:t>
+            </a:r>
+            <a:r>
+              <a:rPr lang="cs-CZ" sz="2000" dirty="0">
+                <a:solidFill>
+                  <a:srgbClr val="F8F8F2"/>
+                </a:solidFill>
+                <a:latin typeface="Monaco" charset="0"/>
+              </a:rPr>
+              <a:t> );</a:t>
+            </a:r>
+          </a:p>
+          <a:p>
+            <a:endParaRPr lang="cs-CZ" sz="2000" dirty="0">
+              <a:solidFill>
+                <a:srgbClr val="F8F8F2"/>
+              </a:solidFill>
+              <a:latin typeface="Monaco" charset="0"/>
+            </a:endParaRPr>
+          </a:p>
+          <a:p>
+            <a:r>
+              <a:rPr lang="cs-CZ" sz="2000" dirty="0" err="1">
                 <a:solidFill>
                   <a:srgbClr val="A6E22E"/>
                 </a:solidFill>
                 <a:latin typeface="Monaco" charset="0"/>
               </a:rPr>
-              <a:t>site.com</a:t>
-            </a:r>
-            <a:r>
-              <a:rPr lang="en-US" sz="2000" dirty="0">
+              <a:t>console</a:t>
+            </a:r>
+            <a:r>
+              <a:rPr lang="cs-CZ" sz="2000" dirty="0" err="1">
+                <a:solidFill>
+                  <a:srgbClr val="F8F8F2"/>
+                </a:solidFill>
+                <a:latin typeface="Monaco" charset="0"/>
+              </a:rPr>
+              <a:t>.</a:t>
+            </a:r>
+            <a:r>
+              <a:rPr lang="cs-CZ" sz="2000" dirty="0" err="1">
                 <a:solidFill>
                   <a:srgbClr val="A6E22E"/>
                 </a:solidFill>
                 <a:latin typeface="Monaco" charset="0"/>
               </a:rPr>
-              <a:t>/</a:t>
-            </a:r>
-            <a:r>
-              <a:rPr lang="en-US" sz="2000" dirty="0" err="1">
+              <a:t>log</a:t>
+            </a:r>
+            <a:r>
+              <a:rPr lang="cs-CZ" sz="2000" dirty="0">
+                <a:solidFill>
+                  <a:srgbClr val="F8F8F2"/>
+                </a:solidFill>
+                <a:latin typeface="Monaco" charset="0"/>
+              </a:rPr>
+              <a:t>( </a:t>
+            </a:r>
+            <a:r>
+              <a:rPr lang="cs-CZ" sz="2000" dirty="0" err="1">
                 <a:solidFill>
                   <a:srgbClr val="A6E22E"/>
                 </a:solidFill>
                 <a:latin typeface="Monaco" charset="0"/>
               </a:rPr>
-              <a:t>posts.json</a:t>
-            </a:r>
-            <a:r>
-              <a:rPr lang="en-US" sz="2000" dirty="0">
-                <a:solidFill>
-                  <a:srgbClr val="960050"/>
-                </a:solidFill>
-                <a:latin typeface="Monaco" charset="0"/>
-              </a:rPr>
-              <a:t>’</a:t>
-            </a:r>
-            <a:r>
-              <a:rPr lang="en-US" sz="2000" dirty="0">
-                <a:solidFill>
-                  <a:srgbClr val="75715E"/>
-                </a:solidFill>
-                <a:latin typeface="Monaco" charset="0"/>
-              </a:rPr>
-              <a:t> </a:t>
-            </a:r>
-            <a:r>
-              <a:rPr lang="en-US" sz="2000" dirty="0">
-                <a:latin typeface="Monaco" charset="0"/>
-              </a:rPr>
-              <a:t>)</a:t>
-            </a:r>
-          </a:p>
-          <a:p>
-            <a:r>
-              <a:rPr lang="en-US" sz="2000" dirty="0">
+              <a:t>postJSON</a:t>
+            </a:r>
+            <a:r>
+              <a:rPr lang="cs-CZ" sz="2000" dirty="0">
                 <a:solidFill>
                   <a:srgbClr val="F8F8F2"/>
                 </a:solidFill>
                 <a:latin typeface="Monaco" charset="0"/>
               </a:rPr>
-              <a:t>  .</a:t>
-            </a:r>
-            <a:r>
-              <a:rPr lang="en-US" sz="2000" dirty="0">
-                <a:solidFill>
-                  <a:srgbClr val="00B0F0"/>
-                </a:solidFill>
-                <a:latin typeface="Monaco" charset="0"/>
-              </a:rPr>
-              <a:t>then</a:t>
-            </a:r>
-            <a:r>
-              <a:rPr lang="en-US" sz="2000" dirty="0">
-                <a:solidFill>
-                  <a:srgbClr val="F8F8F2"/>
-                </a:solidFill>
-                <a:latin typeface="Monaco" charset="0"/>
-              </a:rPr>
-              <a:t>( </a:t>
-            </a:r>
-            <a:r>
-              <a:rPr lang="en-US" sz="2000" dirty="0">
-                <a:solidFill>
-                  <a:schemeClr val="bg1">
-                    <a:lumMod val="95000"/>
-                  </a:schemeClr>
-                </a:solidFill>
-                <a:latin typeface="Monaco" charset="0"/>
-              </a:rPr>
-              <a:t>response </a:t>
-            </a:r>
-            <a:r>
-              <a:rPr lang="en-US" sz="2000" dirty="0">
-                <a:solidFill>
-                  <a:srgbClr val="F92672"/>
-                </a:solidFill>
-                <a:latin typeface="Monaco" charset="0"/>
-              </a:rPr>
-              <a:t>=&gt;</a:t>
-            </a:r>
-            <a:r>
-              <a:rPr lang="en-US" sz="2000" dirty="0">
-                <a:solidFill>
-                  <a:srgbClr val="F8F8F2"/>
-                </a:solidFill>
-                <a:latin typeface="Monaco" charset="0"/>
-              </a:rPr>
-              <a:t> {</a:t>
-            </a:r>
-          </a:p>
-          <a:p>
-            <a:r>
-              <a:rPr lang="en-US" sz="2000" dirty="0">
-                <a:solidFill>
-                  <a:srgbClr val="F8F8F2"/>
-                </a:solidFill>
-                <a:latin typeface="Monaco" charset="0"/>
-              </a:rPr>
-              <a:t>    </a:t>
-            </a:r>
-            <a:r>
-              <a:rPr lang="en-US" sz="2000" dirty="0" err="1">
-                <a:solidFill>
-                  <a:schemeClr val="bg1">
-                    <a:lumMod val="95000"/>
-                  </a:schemeClr>
-                </a:solidFill>
-                <a:latin typeface="Monaco" charset="0"/>
-              </a:rPr>
-              <a:t>response</a:t>
-            </a:r>
-            <a:r>
-              <a:rPr lang="en-US" sz="2000" dirty="0" err="1">
-                <a:solidFill>
-                  <a:srgbClr val="F8F8F2"/>
-                </a:solidFill>
-                <a:latin typeface="Monaco" charset="0"/>
-              </a:rPr>
-              <a:t>.</a:t>
-            </a:r>
-            <a:r>
-              <a:rPr lang="en-US" sz="2000" dirty="0" err="1">
-                <a:solidFill>
-                  <a:srgbClr val="A6E22E"/>
-                </a:solidFill>
-                <a:latin typeface="Monaco" charset="0"/>
-              </a:rPr>
-              <a:t>json</a:t>
-            </a:r>
-            <a:r>
-              <a:rPr lang="en-US" sz="2000" dirty="0">
-                <a:solidFill>
-                  <a:srgbClr val="F8F8F2"/>
-                </a:solidFill>
-                <a:latin typeface="Monaco" charset="0"/>
-              </a:rPr>
-              <a:t>().</a:t>
-            </a:r>
-            <a:r>
-              <a:rPr lang="en-US" sz="2000" dirty="0">
-                <a:solidFill>
-                  <a:srgbClr val="A6E22E"/>
-                </a:solidFill>
-                <a:latin typeface="Monaco" charset="0"/>
-              </a:rPr>
-              <a:t>then</a:t>
-            </a:r>
-            <a:r>
-              <a:rPr lang="en-US" sz="2000" dirty="0">
-                <a:solidFill>
-                  <a:srgbClr val="F8F8F2"/>
-                </a:solidFill>
-                <a:latin typeface="Monaco" charset="0"/>
-              </a:rPr>
-              <a:t>( </a:t>
-            </a:r>
-            <a:r>
-              <a:rPr lang="en-US" sz="2000" dirty="0" smtClean="0">
-                <a:solidFill>
-                  <a:schemeClr val="bg1">
-                    <a:lumMod val="95000"/>
-                  </a:schemeClr>
-                </a:solidFill>
-                <a:latin typeface="Monaco" charset="0"/>
-              </a:rPr>
-              <a:t>posts</a:t>
-            </a:r>
-            <a:r>
-              <a:rPr lang="en-US" sz="2000" dirty="0" smtClean="0">
-                <a:solidFill>
-                  <a:srgbClr val="A6E22E"/>
-                </a:solidFill>
-                <a:latin typeface="Monaco" charset="0"/>
-              </a:rPr>
-              <a:t> </a:t>
-            </a:r>
-            <a:r>
-              <a:rPr lang="en-US" sz="2000" dirty="0" smtClean="0">
-                <a:solidFill>
-                  <a:srgbClr val="F92672"/>
-                </a:solidFill>
-                <a:latin typeface="Monaco" charset="0"/>
-              </a:rPr>
-              <a:t>=&gt;</a:t>
-            </a:r>
-            <a:r>
-              <a:rPr lang="en-US" sz="2000" dirty="0" smtClean="0">
-                <a:solidFill>
-                  <a:srgbClr val="F8F8F2"/>
-                </a:solidFill>
-                <a:latin typeface="Monaco" charset="0"/>
-              </a:rPr>
-              <a:t> </a:t>
-            </a:r>
-            <a:r>
-              <a:rPr lang="en-US" sz="2000" dirty="0">
-                <a:solidFill>
-                  <a:srgbClr val="F8F8F2"/>
-                </a:solidFill>
-                <a:latin typeface="Monaco" charset="0"/>
-              </a:rPr>
-              <a:t>{</a:t>
-            </a:r>
-          </a:p>
-          <a:p>
-            <a:r>
-              <a:rPr lang="en-US" sz="2000" dirty="0">
-                <a:solidFill>
-                  <a:srgbClr val="F8F8F2"/>
-                </a:solidFill>
-                <a:latin typeface="Monaco" charset="0"/>
-              </a:rPr>
-              <a:t>      </a:t>
-            </a:r>
-            <a:r>
-              <a:rPr lang="en-US" sz="2000" dirty="0" err="1">
-                <a:solidFill>
-                  <a:srgbClr val="A6E22E"/>
-                </a:solidFill>
-                <a:latin typeface="Monaco" charset="0"/>
-              </a:rPr>
-              <a:t>console</a:t>
-            </a:r>
-            <a:r>
-              <a:rPr lang="en-US" sz="2000" dirty="0" err="1">
-                <a:solidFill>
-                  <a:srgbClr val="F8F8F2"/>
-                </a:solidFill>
-                <a:latin typeface="Monaco" charset="0"/>
-              </a:rPr>
-              <a:t>.</a:t>
-            </a:r>
-            <a:r>
-              <a:rPr lang="en-US" sz="2000" dirty="0" err="1">
-                <a:solidFill>
-                  <a:srgbClr val="A6E22E"/>
-                </a:solidFill>
-                <a:latin typeface="Monaco" charset="0"/>
-              </a:rPr>
-              <a:t>log</a:t>
-            </a:r>
-            <a:r>
-              <a:rPr lang="en-US" sz="2000" dirty="0">
-                <a:solidFill>
-                  <a:srgbClr val="F8F8F2"/>
-                </a:solidFill>
-                <a:latin typeface="Monaco" charset="0"/>
-              </a:rPr>
-              <a:t>( </a:t>
-            </a:r>
-            <a:r>
-              <a:rPr lang="en-US" sz="2000" dirty="0">
-                <a:solidFill>
-                  <a:schemeClr val="bg1">
-                    <a:lumMod val="95000"/>
-                  </a:schemeClr>
-                </a:solidFill>
-                <a:latin typeface="Monaco" charset="0"/>
-              </a:rPr>
-              <a:t>posts </a:t>
-            </a:r>
-            <a:r>
-              <a:rPr lang="en-US" sz="2000" dirty="0">
-                <a:solidFill>
-                  <a:srgbClr val="F8F8F2"/>
-                </a:solidFill>
-                <a:latin typeface="Monaco" charset="0"/>
-              </a:rPr>
-              <a:t>);</a:t>
-            </a:r>
-          </a:p>
-          <a:p>
-            <a:r>
-              <a:rPr lang="mr-IN" sz="2000" dirty="0">
-                <a:solidFill>
-                  <a:srgbClr val="F8F8F2"/>
-                </a:solidFill>
-                <a:latin typeface="Monaco" charset="0"/>
-              </a:rPr>
-              <a:t>    });</a:t>
-            </a:r>
-          </a:p>
-          <a:p>
-            <a:r>
-              <a:rPr lang="mr-IN" sz="2000" dirty="0">
-                <a:solidFill>
-                  <a:srgbClr val="F8F8F2"/>
-                </a:solidFill>
-                <a:latin typeface="Monaco" charset="0"/>
-              </a:rPr>
-              <a:t>  })</a:t>
-            </a:r>
-          </a:p>
-          <a:p>
-            <a:r>
-              <a:rPr lang="mr-IN" sz="2000" dirty="0">
-                <a:solidFill>
-                  <a:srgbClr val="F8F8F2"/>
-                </a:solidFill>
-                <a:latin typeface="Monaco" charset="0"/>
-              </a:rPr>
-              <a:t>  .</a:t>
-            </a:r>
-            <a:r>
-              <a:rPr lang="mr-IN" sz="2000" dirty="0" err="1">
-                <a:solidFill>
-                  <a:srgbClr val="00B0F0"/>
-                </a:solidFill>
-                <a:latin typeface="Monaco" charset="0"/>
-              </a:rPr>
-              <a:t>catch</a:t>
-            </a:r>
-            <a:r>
-              <a:rPr lang="mr-IN" sz="2000" dirty="0">
-                <a:solidFill>
-                  <a:srgbClr val="F8F8F2"/>
-                </a:solidFill>
-                <a:latin typeface="Monaco" charset="0"/>
-              </a:rPr>
-              <a:t>( </a:t>
-            </a:r>
-            <a:r>
-              <a:rPr lang="mr-IN" sz="2000" dirty="0" err="1">
-                <a:solidFill>
-                  <a:schemeClr val="bg1">
-                    <a:lumMod val="95000"/>
-                  </a:schemeClr>
-                </a:solidFill>
-                <a:latin typeface="Monaco" charset="0"/>
-              </a:rPr>
-              <a:t>err</a:t>
-            </a:r>
-            <a:r>
-              <a:rPr lang="mr-IN" sz="2000" dirty="0">
-                <a:solidFill>
-                  <a:srgbClr val="F8F8F2"/>
-                </a:solidFill>
-                <a:latin typeface="Monaco" charset="0"/>
-              </a:rPr>
-              <a:t> </a:t>
-            </a:r>
-            <a:r>
-              <a:rPr lang="mr-IN" sz="2000" dirty="0">
-                <a:solidFill>
-                  <a:srgbClr val="F92672"/>
-                </a:solidFill>
-                <a:latin typeface="Monaco" charset="0"/>
-              </a:rPr>
-              <a:t>=&gt;</a:t>
-            </a:r>
-            <a:r>
-              <a:rPr lang="mr-IN" sz="2000" dirty="0">
-                <a:solidFill>
-                  <a:srgbClr val="F8F8F2"/>
-                </a:solidFill>
-                <a:latin typeface="Monaco" charset="0"/>
-              </a:rPr>
-              <a:t> {</a:t>
-            </a:r>
-          </a:p>
-          <a:p>
-            <a:r>
-              <a:rPr lang="en-US" sz="2000" dirty="0">
-                <a:solidFill>
-                  <a:srgbClr val="F8F8F2"/>
-                </a:solidFill>
-                <a:latin typeface="Monaco" charset="0"/>
-              </a:rPr>
-              <a:t>    </a:t>
-            </a:r>
-            <a:r>
-              <a:rPr lang="en-US" sz="2000" dirty="0" err="1">
-                <a:solidFill>
-                  <a:srgbClr val="A6E22E"/>
-                </a:solidFill>
-                <a:latin typeface="Monaco" charset="0"/>
-              </a:rPr>
-              <a:t>console</a:t>
-            </a:r>
-            <a:r>
-              <a:rPr lang="en-US" sz="2000" dirty="0" err="1">
-                <a:solidFill>
-                  <a:srgbClr val="F8F8F2"/>
-                </a:solidFill>
-                <a:latin typeface="Monaco" charset="0"/>
-              </a:rPr>
-              <a:t>.</a:t>
-            </a:r>
-            <a:r>
-              <a:rPr lang="en-US" sz="2000" dirty="0" err="1">
-                <a:solidFill>
-                  <a:srgbClr val="A6E22E"/>
-                </a:solidFill>
-                <a:latin typeface="Monaco" charset="0"/>
-              </a:rPr>
-              <a:t>log</a:t>
-            </a:r>
-            <a:r>
-              <a:rPr lang="en-US" sz="2000" dirty="0">
-                <a:solidFill>
-                  <a:srgbClr val="F8F8F2"/>
-                </a:solidFill>
-                <a:latin typeface="Monaco" charset="0"/>
-              </a:rPr>
-              <a:t>( </a:t>
-            </a:r>
-            <a:r>
-              <a:rPr lang="en-US" sz="2000" dirty="0">
-                <a:solidFill>
-                  <a:schemeClr val="bg1">
-                    <a:lumMod val="95000"/>
-                  </a:schemeClr>
-                </a:solidFill>
-                <a:latin typeface="Monaco" charset="0"/>
-              </a:rPr>
-              <a:t>err</a:t>
-            </a:r>
-            <a:r>
-              <a:rPr lang="en-US" sz="2000" dirty="0">
-                <a:solidFill>
-                  <a:srgbClr val="F8F8F2"/>
-                </a:solidFill>
-                <a:latin typeface="Monaco" charset="0"/>
-              </a:rPr>
               <a:t> );</a:t>
             </a:r>
           </a:p>
           <a:p>
-            <a:r>
-              <a:rPr lang="mr-IN" sz="2000" dirty="0">
-                <a:solidFill>
-                  <a:srgbClr val="F8F8F2"/>
-                </a:solidFill>
-                <a:latin typeface="Monaco" charset="0"/>
-              </a:rPr>
-              <a:t>  </a:t>
-            </a:r>
-            <a:r>
-              <a:rPr lang="mr-IN" sz="2000" dirty="0" smtClean="0">
-                <a:solidFill>
-                  <a:srgbClr val="F8F8F2"/>
-                </a:solidFill>
-                <a:latin typeface="Monaco" charset="0"/>
-              </a:rPr>
-              <a:t>});</a:t>
-            </a:r>
             <a:endParaRPr lang="mr-IN" sz="2000" dirty="0">
               <a:solidFill>
                 <a:srgbClr val="F8F8F2"/>
@@ -39463,7 +38839,7 @@
     </p:spTree>
     <p:extLst>
       <p:ext uri="{BB962C8B-B14F-4D97-AF65-F5344CB8AC3E}">
-        <p14:creationId xmlns:p14="http://schemas.microsoft.com/office/powerpoint/2010/main" val="2117583182"/>
+        <p14:creationId xmlns:p14="http://schemas.microsoft.com/office/powerpoint/2010/main" val="1171842334"/>
       </p:ext>
     </p:extLst>
   </p:cSld>
@@ -39578,6 +38954,806 @@
       </p:grpSpPr>
       <p:sp>
         <p:nvSpPr>
+          <p:cNvPr id="2" name="Title 1"/>
+          <p:cNvSpPr>
+            <a:spLocks noGrp="1"/>
+          </p:cNvSpPr>
+          <p:nvPr>
+            <p:ph type="ctrTitle"/>
+          </p:nvPr>
+        </p:nvSpPr>
+        <p:spPr/>
+        <p:txBody>
+          <a:bodyPr/>
+          <a:lstStyle/>
+          <a:p>
+            <a:r>
+              <a:rPr lang="en-US" dirty="0" smtClean="0"/>
+              <a:t>DEMO</a:t>
+            </a:r>
+            <a:endParaRPr lang="en-US" dirty="0"/>
+          </a:p>
+        </p:txBody>
+      </p:sp>
+      <p:sp>
+        <p:nvSpPr>
+          <p:cNvPr id="3" name="Content Placeholder 2"/>
+          <p:cNvSpPr>
+            <a:spLocks noGrp="1"/>
+          </p:cNvSpPr>
+          <p:nvPr>
+            <p:ph sz="quarter" idx="11"/>
+          </p:nvPr>
+        </p:nvSpPr>
+        <p:spPr/>
+        <p:txBody>
+          <a:bodyPr/>
+          <a:lstStyle/>
+          <a:p>
+            <a:r>
+              <a:rPr lang="en-US" dirty="0"/>
+              <a:t>JSON &amp; HTTP</a:t>
+            </a:r>
+          </a:p>
+        </p:txBody>
+      </p:sp>
+    </p:spTree>
+    <p:extLst>
+      <p:ext uri="{BB962C8B-B14F-4D97-AF65-F5344CB8AC3E}">
+        <p14:creationId xmlns:p14="http://schemas.microsoft.com/office/powerpoint/2010/main" val="826900223"/>
+      </p:ext>
+    </p:extLst>
+  </p:cSld>
+  <p:clrMapOvr>
+    <a:masterClrMapping/>
+  </p:clrMapOvr>
+  <p:timing>
+    <p:tnLst>
+      <p:par>
+        <p:cTn id="1" dur="indefinite" restart="never" nodeType="tmRoot"/>
+      </p:par>
+    </p:tnLst>
+  </p:timing>
+</p:sld>
+</file>
+
+<file path=ppt/slides/slide83.xml><?xml version="1.0" encoding="utf-8"?>
+<p:sld xmlns:a="http://schemas.openxmlformats.org/drawingml/2006/main" xmlns:r="http://schemas.openxmlformats.org/officeDocument/2006/relationships" xmlns:p="http://schemas.openxmlformats.org/presentationml/2006/main">
+  <p:cSld>
+    <p:spTree>
+      <p:nvGrpSpPr>
+        <p:cNvPr id="1" name=""/>
+        <p:cNvGrpSpPr/>
+        <p:nvPr/>
+      </p:nvGrpSpPr>
+      <p:grpSpPr>
+        <a:xfrm>
+          <a:off x="0" y="0"/>
+          <a:ext cx="0" cy="0"/>
+          <a:chOff x="0" y="0"/>
+          <a:chExt cx="0" cy="0"/>
+        </a:xfrm>
+      </p:grpSpPr>
+      <p:sp>
+        <p:nvSpPr>
+          <p:cNvPr id="4" name="Content Placeholder 3"/>
+          <p:cNvSpPr>
+            <a:spLocks noGrp="1"/>
+          </p:cNvSpPr>
+          <p:nvPr>
+            <p:ph sz="quarter" idx="11"/>
+          </p:nvPr>
+        </p:nvSpPr>
+        <p:spPr/>
+        <p:txBody>
+          <a:bodyPr/>
+          <a:lstStyle/>
+          <a:p>
+            <a:r>
+              <a:rPr lang="en-US" dirty="0"/>
+              <a:t>JSON &amp; HTTP</a:t>
+            </a:r>
+          </a:p>
+        </p:txBody>
+      </p:sp>
+      <p:sp>
+        <p:nvSpPr>
+          <p:cNvPr id="5" name="Rectangle 4"/>
+          <p:cNvSpPr/>
+          <p:nvPr/>
+        </p:nvSpPr>
+        <p:spPr>
+          <a:xfrm>
+            <a:off x="493059" y="289343"/>
+            <a:ext cx="8346141" cy="461665"/>
+          </a:xfrm>
+          <a:prstGeom prst="rect">
+            <a:avLst/>
+          </a:prstGeom>
+        </p:spPr>
+        <p:txBody>
+          <a:bodyPr wrap="square">
+            <a:spAutoFit/>
+          </a:bodyPr>
+          <a:lstStyle/>
+          <a:p>
+            <a:r>
+              <a:rPr lang="en-US" sz="2400" b="1" dirty="0" smtClean="0">
+                <a:solidFill>
+                  <a:schemeClr val="bg1">
+                    <a:lumMod val="95000"/>
+                  </a:schemeClr>
+                </a:solidFill>
+                <a:latin typeface="Open Sans Extrabold" charset="0"/>
+                <a:ea typeface="Open Sans Extrabold" charset="0"/>
+                <a:cs typeface="Open Sans Extrabold" charset="0"/>
+              </a:rPr>
+              <a:t>Making HTTP Get Requests with Fetch</a:t>
+            </a:r>
+            <a:endParaRPr lang="en-US" sz="2400" b="1" dirty="0">
+              <a:solidFill>
+                <a:schemeClr val="bg1">
+                  <a:lumMod val="95000"/>
+                </a:schemeClr>
+              </a:solidFill>
+              <a:latin typeface="Open Sans Extrabold" charset="0"/>
+              <a:ea typeface="Open Sans Extrabold" charset="0"/>
+              <a:cs typeface="Open Sans Extrabold" charset="0"/>
+            </a:endParaRPr>
+          </a:p>
+        </p:txBody>
+      </p:sp>
+      <p:sp>
+        <p:nvSpPr>
+          <p:cNvPr id="2" name="Content Placeholder 1"/>
+          <p:cNvSpPr>
+            <a:spLocks noGrp="1"/>
+          </p:cNvSpPr>
+          <p:nvPr>
+            <p:ph idx="1"/>
+          </p:nvPr>
+        </p:nvSpPr>
+        <p:spPr>
+          <a:xfrm>
+            <a:off x="609600" y="1064526"/>
+            <a:ext cx="8534400" cy="3616656"/>
+          </a:xfrm>
+        </p:spPr>
+        <p:txBody>
+          <a:bodyPr>
+            <a:normAutofit fontScale="92500" lnSpcReduction="10000"/>
+          </a:bodyPr>
+          <a:lstStyle/>
+          <a:p>
+            <a:r>
+              <a:rPr lang="en-US" sz="2000" dirty="0">
+                <a:solidFill>
+                  <a:srgbClr val="00B0F0"/>
+                </a:solidFill>
+                <a:latin typeface="Monaco" charset="0"/>
+              </a:rPr>
+              <a:t>fetch</a:t>
+            </a:r>
+            <a:r>
+              <a:rPr lang="en-US" sz="2000" dirty="0">
+                <a:solidFill>
+                  <a:srgbClr val="F8F8F2"/>
+                </a:solidFill>
+                <a:latin typeface="Monaco" charset="0"/>
+              </a:rPr>
+              <a:t>( </a:t>
+            </a:r>
+            <a:r>
+              <a:rPr lang="en-US" sz="2000" dirty="0">
+                <a:solidFill>
+                  <a:srgbClr val="960050"/>
+                </a:solidFill>
+                <a:latin typeface="Monaco" charset="0"/>
+              </a:rPr>
+              <a:t>‘</a:t>
+            </a:r>
+            <a:r>
+              <a:rPr lang="en-US" sz="2000" dirty="0">
+                <a:solidFill>
+                  <a:srgbClr val="A6E22E"/>
+                </a:solidFill>
+                <a:latin typeface="Monaco" charset="0"/>
+              </a:rPr>
+              <a:t>https://</a:t>
+            </a:r>
+            <a:r>
+              <a:rPr lang="en-US" sz="2000" dirty="0" err="1">
+                <a:solidFill>
+                  <a:srgbClr val="A6E22E"/>
+                </a:solidFill>
+                <a:latin typeface="Monaco" charset="0"/>
+              </a:rPr>
+              <a:t>site.com</a:t>
+            </a:r>
+            <a:r>
+              <a:rPr lang="en-US" sz="2000" dirty="0">
+                <a:solidFill>
+                  <a:srgbClr val="A6E22E"/>
+                </a:solidFill>
+                <a:latin typeface="Monaco" charset="0"/>
+              </a:rPr>
+              <a:t>/</a:t>
+            </a:r>
+            <a:r>
+              <a:rPr lang="en-US" sz="2000" dirty="0" err="1">
+                <a:solidFill>
+                  <a:srgbClr val="A6E22E"/>
+                </a:solidFill>
+                <a:latin typeface="Monaco" charset="0"/>
+              </a:rPr>
+              <a:t>posts.json</a:t>
+            </a:r>
+            <a:r>
+              <a:rPr lang="en-US" sz="2000" dirty="0">
+                <a:solidFill>
+                  <a:srgbClr val="960050"/>
+                </a:solidFill>
+                <a:latin typeface="Monaco" charset="0"/>
+              </a:rPr>
+              <a:t>’</a:t>
+            </a:r>
+            <a:r>
+              <a:rPr lang="en-US" sz="2000" dirty="0">
+                <a:solidFill>
+                  <a:srgbClr val="75715E"/>
+                </a:solidFill>
+                <a:latin typeface="Monaco" charset="0"/>
+              </a:rPr>
+              <a:t> </a:t>
+            </a:r>
+            <a:r>
+              <a:rPr lang="en-US" sz="2000" dirty="0">
+                <a:latin typeface="Monaco" charset="0"/>
+              </a:rPr>
+              <a:t>)</a:t>
+            </a:r>
+          </a:p>
+          <a:p>
+            <a:r>
+              <a:rPr lang="en-US" sz="2000" dirty="0">
+                <a:solidFill>
+                  <a:srgbClr val="F8F8F2"/>
+                </a:solidFill>
+                <a:latin typeface="Monaco" charset="0"/>
+              </a:rPr>
+              <a:t>  .</a:t>
+            </a:r>
+            <a:r>
+              <a:rPr lang="en-US" sz="2000" dirty="0">
+                <a:solidFill>
+                  <a:srgbClr val="00B0F0"/>
+                </a:solidFill>
+                <a:latin typeface="Monaco" charset="0"/>
+              </a:rPr>
+              <a:t>then</a:t>
+            </a:r>
+            <a:r>
+              <a:rPr lang="en-US" sz="2000" dirty="0">
+                <a:solidFill>
+                  <a:srgbClr val="F8F8F2"/>
+                </a:solidFill>
+                <a:latin typeface="Monaco" charset="0"/>
+              </a:rPr>
+              <a:t>( </a:t>
+            </a:r>
+            <a:r>
+              <a:rPr lang="en-US" sz="2000" dirty="0">
+                <a:solidFill>
+                  <a:schemeClr val="bg1">
+                    <a:lumMod val="95000"/>
+                  </a:schemeClr>
+                </a:solidFill>
+                <a:latin typeface="Monaco" charset="0"/>
+              </a:rPr>
+              <a:t>response </a:t>
+            </a:r>
+            <a:r>
+              <a:rPr lang="en-US" sz="2000" dirty="0">
+                <a:solidFill>
+                  <a:srgbClr val="F92672"/>
+                </a:solidFill>
+                <a:latin typeface="Monaco" charset="0"/>
+              </a:rPr>
+              <a:t>=&gt;</a:t>
+            </a:r>
+            <a:r>
+              <a:rPr lang="en-US" sz="2000" dirty="0">
+                <a:solidFill>
+                  <a:srgbClr val="F8F8F2"/>
+                </a:solidFill>
+                <a:latin typeface="Monaco" charset="0"/>
+              </a:rPr>
+              <a:t> {</a:t>
+            </a:r>
+          </a:p>
+          <a:p>
+            <a:r>
+              <a:rPr lang="en-US" sz="2000" dirty="0">
+                <a:solidFill>
+                  <a:srgbClr val="F8F8F2"/>
+                </a:solidFill>
+                <a:latin typeface="Monaco" charset="0"/>
+              </a:rPr>
+              <a:t>    </a:t>
+            </a:r>
+            <a:r>
+              <a:rPr lang="en-US" sz="2000" dirty="0" err="1">
+                <a:solidFill>
+                  <a:schemeClr val="bg1">
+                    <a:lumMod val="95000"/>
+                  </a:schemeClr>
+                </a:solidFill>
+                <a:latin typeface="Monaco" charset="0"/>
+              </a:rPr>
+              <a:t>response</a:t>
+            </a:r>
+            <a:r>
+              <a:rPr lang="en-US" sz="2000" dirty="0" err="1">
+                <a:solidFill>
+                  <a:srgbClr val="F8F8F2"/>
+                </a:solidFill>
+                <a:latin typeface="Monaco" charset="0"/>
+              </a:rPr>
+              <a:t>.</a:t>
+            </a:r>
+            <a:r>
+              <a:rPr lang="en-US" sz="2000" dirty="0" err="1">
+                <a:solidFill>
+                  <a:srgbClr val="A6E22E"/>
+                </a:solidFill>
+                <a:latin typeface="Monaco" charset="0"/>
+              </a:rPr>
+              <a:t>json</a:t>
+            </a:r>
+            <a:r>
+              <a:rPr lang="en-US" sz="2000" dirty="0">
+                <a:solidFill>
+                  <a:srgbClr val="F8F8F2"/>
+                </a:solidFill>
+                <a:latin typeface="Monaco" charset="0"/>
+              </a:rPr>
+              <a:t>().</a:t>
+            </a:r>
+            <a:r>
+              <a:rPr lang="en-US" sz="2000" dirty="0">
+                <a:solidFill>
+                  <a:srgbClr val="A6E22E"/>
+                </a:solidFill>
+                <a:latin typeface="Monaco" charset="0"/>
+              </a:rPr>
+              <a:t>then</a:t>
+            </a:r>
+            <a:r>
+              <a:rPr lang="en-US" sz="2000" dirty="0">
+                <a:solidFill>
+                  <a:srgbClr val="F8F8F2"/>
+                </a:solidFill>
+                <a:latin typeface="Monaco" charset="0"/>
+              </a:rPr>
+              <a:t>( </a:t>
+            </a:r>
+            <a:r>
+              <a:rPr lang="en-US" sz="2000" dirty="0" smtClean="0">
+                <a:solidFill>
+                  <a:schemeClr val="bg1">
+                    <a:lumMod val="95000"/>
+                  </a:schemeClr>
+                </a:solidFill>
+                <a:latin typeface="Monaco" charset="0"/>
+              </a:rPr>
+              <a:t>posts</a:t>
+            </a:r>
+            <a:r>
+              <a:rPr lang="en-US" sz="2000" dirty="0" smtClean="0">
+                <a:solidFill>
+                  <a:srgbClr val="A6E22E"/>
+                </a:solidFill>
+                <a:latin typeface="Monaco" charset="0"/>
+              </a:rPr>
+              <a:t> </a:t>
+            </a:r>
+            <a:r>
+              <a:rPr lang="en-US" sz="2000" dirty="0" smtClean="0">
+                <a:solidFill>
+                  <a:srgbClr val="F92672"/>
+                </a:solidFill>
+                <a:latin typeface="Monaco" charset="0"/>
+              </a:rPr>
+              <a:t>=&gt;</a:t>
+            </a:r>
+            <a:r>
+              <a:rPr lang="en-US" sz="2000" dirty="0" smtClean="0">
+                <a:solidFill>
+                  <a:srgbClr val="F8F8F2"/>
+                </a:solidFill>
+                <a:latin typeface="Monaco" charset="0"/>
+              </a:rPr>
+              <a:t> </a:t>
+            </a:r>
+            <a:r>
+              <a:rPr lang="en-US" sz="2000" dirty="0">
+                <a:solidFill>
+                  <a:srgbClr val="F8F8F2"/>
+                </a:solidFill>
+                <a:latin typeface="Monaco" charset="0"/>
+              </a:rPr>
+              <a:t>{</a:t>
+            </a:r>
+          </a:p>
+          <a:p>
+            <a:r>
+              <a:rPr lang="en-US" sz="2000" dirty="0">
+                <a:solidFill>
+                  <a:srgbClr val="F8F8F2"/>
+                </a:solidFill>
+                <a:latin typeface="Monaco" charset="0"/>
+              </a:rPr>
+              <a:t>      </a:t>
+            </a:r>
+            <a:r>
+              <a:rPr lang="en-US" sz="2000" dirty="0" err="1">
+                <a:solidFill>
+                  <a:srgbClr val="A6E22E"/>
+                </a:solidFill>
+                <a:latin typeface="Monaco" charset="0"/>
+              </a:rPr>
+              <a:t>console</a:t>
+            </a:r>
+            <a:r>
+              <a:rPr lang="en-US" sz="2000" dirty="0" err="1">
+                <a:solidFill>
+                  <a:srgbClr val="F8F8F2"/>
+                </a:solidFill>
+                <a:latin typeface="Monaco" charset="0"/>
+              </a:rPr>
+              <a:t>.</a:t>
+            </a:r>
+            <a:r>
+              <a:rPr lang="en-US" sz="2000" dirty="0" err="1">
+                <a:solidFill>
+                  <a:srgbClr val="A6E22E"/>
+                </a:solidFill>
+                <a:latin typeface="Monaco" charset="0"/>
+              </a:rPr>
+              <a:t>log</a:t>
+            </a:r>
+            <a:r>
+              <a:rPr lang="en-US" sz="2000" dirty="0">
+                <a:solidFill>
+                  <a:srgbClr val="F8F8F2"/>
+                </a:solidFill>
+                <a:latin typeface="Monaco" charset="0"/>
+              </a:rPr>
+              <a:t>( </a:t>
+            </a:r>
+            <a:r>
+              <a:rPr lang="en-US" sz="2000" dirty="0">
+                <a:solidFill>
+                  <a:schemeClr val="bg1">
+                    <a:lumMod val="95000"/>
+                  </a:schemeClr>
+                </a:solidFill>
+                <a:latin typeface="Monaco" charset="0"/>
+              </a:rPr>
+              <a:t>posts </a:t>
+            </a:r>
+            <a:r>
+              <a:rPr lang="en-US" sz="2000" dirty="0">
+                <a:solidFill>
+                  <a:srgbClr val="F8F8F2"/>
+                </a:solidFill>
+                <a:latin typeface="Monaco" charset="0"/>
+              </a:rPr>
+              <a:t>);</a:t>
+            </a:r>
+          </a:p>
+          <a:p>
+            <a:r>
+              <a:rPr lang="mr-IN" sz="2000" dirty="0">
+                <a:solidFill>
+                  <a:srgbClr val="F8F8F2"/>
+                </a:solidFill>
+                <a:latin typeface="Monaco" charset="0"/>
+              </a:rPr>
+              <a:t>    });</a:t>
+            </a:r>
+          </a:p>
+          <a:p>
+            <a:r>
+              <a:rPr lang="mr-IN" sz="2000" dirty="0">
+                <a:solidFill>
+                  <a:srgbClr val="F8F8F2"/>
+                </a:solidFill>
+                <a:latin typeface="Monaco" charset="0"/>
+              </a:rPr>
+              <a:t>  })</a:t>
+            </a:r>
+          </a:p>
+          <a:p>
+            <a:r>
+              <a:rPr lang="mr-IN" sz="2000" dirty="0">
+                <a:solidFill>
+                  <a:srgbClr val="F8F8F2"/>
+                </a:solidFill>
+                <a:latin typeface="Monaco" charset="0"/>
+              </a:rPr>
+              <a:t>  .</a:t>
+            </a:r>
+            <a:r>
+              <a:rPr lang="mr-IN" sz="2000" dirty="0" err="1">
+                <a:solidFill>
+                  <a:srgbClr val="00B0F0"/>
+                </a:solidFill>
+                <a:latin typeface="Monaco" charset="0"/>
+              </a:rPr>
+              <a:t>catch</a:t>
+            </a:r>
+            <a:r>
+              <a:rPr lang="mr-IN" sz="2000" dirty="0">
+                <a:solidFill>
+                  <a:srgbClr val="F8F8F2"/>
+                </a:solidFill>
+                <a:latin typeface="Monaco" charset="0"/>
+              </a:rPr>
+              <a:t>( </a:t>
+            </a:r>
+            <a:r>
+              <a:rPr lang="mr-IN" sz="2000" dirty="0" err="1">
+                <a:solidFill>
+                  <a:schemeClr val="bg1">
+                    <a:lumMod val="95000"/>
+                  </a:schemeClr>
+                </a:solidFill>
+                <a:latin typeface="Monaco" charset="0"/>
+              </a:rPr>
+              <a:t>err</a:t>
+            </a:r>
+            <a:r>
+              <a:rPr lang="mr-IN" sz="2000" dirty="0">
+                <a:solidFill>
+                  <a:srgbClr val="F8F8F2"/>
+                </a:solidFill>
+                <a:latin typeface="Monaco" charset="0"/>
+              </a:rPr>
+              <a:t> </a:t>
+            </a:r>
+            <a:r>
+              <a:rPr lang="mr-IN" sz="2000" dirty="0">
+                <a:solidFill>
+                  <a:srgbClr val="F92672"/>
+                </a:solidFill>
+                <a:latin typeface="Monaco" charset="0"/>
+              </a:rPr>
+              <a:t>=&gt;</a:t>
+            </a:r>
+            <a:r>
+              <a:rPr lang="mr-IN" sz="2000" dirty="0">
+                <a:solidFill>
+                  <a:srgbClr val="F8F8F2"/>
+                </a:solidFill>
+                <a:latin typeface="Monaco" charset="0"/>
+              </a:rPr>
+              <a:t> {</a:t>
+            </a:r>
+          </a:p>
+          <a:p>
+            <a:r>
+              <a:rPr lang="en-US" sz="2000" dirty="0">
+                <a:solidFill>
+                  <a:srgbClr val="F8F8F2"/>
+                </a:solidFill>
+                <a:latin typeface="Monaco" charset="0"/>
+              </a:rPr>
+              <a:t>    </a:t>
+            </a:r>
+            <a:r>
+              <a:rPr lang="en-US" sz="2000" dirty="0" err="1">
+                <a:solidFill>
+                  <a:srgbClr val="A6E22E"/>
+                </a:solidFill>
+                <a:latin typeface="Monaco" charset="0"/>
+              </a:rPr>
+              <a:t>console</a:t>
+            </a:r>
+            <a:r>
+              <a:rPr lang="en-US" sz="2000" dirty="0" err="1">
+                <a:solidFill>
+                  <a:srgbClr val="F8F8F2"/>
+                </a:solidFill>
+                <a:latin typeface="Monaco" charset="0"/>
+              </a:rPr>
+              <a:t>.</a:t>
+            </a:r>
+            <a:r>
+              <a:rPr lang="en-US" sz="2000" dirty="0" err="1">
+                <a:solidFill>
+                  <a:srgbClr val="A6E22E"/>
+                </a:solidFill>
+                <a:latin typeface="Monaco" charset="0"/>
+              </a:rPr>
+              <a:t>log</a:t>
+            </a:r>
+            <a:r>
+              <a:rPr lang="en-US" sz="2000" dirty="0">
+                <a:solidFill>
+                  <a:srgbClr val="F8F8F2"/>
+                </a:solidFill>
+                <a:latin typeface="Monaco" charset="0"/>
+              </a:rPr>
+              <a:t>( </a:t>
+            </a:r>
+            <a:r>
+              <a:rPr lang="en-US" sz="2000" dirty="0">
+                <a:solidFill>
+                  <a:schemeClr val="bg1">
+                    <a:lumMod val="95000"/>
+                  </a:schemeClr>
+                </a:solidFill>
+                <a:latin typeface="Monaco" charset="0"/>
+              </a:rPr>
+              <a:t>err</a:t>
+            </a:r>
+            <a:r>
+              <a:rPr lang="en-US" sz="2000" dirty="0">
+                <a:solidFill>
+                  <a:srgbClr val="F8F8F2"/>
+                </a:solidFill>
+                <a:latin typeface="Monaco" charset="0"/>
+              </a:rPr>
+              <a:t> );</a:t>
+            </a:r>
+          </a:p>
+          <a:p>
+            <a:r>
+              <a:rPr lang="mr-IN" sz="2000" dirty="0">
+                <a:solidFill>
+                  <a:srgbClr val="F8F8F2"/>
+                </a:solidFill>
+                <a:latin typeface="Monaco" charset="0"/>
+              </a:rPr>
+              <a:t>  </a:t>
+            </a:r>
+            <a:r>
+              <a:rPr lang="mr-IN" sz="2000" dirty="0" smtClean="0">
+                <a:solidFill>
+                  <a:srgbClr val="F8F8F2"/>
+                </a:solidFill>
+                <a:latin typeface="Monaco" charset="0"/>
+              </a:rPr>
+              <a:t>});</a:t>
+            </a:r>
+            <a:endParaRPr lang="mr-IN" sz="2000" dirty="0">
+              <a:solidFill>
+                <a:srgbClr val="F8F8F2"/>
+              </a:solidFill>
+              <a:latin typeface="Monaco" charset="0"/>
+            </a:endParaRPr>
+          </a:p>
+        </p:txBody>
+      </p:sp>
+    </p:spTree>
+    <p:extLst>
+      <p:ext uri="{BB962C8B-B14F-4D97-AF65-F5344CB8AC3E}">
+        <p14:creationId xmlns:p14="http://schemas.microsoft.com/office/powerpoint/2010/main" val="2117583182"/>
+      </p:ext>
+    </p:extLst>
+  </p:cSld>
+  <p:clrMapOvr>
+    <a:masterClrMapping/>
+  </p:clrMapOvr>
+  <p:timing>
+    <p:tnLst>
+      <p:par>
+        <p:cTn id="1" dur="indefinite" restart="never" nodeType="tmRoot">
+          <p:childTnLst>
+            <p:seq concurrent="1" nextAc="seek">
+              <p:cTn id="2" dur="indefinite" nodeType="mainSeq">
+                <p:childTnLst>
+                  <p:par>
+                    <p:cTn id="3" fill="hold">
+                      <p:stCondLst>
+                        <p:cond delay="indefinite"/>
+                      </p:stCondLst>
+                      <p:childTnLst>
+                        <p:par>
+                          <p:cTn id="4" fill="hold">
+                            <p:stCondLst>
+                              <p:cond delay="0"/>
+                            </p:stCondLst>
+                            <p:childTnLst>
+                              <p:par>
+                                <p:cTn id="5" presetID="10" presetClass="entr" presetSubtype="0" fill="hold" grpId="0" nodeType="clickEffect">
+                                  <p:stCondLst>
+                                    <p:cond delay="0"/>
+                                  </p:stCondLst>
+                                  <p:childTnLst>
+                                    <p:set>
+                                      <p:cBhvr>
+                                        <p:cTn id="6" dur="1" fill="hold">
+                                          <p:stCondLst>
+                                            <p:cond delay="0"/>
+                                          </p:stCondLst>
+                                        </p:cTn>
+                                        <p:tgtEl>
+                                          <p:spTgt spid="2"/>
+                                        </p:tgtEl>
+                                        <p:attrNameLst>
+                                          <p:attrName>style.visibility</p:attrName>
+                                        </p:attrNameLst>
+                                      </p:cBhvr>
+                                      <p:to>
+                                        <p:strVal val="visible"/>
+                                      </p:to>
+                                    </p:set>
+                                    <p:animEffect transition="in" filter="fade">
+                                      <p:cBhvr>
+                                        <p:cTn id="7" dur="500"/>
+                                        <p:tgtEl>
+                                          <p:spTgt spid="2"/>
+                                        </p:tgtEl>
+                                      </p:cBhvr>
+                                    </p:animEffect>
+                                  </p:childTnLst>
+                                </p:cTn>
+                              </p:par>
+                            </p:childTnLst>
+                          </p:cTn>
+                        </p:par>
+                      </p:childTnLst>
+                    </p:cTn>
+                  </p:par>
+                </p:childTnLst>
+              </p:cTn>
+              <p:prevCondLst>
+                <p:cond evt="onPrev" delay="0">
+                  <p:tgtEl>
+                    <p:sldTgt/>
+                  </p:tgtEl>
+                </p:cond>
+              </p:prevCondLst>
+              <p:nextCondLst>
+                <p:cond evt="onNext" delay="0">
+                  <p:tgtEl>
+                    <p:sldTgt/>
+                  </p:tgtEl>
+                </p:cond>
+              </p:nextCondLst>
+            </p:seq>
+          </p:childTnLst>
+        </p:cTn>
+      </p:par>
+    </p:tnLst>
+    <p:bldLst>
+      <p:bldP spid="2" grpId="0"/>
+    </p:bldLst>
+  </p:timing>
+</p:sld>
+</file>
+
+<file path=ppt/slides/slide84.xml><?xml version="1.0" encoding="utf-8"?>
+<p:sld xmlns:a="http://schemas.openxmlformats.org/drawingml/2006/main" xmlns:r="http://schemas.openxmlformats.org/officeDocument/2006/relationships" xmlns:p="http://schemas.openxmlformats.org/presentationml/2006/main">
+  <p:cSld>
+    <p:spTree>
+      <p:nvGrpSpPr>
+        <p:cNvPr id="1" name=""/>
+        <p:cNvGrpSpPr/>
+        <p:nvPr/>
+      </p:nvGrpSpPr>
+      <p:grpSpPr>
+        <a:xfrm>
+          <a:off x="0" y="0"/>
+          <a:ext cx="0" cy="0"/>
+          <a:chOff x="0" y="0"/>
+          <a:chExt cx="0" cy="0"/>
+        </a:xfrm>
+      </p:grpSpPr>
+      <p:sp>
+        <p:nvSpPr>
           <p:cNvPr id="4" name="Content Placeholder 3"/>
           <p:cNvSpPr>
             <a:spLocks noGrp="1"/>
@@ -40774,832 +40950,6 @@
 </p:sld>
 </file>
 
-<file path=ppt/slides/slide83.xml><?xml version="1.0" encoding="utf-8"?>
-<p:sld xmlns:a="http://schemas.openxmlformats.org/drawingml/2006/main" xmlns:r="http://schemas.openxmlformats.org/officeDocument/2006/relationships" xmlns:p="http://schemas.openxmlformats.org/presentationml/2006/main">
-  <p:cSld>
-    <p:spTree>
-      <p:nvGrpSpPr>
-        <p:cNvPr id="1" name=""/>
-        <p:cNvGrpSpPr/>
-        <p:nvPr/>
-      </p:nvGrpSpPr>
-      <p:grpSpPr>
-        <a:xfrm>
-          <a:off x="0" y="0"/>
-          <a:ext cx="0" cy="0"/>
-          <a:chOff x="0" y="0"/>
-          <a:chExt cx="0" cy="0"/>
-        </a:xfrm>
-      </p:grpSpPr>
-      <p:sp>
-        <p:nvSpPr>
-          <p:cNvPr id="2" name="Title 1"/>
-          <p:cNvSpPr>
-            <a:spLocks noGrp="1"/>
-          </p:cNvSpPr>
-          <p:nvPr>
-            <p:ph type="ctrTitle"/>
-          </p:nvPr>
-        </p:nvSpPr>
-        <p:spPr/>
-        <p:txBody>
-          <a:bodyPr/>
-          <a:lstStyle/>
-          <a:p>
-            <a:r>
-              <a:rPr lang="en-US" dirty="0" smtClean="0"/>
-              <a:t>DEMO</a:t>
-            </a:r>
-            <a:endParaRPr lang="en-US" dirty="0"/>
-          </a:p>
-        </p:txBody>
-      </p:sp>
-      <p:sp>
-        <p:nvSpPr>
-          <p:cNvPr id="3" name="Content Placeholder 2"/>
-          <p:cNvSpPr>
-            <a:spLocks noGrp="1"/>
-          </p:cNvSpPr>
-          <p:nvPr>
-            <p:ph sz="quarter" idx="11"/>
-          </p:nvPr>
-        </p:nvSpPr>
-        <p:spPr/>
-        <p:txBody>
-          <a:bodyPr/>
-          <a:lstStyle/>
-          <a:p>
-            <a:r>
-              <a:rPr lang="en-US" dirty="0"/>
-              <a:t>JSON &amp; HTTP</a:t>
-            </a:r>
-          </a:p>
-        </p:txBody>
-      </p:sp>
-    </p:spTree>
-    <p:extLst>
-      <p:ext uri="{BB962C8B-B14F-4D97-AF65-F5344CB8AC3E}">
-        <p14:creationId xmlns:p14="http://schemas.microsoft.com/office/powerpoint/2010/main" val="869835742"/>
-      </p:ext>
-    </p:extLst>
-  </p:cSld>
-  <p:clrMapOvr>
-    <a:masterClrMapping/>
-  </p:clrMapOvr>
-  <p:timing>
-    <p:tnLst>
-      <p:par>
-        <p:cTn id="1" dur="indefinite" restart="never" nodeType="tmRoot"/>
-      </p:par>
-    </p:tnLst>
-  </p:timing>
-</p:sld>
-</file>
-
-<file path=ppt/slides/slide84.xml><?xml version="1.0" encoding="utf-8"?>
-<p:sld xmlns:a="http://schemas.openxmlformats.org/drawingml/2006/main" xmlns:r="http://schemas.openxmlformats.org/officeDocument/2006/relationships" xmlns:p="http://schemas.openxmlformats.org/presentationml/2006/main">
-  <p:cSld>
-    <p:spTree>
-      <p:nvGrpSpPr>
-        <p:cNvPr id="1" name=""/>
-        <p:cNvGrpSpPr/>
-        <p:nvPr/>
-      </p:nvGrpSpPr>
-      <p:grpSpPr>
-        <a:xfrm>
-          <a:off x="0" y="0"/>
-          <a:ext cx="0" cy="0"/>
-          <a:chOff x="0" y="0"/>
-          <a:chExt cx="0" cy="0"/>
-        </a:xfrm>
-      </p:grpSpPr>
-      <p:sp>
-        <p:nvSpPr>
-          <p:cNvPr id="3" name="Content Placeholder 2"/>
-          <p:cNvSpPr>
-            <a:spLocks noGrp="1"/>
-          </p:cNvSpPr>
-          <p:nvPr>
-            <p:ph sz="quarter" idx="11"/>
-          </p:nvPr>
-        </p:nvSpPr>
-        <p:spPr/>
-        <p:txBody>
-          <a:bodyPr/>
-          <a:lstStyle/>
-          <a:p>
-            <a:r>
-              <a:rPr lang="en-US" dirty="0"/>
-              <a:t>JSON &amp; HTTP</a:t>
-            </a:r>
-          </a:p>
-        </p:txBody>
-      </p:sp>
-      <p:sp>
-        <p:nvSpPr>
-          <p:cNvPr id="4" name="Content Placeholder 2"/>
-          <p:cNvSpPr txBox="1">
-            <a:spLocks/>
-          </p:cNvSpPr>
-          <p:nvPr/>
-        </p:nvSpPr>
-        <p:spPr>
-          <a:xfrm>
-            <a:off x="493058" y="968990"/>
-            <a:ext cx="4433784" cy="3397319"/>
-          </a:xfrm>
-          <a:prstGeom prst="rect">
-            <a:avLst/>
-          </a:prstGeom>
-        </p:spPr>
-        <p:txBody>
-          <a:bodyPr/>
-          <a:lstStyle>
-            <a:lvl1pPr marL="251460" indent="-251460" algn="l" defTabSz="914400" rtl="0" eaLnBrk="1" latinLnBrk="0" hangingPunct="1">
-              <a:lnSpc>
-                <a:spcPct val="110000"/>
-              </a:lnSpc>
-              <a:spcBef>
-                <a:spcPts val="800"/>
-              </a:spcBef>
-              <a:buFont typeface="Arial" panose="020B0604020202020204" pitchFamily="34" charset="0"/>
-              <a:buChar char="•"/>
-              <a:defRPr sz="2400" kern="1200">
-                <a:solidFill>
-                  <a:schemeClr val="tx1"/>
-                </a:solidFill>
-                <a:latin typeface="+mn-lt"/>
-                <a:ea typeface="+mn-ea"/>
-                <a:cs typeface="+mn-cs"/>
-              </a:defRPr>
-            </a:lvl1pPr>
-            <a:lvl2pPr marL="742950" indent="-285750" algn="l" defTabSz="914400" rtl="0" eaLnBrk="1" latinLnBrk="0" hangingPunct="1">
-              <a:lnSpc>
-                <a:spcPct val="110000"/>
-              </a:lnSpc>
-              <a:spcBef>
-                <a:spcPts val="800"/>
-              </a:spcBef>
-              <a:buFont typeface="Arial" panose="020B0604020202020204" pitchFamily="34" charset="0"/>
-              <a:buChar char="–"/>
-              <a:defRPr sz="2000" kern="1200">
-                <a:solidFill>
-                  <a:schemeClr val="tx1"/>
-                </a:solidFill>
-                <a:latin typeface="+mn-lt"/>
-                <a:ea typeface="+mn-ea"/>
-                <a:cs typeface="+mn-cs"/>
-              </a:defRPr>
-            </a:lvl2pPr>
-            <a:lvl3pPr marL="1143000" indent="-228600" algn="l" defTabSz="914400" rtl="0" eaLnBrk="1" latinLnBrk="0" hangingPunct="1">
-              <a:lnSpc>
-                <a:spcPct val="110000"/>
-              </a:lnSpc>
-              <a:spcBef>
-                <a:spcPts val="800"/>
-              </a:spcBef>
-              <a:buFont typeface="Arial" panose="020B0604020202020204" pitchFamily="34" charset="0"/>
-              <a:buChar char="•"/>
-              <a:defRPr sz="1800" kern="1200">
-                <a:solidFill>
-                  <a:schemeClr val="tx1"/>
-                </a:solidFill>
-                <a:latin typeface="+mn-lt"/>
-                <a:ea typeface="+mn-ea"/>
-                <a:cs typeface="+mn-cs"/>
-              </a:defRPr>
-            </a:lvl3pPr>
-            <a:lvl4pPr marL="1600200" indent="-228600" algn="l" defTabSz="914400" rtl="0" eaLnBrk="1" latinLnBrk="0" hangingPunct="1">
-              <a:lnSpc>
-                <a:spcPct val="110000"/>
-              </a:lnSpc>
-              <a:spcBef>
-                <a:spcPts val="800"/>
-              </a:spcBef>
-              <a:buFont typeface="Arial" panose="020B0604020202020204" pitchFamily="34" charset="0"/>
-              <a:buChar char="–"/>
-              <a:defRPr sz="1600" kern="1200">
-                <a:solidFill>
-                  <a:schemeClr val="tx1"/>
-                </a:solidFill>
-                <a:latin typeface="+mn-lt"/>
-                <a:ea typeface="+mn-ea"/>
-                <a:cs typeface="+mn-cs"/>
-              </a:defRPr>
-            </a:lvl4pPr>
-            <a:lvl5pPr marL="2057400" indent="-228600" algn="l" defTabSz="914400" rtl="0" eaLnBrk="1" latinLnBrk="0" hangingPunct="1">
-              <a:lnSpc>
-                <a:spcPct val="110000"/>
-              </a:lnSpc>
-              <a:spcBef>
-                <a:spcPts val="800"/>
-              </a:spcBef>
-              <a:buFont typeface="Arial" panose="020B0604020202020204" pitchFamily="34" charset="0"/>
-              <a:buChar char="»"/>
-              <a:defRPr sz="1600" kern="1200">
-                <a:solidFill>
-                  <a:schemeClr val="tx1"/>
-                </a:solidFill>
-                <a:latin typeface="+mn-lt"/>
-                <a:ea typeface="+mn-ea"/>
-                <a:cs typeface="+mn-cs"/>
-              </a:defRPr>
-            </a:lvl5pPr>
-            <a:lvl6pPr marL="2514600" indent="-228600" algn="l" defTabSz="914400" rtl="0" eaLnBrk="1" latinLnBrk="0" hangingPunct="1">
-              <a:spcBef>
-                <a:spcPct val="20000"/>
-              </a:spcBef>
-              <a:buFont typeface="Arial" panose="020B0604020202020204" pitchFamily="34" charset="0"/>
-              <a:buChar char="•"/>
-              <a:defRPr sz="2000" kern="1200">
-                <a:solidFill>
-                  <a:schemeClr val="tx1"/>
-                </a:solidFill>
-                <a:latin typeface="+mn-lt"/>
-                <a:ea typeface="+mn-ea"/>
-                <a:cs typeface="+mn-cs"/>
-              </a:defRPr>
-            </a:lvl6pPr>
-            <a:lvl7pPr marL="2971800" indent="-228600" algn="l" defTabSz="914400" rtl="0" eaLnBrk="1" latinLnBrk="0" hangingPunct="1">
-              <a:spcBef>
-                <a:spcPct val="20000"/>
-              </a:spcBef>
-              <a:buFont typeface="Arial" panose="020B0604020202020204" pitchFamily="34" charset="0"/>
-              <a:buChar char="•"/>
-              <a:defRPr sz="2000" kern="1200">
-                <a:solidFill>
-                  <a:schemeClr val="tx1"/>
-                </a:solidFill>
-                <a:latin typeface="+mn-lt"/>
-                <a:ea typeface="+mn-ea"/>
-                <a:cs typeface="+mn-cs"/>
-              </a:defRPr>
-            </a:lvl7pPr>
-            <a:lvl8pPr marL="3429000" indent="-228600" algn="l" defTabSz="914400" rtl="0" eaLnBrk="1" latinLnBrk="0" hangingPunct="1">
-              <a:spcBef>
-                <a:spcPct val="20000"/>
-              </a:spcBef>
-              <a:buFont typeface="Arial" panose="020B0604020202020204" pitchFamily="34" charset="0"/>
-              <a:buChar char="•"/>
-              <a:defRPr sz="2000" kern="1200">
-                <a:solidFill>
-                  <a:schemeClr val="tx1"/>
-                </a:solidFill>
-                <a:latin typeface="+mn-lt"/>
-                <a:ea typeface="+mn-ea"/>
-                <a:cs typeface="+mn-cs"/>
-              </a:defRPr>
-            </a:lvl8pPr>
-            <a:lvl9pPr marL="3886200" indent="-228600" algn="l" defTabSz="914400" rtl="0" eaLnBrk="1" latinLnBrk="0" hangingPunct="1">
-              <a:spcBef>
-                <a:spcPct val="20000"/>
-              </a:spcBef>
-              <a:buFont typeface="Arial" panose="020B0604020202020204" pitchFamily="34" charset="0"/>
-              <a:buChar char="•"/>
-              <a:defRPr sz="2000" kern="1200">
-                <a:solidFill>
-                  <a:schemeClr val="tx1"/>
-                </a:solidFill>
-                <a:latin typeface="+mn-lt"/>
-                <a:ea typeface="+mn-ea"/>
-                <a:cs typeface="+mn-cs"/>
-              </a:defRPr>
-            </a:lvl9pPr>
-          </a:lstStyle>
-          <a:p>
-            <a:pPr marL="0" indent="0">
-              <a:buFont typeface="Arial" panose="020B0604020202020204" pitchFamily="34" charset="0"/>
-              <a:buNone/>
-            </a:pPr>
-            <a:r>
-              <a:rPr lang="en-US" sz="1600" b="1" dirty="0" smtClean="0">
-                <a:latin typeface="Open Sans Extrabold" charset="0"/>
-                <a:ea typeface="Open Sans Extrabold" charset="0"/>
-                <a:cs typeface="Open Sans Extrabold" charset="0"/>
-              </a:rPr>
-              <a:t>JSON Example</a:t>
-            </a:r>
-          </a:p>
-          <a:p>
-            <a:pPr marL="0" indent="0">
-              <a:buNone/>
-            </a:pPr>
-            <a:r>
-              <a:rPr lang="en-US" sz="1600" dirty="0" smtClean="0"/>
-              <a:t>[{ “title” : “Hello” },</a:t>
-            </a:r>
-            <a:r>
-              <a:rPr lang="en-US" sz="1600" dirty="0"/>
-              <a:t> { “title” : </a:t>
-            </a:r>
-            <a:r>
-              <a:rPr lang="en-US" sz="1600" dirty="0" smtClean="0"/>
-              <a:t>“JSON” }]</a:t>
-            </a:r>
-            <a:endParaRPr lang="en-US" sz="1600" dirty="0"/>
-          </a:p>
-          <a:p>
-            <a:pPr marL="0" indent="0">
-              <a:buNone/>
-            </a:pPr>
-            <a:endParaRPr lang="en-US" sz="1600" dirty="0">
-              <a:latin typeface="Open Sans Extrabold" charset="0"/>
-              <a:ea typeface="Open Sans Extrabold" charset="0"/>
-              <a:cs typeface="Open Sans Extrabold" charset="0"/>
-            </a:endParaRPr>
-          </a:p>
-          <a:p>
-            <a:pPr marL="0" indent="0">
-              <a:buNone/>
-            </a:pPr>
-            <a:r>
-              <a:rPr lang="en-US" sz="1600" b="1" dirty="0" smtClean="0">
-                <a:latin typeface="Open Sans Extrabold" charset="0"/>
-                <a:ea typeface="Open Sans Extrabold" charset="0"/>
-                <a:cs typeface="Open Sans Extrabold" charset="0"/>
-              </a:rPr>
-              <a:t>JS JSON Conversion</a:t>
-            </a:r>
-            <a:endParaRPr lang="en-US" sz="1600" dirty="0" smtClean="0"/>
-          </a:p>
-          <a:p>
-            <a:pPr marL="0" indent="0">
-              <a:buFont typeface="Arial" panose="020B0604020202020204" pitchFamily="34" charset="0"/>
-              <a:buNone/>
-            </a:pPr>
-            <a:r>
-              <a:rPr lang="en-US" sz="1600" dirty="0" smtClean="0"/>
-              <a:t>let posts = </a:t>
-            </a:r>
-            <a:r>
-              <a:rPr lang="en-US" sz="1600" dirty="0" err="1" smtClean="0"/>
-              <a:t>JSON.parse</a:t>
-            </a:r>
-            <a:r>
-              <a:rPr lang="en-US" sz="1600" dirty="0" smtClean="0"/>
-              <a:t>( </a:t>
-            </a:r>
-            <a:r>
-              <a:rPr lang="en-US" sz="1600" dirty="0" err="1" smtClean="0"/>
-              <a:t>postsJSON</a:t>
-            </a:r>
-            <a:r>
-              <a:rPr lang="en-US" sz="1600" dirty="0" smtClean="0"/>
-              <a:t> );</a:t>
-            </a:r>
-          </a:p>
-          <a:p>
-            <a:pPr marL="0" indent="0">
-              <a:buNone/>
-            </a:pPr>
-            <a:r>
-              <a:rPr lang="en-US" sz="1600" dirty="0" smtClean="0"/>
-              <a:t>let </a:t>
-            </a:r>
-            <a:r>
-              <a:rPr lang="en-US" sz="1600" dirty="0" err="1" smtClean="0"/>
-              <a:t>postJSON</a:t>
-            </a:r>
-            <a:r>
-              <a:rPr lang="en-US" sz="1600" dirty="0" smtClean="0"/>
-              <a:t> </a:t>
-            </a:r>
-            <a:r>
-              <a:rPr lang="en-US" sz="1600" dirty="0"/>
-              <a:t>= </a:t>
-            </a:r>
-            <a:r>
-              <a:rPr lang="en-US" sz="1600" dirty="0" err="1" smtClean="0"/>
-              <a:t>JSON.stringify</a:t>
-            </a:r>
-            <a:r>
-              <a:rPr lang="en-US" sz="1600" dirty="0" smtClean="0"/>
-              <a:t>( posts );</a:t>
-            </a:r>
-            <a:endParaRPr lang="en-US" sz="1600" dirty="0"/>
-          </a:p>
-        </p:txBody>
-      </p:sp>
-      <p:sp>
-        <p:nvSpPr>
-          <p:cNvPr id="5" name="Content Placeholder 2"/>
-          <p:cNvSpPr txBox="1">
-            <a:spLocks/>
-          </p:cNvSpPr>
-          <p:nvPr/>
-        </p:nvSpPr>
-        <p:spPr>
-          <a:xfrm>
-            <a:off x="5281684" y="968989"/>
-            <a:ext cx="3557516" cy="3835023"/>
-          </a:xfrm>
-          <a:prstGeom prst="rect">
-            <a:avLst/>
-          </a:prstGeom>
-        </p:spPr>
-        <p:txBody>
-          <a:bodyPr vert="horz" lIns="0" tIns="0" rIns="0" bIns="0" rtlCol="0">
-            <a:noAutofit/>
-          </a:bodyPr>
-          <a:lstStyle>
-            <a:lvl1pPr marL="251460" indent="-251460" algn="l" defTabSz="914400" rtl="0" eaLnBrk="1" latinLnBrk="0" hangingPunct="1">
-              <a:lnSpc>
-                <a:spcPct val="110000"/>
-              </a:lnSpc>
-              <a:spcBef>
-                <a:spcPts val="800"/>
-              </a:spcBef>
-              <a:buFont typeface="Arial" panose="020B0604020202020204" pitchFamily="34" charset="0"/>
-              <a:buChar char="•"/>
-              <a:defRPr sz="2400" kern="1200">
-                <a:solidFill>
-                  <a:schemeClr val="tx1"/>
-                </a:solidFill>
-                <a:latin typeface="+mn-lt"/>
-                <a:ea typeface="+mn-ea"/>
-                <a:cs typeface="+mn-cs"/>
-              </a:defRPr>
-            </a:lvl1pPr>
-            <a:lvl2pPr marL="742950" indent="-285750" algn="l" defTabSz="914400" rtl="0" eaLnBrk="1" latinLnBrk="0" hangingPunct="1">
-              <a:lnSpc>
-                <a:spcPct val="110000"/>
-              </a:lnSpc>
-              <a:spcBef>
-                <a:spcPts val="800"/>
-              </a:spcBef>
-              <a:buFont typeface="Arial" panose="020B0604020202020204" pitchFamily="34" charset="0"/>
-              <a:buChar char="–"/>
-              <a:defRPr sz="2000" kern="1200">
-                <a:solidFill>
-                  <a:schemeClr val="tx1"/>
-                </a:solidFill>
-                <a:latin typeface="+mn-lt"/>
-                <a:ea typeface="+mn-ea"/>
-                <a:cs typeface="+mn-cs"/>
-              </a:defRPr>
-            </a:lvl2pPr>
-            <a:lvl3pPr marL="1143000" indent="-228600" algn="l" defTabSz="914400" rtl="0" eaLnBrk="1" latinLnBrk="0" hangingPunct="1">
-              <a:lnSpc>
-                <a:spcPct val="110000"/>
-              </a:lnSpc>
-              <a:spcBef>
-                <a:spcPts val="800"/>
-              </a:spcBef>
-              <a:buFont typeface="Arial" panose="020B0604020202020204" pitchFamily="34" charset="0"/>
-              <a:buChar char="•"/>
-              <a:defRPr sz="1800" kern="1200">
-                <a:solidFill>
-                  <a:schemeClr val="tx1"/>
-                </a:solidFill>
-                <a:latin typeface="+mn-lt"/>
-                <a:ea typeface="+mn-ea"/>
-                <a:cs typeface="+mn-cs"/>
-              </a:defRPr>
-            </a:lvl3pPr>
-            <a:lvl4pPr marL="1600200" indent="-228600" algn="l" defTabSz="914400" rtl="0" eaLnBrk="1" latinLnBrk="0" hangingPunct="1">
-              <a:lnSpc>
-                <a:spcPct val="110000"/>
-              </a:lnSpc>
-              <a:spcBef>
-                <a:spcPts val="800"/>
-              </a:spcBef>
-              <a:buFont typeface="Arial" panose="020B0604020202020204" pitchFamily="34" charset="0"/>
-              <a:buChar char="–"/>
-              <a:defRPr sz="1600" kern="1200">
-                <a:solidFill>
-                  <a:schemeClr val="tx1"/>
-                </a:solidFill>
-                <a:latin typeface="+mn-lt"/>
-                <a:ea typeface="+mn-ea"/>
-                <a:cs typeface="+mn-cs"/>
-              </a:defRPr>
-            </a:lvl4pPr>
-            <a:lvl5pPr marL="2057400" indent="-228600" algn="l" defTabSz="914400" rtl="0" eaLnBrk="1" latinLnBrk="0" hangingPunct="1">
-              <a:lnSpc>
-                <a:spcPct val="110000"/>
-              </a:lnSpc>
-              <a:spcBef>
-                <a:spcPts val="800"/>
-              </a:spcBef>
-              <a:buFont typeface="Arial" panose="020B0604020202020204" pitchFamily="34" charset="0"/>
-              <a:buChar char="»"/>
-              <a:defRPr sz="1600" kern="1200">
-                <a:solidFill>
-                  <a:schemeClr val="tx1"/>
-                </a:solidFill>
-                <a:latin typeface="+mn-lt"/>
-                <a:ea typeface="+mn-ea"/>
-                <a:cs typeface="+mn-cs"/>
-              </a:defRPr>
-            </a:lvl5pPr>
-            <a:lvl6pPr marL="2514600" indent="-228600" algn="l" defTabSz="914400" rtl="0" eaLnBrk="1" latinLnBrk="0" hangingPunct="1">
-              <a:spcBef>
-                <a:spcPct val="20000"/>
-              </a:spcBef>
-              <a:buFont typeface="Arial" panose="020B0604020202020204" pitchFamily="34" charset="0"/>
-              <a:buChar char="•"/>
-              <a:defRPr sz="2000" kern="1200">
-                <a:solidFill>
-                  <a:schemeClr val="tx1"/>
-                </a:solidFill>
-                <a:latin typeface="+mn-lt"/>
-                <a:ea typeface="+mn-ea"/>
-                <a:cs typeface="+mn-cs"/>
-              </a:defRPr>
-            </a:lvl6pPr>
-            <a:lvl7pPr marL="2971800" indent="-228600" algn="l" defTabSz="914400" rtl="0" eaLnBrk="1" latinLnBrk="0" hangingPunct="1">
-              <a:spcBef>
-                <a:spcPct val="20000"/>
-              </a:spcBef>
-              <a:buFont typeface="Arial" panose="020B0604020202020204" pitchFamily="34" charset="0"/>
-              <a:buChar char="•"/>
-              <a:defRPr sz="2000" kern="1200">
-                <a:solidFill>
-                  <a:schemeClr val="tx1"/>
-                </a:solidFill>
-                <a:latin typeface="+mn-lt"/>
-                <a:ea typeface="+mn-ea"/>
-                <a:cs typeface="+mn-cs"/>
-              </a:defRPr>
-            </a:lvl7pPr>
-            <a:lvl8pPr marL="3429000" indent="-228600" algn="l" defTabSz="914400" rtl="0" eaLnBrk="1" latinLnBrk="0" hangingPunct="1">
-              <a:spcBef>
-                <a:spcPct val="20000"/>
-              </a:spcBef>
-              <a:buFont typeface="Arial" panose="020B0604020202020204" pitchFamily="34" charset="0"/>
-              <a:buChar char="•"/>
-              <a:defRPr sz="2000" kern="1200">
-                <a:solidFill>
-                  <a:schemeClr val="tx1"/>
-                </a:solidFill>
-                <a:latin typeface="+mn-lt"/>
-                <a:ea typeface="+mn-ea"/>
-                <a:cs typeface="+mn-cs"/>
-              </a:defRPr>
-            </a:lvl8pPr>
-            <a:lvl9pPr marL="3886200" indent="-228600" algn="l" defTabSz="914400" rtl="0" eaLnBrk="1" latinLnBrk="0" hangingPunct="1">
-              <a:spcBef>
-                <a:spcPct val="20000"/>
-              </a:spcBef>
-              <a:buFont typeface="Arial" panose="020B0604020202020204" pitchFamily="34" charset="0"/>
-              <a:buChar char="•"/>
-              <a:defRPr sz="2000" kern="1200">
-                <a:solidFill>
-                  <a:schemeClr val="tx1"/>
-                </a:solidFill>
-                <a:latin typeface="+mn-lt"/>
-                <a:ea typeface="+mn-ea"/>
-                <a:cs typeface="+mn-cs"/>
-              </a:defRPr>
-            </a:lvl9pPr>
-          </a:lstStyle>
-          <a:p>
-            <a:pPr marL="0" indent="0">
-              <a:buNone/>
-            </a:pPr>
-            <a:r>
-              <a:rPr lang="en-US" sz="1600" b="1" dirty="0" smtClean="0">
-                <a:latin typeface="Open Sans Extrabold" charset="0"/>
-                <a:ea typeface="Open Sans Extrabold" charset="0"/>
-                <a:cs typeface="Open Sans Extrabold" charset="0"/>
-              </a:rPr>
-              <a:t>Fetch with Promises</a:t>
-            </a:r>
-            <a:endParaRPr lang="en-US" sz="1600" b="1" dirty="0">
-              <a:latin typeface="Open Sans Extrabold" charset="0"/>
-              <a:ea typeface="Open Sans Extrabold" charset="0"/>
-              <a:cs typeface="Open Sans Extrabold" charset="0"/>
-            </a:endParaRPr>
-          </a:p>
-          <a:p>
-            <a:pPr marL="0" indent="0">
-              <a:buNone/>
-            </a:pPr>
-            <a:r>
-              <a:rPr lang="en-US" sz="1600" dirty="0" smtClean="0"/>
-              <a:t>fetch( ‘https://</a:t>
-            </a:r>
-            <a:r>
-              <a:rPr lang="en-US" sz="1600" dirty="0" err="1" smtClean="0"/>
-              <a:t>site.com</a:t>
-            </a:r>
-            <a:r>
-              <a:rPr lang="en-US" sz="1600" dirty="0" smtClean="0"/>
-              <a:t>/</a:t>
-            </a:r>
-            <a:r>
-              <a:rPr lang="en-US" sz="1600" dirty="0" err="1" smtClean="0"/>
-              <a:t>posts.json</a:t>
-            </a:r>
-            <a:r>
-              <a:rPr lang="en-US" sz="1600" dirty="0" smtClean="0"/>
-              <a:t>’ )</a:t>
-            </a:r>
-          </a:p>
-          <a:p>
-            <a:pPr marL="0" indent="0">
-              <a:buNone/>
-            </a:pPr>
-            <a:r>
-              <a:rPr lang="en-US" sz="1600" dirty="0"/>
-              <a:t> </a:t>
-            </a:r>
-            <a:r>
-              <a:rPr lang="en-US" sz="1600" dirty="0" smtClean="0"/>
-              <a:t> .</a:t>
-            </a:r>
-            <a:r>
-              <a:rPr lang="en-US" sz="1600" dirty="0"/>
-              <a:t>then( response =&gt; </a:t>
-            </a:r>
-            <a:r>
-              <a:rPr lang="en-US" sz="1600" dirty="0" smtClean="0"/>
-              <a:t>{</a:t>
-            </a:r>
-            <a:endParaRPr lang="en-US" sz="1600" dirty="0"/>
-          </a:p>
-          <a:p>
-            <a:pPr marL="0" indent="0">
-              <a:buNone/>
-            </a:pPr>
-            <a:r>
-              <a:rPr lang="en-US" sz="1600" dirty="0" smtClean="0"/>
-              <a:t>    </a:t>
-            </a:r>
-            <a:r>
-              <a:rPr lang="en-US" sz="1600" dirty="0" err="1" smtClean="0"/>
-              <a:t>response.json</a:t>
-            </a:r>
-            <a:r>
-              <a:rPr lang="en-US" sz="1600" dirty="0"/>
-              <a:t>().</a:t>
-            </a:r>
-            <a:r>
-              <a:rPr lang="en-US" sz="1600" dirty="0" smtClean="0"/>
-              <a:t>then( posts=&gt; {</a:t>
-            </a:r>
-          </a:p>
-          <a:p>
-            <a:pPr marL="0" indent="0">
-              <a:buNone/>
-            </a:pPr>
-            <a:r>
-              <a:rPr lang="en-US" sz="1600" dirty="0"/>
-              <a:t>      </a:t>
-            </a:r>
-            <a:r>
-              <a:rPr lang="en-US" sz="1600" dirty="0" err="1"/>
-              <a:t>console.log</a:t>
-            </a:r>
-            <a:r>
-              <a:rPr lang="en-US" sz="1600" dirty="0"/>
-              <a:t>( </a:t>
-            </a:r>
-            <a:r>
-              <a:rPr lang="en-US" sz="1600" dirty="0" smtClean="0"/>
-              <a:t>posts );</a:t>
-            </a:r>
-          </a:p>
-          <a:p>
-            <a:pPr marL="0" indent="0">
-              <a:buNone/>
-            </a:pPr>
-            <a:r>
-              <a:rPr lang="en-US" sz="1600" dirty="0"/>
-              <a:t> </a:t>
-            </a:r>
-            <a:r>
-              <a:rPr lang="en-US" sz="1600" dirty="0" smtClean="0"/>
-              <a:t>   });</a:t>
-            </a:r>
-          </a:p>
-          <a:p>
-            <a:pPr marL="0" indent="0">
-              <a:buNone/>
-            </a:pPr>
-            <a:r>
-              <a:rPr lang="en-US" sz="1600" dirty="0"/>
-              <a:t> </a:t>
-            </a:r>
-            <a:r>
-              <a:rPr lang="en-US" sz="1600" dirty="0" smtClean="0"/>
-              <a:t> })</a:t>
-            </a:r>
-          </a:p>
-          <a:p>
-            <a:pPr marL="0" indent="0">
-              <a:buNone/>
-            </a:pPr>
-            <a:r>
-              <a:rPr lang="en-US" sz="1600" dirty="0"/>
-              <a:t> </a:t>
-            </a:r>
-            <a:r>
-              <a:rPr lang="en-US" sz="1600" dirty="0" smtClean="0"/>
-              <a:t> .catch( err =&gt; {</a:t>
-            </a:r>
-          </a:p>
-          <a:p>
-            <a:pPr marL="0" indent="0">
-              <a:buNone/>
-            </a:pPr>
-            <a:r>
-              <a:rPr lang="en-US" sz="1600" dirty="0"/>
-              <a:t> </a:t>
-            </a:r>
-            <a:r>
-              <a:rPr lang="en-US" sz="1600" dirty="0" smtClean="0"/>
-              <a:t>   </a:t>
-            </a:r>
-            <a:r>
-              <a:rPr lang="en-US" sz="1600" dirty="0" err="1" smtClean="0"/>
-              <a:t>console.log</a:t>
-            </a:r>
-            <a:r>
-              <a:rPr lang="en-US" sz="1600" dirty="0" smtClean="0"/>
-              <a:t>( err );</a:t>
-            </a:r>
-          </a:p>
-          <a:p>
-            <a:pPr marL="0" indent="0">
-              <a:buNone/>
-            </a:pPr>
-            <a:r>
-              <a:rPr lang="en-US" sz="1600" dirty="0"/>
-              <a:t> </a:t>
-            </a:r>
-            <a:r>
-              <a:rPr lang="en-US" sz="1600" dirty="0" smtClean="0"/>
-              <a:t> });</a:t>
-            </a:r>
-            <a:endParaRPr lang="en-US" sz="1600" b="1" dirty="0" smtClean="0">
-              <a:latin typeface="Open Sans Extrabold" charset="0"/>
-              <a:ea typeface="Open Sans Extrabold" charset="0"/>
-              <a:cs typeface="Open Sans Extrabold" charset="0"/>
-            </a:endParaRPr>
-          </a:p>
-        </p:txBody>
-      </p:sp>
-      <p:sp>
-        <p:nvSpPr>
-          <p:cNvPr id="6" name="Rectangle 5"/>
-          <p:cNvSpPr/>
-          <p:nvPr/>
-        </p:nvSpPr>
-        <p:spPr>
-          <a:xfrm>
-            <a:off x="493059" y="289343"/>
-            <a:ext cx="8346141" cy="461665"/>
-          </a:xfrm>
-          <a:prstGeom prst="rect">
-            <a:avLst/>
-          </a:prstGeom>
-        </p:spPr>
-        <p:txBody>
-          <a:bodyPr wrap="square">
-            <a:spAutoFit/>
-          </a:bodyPr>
-          <a:lstStyle/>
-          <a:p>
-            <a:r>
-              <a:rPr lang="en-US" sz="2400" b="1" dirty="0" smtClean="0">
-                <a:latin typeface="Open Sans Extrabold" charset="0"/>
-                <a:ea typeface="Open Sans Extrabold" charset="0"/>
-                <a:cs typeface="Open Sans Extrabold" charset="0"/>
-              </a:rPr>
-              <a:t>JSON &amp; HTTP Cheat </a:t>
-            </a:r>
-            <a:r>
-              <a:rPr lang="en-US" sz="2400" b="1" dirty="0">
-                <a:latin typeface="Open Sans Extrabold" charset="0"/>
-                <a:ea typeface="Open Sans Extrabold" charset="0"/>
-                <a:cs typeface="Open Sans Extrabold" charset="0"/>
-              </a:rPr>
-              <a:t>Sheet</a:t>
-            </a:r>
-          </a:p>
-        </p:txBody>
-      </p:sp>
-    </p:spTree>
-    <p:extLst>
-      <p:ext uri="{BB962C8B-B14F-4D97-AF65-F5344CB8AC3E}">
-        <p14:creationId xmlns:p14="http://schemas.microsoft.com/office/powerpoint/2010/main" val="1212151645"/>
-      </p:ext>
-    </p:extLst>
-  </p:cSld>
-  <p:clrMapOvr>
-    <a:masterClrMapping/>
-  </p:clrMapOvr>
-  <p:timing>
-    <p:tnLst>
-      <p:par>
-        <p:cTn id="1" dur="indefinite" restart="never" nodeType="tmRoot"/>
-      </p:par>
-    </p:tnLst>
-  </p:timing>
-</p:sld>
-</file>
-
 <file path=ppt/slides/slide85.xml><?xml version="1.0" encoding="utf-8"?>
 <p:sld xmlns:a="http://schemas.openxmlformats.org/drawingml/2006/main" xmlns:r="http://schemas.openxmlformats.org/officeDocument/2006/relationships" xmlns:p="http://schemas.openxmlformats.org/presentationml/2006/main">
   <p:cSld>
@@ -41624,7 +40974,7 @@
             <a:spLocks noGrp="1"/>
           </p:cNvSpPr>
           <p:nvPr>
-            <p:ph type="title"/>
+            <p:ph type="ctrTitle"/>
           </p:nvPr>
         </p:nvSpPr>
         <p:spPr/>
@@ -41634,7 +40984,7 @@
           <a:p>
             <a:r>
               <a:rPr lang="en-US" dirty="0" smtClean="0"/>
-              <a:t>JSON Practice #1</a:t>
+              <a:t>DEMO</a:t>
             </a:r>
             <a:endParaRPr lang="en-US" dirty="0"/>
           </a:p>
@@ -41643,42 +40993,6 @@
       <p:sp>
         <p:nvSpPr>
           <p:cNvPr id="3" name="Content Placeholder 2"/>
-          <p:cNvSpPr>
-            <a:spLocks noGrp="1"/>
-          </p:cNvSpPr>
-          <p:nvPr>
-            <p:ph idx="1"/>
-          </p:nvPr>
-        </p:nvSpPr>
-        <p:spPr>
-          <a:xfrm>
-            <a:off x="609600" y="1792224"/>
-            <a:ext cx="7924800" cy="2816352"/>
-          </a:xfrm>
-        </p:spPr>
-        <p:txBody>
-          <a:bodyPr/>
-          <a:lstStyle/>
-          <a:p>
-            <a:endParaRPr lang="en-US" dirty="0" smtClean="0"/>
-          </a:p>
-          <a:p>
-            <a:r>
-              <a:rPr lang="en-US" dirty="0" smtClean="0"/>
-              <a:t>Write a valid JSON file for a post</a:t>
-            </a:r>
-          </a:p>
-          <a:p>
-            <a:r>
-              <a:rPr lang="en-US" dirty="0" smtClean="0"/>
-              <a:t>Validate that JSON file online</a:t>
-            </a:r>
-          </a:p>
-        </p:txBody>
-      </p:sp>
-      <p:sp>
-        <p:nvSpPr>
-          <p:cNvPr id="4" name="Content Placeholder 3"/>
           <p:cNvSpPr>
             <a:spLocks noGrp="1"/>
           </p:cNvSpPr>
@@ -41693,20 +41007,15 @@
           <a:p>
             <a:r>
               <a:rPr lang="en-US" dirty="0"/>
-              <a:t>JSON &amp; </a:t>
-            </a:r>
-            <a:r>
-              <a:rPr lang="en-US" dirty="0" smtClean="0"/>
-              <a:t>HTTP</a:t>
-            </a:r>
-            <a:endParaRPr lang="en-US" dirty="0"/>
+              <a:t>JSON &amp; HTTP</a:t>
+            </a:r>
           </a:p>
         </p:txBody>
       </p:sp>
     </p:spTree>
     <p:extLst>
       <p:ext uri="{BB962C8B-B14F-4D97-AF65-F5344CB8AC3E}">
-        <p14:creationId xmlns:p14="http://schemas.microsoft.com/office/powerpoint/2010/main" val="2000640962"/>
+        <p14:creationId xmlns:p14="http://schemas.microsoft.com/office/powerpoint/2010/main" val="869835742"/>
       </p:ext>
     </p:extLst>
   </p:cSld>
@@ -41742,6 +41051,873 @@
       </p:grpSpPr>
       <p:sp>
         <p:nvSpPr>
+          <p:cNvPr id="3" name="Content Placeholder 2"/>
+          <p:cNvSpPr>
+            <a:spLocks noGrp="1"/>
+          </p:cNvSpPr>
+          <p:nvPr>
+            <p:ph sz="quarter" idx="11"/>
+          </p:nvPr>
+        </p:nvSpPr>
+        <p:spPr/>
+        <p:txBody>
+          <a:bodyPr/>
+          <a:lstStyle/>
+          <a:p>
+            <a:r>
+              <a:rPr lang="en-US" dirty="0"/>
+              <a:t>JSON &amp; HTTP</a:t>
+            </a:r>
+          </a:p>
+        </p:txBody>
+      </p:sp>
+      <p:sp>
+        <p:nvSpPr>
+          <p:cNvPr id="4" name="Content Placeholder 2"/>
+          <p:cNvSpPr txBox="1">
+            <a:spLocks/>
+          </p:cNvSpPr>
+          <p:nvPr/>
+        </p:nvSpPr>
+        <p:spPr>
+          <a:xfrm>
+            <a:off x="493058" y="968990"/>
+            <a:ext cx="4433784" cy="3397319"/>
+          </a:xfrm>
+          <a:prstGeom prst="rect">
+            <a:avLst/>
+          </a:prstGeom>
+        </p:spPr>
+        <p:txBody>
+          <a:bodyPr/>
+          <a:lstStyle>
+            <a:lvl1pPr marL="251460" indent="-251460" algn="l" defTabSz="914400" rtl="0" eaLnBrk="1" latinLnBrk="0" hangingPunct="1">
+              <a:lnSpc>
+                <a:spcPct val="110000"/>
+              </a:lnSpc>
+              <a:spcBef>
+                <a:spcPts val="800"/>
+              </a:spcBef>
+              <a:buFont typeface="Arial" panose="020B0604020202020204" pitchFamily="34" charset="0"/>
+              <a:buChar char="•"/>
+              <a:defRPr sz="2400" kern="1200">
+                <a:solidFill>
+                  <a:schemeClr val="tx1"/>
+                </a:solidFill>
+                <a:latin typeface="+mn-lt"/>
+                <a:ea typeface="+mn-ea"/>
+                <a:cs typeface="+mn-cs"/>
+              </a:defRPr>
+            </a:lvl1pPr>
+            <a:lvl2pPr marL="742950" indent="-285750" algn="l" defTabSz="914400" rtl="0" eaLnBrk="1" latinLnBrk="0" hangingPunct="1">
+              <a:lnSpc>
+                <a:spcPct val="110000"/>
+              </a:lnSpc>
+              <a:spcBef>
+                <a:spcPts val="800"/>
+              </a:spcBef>
+              <a:buFont typeface="Arial" panose="020B0604020202020204" pitchFamily="34" charset="0"/>
+              <a:buChar char="–"/>
+              <a:defRPr sz="2000" kern="1200">
+                <a:solidFill>
+                  <a:schemeClr val="tx1"/>
+                </a:solidFill>
+                <a:latin typeface="+mn-lt"/>
+                <a:ea typeface="+mn-ea"/>
+                <a:cs typeface="+mn-cs"/>
+              </a:defRPr>
+            </a:lvl2pPr>
+            <a:lvl3pPr marL="1143000" indent="-228600" algn="l" defTabSz="914400" rtl="0" eaLnBrk="1" latinLnBrk="0" hangingPunct="1">
+              <a:lnSpc>
+                <a:spcPct val="110000"/>
+              </a:lnSpc>
+              <a:spcBef>
+                <a:spcPts val="800"/>
+              </a:spcBef>
+              <a:buFont typeface="Arial" panose="020B0604020202020204" pitchFamily="34" charset="0"/>
+              <a:buChar char="•"/>
+              <a:defRPr sz="1800" kern="1200">
+                <a:solidFill>
+                  <a:schemeClr val="tx1"/>
+                </a:solidFill>
+                <a:latin typeface="+mn-lt"/>
+                <a:ea typeface="+mn-ea"/>
+                <a:cs typeface="+mn-cs"/>
+              </a:defRPr>
+            </a:lvl3pPr>
+            <a:lvl4pPr marL="1600200" indent="-228600" algn="l" defTabSz="914400" rtl="0" eaLnBrk="1" latinLnBrk="0" hangingPunct="1">
+              <a:lnSpc>
+                <a:spcPct val="110000"/>
+              </a:lnSpc>
+              <a:spcBef>
+                <a:spcPts val="800"/>
+              </a:spcBef>
+              <a:buFont typeface="Arial" panose="020B0604020202020204" pitchFamily="34" charset="0"/>
+              <a:buChar char="–"/>
+              <a:defRPr sz="1600" kern="1200">
+                <a:solidFill>
+                  <a:schemeClr val="tx1"/>
+                </a:solidFill>
+                <a:latin typeface="+mn-lt"/>
+                <a:ea typeface="+mn-ea"/>
+                <a:cs typeface="+mn-cs"/>
+              </a:defRPr>
+            </a:lvl4pPr>
+            <a:lvl5pPr marL="2057400" indent="-228600" algn="l" defTabSz="914400" rtl="0" eaLnBrk="1" latinLnBrk="0" hangingPunct="1">
+              <a:lnSpc>
+                <a:spcPct val="110000"/>
+              </a:lnSpc>
+              <a:spcBef>
+                <a:spcPts val="800"/>
+              </a:spcBef>
+              <a:buFont typeface="Arial" panose="020B0604020202020204" pitchFamily="34" charset="0"/>
+              <a:buChar char="»"/>
+              <a:defRPr sz="1600" kern="1200">
+                <a:solidFill>
+                  <a:schemeClr val="tx1"/>
+                </a:solidFill>
+                <a:latin typeface="+mn-lt"/>
+                <a:ea typeface="+mn-ea"/>
+                <a:cs typeface="+mn-cs"/>
+              </a:defRPr>
+            </a:lvl5pPr>
+            <a:lvl6pPr marL="2514600" indent="-228600" algn="l" defTabSz="914400" rtl="0" eaLnBrk="1" latinLnBrk="0" hangingPunct="1">
+              <a:spcBef>
+                <a:spcPct val="20000"/>
+              </a:spcBef>
+              <a:buFont typeface="Arial" panose="020B0604020202020204" pitchFamily="34" charset="0"/>
+              <a:buChar char="•"/>
+              <a:defRPr sz="2000" kern="1200">
+                <a:solidFill>
+                  <a:schemeClr val="tx1"/>
+                </a:solidFill>
+                <a:latin typeface="+mn-lt"/>
+                <a:ea typeface="+mn-ea"/>
+                <a:cs typeface="+mn-cs"/>
+              </a:defRPr>
+            </a:lvl6pPr>
+            <a:lvl7pPr marL="2971800" indent="-228600" algn="l" defTabSz="914400" rtl="0" eaLnBrk="1" latinLnBrk="0" hangingPunct="1">
+              <a:spcBef>
+                <a:spcPct val="20000"/>
+              </a:spcBef>
+              <a:buFont typeface="Arial" panose="020B0604020202020204" pitchFamily="34" charset="0"/>
+              <a:buChar char="•"/>
+              <a:defRPr sz="2000" kern="1200">
+                <a:solidFill>
+                  <a:schemeClr val="tx1"/>
+                </a:solidFill>
+                <a:latin typeface="+mn-lt"/>
+                <a:ea typeface="+mn-ea"/>
+                <a:cs typeface="+mn-cs"/>
+              </a:defRPr>
+            </a:lvl7pPr>
+            <a:lvl8pPr marL="3429000" indent="-228600" algn="l" defTabSz="914400" rtl="0" eaLnBrk="1" latinLnBrk="0" hangingPunct="1">
+              <a:spcBef>
+                <a:spcPct val="20000"/>
+              </a:spcBef>
+              <a:buFont typeface="Arial" panose="020B0604020202020204" pitchFamily="34" charset="0"/>
+              <a:buChar char="•"/>
+              <a:defRPr sz="2000" kern="1200">
+                <a:solidFill>
+                  <a:schemeClr val="tx1"/>
+                </a:solidFill>
+                <a:latin typeface="+mn-lt"/>
+                <a:ea typeface="+mn-ea"/>
+                <a:cs typeface="+mn-cs"/>
+              </a:defRPr>
+            </a:lvl8pPr>
+            <a:lvl9pPr marL="3886200" indent="-228600" algn="l" defTabSz="914400" rtl="0" eaLnBrk="1" latinLnBrk="0" hangingPunct="1">
+              <a:spcBef>
+                <a:spcPct val="20000"/>
+              </a:spcBef>
+              <a:buFont typeface="Arial" panose="020B0604020202020204" pitchFamily="34" charset="0"/>
+              <a:buChar char="•"/>
+              <a:defRPr sz="2000" kern="1200">
+                <a:solidFill>
+                  <a:schemeClr val="tx1"/>
+                </a:solidFill>
+                <a:latin typeface="+mn-lt"/>
+                <a:ea typeface="+mn-ea"/>
+                <a:cs typeface="+mn-cs"/>
+              </a:defRPr>
+            </a:lvl9pPr>
+          </a:lstStyle>
+          <a:p>
+            <a:pPr marL="0" indent="0">
+              <a:buFont typeface="Arial" panose="020B0604020202020204" pitchFamily="34" charset="0"/>
+              <a:buNone/>
+            </a:pPr>
+            <a:r>
+              <a:rPr lang="en-US" sz="1600" b="1" dirty="0" smtClean="0">
+                <a:latin typeface="Open Sans Extrabold" charset="0"/>
+                <a:ea typeface="Open Sans Extrabold" charset="0"/>
+                <a:cs typeface="Open Sans Extrabold" charset="0"/>
+              </a:rPr>
+              <a:t>JSON Example</a:t>
+            </a:r>
+          </a:p>
+          <a:p>
+            <a:pPr marL="0" indent="0">
+              <a:buNone/>
+            </a:pPr>
+            <a:r>
+              <a:rPr lang="en-US" sz="1600" dirty="0" smtClean="0"/>
+              <a:t>[{ “title” : “Hello” },</a:t>
+            </a:r>
+            <a:r>
+              <a:rPr lang="en-US" sz="1600" dirty="0"/>
+              <a:t> { “title” : </a:t>
+            </a:r>
+            <a:r>
+              <a:rPr lang="en-US" sz="1600" dirty="0" smtClean="0"/>
+              <a:t>“JSON” }]</a:t>
+            </a:r>
+            <a:endParaRPr lang="en-US" sz="1600" dirty="0"/>
+          </a:p>
+          <a:p>
+            <a:pPr marL="0" indent="0">
+              <a:buNone/>
+            </a:pPr>
+            <a:endParaRPr lang="en-US" sz="1600" dirty="0">
+              <a:latin typeface="Open Sans Extrabold" charset="0"/>
+              <a:ea typeface="Open Sans Extrabold" charset="0"/>
+              <a:cs typeface="Open Sans Extrabold" charset="0"/>
+            </a:endParaRPr>
+          </a:p>
+          <a:p>
+            <a:pPr marL="0" indent="0">
+              <a:buNone/>
+            </a:pPr>
+            <a:r>
+              <a:rPr lang="en-US" sz="1600" b="1" dirty="0" smtClean="0">
+                <a:latin typeface="Open Sans Extrabold" charset="0"/>
+                <a:ea typeface="Open Sans Extrabold" charset="0"/>
+                <a:cs typeface="Open Sans Extrabold" charset="0"/>
+              </a:rPr>
+              <a:t>JS JSON Conversion</a:t>
+            </a:r>
+            <a:endParaRPr lang="en-US" sz="1600" dirty="0" smtClean="0"/>
+          </a:p>
+          <a:p>
+            <a:pPr marL="0" indent="0">
+              <a:buFont typeface="Arial" panose="020B0604020202020204" pitchFamily="34" charset="0"/>
+              <a:buNone/>
+            </a:pPr>
+            <a:r>
+              <a:rPr lang="en-US" sz="1600" dirty="0" smtClean="0"/>
+              <a:t>let posts = </a:t>
+            </a:r>
+            <a:r>
+              <a:rPr lang="en-US" sz="1600" dirty="0" err="1" smtClean="0"/>
+              <a:t>JSON.parse</a:t>
+            </a:r>
+            <a:r>
+              <a:rPr lang="en-US" sz="1600" dirty="0" smtClean="0"/>
+              <a:t>( </a:t>
+            </a:r>
+            <a:r>
+              <a:rPr lang="en-US" sz="1600" dirty="0" err="1" smtClean="0"/>
+              <a:t>postsJSON</a:t>
+            </a:r>
+            <a:r>
+              <a:rPr lang="en-US" sz="1600" dirty="0" smtClean="0"/>
+              <a:t> );</a:t>
+            </a:r>
+          </a:p>
+          <a:p>
+            <a:pPr marL="0" indent="0">
+              <a:buNone/>
+            </a:pPr>
+            <a:r>
+              <a:rPr lang="en-US" sz="1600" dirty="0" smtClean="0"/>
+              <a:t>let </a:t>
+            </a:r>
+            <a:r>
+              <a:rPr lang="en-US" sz="1600" dirty="0" err="1" smtClean="0"/>
+              <a:t>postJSON</a:t>
+            </a:r>
+            <a:r>
+              <a:rPr lang="en-US" sz="1600" dirty="0" smtClean="0"/>
+              <a:t> </a:t>
+            </a:r>
+            <a:r>
+              <a:rPr lang="en-US" sz="1600" dirty="0"/>
+              <a:t>= </a:t>
+            </a:r>
+            <a:r>
+              <a:rPr lang="en-US" sz="1600" dirty="0" err="1" smtClean="0"/>
+              <a:t>JSON.stringify</a:t>
+            </a:r>
+            <a:r>
+              <a:rPr lang="en-US" sz="1600" dirty="0" smtClean="0"/>
+              <a:t>( posts );</a:t>
+            </a:r>
+            <a:endParaRPr lang="en-US" sz="1600" dirty="0"/>
+          </a:p>
+        </p:txBody>
+      </p:sp>
+      <p:sp>
+        <p:nvSpPr>
+          <p:cNvPr id="5" name="Content Placeholder 2"/>
+          <p:cNvSpPr txBox="1">
+            <a:spLocks/>
+          </p:cNvSpPr>
+          <p:nvPr/>
+        </p:nvSpPr>
+        <p:spPr>
+          <a:xfrm>
+            <a:off x="5281684" y="968989"/>
+            <a:ext cx="3557516" cy="3835023"/>
+          </a:xfrm>
+          <a:prstGeom prst="rect">
+            <a:avLst/>
+          </a:prstGeom>
+        </p:spPr>
+        <p:txBody>
+          <a:bodyPr vert="horz" lIns="0" tIns="0" rIns="0" bIns="0" rtlCol="0">
+            <a:noAutofit/>
+          </a:bodyPr>
+          <a:lstStyle>
+            <a:lvl1pPr marL="251460" indent="-251460" algn="l" defTabSz="914400" rtl="0" eaLnBrk="1" latinLnBrk="0" hangingPunct="1">
+              <a:lnSpc>
+                <a:spcPct val="110000"/>
+              </a:lnSpc>
+              <a:spcBef>
+                <a:spcPts val="800"/>
+              </a:spcBef>
+              <a:buFont typeface="Arial" panose="020B0604020202020204" pitchFamily="34" charset="0"/>
+              <a:buChar char="•"/>
+              <a:defRPr sz="2400" kern="1200">
+                <a:solidFill>
+                  <a:schemeClr val="tx1"/>
+                </a:solidFill>
+                <a:latin typeface="+mn-lt"/>
+                <a:ea typeface="+mn-ea"/>
+                <a:cs typeface="+mn-cs"/>
+              </a:defRPr>
+            </a:lvl1pPr>
+            <a:lvl2pPr marL="742950" indent="-285750" algn="l" defTabSz="914400" rtl="0" eaLnBrk="1" latinLnBrk="0" hangingPunct="1">
+              <a:lnSpc>
+                <a:spcPct val="110000"/>
+              </a:lnSpc>
+              <a:spcBef>
+                <a:spcPts val="800"/>
+              </a:spcBef>
+              <a:buFont typeface="Arial" panose="020B0604020202020204" pitchFamily="34" charset="0"/>
+              <a:buChar char="–"/>
+              <a:defRPr sz="2000" kern="1200">
+                <a:solidFill>
+                  <a:schemeClr val="tx1"/>
+                </a:solidFill>
+                <a:latin typeface="+mn-lt"/>
+                <a:ea typeface="+mn-ea"/>
+                <a:cs typeface="+mn-cs"/>
+              </a:defRPr>
+            </a:lvl2pPr>
+            <a:lvl3pPr marL="1143000" indent="-228600" algn="l" defTabSz="914400" rtl="0" eaLnBrk="1" latinLnBrk="0" hangingPunct="1">
+              <a:lnSpc>
+                <a:spcPct val="110000"/>
+              </a:lnSpc>
+              <a:spcBef>
+                <a:spcPts val="800"/>
+              </a:spcBef>
+              <a:buFont typeface="Arial" panose="020B0604020202020204" pitchFamily="34" charset="0"/>
+              <a:buChar char="•"/>
+              <a:defRPr sz="1800" kern="1200">
+                <a:solidFill>
+                  <a:schemeClr val="tx1"/>
+                </a:solidFill>
+                <a:latin typeface="+mn-lt"/>
+                <a:ea typeface="+mn-ea"/>
+                <a:cs typeface="+mn-cs"/>
+              </a:defRPr>
+            </a:lvl3pPr>
+            <a:lvl4pPr marL="1600200" indent="-228600" algn="l" defTabSz="914400" rtl="0" eaLnBrk="1" latinLnBrk="0" hangingPunct="1">
+              <a:lnSpc>
+                <a:spcPct val="110000"/>
+              </a:lnSpc>
+              <a:spcBef>
+                <a:spcPts val="800"/>
+              </a:spcBef>
+              <a:buFont typeface="Arial" panose="020B0604020202020204" pitchFamily="34" charset="0"/>
+              <a:buChar char="–"/>
+              <a:defRPr sz="1600" kern="1200">
+                <a:solidFill>
+                  <a:schemeClr val="tx1"/>
+                </a:solidFill>
+                <a:latin typeface="+mn-lt"/>
+                <a:ea typeface="+mn-ea"/>
+                <a:cs typeface="+mn-cs"/>
+              </a:defRPr>
+            </a:lvl4pPr>
+            <a:lvl5pPr marL="2057400" indent="-228600" algn="l" defTabSz="914400" rtl="0" eaLnBrk="1" latinLnBrk="0" hangingPunct="1">
+              <a:lnSpc>
+                <a:spcPct val="110000"/>
+              </a:lnSpc>
+              <a:spcBef>
+                <a:spcPts val="800"/>
+              </a:spcBef>
+              <a:buFont typeface="Arial" panose="020B0604020202020204" pitchFamily="34" charset="0"/>
+              <a:buChar char="»"/>
+              <a:defRPr sz="1600" kern="1200">
+                <a:solidFill>
+                  <a:schemeClr val="tx1"/>
+                </a:solidFill>
+                <a:latin typeface="+mn-lt"/>
+                <a:ea typeface="+mn-ea"/>
+                <a:cs typeface="+mn-cs"/>
+              </a:defRPr>
+            </a:lvl5pPr>
+            <a:lvl6pPr marL="2514600" indent="-228600" algn="l" defTabSz="914400" rtl="0" eaLnBrk="1" latinLnBrk="0" hangingPunct="1">
+              <a:spcBef>
+                <a:spcPct val="20000"/>
+              </a:spcBef>
+              <a:buFont typeface="Arial" panose="020B0604020202020204" pitchFamily="34" charset="0"/>
+              <a:buChar char="•"/>
+              <a:defRPr sz="2000" kern="1200">
+                <a:solidFill>
+                  <a:schemeClr val="tx1"/>
+                </a:solidFill>
+                <a:latin typeface="+mn-lt"/>
+                <a:ea typeface="+mn-ea"/>
+                <a:cs typeface="+mn-cs"/>
+              </a:defRPr>
+            </a:lvl6pPr>
+            <a:lvl7pPr marL="2971800" indent="-228600" algn="l" defTabSz="914400" rtl="0" eaLnBrk="1" latinLnBrk="0" hangingPunct="1">
+              <a:spcBef>
+                <a:spcPct val="20000"/>
+              </a:spcBef>
+              <a:buFont typeface="Arial" panose="020B0604020202020204" pitchFamily="34" charset="0"/>
+              <a:buChar char="•"/>
+              <a:defRPr sz="2000" kern="1200">
+                <a:solidFill>
+                  <a:schemeClr val="tx1"/>
+                </a:solidFill>
+                <a:latin typeface="+mn-lt"/>
+                <a:ea typeface="+mn-ea"/>
+                <a:cs typeface="+mn-cs"/>
+              </a:defRPr>
+            </a:lvl7pPr>
+            <a:lvl8pPr marL="3429000" indent="-228600" algn="l" defTabSz="914400" rtl="0" eaLnBrk="1" latinLnBrk="0" hangingPunct="1">
+              <a:spcBef>
+                <a:spcPct val="20000"/>
+              </a:spcBef>
+              <a:buFont typeface="Arial" panose="020B0604020202020204" pitchFamily="34" charset="0"/>
+              <a:buChar char="•"/>
+              <a:defRPr sz="2000" kern="1200">
+                <a:solidFill>
+                  <a:schemeClr val="tx1"/>
+                </a:solidFill>
+                <a:latin typeface="+mn-lt"/>
+                <a:ea typeface="+mn-ea"/>
+                <a:cs typeface="+mn-cs"/>
+              </a:defRPr>
+            </a:lvl8pPr>
+            <a:lvl9pPr marL="3886200" indent="-228600" algn="l" defTabSz="914400" rtl="0" eaLnBrk="1" latinLnBrk="0" hangingPunct="1">
+              <a:spcBef>
+                <a:spcPct val="20000"/>
+              </a:spcBef>
+              <a:buFont typeface="Arial" panose="020B0604020202020204" pitchFamily="34" charset="0"/>
+              <a:buChar char="•"/>
+              <a:defRPr sz="2000" kern="1200">
+                <a:solidFill>
+                  <a:schemeClr val="tx1"/>
+                </a:solidFill>
+                <a:latin typeface="+mn-lt"/>
+                <a:ea typeface="+mn-ea"/>
+                <a:cs typeface="+mn-cs"/>
+              </a:defRPr>
+            </a:lvl9pPr>
+          </a:lstStyle>
+          <a:p>
+            <a:pPr marL="0" indent="0">
+              <a:buNone/>
+            </a:pPr>
+            <a:r>
+              <a:rPr lang="en-US" sz="1600" b="1" dirty="0" smtClean="0">
+                <a:latin typeface="Open Sans Extrabold" charset="0"/>
+                <a:ea typeface="Open Sans Extrabold" charset="0"/>
+                <a:cs typeface="Open Sans Extrabold" charset="0"/>
+              </a:rPr>
+              <a:t>Fetch with Promises</a:t>
+            </a:r>
+            <a:endParaRPr lang="en-US" sz="1600" b="1" dirty="0">
+              <a:latin typeface="Open Sans Extrabold" charset="0"/>
+              <a:ea typeface="Open Sans Extrabold" charset="0"/>
+              <a:cs typeface="Open Sans Extrabold" charset="0"/>
+            </a:endParaRPr>
+          </a:p>
+          <a:p>
+            <a:pPr marL="0" indent="0">
+              <a:buNone/>
+            </a:pPr>
+            <a:r>
+              <a:rPr lang="en-US" sz="1600" dirty="0" smtClean="0"/>
+              <a:t>fetch( ‘https://</a:t>
+            </a:r>
+            <a:r>
+              <a:rPr lang="en-US" sz="1600" dirty="0" err="1" smtClean="0"/>
+              <a:t>site.com</a:t>
+            </a:r>
+            <a:r>
+              <a:rPr lang="en-US" sz="1600" dirty="0" smtClean="0"/>
+              <a:t>/</a:t>
+            </a:r>
+            <a:r>
+              <a:rPr lang="en-US" sz="1600" dirty="0" err="1" smtClean="0"/>
+              <a:t>posts.json</a:t>
+            </a:r>
+            <a:r>
+              <a:rPr lang="en-US" sz="1600" dirty="0" smtClean="0"/>
+              <a:t>’ )</a:t>
+            </a:r>
+          </a:p>
+          <a:p>
+            <a:pPr marL="0" indent="0">
+              <a:buNone/>
+            </a:pPr>
+            <a:r>
+              <a:rPr lang="en-US" sz="1600" dirty="0"/>
+              <a:t> </a:t>
+            </a:r>
+            <a:r>
+              <a:rPr lang="en-US" sz="1600" dirty="0" smtClean="0"/>
+              <a:t> .</a:t>
+            </a:r>
+            <a:r>
+              <a:rPr lang="en-US" sz="1600" dirty="0"/>
+              <a:t>then( response =&gt; </a:t>
+            </a:r>
+            <a:r>
+              <a:rPr lang="en-US" sz="1600" dirty="0" smtClean="0"/>
+              <a:t>{</a:t>
+            </a:r>
+            <a:endParaRPr lang="en-US" sz="1600" dirty="0"/>
+          </a:p>
+          <a:p>
+            <a:pPr marL="0" indent="0">
+              <a:buNone/>
+            </a:pPr>
+            <a:r>
+              <a:rPr lang="en-US" sz="1600" dirty="0" smtClean="0"/>
+              <a:t>    </a:t>
+            </a:r>
+            <a:r>
+              <a:rPr lang="en-US" sz="1600" dirty="0" err="1" smtClean="0"/>
+              <a:t>response.json</a:t>
+            </a:r>
+            <a:r>
+              <a:rPr lang="en-US" sz="1600" dirty="0"/>
+              <a:t>().</a:t>
+            </a:r>
+            <a:r>
+              <a:rPr lang="en-US" sz="1600" dirty="0" smtClean="0"/>
+              <a:t>then( posts=&gt; {</a:t>
+            </a:r>
+          </a:p>
+          <a:p>
+            <a:pPr marL="0" indent="0">
+              <a:buNone/>
+            </a:pPr>
+            <a:r>
+              <a:rPr lang="en-US" sz="1600" dirty="0"/>
+              <a:t>      </a:t>
+            </a:r>
+            <a:r>
+              <a:rPr lang="en-US" sz="1600" dirty="0" err="1"/>
+              <a:t>console.log</a:t>
+            </a:r>
+            <a:r>
+              <a:rPr lang="en-US" sz="1600" dirty="0"/>
+              <a:t>( </a:t>
+            </a:r>
+            <a:r>
+              <a:rPr lang="en-US" sz="1600" dirty="0" smtClean="0"/>
+              <a:t>posts );</a:t>
+            </a:r>
+          </a:p>
+          <a:p>
+            <a:pPr marL="0" indent="0">
+              <a:buNone/>
+            </a:pPr>
+            <a:r>
+              <a:rPr lang="en-US" sz="1600" dirty="0"/>
+              <a:t> </a:t>
+            </a:r>
+            <a:r>
+              <a:rPr lang="en-US" sz="1600" dirty="0" smtClean="0"/>
+              <a:t>   });</a:t>
+            </a:r>
+          </a:p>
+          <a:p>
+            <a:pPr marL="0" indent="0">
+              <a:buNone/>
+            </a:pPr>
+            <a:r>
+              <a:rPr lang="en-US" sz="1600" dirty="0"/>
+              <a:t> </a:t>
+            </a:r>
+            <a:r>
+              <a:rPr lang="en-US" sz="1600" dirty="0" smtClean="0"/>
+              <a:t> })</a:t>
+            </a:r>
+          </a:p>
+          <a:p>
+            <a:pPr marL="0" indent="0">
+              <a:buNone/>
+            </a:pPr>
+            <a:r>
+              <a:rPr lang="en-US" sz="1600" dirty="0"/>
+              <a:t> </a:t>
+            </a:r>
+            <a:r>
+              <a:rPr lang="en-US" sz="1600" dirty="0" smtClean="0"/>
+              <a:t> .catch( err =&gt; {</a:t>
+            </a:r>
+          </a:p>
+          <a:p>
+            <a:pPr marL="0" indent="0">
+              <a:buNone/>
+            </a:pPr>
+            <a:r>
+              <a:rPr lang="en-US" sz="1600" dirty="0"/>
+              <a:t> </a:t>
+            </a:r>
+            <a:r>
+              <a:rPr lang="en-US" sz="1600" dirty="0" smtClean="0"/>
+              <a:t>   </a:t>
+            </a:r>
+            <a:r>
+              <a:rPr lang="en-US" sz="1600" dirty="0" err="1" smtClean="0"/>
+              <a:t>console.log</a:t>
+            </a:r>
+            <a:r>
+              <a:rPr lang="en-US" sz="1600" dirty="0" smtClean="0"/>
+              <a:t>( err );</a:t>
+            </a:r>
+          </a:p>
+          <a:p>
+            <a:pPr marL="0" indent="0">
+              <a:buNone/>
+            </a:pPr>
+            <a:r>
+              <a:rPr lang="en-US" sz="1600" dirty="0"/>
+              <a:t> </a:t>
+            </a:r>
+            <a:r>
+              <a:rPr lang="en-US" sz="1600" dirty="0" smtClean="0"/>
+              <a:t> });</a:t>
+            </a:r>
+            <a:endParaRPr lang="en-US" sz="1600" b="1" dirty="0" smtClean="0">
+              <a:latin typeface="Open Sans Extrabold" charset="0"/>
+              <a:ea typeface="Open Sans Extrabold" charset="0"/>
+              <a:cs typeface="Open Sans Extrabold" charset="0"/>
+            </a:endParaRPr>
+          </a:p>
+        </p:txBody>
+      </p:sp>
+      <p:sp>
+        <p:nvSpPr>
+          <p:cNvPr id="6" name="Rectangle 5"/>
+          <p:cNvSpPr/>
+          <p:nvPr/>
+        </p:nvSpPr>
+        <p:spPr>
+          <a:xfrm>
+            <a:off x="493059" y="289343"/>
+            <a:ext cx="8346141" cy="461665"/>
+          </a:xfrm>
+          <a:prstGeom prst="rect">
+            <a:avLst/>
+          </a:prstGeom>
+        </p:spPr>
+        <p:txBody>
+          <a:bodyPr wrap="square">
+            <a:spAutoFit/>
+          </a:bodyPr>
+          <a:lstStyle/>
+          <a:p>
+            <a:r>
+              <a:rPr lang="en-US" sz="2400" b="1" dirty="0" smtClean="0">
+                <a:latin typeface="Open Sans Extrabold" charset="0"/>
+                <a:ea typeface="Open Sans Extrabold" charset="0"/>
+                <a:cs typeface="Open Sans Extrabold" charset="0"/>
+              </a:rPr>
+              <a:t>JSON &amp; HTTP Cheat </a:t>
+            </a:r>
+            <a:r>
+              <a:rPr lang="en-US" sz="2400" b="1" dirty="0">
+                <a:latin typeface="Open Sans Extrabold" charset="0"/>
+                <a:ea typeface="Open Sans Extrabold" charset="0"/>
+                <a:cs typeface="Open Sans Extrabold" charset="0"/>
+              </a:rPr>
+              <a:t>Sheet</a:t>
+            </a:r>
+          </a:p>
+        </p:txBody>
+      </p:sp>
+    </p:spTree>
+    <p:extLst>
+      <p:ext uri="{BB962C8B-B14F-4D97-AF65-F5344CB8AC3E}">
+        <p14:creationId xmlns:p14="http://schemas.microsoft.com/office/powerpoint/2010/main" val="1212151645"/>
+      </p:ext>
+    </p:extLst>
+  </p:cSld>
+  <p:clrMapOvr>
+    <a:masterClrMapping/>
+  </p:clrMapOvr>
+  <p:timing>
+    <p:tnLst>
+      <p:par>
+        <p:cTn id="1" dur="indefinite" restart="never" nodeType="tmRoot"/>
+      </p:par>
+    </p:tnLst>
+  </p:timing>
+</p:sld>
+</file>
+
+<file path=ppt/slides/slide87.xml><?xml version="1.0" encoding="utf-8"?>
+<p:sld xmlns:a="http://schemas.openxmlformats.org/drawingml/2006/main" xmlns:r="http://schemas.openxmlformats.org/officeDocument/2006/relationships" xmlns:p="http://schemas.openxmlformats.org/presentationml/2006/main">
+  <p:cSld>
+    <p:spTree>
+      <p:nvGrpSpPr>
+        <p:cNvPr id="1" name=""/>
+        <p:cNvGrpSpPr/>
+        <p:nvPr/>
+      </p:nvGrpSpPr>
+      <p:grpSpPr>
+        <a:xfrm>
+          <a:off x="0" y="0"/>
+          <a:ext cx="0" cy="0"/>
+          <a:chOff x="0" y="0"/>
+          <a:chExt cx="0" cy="0"/>
+        </a:xfrm>
+      </p:grpSpPr>
+      <p:sp>
+        <p:nvSpPr>
+          <p:cNvPr id="2" name="Title 1"/>
+          <p:cNvSpPr>
+            <a:spLocks noGrp="1"/>
+          </p:cNvSpPr>
+          <p:nvPr>
+            <p:ph type="title"/>
+          </p:nvPr>
+        </p:nvSpPr>
+        <p:spPr/>
+        <p:txBody>
+          <a:bodyPr/>
+          <a:lstStyle/>
+          <a:p>
+            <a:r>
+              <a:rPr lang="en-US" dirty="0" smtClean="0"/>
+              <a:t>JSON Practice #1</a:t>
+            </a:r>
+            <a:endParaRPr lang="en-US" dirty="0"/>
+          </a:p>
+        </p:txBody>
+      </p:sp>
+      <p:sp>
+        <p:nvSpPr>
+          <p:cNvPr id="3" name="Content Placeholder 2"/>
+          <p:cNvSpPr>
+            <a:spLocks noGrp="1"/>
+          </p:cNvSpPr>
+          <p:nvPr>
+            <p:ph idx="1"/>
+          </p:nvPr>
+        </p:nvSpPr>
+        <p:spPr>
+          <a:xfrm>
+            <a:off x="609600" y="1792224"/>
+            <a:ext cx="7924800" cy="2816352"/>
+          </a:xfrm>
+        </p:spPr>
+        <p:txBody>
+          <a:bodyPr/>
+          <a:lstStyle/>
+          <a:p>
+            <a:endParaRPr lang="en-US" dirty="0" smtClean="0"/>
+          </a:p>
+          <a:p>
+            <a:r>
+              <a:rPr lang="en-US" dirty="0" smtClean="0"/>
+              <a:t>Write a valid JSON file for a post</a:t>
+            </a:r>
+          </a:p>
+          <a:p>
+            <a:r>
+              <a:rPr lang="en-US" dirty="0" smtClean="0"/>
+              <a:t>Validate that JSON file online</a:t>
+            </a:r>
+          </a:p>
+        </p:txBody>
+      </p:sp>
+      <p:sp>
+        <p:nvSpPr>
+          <p:cNvPr id="4" name="Content Placeholder 3"/>
+          <p:cNvSpPr>
+            <a:spLocks noGrp="1"/>
+          </p:cNvSpPr>
+          <p:nvPr>
+            <p:ph sz="quarter" idx="11"/>
+          </p:nvPr>
+        </p:nvSpPr>
+        <p:spPr/>
+        <p:txBody>
+          <a:bodyPr/>
+          <a:lstStyle/>
+          <a:p>
+            <a:r>
+              <a:rPr lang="en-US" dirty="0"/>
+              <a:t>JSON &amp; </a:t>
+            </a:r>
+            <a:r>
+              <a:rPr lang="en-US" dirty="0" smtClean="0"/>
+              <a:t>HTTP</a:t>
+            </a:r>
+            <a:endParaRPr lang="en-US" dirty="0"/>
+          </a:p>
+        </p:txBody>
+      </p:sp>
+    </p:spTree>
+    <p:extLst>
+      <p:ext uri="{BB962C8B-B14F-4D97-AF65-F5344CB8AC3E}">
+        <p14:creationId xmlns:p14="http://schemas.microsoft.com/office/powerpoint/2010/main" val="2000640962"/>
+      </p:ext>
+    </p:extLst>
+  </p:cSld>
+  <p:clrMapOvr>
+    <a:masterClrMapping/>
+  </p:clrMapOvr>
+  <p:timing>
+    <p:tnLst>
+      <p:par>
+        <p:cTn id="1" dur="indefinite" restart="never" nodeType="tmRoot"/>
+      </p:par>
+    </p:tnLst>
+  </p:timing>
+</p:sld>
+</file>
+
+<file path=ppt/slides/slide88.xml><?xml version="1.0" encoding="utf-8"?>
+<p:sld xmlns:a="http://schemas.openxmlformats.org/drawingml/2006/main" xmlns:r="http://schemas.openxmlformats.org/officeDocument/2006/relationships" xmlns:p="http://schemas.openxmlformats.org/presentationml/2006/main">
+  <p:cSld>
+    <p:spTree>
+      <p:nvGrpSpPr>
+        <p:cNvPr id="1" name=""/>
+        <p:cNvGrpSpPr/>
+        <p:nvPr/>
+      </p:nvGrpSpPr>
+      <p:grpSpPr>
+        <a:xfrm>
+          <a:off x="0" y="0"/>
+          <a:ext cx="0" cy="0"/>
+          <a:chOff x="0" y="0"/>
+          <a:chExt cx="0" cy="0"/>
+        </a:xfrm>
+      </p:grpSpPr>
+      <p:sp>
+        <p:nvSpPr>
           <p:cNvPr id="2" name="Title 1"/>
           <p:cNvSpPr>
             <a:spLocks noGrp="1"/>
@@ -41846,7 +42022,7 @@
 </p:sld>
 </file>
 
-<file path=ppt/slides/slide87.xml><?xml version="1.0" encoding="utf-8"?>
+<file path=ppt/slides/slide89.xml><?xml version="1.0" encoding="utf-8"?>
 <p:sld xmlns:a="http://schemas.openxmlformats.org/drawingml/2006/main" xmlns:r="http://schemas.openxmlformats.org/officeDocument/2006/relationships" xmlns:p="http://schemas.openxmlformats.org/presentationml/2006/main">
   <p:cSld>
     <p:spTree>

--- a/A Day of JavaScript Slides.pptx
+++ b/A Day of JavaScript Slides.pptx
@@ -10854,6 +10854,13 @@
   <p:clrMapOvr>
     <a:masterClrMapping/>
   </p:clrMapOvr>
+  <p:timing>
+    <p:tnLst>
+      <p:par>
+        <p:cTn id="1" dur="indefinite" restart="never" nodeType="tmRoot"/>
+      </p:par>
+    </p:tnLst>
+  </p:timing>
 </p:sld>
 </file>
 
@@ -13634,6 +13641,29 @@
               </a:rPr>
               <a:t>courses</a:t>
             </a:r>
+            <a:br>
+              <a:rPr lang="en-US" sz="4000" b="0" dirty="0" smtClean="0">
+                <a:latin typeface="Open Sans" charset="0"/>
+                <a:ea typeface="Open Sans" charset="0"/>
+                <a:cs typeface="Open Sans" charset="0"/>
+              </a:rPr>
+            </a:br>
+            <a:r>
+              <a:rPr lang="en-US" sz="4000" dirty="0" err="1" smtClean="0"/>
+              <a:t>javascriptforwp.com</a:t>
+            </a:r>
+            <a:r>
+              <a:rPr lang="en-US" sz="4000" dirty="0" smtClean="0"/>
+              <a:t>/</a:t>
+            </a:r>
+            <a:r>
+              <a:rPr lang="en-US" sz="4000" b="0" dirty="0" smtClean="0">
+                <a:latin typeface="Open Sans" charset="0"/>
+                <a:ea typeface="Open Sans" charset="0"/>
+                <a:cs typeface="Open Sans" charset="0"/>
+              </a:rPr>
+              <a:t>blog</a:t>
+            </a:r>
             <a:endParaRPr lang="en-US" sz="4000" b="0" dirty="0">
               <a:latin typeface="Open Sans" charset="0"/>
               <a:ea typeface="Open Sans" charset="0"/>
@@ -18225,7 +18255,7 @@
               <a:t>( </a:t>
             </a:r>
             <a:r>
-              <a:rPr lang="en-US" sz="1600" dirty="0" err="1">
+              <a:rPr lang="en-US" sz="1600" dirty="0" err="1" smtClean="0">
                 <a:solidFill>
                   <a:srgbClr val="A6E22E"/>
                 </a:solidFill>
@@ -18233,10 +18263,10 @@
                 <a:ea typeface="Source Code Pro" charset="0"/>
                 <a:cs typeface="Source Code Pro" charset="0"/>
               </a:rPr>
-              <a:t>post</a:t>
-            </a:r>
-            <a:r>
-              <a:rPr lang="en-US" sz="1600" dirty="0" err="1">
+              <a:t>this</a:t>
+            </a:r>
+            <a:r>
+              <a:rPr lang="en-US" sz="1600" dirty="0" err="1" smtClean="0">
                 <a:solidFill>
                   <a:srgbClr val="F8F8F2"/>
                 </a:solidFill>
@@ -18247,7 +18277,7 @@
               <a:t>.</a:t>
             </a:r>
             <a:r>
-              <a:rPr lang="en-US" sz="1600" dirty="0" err="1">
+              <a:rPr lang="en-US" sz="1600" dirty="0" err="1" smtClean="0">
                 <a:solidFill>
                   <a:srgbClr val="A6E22E"/>
                 </a:solidFill>
@@ -18258,7 +18288,7 @@
               <a:t>title</a:t>
             </a:r>
             <a:r>
-              <a:rPr lang="en-US" sz="1600" dirty="0">
+              <a:rPr lang="en-US" sz="1600" dirty="0" smtClean="0">
                 <a:solidFill>
                   <a:srgbClr val="F8F8F2"/>
                 </a:solidFill>
@@ -18266,7 +18296,18 @@
                 <a:ea typeface="Source Code Pro" charset="0"/>
                 <a:cs typeface="Source Code Pro" charset="0"/>
               </a:rPr>
-              <a:t> );</a:t>
+              <a:t> </a:t>
+            </a:r>
+            <a:r>
+              <a:rPr lang="en-US" sz="1600" dirty="0">
+                <a:solidFill>
+                  <a:srgbClr val="F8F8F2"/>
+                </a:solidFill>
+                <a:latin typeface="Source Code Pro" charset="0"/>
+                <a:ea typeface="Source Code Pro" charset="0"/>
+                <a:cs typeface="Source Code Pro" charset="0"/>
+              </a:rPr>
+              <a:t>);</a:t>
             </a:r>
           </a:p>
           <a:p>
@@ -21097,10 +21138,19 @@
                 </a:solidFill>
                 <a:latin typeface="Monaco" charset="0"/>
               </a:rPr>
-              <a:t> ( </a:t>
-            </a:r>
-            <a:r>
-              <a:rPr lang="en-US" sz="1800" dirty="0">
+              <a:t> </a:t>
+            </a:r>
+            <a:r>
+              <a:rPr lang="en-US" sz="1800" dirty="0" smtClean="0">
+                <a:solidFill>
+                  <a:srgbClr val="F8F8F2"/>
+                </a:solidFill>
+                <a:latin typeface="Monaco" charset="0"/>
+              </a:rPr>
+              <a:t>( </a:t>
+            </a:r>
+            <a:r>
+              <a:rPr lang="en-US" sz="1800" dirty="0" smtClean="0">
                 <a:solidFill>
                   <a:srgbClr val="66D9EF"/>
                 </a:solidFill>
@@ -21109,7 +21159,7 @@
               <a:t>true</a:t>
             </a:r>
             <a:r>
-              <a:rPr lang="en-US" sz="1800" dirty="0">
+              <a:rPr lang="en-US" sz="1800" dirty="0" smtClean="0">
                 <a:solidFill>
                   <a:srgbClr val="F8F8F2"/>
                 </a:solidFill>
@@ -21118,7 +21168,7 @@
               <a:t> </a:t>
             </a:r>
             <a:r>
-              <a:rPr lang="en-US" sz="1800" dirty="0">
+              <a:rPr lang="en-US" sz="1800" dirty="0" smtClean="0">
                 <a:solidFill>
                   <a:srgbClr val="F92672"/>
                 </a:solidFill>
@@ -21127,7 +21177,7 @@
               <a:t>===</a:t>
             </a:r>
             <a:r>
-              <a:rPr lang="en-US" sz="1800" dirty="0">
+              <a:rPr lang="en-US" sz="1800" dirty="0" smtClean="0">
                 <a:solidFill>
                   <a:srgbClr val="F8F8F2"/>
                 </a:solidFill>
@@ -21136,7 +21186,7 @@
               <a:t> </a:t>
             </a:r>
             <a:r>
-              <a:rPr lang="en-US" sz="1800" dirty="0" err="1">
+              <a:rPr lang="en-US" sz="1800" dirty="0" err="1" smtClean="0">
                 <a:solidFill>
                   <a:srgbClr val="A6E22E"/>
                 </a:solidFill>
@@ -21145,7 +21195,7 @@
               <a:t>loggedIn</a:t>
             </a:r>
             <a:r>
-              <a:rPr lang="en-US" sz="1800" dirty="0">
+              <a:rPr lang="en-US" sz="1800" dirty="0" smtClean="0">
                 <a:solidFill>
                   <a:srgbClr val="F8F8F2"/>
                 </a:solidFill>
@@ -26120,7 +26170,7 @@
           </a:p>
           <a:p>
             <a:r>
-              <a:rPr lang="en-US" sz="2400" dirty="0" err="1">
+              <a:rPr lang="en-US" sz="2400" dirty="0" err="1" smtClean="0">
                 <a:solidFill>
                   <a:srgbClr val="A6E22E"/>
                 </a:solidFill>
@@ -26129,7 +26179,7 @@
               <a:t>input</a:t>
             </a:r>
             <a:r>
-              <a:rPr lang="en-US" sz="2400" dirty="0" err="1">
+              <a:rPr lang="en-US" sz="2400" dirty="0" err="1" smtClean="0">
                 <a:solidFill>
                   <a:srgbClr val="F8F8F2"/>
                 </a:solidFill>
@@ -26138,7 +26188,7 @@
               <a:t>.</a:t>
             </a:r>
             <a:r>
-              <a:rPr lang="en-US" sz="2400" dirty="0" err="1">
+              <a:rPr lang="en-US" sz="2400" dirty="0" err="1" smtClean="0">
                 <a:solidFill>
                   <a:srgbClr val="A6E22E"/>
                 </a:solidFill>
@@ -27435,7 +27485,7 @@
         </p:nvSpPr>
         <p:spPr>
           <a:xfrm>
-            <a:off x="4940490" y="900751"/>
+            <a:off x="4958778" y="1124568"/>
             <a:ext cx="7924800" cy="3125338"/>
           </a:xfrm>
           <a:prstGeom prst="rect">
@@ -27672,95 +27722,109 @@
                 </a:solidFill>
                 <a:latin typeface="Monaco" charset="0"/>
               </a:rPr>
-              <a:t>previousSibling</a:t>
+              <a:t>firstElementChild</a:t>
             </a:r>
             <a:r>
               <a:rPr lang="en-US" sz="2200" dirty="0" smtClean="0">
                 <a:solidFill>
+                  <a:srgbClr val="A6E22E"/>
+                </a:solidFill>
+                <a:latin typeface="Monaco" charset="0"/>
+              </a:rPr>
+              <a:t>  	 </a:t>
+            </a:r>
+          </a:p>
+          <a:p>
+            <a:r>
+              <a:rPr lang="en-US" sz="2200" dirty="0" smtClean="0">
+                <a:solidFill>
                   <a:srgbClr val="F8F8F2"/>
                 </a:solidFill>
                 <a:latin typeface="Monaco" charset="0"/>
               </a:rPr>
+              <a:t>.</a:t>
+            </a:r>
+            <a:r>
+              <a:rPr lang="en-US" sz="2200" dirty="0" err="1" smtClean="0">
+                <a:solidFill>
+                  <a:srgbClr val="A6E22E"/>
+                </a:solidFill>
+                <a:latin typeface="Monaco" charset="0"/>
+              </a:rPr>
+              <a:t>lastElementChild</a:t>
+            </a:r>
+            <a:endParaRPr lang="en-US" sz="2200" dirty="0" smtClean="0">
+              <a:solidFill>
+                <a:srgbClr val="A6E22E"/>
+              </a:solidFill>
+              <a:latin typeface="Monaco" charset="0"/>
+            </a:endParaRPr>
+          </a:p>
+          <a:p>
+            <a:r>
+              <a:rPr lang="en-US" sz="2200" dirty="0">
+                <a:solidFill>
+                  <a:srgbClr val="F8F8F2"/>
+                </a:solidFill>
+                <a:latin typeface="Monaco" charset="0"/>
+              </a:rPr>
+              <a:t>.</a:t>
+            </a:r>
+            <a:r>
+              <a:rPr lang="en-US" sz="2200" dirty="0" err="1">
+                <a:solidFill>
+                  <a:srgbClr val="A6E22E"/>
+                </a:solidFill>
+                <a:latin typeface="Monaco" charset="0"/>
+              </a:rPr>
+              <a:t>nextElementSibling</a:t>
+            </a:r>
+            <a:r>
+              <a:rPr lang="en-US" sz="2200" dirty="0">
+                <a:solidFill>
+                  <a:srgbClr val="F8F8F2"/>
+                </a:solidFill>
+                <a:latin typeface="Monaco" charset="0"/>
+              </a:rPr>
+              <a:t>	</a:t>
+            </a:r>
+            <a:endParaRPr lang="en-US" sz="2200" dirty="0" smtClean="0">
+              <a:solidFill>
+                <a:srgbClr val="A6E22E"/>
+              </a:solidFill>
+              <a:latin typeface="Monaco" charset="0"/>
+            </a:endParaRPr>
+          </a:p>
+          <a:p>
+            <a:r>
+              <a:rPr lang="en-US" sz="2200" dirty="0" smtClean="0">
+                <a:solidFill>
+                  <a:srgbClr val="F8F8F2"/>
+                </a:solidFill>
+                <a:latin typeface="Monaco" charset="0"/>
+              </a:rPr>
+              <a:t>.</a:t>
+            </a:r>
+            <a:r>
+              <a:rPr lang="en-US" sz="2200" dirty="0" err="1">
+                <a:solidFill>
+                  <a:srgbClr val="A6E22E"/>
+                </a:solidFill>
+                <a:latin typeface="Monaco" charset="0"/>
+              </a:rPr>
+              <a:t>previousElementSibling</a:t>
+            </a:r>
+            <a:r>
+              <a:rPr lang="en-US" sz="2200" dirty="0">
+                <a:solidFill>
+                  <a:srgbClr val="F8F8F2"/>
+                </a:solidFill>
+                <a:latin typeface="Monaco" charset="0"/>
+              </a:rPr>
               <a:t>	   </a:t>
             </a:r>
           </a:p>
           <a:p>
-            <a:r>
-              <a:rPr lang="en-US" sz="2200" dirty="0" smtClean="0">
-                <a:solidFill>
-                  <a:srgbClr val="F8F8F2"/>
-                </a:solidFill>
-                <a:latin typeface="Monaco" charset="0"/>
-              </a:rPr>
-              <a:t>.</a:t>
-            </a:r>
-            <a:r>
-              <a:rPr lang="en-US" sz="2200" dirty="0" err="1" smtClean="0">
-                <a:solidFill>
-                  <a:srgbClr val="A6E22E"/>
-                </a:solidFill>
-                <a:latin typeface="Monaco" charset="0"/>
-              </a:rPr>
-              <a:t>firstElementChild</a:t>
-            </a:r>
-            <a:r>
-              <a:rPr lang="en-US" sz="2200" dirty="0" smtClean="0">
-                <a:solidFill>
-                  <a:srgbClr val="A6E22E"/>
-                </a:solidFill>
-                <a:latin typeface="Monaco" charset="0"/>
-              </a:rPr>
-              <a:t>  	 </a:t>
-            </a:r>
-          </a:p>
-          <a:p>
-            <a:r>
-              <a:rPr lang="en-US" sz="2200" dirty="0" smtClean="0">
-                <a:solidFill>
-                  <a:srgbClr val="F8F8F2"/>
-                </a:solidFill>
-                <a:latin typeface="Monaco" charset="0"/>
-              </a:rPr>
-              <a:t>.</a:t>
-            </a:r>
-            <a:r>
-              <a:rPr lang="en-US" sz="2200" dirty="0" err="1" smtClean="0">
-                <a:solidFill>
-                  <a:srgbClr val="A6E22E"/>
-                </a:solidFill>
-                <a:latin typeface="Monaco" charset="0"/>
-              </a:rPr>
-              <a:t>nextSibling</a:t>
-            </a:r>
-            <a:r>
-              <a:rPr lang="en-US" sz="2200" dirty="0" smtClean="0">
-                <a:solidFill>
-                  <a:srgbClr val="F8F8F2"/>
-                </a:solidFill>
-                <a:latin typeface="Monaco" charset="0"/>
-              </a:rPr>
-              <a:t>	</a:t>
-            </a:r>
-          </a:p>
-          <a:p>
-            <a:r>
-              <a:rPr lang="en-US" sz="2200" dirty="0" smtClean="0">
-                <a:solidFill>
-                  <a:srgbClr val="F8F8F2"/>
-                </a:solidFill>
-                <a:latin typeface="Monaco" charset="0"/>
-              </a:rPr>
-              <a:t>.</a:t>
-            </a:r>
-            <a:r>
-              <a:rPr lang="en-US" sz="2200" dirty="0" err="1" smtClean="0">
-                <a:solidFill>
-                  <a:srgbClr val="A6E22E"/>
-                </a:solidFill>
-                <a:latin typeface="Monaco" charset="0"/>
-              </a:rPr>
-              <a:t>lastChild</a:t>
-            </a:r>
             <a:endParaRPr lang="en-US" sz="2200" dirty="0">
               <a:solidFill>
                 <a:srgbClr val="F8F8F2"/>
@@ -29054,41 +29118,20 @@
               <a:t>appendChild</a:t>
             </a:r>
             <a:r>
-              <a:rPr lang="en-US" sz="2800" dirty="0">
+              <a:rPr lang="en-US" sz="2800" dirty="0" smtClean="0">
                 <a:solidFill>
                   <a:srgbClr val="F8F8F2"/>
                 </a:solidFill>
                 <a:latin typeface="Monaco" charset="0"/>
               </a:rPr>
-              <a:t>( </a:t>
-            </a:r>
-            <a:r>
-              <a:rPr lang="en-US" sz="2800" dirty="0" err="1">
-                <a:solidFill>
-                  <a:srgbClr val="A6E22E"/>
-                </a:solidFill>
-                <a:latin typeface="Monaco" charset="0"/>
-              </a:rPr>
-              <a:t>childEl</a:t>
-            </a:r>
-            <a:r>
-              <a:rPr lang="en-US" sz="2800" dirty="0">
-                <a:solidFill>
-                  <a:srgbClr val="F8F8F2"/>
-                </a:solidFill>
-                <a:latin typeface="Monaco" charset="0"/>
-              </a:rPr>
-              <a:t> </a:t>
-            </a:r>
-            <a:r>
-              <a:rPr lang="en-US" sz="2800" dirty="0" smtClean="0">
-                <a:solidFill>
-                  <a:srgbClr val="F8F8F2"/>
-                </a:solidFill>
-                <a:latin typeface="Monaco" charset="0"/>
-              </a:rPr>
-              <a:t>)</a:t>
-            </a:r>
+              <a:t>( child )</a:t>
+            </a:r>
+            <a:endParaRPr lang="en-US" sz="2800" dirty="0" smtClean="0">
+              <a:solidFill>
+                <a:srgbClr val="F8F8F2"/>
+              </a:solidFill>
+              <a:latin typeface="Monaco" charset="0"/>
+            </a:endParaRPr>
           </a:p>
           <a:p>
             <a:pPr>
@@ -31490,10 +31533,7 @@
               <a:buFont typeface="+mj-lt"/>
               <a:buAutoNum type="arabicPeriod"/>
             </a:pPr>
-            <a:r>
-              <a:rPr lang="en-US" dirty="0" smtClean="0"/>
-              <a:t>Create a post with markup using JavaScript</a:t>
-            </a:r>
+            <a:endParaRPr lang="en-US" sz="2600" dirty="0" smtClean="0"/>
           </a:p>
           <a:p>
             <a:pPr marL="457200" lvl="1" indent="-457200">
@@ -31506,10 +31546,7 @@
               <a:buFont typeface="+mj-lt"/>
               <a:buAutoNum type="arabicPeriod"/>
             </a:pPr>
-            <a:r>
-              <a:rPr lang="en-US" dirty="0" smtClean="0"/>
-              <a:t>Append post to the list of other posts on the page</a:t>
-            </a:r>
+            <a:endParaRPr lang="en-US" sz="2600" dirty="0"/>
           </a:p>
           <a:p>
             <a:pPr marL="457200" lvl="1" indent="-457200">
@@ -31522,7 +31559,43 @@
               <a:buFont typeface="+mj-lt"/>
               <a:buAutoNum type="arabicPeriod"/>
             </a:pPr>
-            <a:endParaRPr lang="en-US" dirty="0" smtClean="0"/>
+            <a:r>
+              <a:rPr lang="en-US" sz="2600" dirty="0" smtClean="0"/>
+              <a:t>Create </a:t>
+            </a:r>
+            <a:r>
+              <a:rPr lang="en-US" sz="2600" dirty="0" smtClean="0"/>
+              <a:t>a post with markup using JavaScript</a:t>
+            </a:r>
+          </a:p>
+          <a:p>
+            <a:pPr marL="457200" lvl="1" indent="-457200">
+              <a:lnSpc>
+                <a:spcPct val="100000"/>
+              </a:lnSpc>
+              <a:spcBef>
+                <a:spcPts val="0"/>
+              </a:spcBef>
+              <a:buFont typeface="+mj-lt"/>
+              <a:buAutoNum type="arabicPeriod"/>
+            </a:pPr>
+            <a:r>
+              <a:rPr lang="en-US" sz="2600" dirty="0" smtClean="0"/>
+              <a:t>Append post to the list of other posts on the page</a:t>
+            </a:r>
+          </a:p>
+          <a:p>
+            <a:pPr marL="457200" lvl="1" indent="-457200">
+              <a:lnSpc>
+                <a:spcPct val="100000"/>
+              </a:lnSpc>
+              <a:spcBef>
+                <a:spcPts val="0"/>
+              </a:spcBef>
+              <a:buFont typeface="+mj-lt"/>
+              <a:buAutoNum type="arabicPeriod"/>
+            </a:pPr>
+            <a:endParaRPr lang="en-US" sz="2600" dirty="0" smtClean="0"/>
           </a:p>
         </p:txBody>
       </p:sp>
@@ -31542,6 +31615,40 @@
           <a:lstStyle/>
           <a:p>
             <a:endParaRPr lang="en-US"/>
+          </a:p>
+        </p:txBody>
+      </p:sp>
+      <p:sp>
+        <p:nvSpPr>
+          <p:cNvPr id="5" name="TextBox 4"/>
+          <p:cNvSpPr txBox="1"/>
+          <p:nvPr/>
+        </p:nvSpPr>
+        <p:spPr>
+          <a:xfrm>
+            <a:off x="2834640" y="2432304"/>
+            <a:ext cx="914400" cy="914400"/>
+          </a:xfrm>
+          <a:prstGeom prst="rect">
+            <a:avLst/>
+          </a:prstGeom>
+          <a:noFill/>
+        </p:spPr>
+        <p:txBody>
+          <a:bodyPr wrap="none" lIns="0" tIns="0" rIns="0" bIns="0" rtlCol="0">
+            <a:noAutofit/>
+          </a:bodyPr>
+          <a:lstStyle/>
+          <a:p>
+            <a:pPr>
+              <a:lnSpc>
+                <a:spcPct val="110000"/>
+              </a:lnSpc>
+              <a:spcBef>
+                <a:spcPts val="800"/>
+              </a:spcBef>
+            </a:pPr>
+            <a:endParaRPr lang="en-US" dirty="0" smtClean="0"/>
           </a:p>
         </p:txBody>
       </p:sp>
@@ -31630,10 +31737,7 @@
               <a:buFont typeface="+mj-lt"/>
               <a:buAutoNum type="arabicPeriod"/>
             </a:pPr>
-            <a:r>
-              <a:rPr lang="en-US" dirty="0" smtClean="0"/>
-              <a:t>Write a function to append post content to the page</a:t>
-            </a:r>
+            <a:endParaRPr lang="en-US" sz="2400" dirty="0" smtClean="0"/>
           </a:p>
           <a:p>
             <a:pPr marL="457200" lvl="1" indent="-457200">
@@ -31646,10 +31750,7 @@
               <a:buFont typeface="+mj-lt"/>
               <a:buAutoNum type="arabicPeriod"/>
             </a:pPr>
-            <a:r>
-              <a:rPr lang="en-US" dirty="0" smtClean="0"/>
-              <a:t>Create a post object with a title and content</a:t>
-            </a:r>
+            <a:endParaRPr lang="en-US" sz="2400" dirty="0" smtClean="0"/>
           </a:p>
           <a:p>
             <a:pPr marL="457200" lvl="1" indent="-457200">
@@ -31663,7 +31764,43 @@
               <a:buAutoNum type="arabicPeriod"/>
             </a:pPr>
             <a:r>
-              <a:rPr lang="en-US" dirty="0" smtClean="0"/>
+              <a:rPr lang="en-US" sz="2400" dirty="0" smtClean="0"/>
+              <a:t>Write </a:t>
+            </a:r>
+            <a:r>
+              <a:rPr lang="en-US" sz="2400" dirty="0" smtClean="0"/>
+              <a:t>a function to append post content to the page</a:t>
+            </a:r>
+          </a:p>
+          <a:p>
+            <a:pPr marL="457200" lvl="1" indent="-457200">
+              <a:lnSpc>
+                <a:spcPct val="100000"/>
+              </a:lnSpc>
+              <a:spcBef>
+                <a:spcPts val="0"/>
+              </a:spcBef>
+              <a:buFont typeface="+mj-lt"/>
+              <a:buAutoNum type="arabicPeriod"/>
+            </a:pPr>
+            <a:r>
+              <a:rPr lang="en-US" sz="2400" dirty="0" smtClean="0"/>
+              <a:t>Create a post object with a title and content</a:t>
+            </a:r>
+          </a:p>
+          <a:p>
+            <a:pPr marL="457200" lvl="1" indent="-457200">
+              <a:lnSpc>
+                <a:spcPct val="100000"/>
+              </a:lnSpc>
+              <a:spcBef>
+                <a:spcPts val="0"/>
+              </a:spcBef>
+              <a:buFont typeface="+mj-lt"/>
+              <a:buAutoNum type="arabicPeriod"/>
+            </a:pPr>
+            <a:r>
+              <a:rPr lang="en-US" sz="2400" dirty="0" smtClean="0"/>
               <a:t>Call the function to append posts and pass it the post you created</a:t>
             </a:r>
           </a:p>
@@ -31773,10 +31910,7 @@
               <a:buFont typeface="+mj-lt"/>
               <a:buAutoNum type="arabicPeriod"/>
             </a:pPr>
-            <a:r>
-              <a:rPr lang="en-US" dirty="0" smtClean="0"/>
-              <a:t>Create a form with preset values</a:t>
-            </a:r>
+            <a:endParaRPr lang="en-US" sz="2400" dirty="0" smtClean="0"/>
           </a:p>
           <a:p>
             <a:pPr marL="457200" lvl="1" indent="-457200">
@@ -31789,8 +31923,54 @@
               <a:buFont typeface="+mj-lt"/>
               <a:buAutoNum type="arabicPeriod"/>
             </a:pPr>
-            <a:r>
-              <a:rPr lang="en-US" dirty="0" smtClean="0"/>
+            <a:endParaRPr lang="en-US" sz="2400" dirty="0"/>
+          </a:p>
+          <a:p>
+            <a:pPr marL="457200" lvl="1" indent="-457200">
+              <a:lnSpc>
+                <a:spcPct val="100000"/>
+              </a:lnSpc>
+              <a:spcBef>
+                <a:spcPts val="0"/>
+              </a:spcBef>
+              <a:buFont typeface="+mj-lt"/>
+              <a:buAutoNum type="arabicPeriod"/>
+            </a:pPr>
+            <a:endParaRPr lang="en-US" sz="2400" dirty="0" smtClean="0"/>
+          </a:p>
+          <a:p>
+            <a:pPr marL="457200" lvl="1" indent="-457200">
+              <a:lnSpc>
+                <a:spcPct val="100000"/>
+              </a:lnSpc>
+              <a:spcBef>
+                <a:spcPts val="0"/>
+              </a:spcBef>
+              <a:buFont typeface="+mj-lt"/>
+              <a:buAutoNum type="arabicPeriod"/>
+            </a:pPr>
+            <a:r>
+              <a:rPr lang="en-US" sz="2400" dirty="0" smtClean="0"/>
+              <a:t>Create </a:t>
+            </a:r>
+            <a:r>
+              <a:rPr lang="en-US" sz="2400" dirty="0" smtClean="0"/>
+              <a:t>a form with preset values</a:t>
+            </a:r>
+          </a:p>
+          <a:p>
+            <a:pPr marL="457200" lvl="1" indent="-457200">
+              <a:lnSpc>
+                <a:spcPct val="100000"/>
+              </a:lnSpc>
+              <a:spcBef>
+                <a:spcPts val="0"/>
+              </a:spcBef>
+              <a:buFont typeface="+mj-lt"/>
+              <a:buAutoNum type="arabicPeriod"/>
+            </a:pPr>
+            <a:r>
+              <a:rPr lang="en-US" sz="2400" dirty="0" smtClean="0"/>
               <a:t>Get the values from the form and log them in the console</a:t>
             </a:r>
           </a:p>
@@ -31974,8 +32154,8 @@
         </p:nvSpPr>
         <p:spPr>
           <a:xfrm>
-            <a:off x="609600" y="1246909"/>
-            <a:ext cx="7924800" cy="3347713"/>
+            <a:off x="609600" y="1655064"/>
+            <a:ext cx="7924800" cy="2939558"/>
           </a:xfrm>
         </p:spPr>
         <p:txBody>

--- a/A Day of JavaScript Slides.pptx
+++ b/A Day of JavaScript Slides.pptx
@@ -5,7 +5,7 @@
     <p:sldMasterId id="2147483648" r:id="rId1"/>
   </p:sldMasterIdLst>
   <p:notesMasterIdLst>
-    <p:notesMasterId r:id="rId91"/>
+    <p:notesMasterId r:id="rId94"/>
   </p:notesMasterIdLst>
   <p:sldIdLst>
     <p:sldId id="460" r:id="rId2"/>
@@ -97,6 +97,9 @@
     <p:sldId id="425" r:id="rId88"/>
     <p:sldId id="428" r:id="rId89"/>
     <p:sldId id="429" r:id="rId90"/>
+    <p:sldId id="463" r:id="rId91"/>
+    <p:sldId id="464" r:id="rId92"/>
+    <p:sldId id="465" r:id="rId93"/>
   </p:sldIdLst>
   <p:sldSz cx="9144000" cy="5143500" type="screen16x9"/>
   <p:notesSz cx="6858000" cy="9144000"/>
@@ -4611,6 +4614,184 @@
 </p:notes>
 </file>
 
+<file path=ppt/notesSlides/notesSlide48.xml><?xml version="1.0" encoding="utf-8"?>
+<p:notes xmlns:a="http://schemas.openxmlformats.org/drawingml/2006/main" xmlns:r="http://schemas.openxmlformats.org/officeDocument/2006/relationships" xmlns:p="http://schemas.openxmlformats.org/presentationml/2006/main">
+  <p:cSld>
+    <p:spTree>
+      <p:nvGrpSpPr>
+        <p:cNvPr id="1" name=""/>
+        <p:cNvGrpSpPr/>
+        <p:nvPr/>
+      </p:nvGrpSpPr>
+      <p:grpSpPr>
+        <a:xfrm>
+          <a:off x="0" y="0"/>
+          <a:ext cx="0" cy="0"/>
+          <a:chOff x="0" y="0"/>
+          <a:chExt cx="0" cy="0"/>
+        </a:xfrm>
+      </p:grpSpPr>
+      <p:sp>
+        <p:nvSpPr>
+          <p:cNvPr id="2" name="Slide Image Placeholder 1"/>
+          <p:cNvSpPr>
+            <a:spLocks noGrp="1" noRot="1" noChangeAspect="1"/>
+          </p:cNvSpPr>
+          <p:nvPr>
+            <p:ph type="sldImg"/>
+          </p:nvPr>
+        </p:nvSpPr>
+        <p:spPr/>
+      </p:sp>
+      <p:sp>
+        <p:nvSpPr>
+          <p:cNvPr id="3" name="Notes Placeholder 2"/>
+          <p:cNvSpPr>
+            <a:spLocks noGrp="1"/>
+          </p:cNvSpPr>
+          <p:nvPr>
+            <p:ph type="body" idx="1"/>
+          </p:nvPr>
+        </p:nvSpPr>
+        <p:spPr/>
+        <p:txBody>
+          <a:bodyPr/>
+          <a:lstStyle/>
+          <a:p>
+            <a:endParaRPr lang="en-US" dirty="0" smtClean="0">
+              <a:sym typeface="Wingdings"/>
+            </a:endParaRPr>
+          </a:p>
+        </p:txBody>
+      </p:sp>
+      <p:sp>
+        <p:nvSpPr>
+          <p:cNvPr id="4" name="Slide Number Placeholder 3"/>
+          <p:cNvSpPr>
+            <a:spLocks noGrp="1"/>
+          </p:cNvSpPr>
+          <p:nvPr>
+            <p:ph type="sldNum" sz="quarter" idx="10"/>
+          </p:nvPr>
+        </p:nvSpPr>
+        <p:spPr/>
+        <p:txBody>
+          <a:bodyPr/>
+          <a:lstStyle/>
+          <a:p>
+            <a:fld id="{0FF14FD4-8482-CC41-A2CF-24894EA3C62A}" type="slidenum">
+              <a:rPr lang="en-US" smtClean="0"/>
+              <a:t>90</a:t>
+            </a:fld>
+            <a:endParaRPr lang="en-US"/>
+          </a:p>
+        </p:txBody>
+      </p:sp>
+    </p:spTree>
+    <p:extLst>
+      <p:ext uri="{BB962C8B-B14F-4D97-AF65-F5344CB8AC3E}">
+        <p14:creationId xmlns:p14="http://schemas.microsoft.com/office/powerpoint/2010/main" val="823571471"/>
+      </p:ext>
+    </p:extLst>
+  </p:cSld>
+  <p:clrMapOvr>
+    <a:masterClrMapping/>
+  </p:clrMapOvr>
+</p:notes>
+</file>
+
+<file path=ppt/notesSlides/notesSlide49.xml><?xml version="1.0" encoding="utf-8"?>
+<p:notes xmlns:a="http://schemas.openxmlformats.org/drawingml/2006/main" xmlns:r="http://schemas.openxmlformats.org/officeDocument/2006/relationships" xmlns:p="http://schemas.openxmlformats.org/presentationml/2006/main">
+  <p:cSld>
+    <p:spTree>
+      <p:nvGrpSpPr>
+        <p:cNvPr id="1" name=""/>
+        <p:cNvGrpSpPr/>
+        <p:nvPr/>
+      </p:nvGrpSpPr>
+      <p:grpSpPr>
+        <a:xfrm>
+          <a:off x="0" y="0"/>
+          <a:ext cx="0" cy="0"/>
+          <a:chOff x="0" y="0"/>
+          <a:chExt cx="0" cy="0"/>
+        </a:xfrm>
+      </p:grpSpPr>
+      <p:sp>
+        <p:nvSpPr>
+          <p:cNvPr id="2" name="Slide Image Placeholder 1"/>
+          <p:cNvSpPr>
+            <a:spLocks noGrp="1" noRot="1" noChangeAspect="1"/>
+          </p:cNvSpPr>
+          <p:nvPr>
+            <p:ph type="sldImg"/>
+          </p:nvPr>
+        </p:nvSpPr>
+        <p:spPr/>
+      </p:sp>
+      <p:sp>
+        <p:nvSpPr>
+          <p:cNvPr id="3" name="Notes Placeholder 2"/>
+          <p:cNvSpPr>
+            <a:spLocks noGrp="1"/>
+          </p:cNvSpPr>
+          <p:nvPr>
+            <p:ph type="body" idx="1"/>
+          </p:nvPr>
+        </p:nvSpPr>
+        <p:spPr/>
+        <p:txBody>
+          <a:bodyPr/>
+          <a:lstStyle/>
+          <a:p>
+            <a:r>
+              <a:rPr lang="en-US" dirty="0" smtClean="0"/>
+              <a:t>Makes the DOM API way easier to work with.  Not going to look at today since we’re focused</a:t>
+            </a:r>
+            <a:r>
+              <a:rPr lang="en-US" baseline="0" dirty="0" smtClean="0"/>
+              <a:t> on working with vanilla JavaScript, but will see it in the while and not too hard to learn, especially once you know this.</a:t>
+            </a:r>
+            <a:endParaRPr lang="en-US" dirty="0"/>
+          </a:p>
+        </p:txBody>
+      </p:sp>
+      <p:sp>
+        <p:nvSpPr>
+          <p:cNvPr id="4" name="Slide Number Placeholder 3"/>
+          <p:cNvSpPr>
+            <a:spLocks noGrp="1"/>
+          </p:cNvSpPr>
+          <p:nvPr>
+            <p:ph type="sldNum" sz="quarter" idx="10"/>
+          </p:nvPr>
+        </p:nvSpPr>
+        <p:spPr/>
+        <p:txBody>
+          <a:bodyPr/>
+          <a:lstStyle/>
+          <a:p>
+            <a:fld id="{0FF14FD4-8482-CC41-A2CF-24894EA3C62A}" type="slidenum">
+              <a:rPr lang="en-US" smtClean="0"/>
+              <a:t>91</a:t>
+            </a:fld>
+            <a:endParaRPr lang="en-US"/>
+          </a:p>
+        </p:txBody>
+      </p:sp>
+    </p:spTree>
+    <p:extLst>
+      <p:ext uri="{BB962C8B-B14F-4D97-AF65-F5344CB8AC3E}">
+        <p14:creationId xmlns:p14="http://schemas.microsoft.com/office/powerpoint/2010/main" val="118614416"/>
+      </p:ext>
+    </p:extLst>
+  </p:cSld>
+  <p:clrMapOvr>
+    <a:masterClrMapping/>
+  </p:clrMapOvr>
+</p:notes>
+</file>
+
 <file path=ppt/notesSlides/notesSlide5.xml><?xml version="1.0" encoding="utf-8"?>
 <p:notes xmlns:a="http://schemas.openxmlformats.org/drawingml/2006/main" xmlns:r="http://schemas.openxmlformats.org/officeDocument/2006/relationships" xmlns:p="http://schemas.openxmlformats.org/presentationml/2006/main">
   <p:cSld>
@@ -4712,6 +4893,92 @@
     <p:extLst>
       <p:ext uri="{BB962C8B-B14F-4D97-AF65-F5344CB8AC3E}">
         <p14:creationId xmlns:p14="http://schemas.microsoft.com/office/powerpoint/2010/main" val="1107065996"/>
+      </p:ext>
+    </p:extLst>
+  </p:cSld>
+  <p:clrMapOvr>
+    <a:masterClrMapping/>
+  </p:clrMapOvr>
+</p:notes>
+</file>
+
+<file path=ppt/notesSlides/notesSlide50.xml><?xml version="1.0" encoding="utf-8"?>
+<p:notes xmlns:a="http://schemas.openxmlformats.org/drawingml/2006/main" xmlns:r="http://schemas.openxmlformats.org/officeDocument/2006/relationships" xmlns:p="http://schemas.openxmlformats.org/presentationml/2006/main">
+  <p:cSld>
+    <p:spTree>
+      <p:nvGrpSpPr>
+        <p:cNvPr id="1" name=""/>
+        <p:cNvGrpSpPr/>
+        <p:nvPr/>
+      </p:nvGrpSpPr>
+      <p:grpSpPr>
+        <a:xfrm>
+          <a:off x="0" y="0"/>
+          <a:ext cx="0" cy="0"/>
+          <a:chOff x="0" y="0"/>
+          <a:chExt cx="0" cy="0"/>
+        </a:xfrm>
+      </p:grpSpPr>
+      <p:sp>
+        <p:nvSpPr>
+          <p:cNvPr id="2" name="Slide Image Placeholder 1"/>
+          <p:cNvSpPr>
+            <a:spLocks noGrp="1" noRot="1" noChangeAspect="1"/>
+          </p:cNvSpPr>
+          <p:nvPr>
+            <p:ph type="sldImg"/>
+          </p:nvPr>
+        </p:nvSpPr>
+        <p:spPr/>
+      </p:sp>
+      <p:sp>
+        <p:nvSpPr>
+          <p:cNvPr id="3" name="Notes Placeholder 2"/>
+          <p:cNvSpPr>
+            <a:spLocks noGrp="1"/>
+          </p:cNvSpPr>
+          <p:nvPr>
+            <p:ph type="body" idx="1"/>
+          </p:nvPr>
+        </p:nvSpPr>
+        <p:spPr/>
+        <p:txBody>
+          <a:bodyPr/>
+          <a:lstStyle/>
+          <a:p>
+            <a:endParaRPr lang="en-US" dirty="0" smtClean="0">
+              <a:sym typeface="Wingdings"/>
+            </a:endParaRPr>
+          </a:p>
+        </p:txBody>
+      </p:sp>
+      <p:sp>
+        <p:nvSpPr>
+          <p:cNvPr id="4" name="Slide Number Placeholder 3"/>
+          <p:cNvSpPr>
+            <a:spLocks noGrp="1"/>
+          </p:cNvSpPr>
+          <p:nvPr>
+            <p:ph type="sldNum" sz="quarter" idx="10"/>
+          </p:nvPr>
+        </p:nvSpPr>
+        <p:spPr/>
+        <p:txBody>
+          <a:bodyPr/>
+          <a:lstStyle/>
+          <a:p>
+            <a:fld id="{0FF14FD4-8482-CC41-A2CF-24894EA3C62A}" type="slidenum">
+              <a:rPr lang="en-US" smtClean="0"/>
+              <a:t>92</a:t>
+            </a:fld>
+            <a:endParaRPr lang="en-US"/>
+          </a:p>
+        </p:txBody>
+      </p:sp>
+    </p:spTree>
+    <p:extLst>
+      <p:ext uri="{BB962C8B-B14F-4D97-AF65-F5344CB8AC3E}">
+        <p14:creationId xmlns:p14="http://schemas.microsoft.com/office/powerpoint/2010/main" val="635331407"/>
       </p:ext>
     </p:extLst>
   </p:cSld>
@@ -30845,7 +31112,11 @@
           <a:p>
             <a:r>
               <a:rPr lang="en-US" dirty="0" smtClean="0"/>
-              <a:t>DOM Practice #1</a:t>
+              <a:t>DOM Practice </a:t>
+            </a:r>
+            <a:r>
+              <a:rPr lang="en-US" dirty="0" smtClean="0"/>
+              <a:t>01.01</a:t>
             </a:r>
             <a:endParaRPr lang="en-US" dirty="0"/>
           </a:p>
@@ -30974,7 +31245,11 @@
           <a:p>
             <a:r>
               <a:rPr lang="en-US" dirty="0" smtClean="0"/>
-              <a:t>DOM Practice #2</a:t>
+              <a:t>DOM Practice </a:t>
+            </a:r>
+            <a:r>
+              <a:rPr lang="en-US" dirty="0" smtClean="0"/>
+              <a:t>01.02</a:t>
             </a:r>
             <a:endParaRPr lang="en-US" dirty="0"/>
           </a:p>
@@ -31502,7 +31777,11 @@
           <a:p>
             <a:r>
               <a:rPr lang="en-US" dirty="0" smtClean="0"/>
-              <a:t>DOM Practice #3</a:t>
+              <a:t>DOM Practice </a:t>
+            </a:r>
+            <a:r>
+              <a:rPr lang="en-US" dirty="0" smtClean="0"/>
+              <a:t>01.03</a:t>
             </a:r>
             <a:endParaRPr lang="en-US" dirty="0"/>
           </a:p>
@@ -31706,7 +31985,11 @@
           <a:p>
             <a:r>
               <a:rPr lang="en-US" dirty="0" smtClean="0"/>
-              <a:t>DOM Practice #4</a:t>
+              <a:t>DOM Practice </a:t>
+            </a:r>
+            <a:r>
+              <a:rPr lang="en-US" dirty="0" smtClean="0"/>
+              <a:t>**</a:t>
             </a:r>
             <a:endParaRPr lang="en-US" dirty="0"/>
           </a:p>
@@ -31879,7 +32162,11 @@
           <a:p>
             <a:r>
               <a:rPr lang="en-US" dirty="0" smtClean="0"/>
-              <a:t>DOM Practice #5</a:t>
+              <a:t>DOM Practice </a:t>
+            </a:r>
+            <a:r>
+              <a:rPr lang="en-US" dirty="0" smtClean="0"/>
+              <a:t>**</a:t>
             </a:r>
             <a:endParaRPr lang="en-US" dirty="0"/>
           </a:p>
@@ -31911,19 +32198,6 @@
               <a:buAutoNum type="arabicPeriod"/>
             </a:pPr>
             <a:endParaRPr lang="en-US" sz="2400" dirty="0" smtClean="0"/>
-          </a:p>
-          <a:p>
-            <a:pPr marL="457200" lvl="1" indent="-457200">
-              <a:lnSpc>
-                <a:spcPct val="100000"/>
-              </a:lnSpc>
-              <a:spcBef>
-                <a:spcPts val="0"/>
-              </a:spcBef>
-              <a:buFont typeface="+mj-lt"/>
-              <a:buAutoNum type="arabicPeriod"/>
-            </a:pPr>
-            <a:endParaRPr lang="en-US" sz="2400" dirty="0"/>
           </a:p>
           <a:p>
             <a:pPr marL="457200" lvl="1" indent="-457200">
@@ -36327,7 +36601,11 @@
           <a:p>
             <a:r>
               <a:rPr lang="en-US" dirty="0" smtClean="0"/>
-              <a:t>Events Practice #1</a:t>
+              <a:t>Events Practice </a:t>
+            </a:r>
+            <a:r>
+              <a:rPr lang="en-US" dirty="0" smtClean="0"/>
+              <a:t>02.01</a:t>
             </a:r>
             <a:endParaRPr lang="en-US" dirty="0"/>
           </a:p>
@@ -36442,7 +36720,11 @@
           <a:p>
             <a:r>
               <a:rPr lang="en-US" dirty="0" smtClean="0"/>
-              <a:t>Events Practice #2</a:t>
+              <a:t>Events Practice </a:t>
+            </a:r>
+            <a:r>
+              <a:rPr lang="en-US" dirty="0" smtClean="0"/>
+              <a:t>02.02</a:t>
             </a:r>
             <a:endParaRPr lang="en-US" dirty="0"/>
           </a:p>
@@ -36552,7 +36834,11 @@
           <a:p>
             <a:r>
               <a:rPr lang="en-US" dirty="0" smtClean="0"/>
-              <a:t>Events Practice #3</a:t>
+              <a:t>Events Practice </a:t>
+            </a:r>
+            <a:r>
+              <a:rPr lang="en-US" dirty="0" smtClean="0"/>
+              <a:t>02.03</a:t>
             </a:r>
             <a:endParaRPr lang="en-US" dirty="0"/>
           </a:p>
@@ -36990,7 +37276,9 @@
             <a:r>
               <a:rPr lang="mr-IN" sz="2000" dirty="0" smtClean="0">
                 <a:solidFill>
-                  <a:srgbClr val="F8F8F2"/>
+                  <a:schemeClr val="bg1">
+                    <a:lumMod val="95000"/>
+                  </a:schemeClr>
                 </a:solidFill>
                 <a:latin typeface="Monaco" charset="0"/>
               </a:rPr>
@@ -36998,7 +37286,9 @@
             </a:r>
             <a:endParaRPr lang="mr-IN" sz="2000" dirty="0">
               <a:solidFill>
-                <a:srgbClr val="F8F8F2"/>
+                <a:schemeClr val="bg1">
+                  <a:lumMod val="95000"/>
+                </a:schemeClr>
               </a:solidFill>
               <a:latin typeface="Monaco" charset="0"/>
             </a:endParaRPr>
@@ -37007,7 +37297,9 @@
             <a:r>
               <a:rPr lang="en-US" sz="2000" dirty="0" smtClean="0">
                 <a:solidFill>
-                  <a:srgbClr val="F92672"/>
+                  <a:schemeClr val="bg1">
+                    <a:lumMod val="95000"/>
+                  </a:schemeClr>
                 </a:solidFill>
                 <a:latin typeface="Monaco" charset="0"/>
               </a:rPr>
@@ -37016,45 +37308,103 @@
             <a:r>
               <a:rPr lang="en-US" sz="2000" dirty="0">
                 <a:solidFill>
-                  <a:srgbClr val="F92672"/>
-                </a:solidFill>
-                <a:latin typeface="Monaco" charset="0"/>
-              </a:rPr>
-              <a:t>title"</a:t>
+                  <a:schemeClr val="bg1">
+                    <a:lumMod val="95000"/>
+                  </a:schemeClr>
+                </a:solidFill>
+                <a:latin typeface="Monaco" charset="0"/>
+              </a:rPr>
+              <a:t>title": </a:t>
+            </a:r>
+            <a:r>
+              <a:rPr lang="en-US" sz="2000" dirty="0" smtClean="0">
+                <a:solidFill>
+                  <a:schemeClr val="bg1">
+                    <a:lumMod val="95000"/>
+                  </a:schemeClr>
+                </a:solidFill>
+                <a:latin typeface="Monaco" charset="0"/>
+              </a:rPr>
+              <a:t>2,  </a:t>
+            </a:r>
+          </a:p>
+          <a:p>
+            <a:r>
+              <a:rPr lang="en-US" sz="2000" dirty="0" smtClean="0">
+                <a:solidFill>
+                  <a:schemeClr val="bg1">
+                    <a:lumMod val="95000"/>
+                  </a:schemeClr>
+                </a:solidFill>
+                <a:latin typeface="Monaco" charset="0"/>
+              </a:rPr>
+              <a:t>  "</a:t>
             </a:r>
             <a:r>
               <a:rPr lang="en-US" sz="2000" dirty="0">
                 <a:solidFill>
-                  <a:srgbClr val="F8F8F2"/>
-                </a:solidFill>
-                <a:latin typeface="Monaco" charset="0"/>
-              </a:rPr>
-              <a:t>: </a:t>
-            </a:r>
+                  <a:schemeClr val="bg1">
+                    <a:lumMod val="95000"/>
+                  </a:schemeClr>
+                </a:solidFill>
+                <a:latin typeface="Monaco" charset="0"/>
+              </a:rPr>
+              <a:t>title": "Hello JSON!",</a:t>
+            </a:r>
+          </a:p>
+          <a:p>
             <a:r>
               <a:rPr lang="en-US" sz="2000" dirty="0" smtClean="0">
                 <a:solidFill>
-                  <a:srgbClr val="E6DB74"/>
-                </a:solidFill>
-                <a:latin typeface="Monaco" charset="0"/>
-              </a:rPr>
-              <a:t>2</a:t>
-            </a:r>
+                  <a:schemeClr val="bg1">
+                    <a:lumMod val="95000"/>
+                  </a:schemeClr>
+                </a:solidFill>
+                <a:latin typeface="Monaco" charset="0"/>
+              </a:rPr>
+              <a:t>  "</a:t>
+            </a:r>
+            <a:r>
+              <a:rPr lang="en-US" sz="2000" dirty="0">
+                <a:solidFill>
+                  <a:schemeClr val="bg1">
+                    <a:lumMod val="95000"/>
+                  </a:schemeClr>
+                </a:solidFill>
+                <a:latin typeface="Monaco" charset="0"/>
+              </a:rPr>
+              <a:t>slug": "hello-</a:t>
+            </a:r>
+            <a:r>
+              <a:rPr lang="en-US" sz="2000" dirty="0" err="1">
+                <a:solidFill>
+                  <a:schemeClr val="bg1">
+                    <a:lumMod val="95000"/>
+                  </a:schemeClr>
+                </a:solidFill>
+                <a:latin typeface="Monaco" charset="0"/>
+              </a:rPr>
+              <a:t>json</a:t>
+            </a:r>
+            <a:r>
+              <a:rPr lang="en-US" sz="2000" dirty="0">
+                <a:solidFill>
+                  <a:schemeClr val="bg1">
+                    <a:lumMod val="95000"/>
+                  </a:schemeClr>
+                </a:solidFill>
+                <a:latin typeface="Monaco" charset="0"/>
+              </a:rPr>
+              <a:t>",</a:t>
+            </a:r>
+          </a:p>
+          <a:p>
             <a:r>
               <a:rPr lang="en-US" sz="2000" dirty="0" smtClean="0">
                 <a:solidFill>
-                  <a:srgbClr val="F8F8F2"/>
-                </a:solidFill>
-                <a:latin typeface="Monaco" charset="0"/>
-              </a:rPr>
-              <a:t>,  </a:t>
-            </a:r>
-          </a:p>
-          <a:p>
-            <a:r>
-              <a:rPr lang="en-US" sz="2000" dirty="0" smtClean="0">
-                <a:solidFill>
-                  <a:srgbClr val="F92672"/>
+                  <a:schemeClr val="bg1">
+                    <a:lumMod val="95000"/>
+                  </a:schemeClr>
                 </a:solidFill>
                 <a:latin typeface="Monaco" charset="0"/>
               </a:rPr>
@@ -37063,180 +37413,42 @@
             <a:r>
               <a:rPr lang="en-US" sz="2000" dirty="0">
                 <a:solidFill>
-                  <a:srgbClr val="F92672"/>
-                </a:solidFill>
-                <a:latin typeface="Monaco" charset="0"/>
-              </a:rPr>
-              <a:t>title"</a:t>
-            </a:r>
-            <a:r>
-              <a:rPr lang="en-US" sz="2000" dirty="0">
-                <a:solidFill>
-                  <a:srgbClr val="F8F8F2"/>
-                </a:solidFill>
-                <a:latin typeface="Monaco" charset="0"/>
-              </a:rPr>
-              <a:t>: </a:t>
-            </a:r>
-            <a:r>
-              <a:rPr lang="en-US" sz="2000" dirty="0">
-                <a:solidFill>
-                  <a:srgbClr val="E6DB74"/>
-                </a:solidFill>
-                <a:latin typeface="Monaco" charset="0"/>
-              </a:rPr>
-              <a:t>"Hello JSON!"</a:t>
-            </a:r>
-            <a:r>
-              <a:rPr lang="en-US" sz="2000" dirty="0">
-                <a:solidFill>
-                  <a:srgbClr val="F8F8F2"/>
-                </a:solidFill>
-                <a:latin typeface="Monaco" charset="0"/>
-              </a:rPr>
-              <a:t>,</a:t>
-            </a:r>
-          </a:p>
-          <a:p>
-            <a:r>
-              <a:rPr lang="en-US" sz="2000" dirty="0" smtClean="0">
-                <a:solidFill>
-                  <a:srgbClr val="F8F8F2"/>
-                </a:solidFill>
-                <a:latin typeface="Monaco" charset="0"/>
-              </a:rPr>
-              <a:t>  </a:t>
-            </a:r>
-            <a:r>
-              <a:rPr lang="en-US" sz="2000" dirty="0" smtClean="0">
-                <a:solidFill>
-                  <a:srgbClr val="F92672"/>
-                </a:solidFill>
-                <a:latin typeface="Monaco" charset="0"/>
-              </a:rPr>
-              <a:t>"</a:t>
-            </a:r>
-            <a:r>
-              <a:rPr lang="en-US" sz="2000" dirty="0">
-                <a:solidFill>
-                  <a:srgbClr val="F92672"/>
-                </a:solidFill>
-                <a:latin typeface="Monaco" charset="0"/>
-              </a:rPr>
-              <a:t>slug"</a:t>
-            </a:r>
-            <a:r>
-              <a:rPr lang="en-US" sz="2000" dirty="0">
-                <a:solidFill>
-                  <a:srgbClr val="F8F8F2"/>
-                </a:solidFill>
-                <a:latin typeface="Monaco" charset="0"/>
-              </a:rPr>
-              <a:t>: </a:t>
-            </a:r>
-            <a:r>
-              <a:rPr lang="en-US" sz="2000" dirty="0">
-                <a:solidFill>
-                  <a:srgbClr val="E6DB74"/>
-                </a:solidFill>
-                <a:latin typeface="Monaco" charset="0"/>
-              </a:rPr>
-              <a:t>"hello-</a:t>
-            </a:r>
-            <a:r>
-              <a:rPr lang="en-US" sz="2000" dirty="0" err="1">
-                <a:solidFill>
-                  <a:srgbClr val="E6DB74"/>
-                </a:solidFill>
-                <a:latin typeface="Monaco" charset="0"/>
-              </a:rPr>
-              <a:t>json</a:t>
-            </a:r>
-            <a:r>
-              <a:rPr lang="en-US" sz="2000" dirty="0">
-                <a:solidFill>
-                  <a:srgbClr val="E6DB74"/>
-                </a:solidFill>
-                <a:latin typeface="Monaco" charset="0"/>
-              </a:rPr>
-              <a:t>"</a:t>
-            </a:r>
-            <a:r>
-              <a:rPr lang="en-US" sz="2000" dirty="0">
-                <a:solidFill>
-                  <a:srgbClr val="F8F8F2"/>
-                </a:solidFill>
-                <a:latin typeface="Monaco" charset="0"/>
-              </a:rPr>
-              <a:t>,</a:t>
-            </a:r>
-          </a:p>
-          <a:p>
-            <a:r>
-              <a:rPr lang="en-US" sz="2000" dirty="0" smtClean="0">
-                <a:solidFill>
-                  <a:srgbClr val="F8F8F2"/>
-                </a:solidFill>
-                <a:latin typeface="Monaco" charset="0"/>
-              </a:rPr>
-              <a:t>  </a:t>
-            </a:r>
-            <a:r>
-              <a:rPr lang="en-US" sz="2000" dirty="0" smtClean="0">
-                <a:solidFill>
-                  <a:srgbClr val="F92672"/>
-                </a:solidFill>
-                <a:latin typeface="Monaco" charset="0"/>
-              </a:rPr>
-              <a:t>"</a:t>
-            </a:r>
-            <a:r>
-              <a:rPr lang="en-US" sz="2000" dirty="0">
-                <a:solidFill>
-                  <a:srgbClr val="F92672"/>
-                </a:solidFill>
-                <a:latin typeface="Monaco" charset="0"/>
-              </a:rPr>
-              <a:t>content"</a:t>
-            </a:r>
-            <a:r>
-              <a:rPr lang="en-US" sz="2000" dirty="0">
-                <a:solidFill>
-                  <a:srgbClr val="F8F8F2"/>
-                </a:solidFill>
-                <a:latin typeface="Monaco" charset="0"/>
-              </a:rPr>
-              <a:t>: </a:t>
-            </a:r>
-            <a:r>
-              <a:rPr lang="en-US" sz="2000" dirty="0">
-                <a:solidFill>
-                  <a:srgbClr val="E6DB74"/>
-                </a:solidFill>
-                <a:latin typeface="Monaco" charset="0"/>
-              </a:rPr>
-              <a:t>"Some post content goes here."</a:t>
-            </a:r>
-            <a:endParaRPr lang="en-US" sz="2000" dirty="0">
+                  <a:schemeClr val="bg1">
+                    <a:lumMod val="95000"/>
+                  </a:schemeClr>
+                </a:solidFill>
+                <a:latin typeface="Monaco" charset="0"/>
+              </a:rPr>
+              <a:t>content": "Some post content goes here."</a:t>
+            </a:r>
+          </a:p>
+          <a:p>
+            <a:r>
+              <a:rPr lang="mr-IN" sz="2000" dirty="0" smtClean="0">
+                <a:solidFill>
+                  <a:schemeClr val="bg1">
+                    <a:lumMod val="95000"/>
+                  </a:schemeClr>
+                </a:solidFill>
+                <a:latin typeface="Monaco" charset="0"/>
+              </a:rPr>
+              <a:t>}</a:t>
+            </a:r>
+            <a:endParaRPr lang="en-US" sz="2000" dirty="0" smtClean="0">
               <a:solidFill>
-                <a:srgbClr val="F8F8F2"/>
+                <a:schemeClr val="bg1">
+                  <a:lumMod val="95000"/>
+                </a:schemeClr>
               </a:solidFill>
               <a:latin typeface="Monaco" charset="0"/>
             </a:endParaRPr>
           </a:p>
           <a:p>
-            <a:r>
-              <a:rPr lang="mr-IN" sz="2000" dirty="0" smtClean="0">
-                <a:solidFill>
-                  <a:srgbClr val="F8F8F2"/>
-                </a:solidFill>
-                <a:latin typeface="Monaco" charset="0"/>
-              </a:rPr>
-              <a:t>}</a:t>
-            </a:r>
             <a:endParaRPr lang="mr-IN" sz="2000" dirty="0">
               <a:solidFill>
-                <a:srgbClr val="F8F8F2"/>
+                <a:schemeClr val="bg1">
+                  <a:lumMod val="95000"/>
+                </a:schemeClr>
               </a:solidFill>
               <a:latin typeface="Monaco" charset="0"/>
             </a:endParaRPr>
@@ -38251,16 +38463,34 @@
               <a:t> </a:t>
             </a:r>
             <a:r>
+              <a:rPr lang="en-US" sz="2000" dirty="0" smtClean="0">
+                <a:solidFill>
+                  <a:srgbClr val="E6DB74"/>
+                </a:solidFill>
+                <a:latin typeface="Monaco" charset="0"/>
+              </a:rPr>
+              <a:t>'{ </a:t>
+            </a:r>
+            <a:r>
               <a:rPr lang="en-US" sz="2000" dirty="0">
                 <a:solidFill>
                   <a:srgbClr val="E6DB74"/>
                 </a:solidFill>
                 <a:latin typeface="Monaco" charset="0"/>
               </a:rPr>
-              <a:t>'{ "id": 1, "title": "Hello JSON!" }'</a:t>
-            </a:r>
-            <a:r>
-              <a:rPr lang="en-US" sz="2000" dirty="0">
+              <a:t>"id": 1, "title": "Hello JSON!" </a:t>
+            </a:r>
+            <a:r>
+              <a:rPr lang="en-US" sz="2000" dirty="0" smtClean="0">
+                <a:solidFill>
+                  <a:srgbClr val="E6DB74"/>
+                </a:solidFill>
+                <a:latin typeface="Monaco" charset="0"/>
+              </a:rPr>
+              <a:t>}'</a:t>
+            </a:r>
+            <a:r>
+              <a:rPr lang="en-US" sz="2000" dirty="0" smtClean="0">
                 <a:solidFill>
                   <a:srgbClr val="F8F8F2"/>
                 </a:solidFill>
@@ -38268,6 +38498,12 @@
               </a:rPr>
               <a:t>,</a:t>
             </a:r>
+            <a:endParaRPr lang="en-US" sz="2000" dirty="0">
+              <a:solidFill>
+                <a:srgbClr val="F8F8F2"/>
+              </a:solidFill>
+              <a:latin typeface="Monaco" charset="0"/>
+            </a:endParaRPr>
           </a:p>
           <a:p>
             <a:r>
@@ -39342,7 +39578,7 @@
               <a:t>https://</a:t>
             </a:r>
             <a:r>
-              <a:rPr lang="en-US" sz="2000" dirty="0" err="1">
+              <a:rPr lang="en-US" sz="2000" dirty="0" err="1" smtClean="0">
                 <a:solidFill>
                   <a:srgbClr val="A6E22E"/>
                 </a:solidFill>
@@ -39351,7 +39587,7 @@
               <a:t>site.com</a:t>
             </a:r>
             <a:r>
-              <a:rPr lang="en-US" sz="2000" dirty="0">
+              <a:rPr lang="en-US" sz="2000" dirty="0" smtClean="0">
                 <a:solidFill>
                   <a:srgbClr val="A6E22E"/>
                 </a:solidFill>
@@ -39360,16 +39596,43 @@
               <a:t>/</a:t>
             </a:r>
             <a:r>
-              <a:rPr lang="en-US" sz="2000" dirty="0" err="1">
+              <a:rPr lang="en-US" sz="2000" dirty="0" err="1" smtClean="0">
                 <a:solidFill>
                   <a:srgbClr val="A6E22E"/>
                 </a:solidFill>
                 <a:latin typeface="Monaco" charset="0"/>
               </a:rPr>
-              <a:t>posts.json</a:t>
-            </a:r>
-            <a:r>
-              <a:rPr lang="en-US" sz="2000" dirty="0">
+              <a:t>wp-json</a:t>
+            </a:r>
+            <a:r>
+              <a:rPr lang="en-US" sz="2000" dirty="0" smtClean="0">
+                <a:solidFill>
+                  <a:srgbClr val="A6E22E"/>
+                </a:solidFill>
+                <a:latin typeface="Monaco" charset="0"/>
+              </a:rPr>
+              <a:t>/</a:t>
+            </a:r>
+            <a:r>
+              <a:rPr lang="en-US" sz="2000" dirty="0" err="1" smtClean="0">
+                <a:solidFill>
+                  <a:srgbClr val="A6E22E"/>
+                </a:solidFill>
+                <a:latin typeface="Monaco" charset="0"/>
+              </a:rPr>
+              <a:t>wp</a:t>
+            </a:r>
+            <a:r>
+              <a:rPr lang="en-US" sz="2000" dirty="0" smtClean="0">
+                <a:solidFill>
+                  <a:srgbClr val="A6E22E"/>
+                </a:solidFill>
+                <a:latin typeface="Monaco" charset="0"/>
+              </a:rPr>
+              <a:t>/v2/posts</a:t>
+            </a:r>
+            <a:r>
+              <a:rPr lang="en-US" sz="2000" dirty="0" smtClean="0">
                 <a:solidFill>
                   <a:srgbClr val="960050"/>
                 </a:solidFill>
@@ -39378,7 +39641,7 @@
               <a:t>’</a:t>
             </a:r>
             <a:r>
-              <a:rPr lang="en-US" sz="2000" dirty="0">
+              <a:rPr lang="en-US" sz="2000" dirty="0" smtClean="0">
                 <a:solidFill>
                   <a:srgbClr val="75715E"/>
                 </a:solidFill>
@@ -40013,7 +40276,7 @@
         </p:nvSpPr>
         <p:spPr>
           <a:xfrm>
-            <a:off x="609600" y="932688"/>
+            <a:off x="609600" y="886968"/>
             <a:ext cx="8534400" cy="3831644"/>
           </a:xfrm>
         </p:spPr>
@@ -40050,40 +40313,76 @@
               <a:t>( </a:t>
             </a:r>
             <a:r>
+              <a:rPr lang="en-US" sz="1800" dirty="0" smtClean="0">
+                <a:solidFill>
+                  <a:srgbClr val="E6DB74"/>
+                </a:solidFill>
+                <a:latin typeface="Monaco" charset="0"/>
+              </a:rPr>
+              <a:t>'https</a:t>
+            </a:r>
+            <a:r>
+              <a:rPr lang="en-US" sz="1800" dirty="0" smtClean="0">
+                <a:solidFill>
+                  <a:srgbClr val="E6DB74"/>
+                </a:solidFill>
+                <a:latin typeface="Monaco" charset="0"/>
+              </a:rPr>
+              <a:t>://</a:t>
+            </a:r>
+            <a:r>
               <a:rPr lang="en-US" sz="1800" dirty="0" err="1" smtClean="0">
                 <a:solidFill>
-                  <a:srgbClr val="A6E22E"/>
-                </a:solidFill>
-                <a:latin typeface="Monaco" charset="0"/>
-              </a:rPr>
-              <a:t>apiURL</a:t>
+                  <a:srgbClr val="E6DB74"/>
+                </a:solidFill>
+                <a:latin typeface="Monaco" charset="0"/>
+              </a:rPr>
+              <a:t>site.com</a:t>
             </a:r>
             <a:r>
               <a:rPr lang="en-US" sz="1800" dirty="0" smtClean="0">
                 <a:solidFill>
-                  <a:srgbClr val="F8F8F2"/>
-                </a:solidFill>
-                <a:latin typeface="Monaco" charset="0"/>
-              </a:rPr>
-              <a:t> </a:t>
+                  <a:srgbClr val="E6DB74"/>
+                </a:solidFill>
+                <a:latin typeface="Monaco" charset="0"/>
+              </a:rPr>
+              <a:t>/</a:t>
+            </a:r>
+            <a:r>
+              <a:rPr lang="en-US" sz="1800" dirty="0" err="1" smtClean="0">
+                <a:solidFill>
+                  <a:srgbClr val="E6DB74"/>
+                </a:solidFill>
+                <a:latin typeface="Monaco" charset="0"/>
+              </a:rPr>
+              <a:t>wp-json</a:t>
             </a:r>
             <a:r>
               <a:rPr lang="en-US" sz="1800" dirty="0" smtClean="0">
                 <a:solidFill>
-                  <a:srgbClr val="F92672"/>
-                </a:solidFill>
-                <a:latin typeface="Monaco" charset="0"/>
-              </a:rPr>
-              <a:t>+</a:t>
+                  <a:srgbClr val="E6DB74"/>
+                </a:solidFill>
+                <a:latin typeface="Monaco" charset="0"/>
+              </a:rPr>
+              <a:t>/</a:t>
+            </a:r>
+            <a:r>
+              <a:rPr lang="en-US" sz="1800" dirty="0" err="1" smtClean="0">
+                <a:solidFill>
+                  <a:srgbClr val="E6DB74"/>
+                </a:solidFill>
+                <a:latin typeface="Monaco" charset="0"/>
+              </a:rPr>
+              <a:t>wp</a:t>
             </a:r>
             <a:r>
               <a:rPr lang="en-US" sz="1800" dirty="0" smtClean="0">
                 <a:solidFill>
-                  <a:srgbClr val="F8F8F2"/>
-                </a:solidFill>
-                <a:latin typeface="Monaco" charset="0"/>
-              </a:rPr>
-              <a:t> </a:t>
+                  <a:srgbClr val="E6DB74"/>
+                </a:solidFill>
+                <a:latin typeface="Monaco" charset="0"/>
+              </a:rPr>
+              <a:t>/v2/posts</a:t>
             </a:r>
             <a:r>
               <a:rPr lang="en-US" sz="1800" dirty="0">
@@ -40092,25 +40391,7 @@
                 </a:solidFill>
                 <a:latin typeface="Monaco" charset="0"/>
               </a:rPr>
-              <a:t>'/</a:t>
-            </a:r>
-            <a:r>
-              <a:rPr lang="en-US" sz="1800" dirty="0" err="1">
-                <a:solidFill>
-                  <a:srgbClr val="E6DB74"/>
-                </a:solidFill>
-                <a:latin typeface="Monaco" charset="0"/>
-              </a:rPr>
-              <a:t>wp</a:t>
-            </a:r>
-            <a:r>
-              <a:rPr lang="en-US" sz="1800" dirty="0">
-                <a:solidFill>
-                  <a:srgbClr val="E6DB74"/>
-                </a:solidFill>
-                <a:latin typeface="Monaco" charset="0"/>
-              </a:rPr>
-              <a:t>/v2/posts'</a:t>
+              <a:t>'</a:t>
             </a:r>
             <a:r>
               <a:rPr lang="en-US" sz="1800" dirty="0">
@@ -41990,7 +42271,11 @@
           <a:p>
             <a:r>
               <a:rPr lang="en-US" dirty="0" smtClean="0"/>
-              <a:t>JSON Practice #1</a:t>
+              <a:t>JSON Practice </a:t>
+            </a:r>
+            <a:r>
+              <a:rPr lang="en-US" dirty="0" smtClean="0"/>
+              <a:t>03.01</a:t>
             </a:r>
             <a:endParaRPr lang="en-US" dirty="0"/>
           </a:p>
@@ -42113,7 +42398,11 @@
           <a:p>
             <a:r>
               <a:rPr lang="en-US" dirty="0" smtClean="0"/>
-              <a:t>JSON Practice #2</a:t>
+              <a:t>JSON Practice </a:t>
+            </a:r>
+            <a:r>
+              <a:rPr lang="en-US" dirty="0" smtClean="0"/>
+              <a:t>03.02</a:t>
             </a:r>
             <a:endParaRPr lang="en-US" dirty="0"/>
           </a:p>
@@ -42236,7 +42525,11 @@
           <a:p>
             <a:r>
               <a:rPr lang="en-US" dirty="0" smtClean="0"/>
-              <a:t>JSON Practice #3</a:t>
+              <a:t>JSON Practice </a:t>
+            </a:r>
+            <a:r>
+              <a:rPr lang="en-US" dirty="0" smtClean="0"/>
+              <a:t>03.03</a:t>
             </a:r>
             <a:endParaRPr lang="en-US" dirty="0"/>
           </a:p>
@@ -42515,6 +42808,497 @@
     <p:bldLst>
       <p:bldP spid="2" grpId="0"/>
     </p:bldLst>
+  </p:timing>
+</p:sld>
+</file>
+
+<file path=ppt/slides/slide90.xml><?xml version="1.0" encoding="utf-8"?>
+<p:sld xmlns:a="http://schemas.openxmlformats.org/drawingml/2006/main" xmlns:r="http://schemas.openxmlformats.org/officeDocument/2006/relationships" xmlns:p="http://schemas.openxmlformats.org/presentationml/2006/main">
+  <p:cSld>
+    <p:spTree>
+      <p:nvGrpSpPr>
+        <p:cNvPr id="1" name=""/>
+        <p:cNvGrpSpPr/>
+        <p:nvPr/>
+      </p:nvGrpSpPr>
+      <p:grpSpPr>
+        <a:xfrm>
+          <a:off x="0" y="0"/>
+          <a:ext cx="0" cy="0"/>
+          <a:chOff x="0" y="0"/>
+          <a:chExt cx="0" cy="0"/>
+        </a:xfrm>
+      </p:grpSpPr>
+      <p:sp>
+        <p:nvSpPr>
+          <p:cNvPr id="2" name="Title 1"/>
+          <p:cNvSpPr>
+            <a:spLocks noGrp="1"/>
+          </p:cNvSpPr>
+          <p:nvPr>
+            <p:ph type="title"/>
+          </p:nvPr>
+        </p:nvSpPr>
+        <p:spPr/>
+        <p:txBody>
+          <a:bodyPr/>
+          <a:lstStyle/>
+          <a:p>
+            <a:r>
+              <a:rPr lang="en-US" dirty="0" smtClean="0"/>
+              <a:t>WP API + JS in a Theme</a:t>
+            </a:r>
+            <a:endParaRPr lang="en-US" dirty="0"/>
+          </a:p>
+        </p:txBody>
+      </p:sp>
+      <p:sp>
+        <p:nvSpPr>
+          <p:cNvPr id="3" name="Content Placeholder 2"/>
+          <p:cNvSpPr>
+            <a:spLocks noGrp="1"/>
+          </p:cNvSpPr>
+          <p:nvPr>
+            <p:ph idx="1"/>
+          </p:nvPr>
+        </p:nvSpPr>
+        <p:spPr>
+          <a:xfrm>
+            <a:off x="609600" y="1392860"/>
+            <a:ext cx="7924800" cy="3181293"/>
+          </a:xfrm>
+        </p:spPr>
+        <p:txBody>
+          <a:bodyPr/>
+          <a:lstStyle/>
+          <a:p>
+            <a:pPr marL="457200" indent="-457200">
+              <a:buFont typeface="+mj-lt"/>
+              <a:buAutoNum type="arabicPeriod"/>
+            </a:pPr>
+            <a:r>
+              <a:rPr lang="en-US" smtClean="0"/>
+              <a:t>Add </a:t>
+            </a:r>
+            <a:r>
+              <a:rPr lang="en-US" dirty="0" smtClean="0"/>
+              <a:t>the </a:t>
+            </a:r>
+            <a:r>
+              <a:rPr lang="en-US" dirty="0" err="1" smtClean="0"/>
+              <a:t>apidemo.zip</a:t>
+            </a:r>
+            <a:r>
+              <a:rPr lang="en-US" dirty="0" smtClean="0"/>
+              <a:t> theme to your WP site</a:t>
+            </a:r>
+            <a:endParaRPr lang="en-US" dirty="0" smtClean="0"/>
+          </a:p>
+          <a:p>
+            <a:pPr marL="457200" indent="-457200">
+              <a:buFont typeface="+mj-lt"/>
+              <a:buAutoNum type="arabicPeriod"/>
+            </a:pPr>
+            <a:r>
+              <a:rPr lang="en-US" dirty="0" err="1" smtClean="0"/>
+              <a:t>Functions.php</a:t>
+            </a:r>
+            <a:r>
+              <a:rPr lang="en-US" dirty="0" smtClean="0"/>
+              <a:t> </a:t>
+            </a:r>
+            <a:r>
+              <a:rPr lang="en-US" dirty="0" err="1" smtClean="0"/>
+              <a:t>enqueue</a:t>
+            </a:r>
+            <a:r>
+              <a:rPr lang="en-US" dirty="0" smtClean="0"/>
+              <a:t> </a:t>
+            </a:r>
+            <a:r>
+              <a:rPr lang="en-US" dirty="0" err="1" smtClean="0"/>
+              <a:t>main.js</a:t>
+            </a:r>
+            <a:r>
+              <a:rPr lang="en-US" dirty="0"/>
+              <a:t> </a:t>
+            </a:r>
+            <a:r>
+              <a:rPr lang="en-US" dirty="0" smtClean="0"/>
+              <a:t>with dependency of </a:t>
+            </a:r>
+            <a:r>
+              <a:rPr lang="en-US" dirty="0" err="1" smtClean="0"/>
+              <a:t>wp-api</a:t>
+            </a:r>
+            <a:r>
+              <a:rPr lang="en-US" dirty="0" smtClean="0"/>
+              <a:t> and </a:t>
+            </a:r>
+            <a:r>
+              <a:rPr lang="en-US" dirty="0" err="1" smtClean="0"/>
+              <a:t>jquery</a:t>
+            </a:r>
+            <a:endParaRPr lang="en-US" dirty="0" smtClean="0"/>
+          </a:p>
+          <a:p>
+            <a:pPr marL="457200" indent="-457200">
+              <a:buFont typeface="+mj-lt"/>
+              <a:buAutoNum type="arabicPeriod"/>
+            </a:pPr>
+            <a:r>
+              <a:rPr lang="en-US" dirty="0"/>
+              <a:t>Use new </a:t>
+            </a:r>
+            <a:r>
+              <a:rPr lang="en-US" dirty="0" err="1"/>
+              <a:t>wp.api.collections.Posts</a:t>
+            </a:r>
+            <a:r>
+              <a:rPr lang="en-US" dirty="0" smtClean="0"/>
+              <a:t>() and .fetch to get posts from WP Site</a:t>
+            </a:r>
+          </a:p>
+          <a:p>
+            <a:pPr marL="457200" indent="-457200">
+              <a:buFont typeface="+mj-lt"/>
+              <a:buAutoNum type="arabicPeriod"/>
+            </a:pPr>
+            <a:r>
+              <a:rPr lang="en-US" dirty="0"/>
+              <a:t>Use </a:t>
+            </a:r>
+            <a:r>
+              <a:rPr lang="en-US" dirty="0" smtClean="0"/>
+              <a:t>JavaScript (and jQuery) to add the posts to the page</a:t>
+            </a:r>
+          </a:p>
+        </p:txBody>
+      </p:sp>
+      <p:sp>
+        <p:nvSpPr>
+          <p:cNvPr id="4" name="Content Placeholder 3"/>
+          <p:cNvSpPr>
+            <a:spLocks noGrp="1"/>
+          </p:cNvSpPr>
+          <p:nvPr>
+            <p:ph sz="quarter" idx="11"/>
+          </p:nvPr>
+        </p:nvSpPr>
+        <p:spPr/>
+        <p:txBody>
+          <a:bodyPr/>
+          <a:lstStyle/>
+          <a:p>
+            <a:r>
+              <a:rPr lang="en-US" dirty="0" smtClean="0"/>
+              <a:t>WP API + JS in a Theme</a:t>
+            </a:r>
+            <a:endParaRPr lang="en-US" dirty="0"/>
+          </a:p>
+        </p:txBody>
+      </p:sp>
+    </p:spTree>
+    <p:extLst>
+      <p:ext uri="{BB962C8B-B14F-4D97-AF65-F5344CB8AC3E}">
+        <p14:creationId xmlns:p14="http://schemas.microsoft.com/office/powerpoint/2010/main" val="1632095686"/>
+      </p:ext>
+    </p:extLst>
+  </p:cSld>
+  <p:clrMapOvr>
+    <a:masterClrMapping/>
+  </p:clrMapOvr>
+  <p:timing>
+    <p:tnLst>
+      <p:par>
+        <p:cTn id="1" dur="indefinite" restart="never" nodeType="tmRoot"/>
+      </p:par>
+    </p:tnLst>
+  </p:timing>
+</p:sld>
+</file>
+
+<file path=ppt/slides/slide91.xml><?xml version="1.0" encoding="utf-8"?>
+<p:sld xmlns:a="http://schemas.openxmlformats.org/drawingml/2006/main" xmlns:r="http://schemas.openxmlformats.org/officeDocument/2006/relationships" xmlns:p="http://schemas.openxmlformats.org/presentationml/2006/main">
+  <p:cSld>
+    <p:spTree>
+      <p:nvGrpSpPr>
+        <p:cNvPr id="1" name=""/>
+        <p:cNvGrpSpPr/>
+        <p:nvPr/>
+      </p:nvGrpSpPr>
+      <p:grpSpPr>
+        <a:xfrm>
+          <a:off x="0" y="0"/>
+          <a:ext cx="0" cy="0"/>
+          <a:chOff x="0" y="0"/>
+          <a:chExt cx="0" cy="0"/>
+        </a:xfrm>
+      </p:grpSpPr>
+      <p:sp>
+        <p:nvSpPr>
+          <p:cNvPr id="2" name="Title 1"/>
+          <p:cNvSpPr>
+            <a:spLocks noGrp="1"/>
+          </p:cNvSpPr>
+          <p:nvPr>
+            <p:ph type="ctrTitle"/>
+          </p:nvPr>
+        </p:nvSpPr>
+        <p:spPr/>
+        <p:txBody>
+          <a:bodyPr/>
+          <a:lstStyle/>
+          <a:p>
+            <a:r>
+              <a:rPr lang="en-US" sz="4200" dirty="0"/>
+              <a:t>A Day of </a:t>
+            </a:r>
+            <a:r>
+              <a:rPr lang="en-US" sz="4200" dirty="0" smtClean="0"/>
+              <a:t>JavaScript </a:t>
+            </a:r>
+            <a:endParaRPr lang="en-US" sz="4200" dirty="0">
+              <a:latin typeface="Pacifico" charset="0"/>
+              <a:ea typeface="Pacifico" charset="0"/>
+              <a:cs typeface="Pacifico" charset="0"/>
+            </a:endParaRPr>
+          </a:p>
+        </p:txBody>
+      </p:sp>
+      <p:sp>
+        <p:nvSpPr>
+          <p:cNvPr id="3" name="Content Placeholder 2"/>
+          <p:cNvSpPr>
+            <a:spLocks noGrp="1"/>
+          </p:cNvSpPr>
+          <p:nvPr>
+            <p:ph sz="quarter" idx="11"/>
+          </p:nvPr>
+        </p:nvSpPr>
+        <p:spPr/>
+        <p:txBody>
+          <a:bodyPr/>
+          <a:lstStyle/>
+          <a:p>
+            <a:r>
+              <a:rPr lang="en-US" dirty="0" smtClean="0"/>
+              <a:t>Wrap Up</a:t>
+            </a:r>
+            <a:endParaRPr lang="en-US" dirty="0"/>
+          </a:p>
+        </p:txBody>
+      </p:sp>
+      <p:sp>
+        <p:nvSpPr>
+          <p:cNvPr id="4" name="Rectangle 3"/>
+          <p:cNvSpPr/>
+          <p:nvPr/>
+        </p:nvSpPr>
+        <p:spPr>
+          <a:xfrm>
+            <a:off x="4027620" y="1871972"/>
+            <a:ext cx="1088760" cy="461665"/>
+          </a:xfrm>
+          <a:prstGeom prst="rect">
+            <a:avLst/>
+          </a:prstGeom>
+        </p:spPr>
+        <p:txBody>
+          <a:bodyPr wrap="none">
+            <a:spAutoFit/>
+          </a:bodyPr>
+          <a:lstStyle/>
+          <a:p>
+            <a:r>
+              <a:rPr lang="en-US" sz="2400">
+                <a:solidFill>
+                  <a:schemeClr val="bg1">
+                    <a:lumMod val="95000"/>
+                  </a:schemeClr>
+                </a:solidFill>
+                <a:latin typeface="Pacifico" charset="0"/>
+                <a:ea typeface="Pacifico" charset="0"/>
+                <a:cs typeface="Pacifico" charset="0"/>
+              </a:rPr>
+              <a:t>Review</a:t>
+            </a:r>
+            <a:endParaRPr lang="en-US" sz="2400">
+              <a:solidFill>
+                <a:schemeClr val="bg1">
+                  <a:lumMod val="95000"/>
+                </a:schemeClr>
+              </a:solidFill>
+            </a:endParaRPr>
+          </a:p>
+        </p:txBody>
+      </p:sp>
+    </p:spTree>
+    <p:extLst>
+      <p:ext uri="{BB962C8B-B14F-4D97-AF65-F5344CB8AC3E}">
+        <p14:creationId xmlns:p14="http://schemas.microsoft.com/office/powerpoint/2010/main" val="1822307990"/>
+      </p:ext>
+    </p:extLst>
+  </p:cSld>
+  <p:clrMapOvr>
+    <a:masterClrMapping/>
+  </p:clrMapOvr>
+  <p:timing>
+    <p:tnLst>
+      <p:par>
+        <p:cTn id="1" dur="indefinite" restart="never" nodeType="tmRoot"/>
+      </p:par>
+    </p:tnLst>
+  </p:timing>
+</p:sld>
+</file>
+
+<file path=ppt/slides/slide92.xml><?xml version="1.0" encoding="utf-8"?>
+<p:sld xmlns:a="http://schemas.openxmlformats.org/drawingml/2006/main" xmlns:r="http://schemas.openxmlformats.org/officeDocument/2006/relationships" xmlns:p="http://schemas.openxmlformats.org/presentationml/2006/main">
+  <p:cSld>
+    <p:spTree>
+      <p:nvGrpSpPr>
+        <p:cNvPr id="1" name=""/>
+        <p:cNvGrpSpPr/>
+        <p:nvPr/>
+      </p:nvGrpSpPr>
+      <p:grpSpPr>
+        <a:xfrm>
+          <a:off x="0" y="0"/>
+          <a:ext cx="0" cy="0"/>
+          <a:chOff x="0" y="0"/>
+          <a:chExt cx="0" cy="0"/>
+        </a:xfrm>
+      </p:grpSpPr>
+      <p:sp>
+        <p:nvSpPr>
+          <p:cNvPr id="2" name="Title 1"/>
+          <p:cNvSpPr>
+            <a:spLocks noGrp="1"/>
+          </p:cNvSpPr>
+          <p:nvPr>
+            <p:ph type="title"/>
+          </p:nvPr>
+        </p:nvSpPr>
+        <p:spPr/>
+        <p:txBody>
+          <a:bodyPr/>
+          <a:lstStyle/>
+          <a:p>
+            <a:r>
+              <a:rPr lang="en-US" dirty="0"/>
+              <a:t>A Day of </a:t>
+            </a:r>
+            <a:r>
+              <a:rPr lang="en-US" dirty="0" smtClean="0"/>
+              <a:t>JavaScript Review</a:t>
+            </a:r>
+            <a:endParaRPr lang="en-US" dirty="0"/>
+          </a:p>
+        </p:txBody>
+      </p:sp>
+      <p:sp>
+        <p:nvSpPr>
+          <p:cNvPr id="3" name="Content Placeholder 2"/>
+          <p:cNvSpPr>
+            <a:spLocks noGrp="1"/>
+          </p:cNvSpPr>
+          <p:nvPr>
+            <p:ph idx="1"/>
+          </p:nvPr>
+        </p:nvSpPr>
+        <p:spPr>
+          <a:xfrm>
+            <a:off x="609600" y="1392860"/>
+            <a:ext cx="7924800" cy="3181293"/>
+          </a:xfrm>
+        </p:spPr>
+        <p:txBody>
+          <a:bodyPr/>
+          <a:lstStyle/>
+          <a:p>
+            <a:pPr marL="457200" indent="-457200">
+              <a:buFont typeface="+mj-lt"/>
+              <a:buAutoNum type="arabicPeriod"/>
+            </a:pPr>
+            <a:r>
+              <a:rPr lang="en-US" dirty="0" smtClean="0"/>
+              <a:t>Programming </a:t>
+            </a:r>
+            <a:r>
+              <a:rPr lang="en-US" dirty="0"/>
+              <a:t>R</a:t>
+            </a:r>
+            <a:r>
+              <a:rPr lang="en-US" dirty="0" smtClean="0"/>
+              <a:t>eview: variables, arrays, functions, objects, loops, conditional statements</a:t>
+            </a:r>
+          </a:p>
+          <a:p>
+            <a:pPr marL="457200" indent="-457200">
+              <a:buFont typeface="+mj-lt"/>
+              <a:buAutoNum type="arabicPeriod"/>
+            </a:pPr>
+            <a:r>
+              <a:rPr lang="en-US" dirty="0" smtClean="0"/>
+              <a:t>The Document Object Model: </a:t>
+            </a:r>
+          </a:p>
+          <a:p>
+            <a:pPr marL="457200" indent="-457200">
+              <a:buFont typeface="+mj-lt"/>
+              <a:buAutoNum type="arabicPeriod"/>
+            </a:pPr>
+            <a:endParaRPr lang="en-US" dirty="0" smtClean="0"/>
+          </a:p>
+          <a:p>
+            <a:pPr marL="457200" indent="-457200">
+              <a:buFont typeface="+mj-lt"/>
+              <a:buAutoNum type="arabicPeriod"/>
+            </a:pPr>
+            <a:endParaRPr lang="en-US" dirty="0" smtClean="0"/>
+          </a:p>
+        </p:txBody>
+      </p:sp>
+      <p:sp>
+        <p:nvSpPr>
+          <p:cNvPr id="4" name="Content Placeholder 3"/>
+          <p:cNvSpPr>
+            <a:spLocks noGrp="1"/>
+          </p:cNvSpPr>
+          <p:nvPr>
+            <p:ph sz="quarter" idx="11"/>
+          </p:nvPr>
+        </p:nvSpPr>
+        <p:spPr/>
+        <p:txBody>
+          <a:bodyPr/>
+          <a:lstStyle/>
+          <a:p>
+            <a:r>
+              <a:rPr lang="en-US" dirty="0" smtClean="0"/>
+              <a:t>WP API + JS in a Theme</a:t>
+            </a:r>
+            <a:endParaRPr lang="en-US" dirty="0"/>
+          </a:p>
+        </p:txBody>
+      </p:sp>
+    </p:spTree>
+    <p:extLst>
+      <p:ext uri="{BB962C8B-B14F-4D97-AF65-F5344CB8AC3E}">
+        <p14:creationId xmlns:p14="http://schemas.microsoft.com/office/powerpoint/2010/main" val="14731716"/>
+      </p:ext>
+    </p:extLst>
+  </p:cSld>
+  <p:clrMapOvr>
+    <a:masterClrMapping/>
+  </p:clrMapOvr>
+  <p:timing>
+    <p:tnLst>
+      <p:par>
+        <p:cTn id="1" dur="indefinite" restart="never" nodeType="tmRoot"/>
+      </p:par>
+    </p:tnLst>
   </p:timing>
 </p:sld>
 </file>

--- a/A Day of JavaScript Slides.pptx
+++ b/A Day of JavaScript Slides.pptx
@@ -299,7 +299,7 @@
           <a:p>
             <a:fld id="{83B6AA6D-E72A-DA4B-A1AE-4659647E1FC4}" type="datetimeFigureOut">
               <a:rPr lang="en-US" smtClean="0"/>
-              <a:t>3/8/17</a:t>
+              <a:t>3/12/17</a:t>
             </a:fld>
             <a:endParaRPr lang="en-US"/>
           </a:p>
@@ -21468,16 +21468,7 @@
                 </a:solidFill>
                 <a:latin typeface="Monaco" charset="0"/>
               </a:rPr>
-              <a:t> ) </a:t>
-            </a:r>
-            <a:r>
-              <a:rPr lang="en-US" sz="1800" dirty="0" smtClean="0">
-                <a:solidFill>
-                  <a:srgbClr val="F8F8F2"/>
-                </a:solidFill>
-                <a:latin typeface="Monaco" charset="0"/>
-              </a:rPr>
-              <a:t>{</a:t>
+              <a:t> ) {</a:t>
             </a:r>
             <a:endParaRPr lang="en-US" sz="1800" dirty="0">
               <a:solidFill>
@@ -29393,12 +29384,6 @@
               </a:rPr>
               <a:t>( child )</a:t>
             </a:r>
-            <a:endParaRPr lang="en-US" sz="2800" dirty="0" smtClean="0">
-              <a:solidFill>
-                <a:srgbClr val="F8F8F2"/>
-              </a:solidFill>
-              <a:latin typeface="Monaco" charset="0"/>
-            </a:endParaRPr>
           </a:p>
           <a:p>
             <a:pPr>
@@ -31112,11 +31097,7 @@
           <a:p>
             <a:r>
               <a:rPr lang="en-US" dirty="0" smtClean="0"/>
-              <a:t>DOM Practice </a:t>
-            </a:r>
-            <a:r>
-              <a:rPr lang="en-US" dirty="0" smtClean="0"/>
-              <a:t>01.01</a:t>
+              <a:t>DOM Practice 01.01</a:t>
             </a:r>
             <a:endParaRPr lang="en-US" dirty="0"/>
           </a:p>
@@ -31245,11 +31226,7 @@
           <a:p>
             <a:r>
               <a:rPr lang="en-US" dirty="0" smtClean="0"/>
-              <a:t>DOM Practice </a:t>
-            </a:r>
-            <a:r>
-              <a:rPr lang="en-US" dirty="0" smtClean="0"/>
-              <a:t>01.02</a:t>
+              <a:t>DOM Practice 01.02</a:t>
             </a:r>
             <a:endParaRPr lang="en-US" dirty="0"/>
           </a:p>
@@ -31777,11 +31754,7 @@
           <a:p>
             <a:r>
               <a:rPr lang="en-US" dirty="0" smtClean="0"/>
-              <a:t>DOM Practice </a:t>
-            </a:r>
-            <a:r>
-              <a:rPr lang="en-US" dirty="0" smtClean="0"/>
-              <a:t>01.03</a:t>
+              <a:t>DOM Practice 01.03</a:t>
             </a:r>
             <a:endParaRPr lang="en-US" dirty="0"/>
           </a:p>
@@ -31840,11 +31813,7 @@
             </a:pPr>
             <a:r>
               <a:rPr lang="en-US" sz="2600" dirty="0" smtClean="0"/>
-              <a:t>Create </a:t>
-            </a:r>
-            <a:r>
-              <a:rPr lang="en-US" sz="2600" dirty="0" smtClean="0"/>
-              <a:t>a post with markup using JavaScript</a:t>
+              <a:t>Create a post with markup using JavaScript</a:t>
             </a:r>
           </a:p>
           <a:p>
@@ -31985,11 +31954,7 @@
           <a:p>
             <a:r>
               <a:rPr lang="en-US" dirty="0" smtClean="0"/>
-              <a:t>DOM Practice </a:t>
-            </a:r>
-            <a:r>
-              <a:rPr lang="en-US" dirty="0" smtClean="0"/>
-              <a:t>**</a:t>
+              <a:t>DOM Practice **</a:t>
             </a:r>
             <a:endParaRPr lang="en-US" dirty="0"/>
           </a:p>
@@ -32048,11 +32013,7 @@
             </a:pPr>
             <a:r>
               <a:rPr lang="en-US" sz="2400" dirty="0" smtClean="0"/>
-              <a:t>Write </a:t>
-            </a:r>
-            <a:r>
-              <a:rPr lang="en-US" sz="2400" dirty="0" smtClean="0"/>
-              <a:t>a function to append post content to the page</a:t>
+              <a:t>Write a function to append post content to the page</a:t>
             </a:r>
           </a:p>
           <a:p>
@@ -32162,11 +32123,7 @@
           <a:p>
             <a:r>
               <a:rPr lang="en-US" dirty="0" smtClean="0"/>
-              <a:t>DOM Practice </a:t>
-            </a:r>
-            <a:r>
-              <a:rPr lang="en-US" dirty="0" smtClean="0"/>
-              <a:t>**</a:t>
+              <a:t>DOM Practice **</a:t>
             </a:r>
             <a:endParaRPr lang="en-US" dirty="0"/>
           </a:p>
@@ -32225,11 +32182,7 @@
             </a:pPr>
             <a:r>
               <a:rPr lang="en-US" sz="2400" dirty="0" smtClean="0"/>
-              <a:t>Create </a:t>
-            </a:r>
-            <a:r>
-              <a:rPr lang="en-US" sz="2400" dirty="0" smtClean="0"/>
-              <a:t>a form with preset values</a:t>
+              <a:t>Create a form with preset values</a:t>
             </a:r>
           </a:p>
           <a:p>
@@ -34438,7 +34391,7 @@
         </p:spPr>
         <p:txBody>
           <a:bodyPr>
-            <a:normAutofit lnSpcReduction="10000"/>
+            <a:normAutofit/>
           </a:bodyPr>
           <a:lstStyle/>
           <a:p>
@@ -34570,7 +34523,7 @@
               <a:t> </a:t>
             </a:r>
             <a:r>
-              <a:rPr lang="en-US" sz="2000" dirty="0" err="1">
+              <a:rPr lang="en-US" sz="2000" dirty="0" err="1" smtClean="0">
                 <a:solidFill>
                   <a:srgbClr val="A6E22E"/>
                 </a:solidFill>
@@ -34579,139 +34532,57 @@
               <a:t>sayHi</a:t>
             </a:r>
             <a:r>
-              <a:rPr lang="en-US" sz="2000" dirty="0">
+              <a:rPr lang="en-US" sz="2000" dirty="0" smtClean="0">
                 <a:solidFill>
                   <a:srgbClr val="F8F8F2"/>
                 </a:solidFill>
                 <a:latin typeface="Monaco" charset="0"/>
               </a:rPr>
-              <a:t>() {</a:t>
-            </a:r>
-          </a:p>
-          <a:p>
+              <a:t>( </a:t>
+            </a:r>
             <a:r>
               <a:rPr lang="en-US" sz="2000" dirty="0" smtClean="0">
                 <a:solidFill>
+                  <a:srgbClr val="A6E22E"/>
+                </a:solidFill>
+                <a:latin typeface="Monaco" charset="0"/>
+              </a:rPr>
+              <a:t>e </a:t>
+            </a:r>
+            <a:r>
+              <a:rPr lang="en-US" sz="2000" dirty="0" smtClean="0">
+                <a:solidFill>
                   <a:srgbClr val="F8F8F2"/>
                 </a:solidFill>
                 <a:latin typeface="Monaco" charset="0"/>
               </a:rPr>
-              <a:t>  </a:t>
+              <a:t>) { </a:t>
             </a:r>
             <a:r>
               <a:rPr lang="en-US" sz="2000" dirty="0" smtClean="0">
                 <a:solidFill>
+                  <a:schemeClr val="bg1">
+                    <a:lumMod val="50000"/>
+                  </a:schemeClr>
+                </a:solidFill>
+                <a:latin typeface="Monaco" charset="0"/>
+              </a:rPr>
+              <a:t>// e is the event object</a:t>
+            </a:r>
+            <a:endParaRPr lang="en-US" sz="2000" dirty="0">
+              <a:solidFill>
+                <a:schemeClr val="bg1">
+                  <a:lumMod val="50000"/>
+                </a:schemeClr>
+              </a:solidFill>
+              <a:latin typeface="Monaco" charset="0"/>
+            </a:endParaRPr>
+          </a:p>
+          <a:p>
+            <a:r>
+              <a:rPr lang="en-US" sz="2000" dirty="0" smtClean="0">
+                <a:solidFill>
                   <a:srgbClr val="A6E22E"/>
-                </a:solidFill>
-                <a:latin typeface="Monaco" charset="0"/>
-              </a:rPr>
-              <a:t>e</a:t>
-            </a:r>
-            <a:r>
-              <a:rPr lang="en-US" sz="2000" dirty="0" smtClean="0">
-                <a:solidFill>
-                  <a:srgbClr val="F8F8F2"/>
-                </a:solidFill>
-                <a:latin typeface="Monaco" charset="0"/>
-              </a:rPr>
-              <a:t> </a:t>
-            </a:r>
-            <a:r>
-              <a:rPr lang="en-US" sz="2000" dirty="0">
-                <a:solidFill>
-                  <a:srgbClr val="F92672"/>
-                </a:solidFill>
-                <a:latin typeface="Monaco" charset="0"/>
-              </a:rPr>
-              <a:t>=</a:t>
-            </a:r>
-            <a:r>
-              <a:rPr lang="en-US" sz="2000" dirty="0">
-                <a:solidFill>
-                  <a:srgbClr val="F8F8F2"/>
-                </a:solidFill>
-                <a:latin typeface="Monaco" charset="0"/>
-              </a:rPr>
-              <a:t> </a:t>
-            </a:r>
-            <a:r>
-              <a:rPr lang="en-US" sz="2000" dirty="0">
-                <a:solidFill>
-                  <a:srgbClr val="A6E22E"/>
-                </a:solidFill>
-                <a:latin typeface="Monaco" charset="0"/>
-              </a:rPr>
-              <a:t>arguments</a:t>
-            </a:r>
-            <a:r>
-              <a:rPr lang="en-US" sz="2000" dirty="0">
-                <a:solidFill>
-                  <a:srgbClr val="F8F8F2"/>
-                </a:solidFill>
-                <a:latin typeface="Monaco" charset="0"/>
-              </a:rPr>
-              <a:t>[</a:t>
-            </a:r>
-            <a:r>
-              <a:rPr lang="en-US" sz="2000" dirty="0">
-                <a:solidFill>
-                  <a:srgbClr val="AE81FF"/>
-                </a:solidFill>
-                <a:latin typeface="Monaco" charset="0"/>
-              </a:rPr>
-              <a:t>0</a:t>
-            </a:r>
-            <a:r>
-              <a:rPr lang="en-US" sz="2000" dirty="0">
-                <a:solidFill>
-                  <a:srgbClr val="F8F8F2"/>
-                </a:solidFill>
-                <a:latin typeface="Monaco" charset="0"/>
-              </a:rPr>
-              <a:t>] </a:t>
-            </a:r>
-            <a:r>
-              <a:rPr lang="en-US" sz="2000" dirty="0">
-                <a:solidFill>
-                  <a:srgbClr val="F92672"/>
-                </a:solidFill>
-                <a:latin typeface="Monaco" charset="0"/>
-              </a:rPr>
-              <a:t>||</a:t>
-            </a:r>
-            <a:r>
-              <a:rPr lang="en-US" sz="2000" dirty="0">
-                <a:solidFill>
-                  <a:srgbClr val="F8F8F2"/>
-                </a:solidFill>
-                <a:latin typeface="Monaco" charset="0"/>
-              </a:rPr>
-              <a:t> </a:t>
-            </a:r>
-            <a:r>
-              <a:rPr lang="en-US" sz="2000" dirty="0">
-                <a:solidFill>
-                  <a:srgbClr val="A6E22E"/>
-                </a:solidFill>
-                <a:latin typeface="Monaco" charset="0"/>
-              </a:rPr>
-              <a:t>event</a:t>
-            </a:r>
-            <a:r>
-              <a:rPr lang="en-US" sz="2000" dirty="0">
-                <a:solidFill>
-                  <a:srgbClr val="F8F8F2"/>
-                </a:solidFill>
-                <a:latin typeface="Monaco" charset="0"/>
-              </a:rPr>
-              <a:t>;</a:t>
-            </a:r>
-          </a:p>
-          <a:p>
-            <a:r>
-              <a:rPr lang="en-US" sz="2000" dirty="0" smtClean="0">
-                <a:solidFill>
-                  <a:srgbClr val="F8F8F2"/>
                 </a:solidFill>
                 <a:latin typeface="Monaco" charset="0"/>
               </a:rPr>
@@ -35342,67 +35213,6 @@
                       </p:childTnLst>
                     </p:cTn>
                   </p:par>
-                  <p:par>
-                    <p:cTn id="33" fill="hold">
-                      <p:stCondLst>
-                        <p:cond delay="indefinite"/>
-                      </p:stCondLst>
-                      <p:childTnLst>
-                        <p:par>
-                          <p:cTn id="34" fill="hold">
-                            <p:stCondLst>
-                              <p:cond delay="0"/>
-                            </p:stCondLst>
-                            <p:childTnLst>
-                              <p:par>
-                                <p:cTn id="35" presetID="10" presetClass="entr" presetSubtype="0" fill="hold" grpId="0" nodeType="clickEffect">
-                                  <p:stCondLst>
-                                    <p:cond delay="0"/>
-                                  </p:stCondLst>
-                                  <p:childTnLst>
-                                    <p:set>
-                                      <p:cBhvr>
-                                        <p:cTn id="36" dur="1" fill="hold">
-                                          <p:stCondLst>
-                                            <p:cond delay="0"/>
-                                          </p:stCondLst>
-                                        </p:cTn>
-                                        <p:tgtEl>
-                                          <p:spTgt spid="2">
-                                            <p:txEl>
-                                              <p:pRg st="7" end="7"/>
-                                            </p:txEl>
-                                          </p:spTgt>
-                                        </p:tgtEl>
-                                        <p:attrNameLst>
-                                          <p:attrName>style.visibility</p:attrName>
-                                        </p:attrNameLst>
-                                      </p:cBhvr>
-                                      <p:to>
-                                        <p:strVal val="visible"/>
-                                      </p:to>
-                                    </p:set>
-                                    <p:animEffect transition="in" filter="fade">
-                                      <p:cBhvr>
-                                        <p:cTn id="37" dur="500"/>
-                                        <p:tgtEl>
-                                          <p:spTgt spid="2">
-                                            <p:txEl>
-                                              <p:pRg st="7" end="7"/>
-                                            </p:txEl>
-                                          </p:spTgt>
-                                        </p:tgtEl>
-                                      </p:cBhvr>
-                                    </p:animEffect>
-                                  </p:childTnLst>
-                                </p:cTn>
-                              </p:par>
-                            </p:childTnLst>
-                          </p:cTn>
-                        </p:par>
-                      </p:childTnLst>
-                    </p:cTn>
-                  </p:par>
                 </p:childTnLst>
               </p:cTn>
               <p:prevCondLst>
@@ -36601,11 +36411,7 @@
           <a:p>
             <a:r>
               <a:rPr lang="en-US" dirty="0" smtClean="0"/>
-              <a:t>Events Practice </a:t>
-            </a:r>
-            <a:r>
-              <a:rPr lang="en-US" dirty="0" smtClean="0"/>
-              <a:t>02.01</a:t>
+              <a:t>Events Practice 02.01</a:t>
             </a:r>
             <a:endParaRPr lang="en-US" dirty="0"/>
           </a:p>
@@ -36720,11 +36526,7 @@
           <a:p>
             <a:r>
               <a:rPr lang="en-US" dirty="0" smtClean="0"/>
-              <a:t>Events Practice </a:t>
-            </a:r>
-            <a:r>
-              <a:rPr lang="en-US" dirty="0" smtClean="0"/>
-              <a:t>02.02</a:t>
+              <a:t>Events Practice 02.02</a:t>
             </a:r>
             <a:endParaRPr lang="en-US" dirty="0"/>
           </a:p>
@@ -36834,11 +36636,7 @@
           <a:p>
             <a:r>
               <a:rPr lang="en-US" dirty="0" smtClean="0"/>
-              <a:t>Events Practice </a:t>
-            </a:r>
-            <a:r>
-              <a:rPr lang="en-US" dirty="0" smtClean="0"/>
-              <a:t>02.03</a:t>
+              <a:t>Events Practice 02.03</a:t>
             </a:r>
             <a:endParaRPr lang="en-US" dirty="0"/>
           </a:p>
@@ -40319,16 +40117,7 @@
                 </a:solidFill>
                 <a:latin typeface="Monaco" charset="0"/>
               </a:rPr>
-              <a:t>'https</a:t>
-            </a:r>
-            <a:r>
-              <a:rPr lang="en-US" sz="1800" dirty="0" smtClean="0">
-                <a:solidFill>
-                  <a:srgbClr val="E6DB74"/>
-                </a:solidFill>
-                <a:latin typeface="Monaco" charset="0"/>
-              </a:rPr>
-              <a:t>://</a:t>
+              <a:t>'https://</a:t>
             </a:r>
             <a:r>
               <a:rPr lang="en-US" sz="1800" dirty="0" err="1" smtClean="0">
@@ -42271,11 +42060,7 @@
           <a:p>
             <a:r>
               <a:rPr lang="en-US" dirty="0" smtClean="0"/>
-              <a:t>JSON Practice </a:t>
-            </a:r>
-            <a:r>
-              <a:rPr lang="en-US" dirty="0" smtClean="0"/>
-              <a:t>03.01</a:t>
+              <a:t>JSON Practice 03.01</a:t>
             </a:r>
             <a:endParaRPr lang="en-US" dirty="0"/>
           </a:p>
@@ -42398,11 +42183,7 @@
           <a:p>
             <a:r>
               <a:rPr lang="en-US" dirty="0" smtClean="0"/>
-              <a:t>JSON Practice </a:t>
-            </a:r>
-            <a:r>
-              <a:rPr lang="en-US" dirty="0" smtClean="0"/>
-              <a:t>03.02</a:t>
+              <a:t>JSON Practice 03.02</a:t>
             </a:r>
             <a:endParaRPr lang="en-US" dirty="0"/>
           </a:p>
@@ -42525,11 +42306,7 @@
           <a:p>
             <a:r>
               <a:rPr lang="en-US" dirty="0" smtClean="0"/>
-              <a:t>JSON Practice </a:t>
-            </a:r>
-            <a:r>
-              <a:rPr lang="en-US" dirty="0" smtClean="0"/>
-              <a:t>03.03</a:t>
+              <a:t>JSON Practice 03.03</a:t>
             </a:r>
             <a:endParaRPr lang="en-US" dirty="0"/>
           </a:p>
@@ -42892,7 +42669,6 @@
               <a:rPr lang="en-US" dirty="0" smtClean="0"/>
               <a:t> theme to your WP site</a:t>
             </a:r>
-            <a:endParaRPr lang="en-US" dirty="0" smtClean="0"/>
           </a:p>
           <a:p>
             <a:pPr marL="457200" indent="-457200">
